--- a/Python-Meetup/20210523/深度学习简介.pptx
+++ b/Python-Meetup/20210523/深度学习简介.pptx
@@ -15,14 +15,16 @@
     <p:sldId id="262" r:id="rId9"/>
     <p:sldId id="263" r:id="rId10"/>
     <p:sldId id="265" r:id="rId11"/>
-    <p:sldId id="267" r:id="rId12"/>
-    <p:sldId id="268" r:id="rId13"/>
-    <p:sldId id="269" r:id="rId14"/>
-    <p:sldId id="270" r:id="rId15"/>
-    <p:sldId id="271" r:id="rId16"/>
-    <p:sldId id="272" r:id="rId17"/>
-    <p:sldId id="273" r:id="rId18"/>
-    <p:sldId id="274" r:id="rId19"/>
+    <p:sldId id="275" r:id="rId12"/>
+    <p:sldId id="267" r:id="rId13"/>
+    <p:sldId id="268" r:id="rId14"/>
+    <p:sldId id="269" r:id="rId15"/>
+    <p:sldId id="270" r:id="rId16"/>
+    <p:sldId id="276" r:id="rId17"/>
+    <p:sldId id="271" r:id="rId18"/>
+    <p:sldId id="272" r:id="rId19"/>
+    <p:sldId id="273" r:id="rId20"/>
+    <p:sldId id="274" r:id="rId21"/>
   </p:sldIdLst>
   <p:sldSz cx="12192000" cy="6858000"/>
   <p:notesSz cx="6858000" cy="9144000"/>
@@ -877,15 +879,15 @@
 </file>
 
 <file path=ppt/diagrams/colors2.xml><?xml version="1.0" encoding="utf-8"?>
-<dgm:colorsDef xmlns:dgm="http://schemas.openxmlformats.org/drawingml/2006/diagram" xmlns:a="http://schemas.openxmlformats.org/drawingml/2006/main" uniqueId="urn:microsoft.com/office/officeart/2005/8/colors/accent4_2">
+<dgm:colorsDef xmlns:dgm="http://schemas.openxmlformats.org/drawingml/2006/diagram" xmlns:a="http://schemas.openxmlformats.org/drawingml/2006/main" uniqueId="urn:microsoft.com/office/officeart/2005/8/colors/accent3_2">
   <dgm:title val=""/>
   <dgm:desc val=""/>
   <dgm:catLst>
-    <dgm:cat type="accent4" pri="11200"/>
+    <dgm:cat type="accent3" pri="11200"/>
   </dgm:catLst>
   <dgm:styleLbl name="node0">
     <dgm:fillClrLst meth="repeat">
-      <a:schemeClr val="accent4"/>
+      <a:schemeClr val="accent3"/>
     </dgm:fillClrLst>
     <dgm:linClrLst meth="repeat">
       <a:schemeClr val="lt1"/>
@@ -897,7 +899,7 @@
   </dgm:styleLbl>
   <dgm:styleLbl name="node1">
     <dgm:fillClrLst meth="repeat">
-      <a:schemeClr val="accent4"/>
+      <a:schemeClr val="accent3"/>
     </dgm:fillClrLst>
     <dgm:linClrLst meth="repeat">
       <a:schemeClr val="lt1"/>
@@ -909,10 +911,10 @@
   </dgm:styleLbl>
   <dgm:styleLbl name="alignNode1">
     <dgm:fillClrLst meth="repeat">
-      <a:schemeClr val="accent4"/>
+      <a:schemeClr val="accent3"/>
     </dgm:fillClrLst>
     <dgm:linClrLst meth="repeat">
-      <a:schemeClr val="accent4"/>
+      <a:schemeClr val="accent3"/>
     </dgm:linClrLst>
     <dgm:effectClrLst/>
     <dgm:txLinClrLst/>
@@ -921,7 +923,7 @@
   </dgm:styleLbl>
   <dgm:styleLbl name="lnNode1">
     <dgm:fillClrLst meth="repeat">
-      <a:schemeClr val="accent4"/>
+      <a:schemeClr val="accent3"/>
     </dgm:fillClrLst>
     <dgm:linClrLst meth="repeat">
       <a:schemeClr val="lt1"/>
@@ -933,7 +935,7 @@
   </dgm:styleLbl>
   <dgm:styleLbl name="vennNode1">
     <dgm:fillClrLst meth="repeat">
-      <a:schemeClr val="accent4">
+      <a:schemeClr val="accent3">
         <a:alpha val="50000"/>
       </a:schemeClr>
     </dgm:fillClrLst>
@@ -947,7 +949,7 @@
   </dgm:styleLbl>
   <dgm:styleLbl name="node2">
     <dgm:fillClrLst meth="repeat">
-      <a:schemeClr val="accent4"/>
+      <a:schemeClr val="accent3"/>
     </dgm:fillClrLst>
     <dgm:linClrLst meth="repeat">
       <a:schemeClr val="lt1"/>
@@ -959,7 +961,7 @@
   </dgm:styleLbl>
   <dgm:styleLbl name="node3">
     <dgm:fillClrLst meth="repeat">
-      <a:schemeClr val="accent4"/>
+      <a:schemeClr val="accent3"/>
     </dgm:fillClrLst>
     <dgm:linClrLst meth="repeat">
       <a:schemeClr val="lt1"/>
@@ -971,7 +973,7 @@
   </dgm:styleLbl>
   <dgm:styleLbl name="node4">
     <dgm:fillClrLst meth="repeat">
-      <a:schemeClr val="accent4"/>
+      <a:schemeClr val="accent3"/>
     </dgm:fillClrLst>
     <dgm:linClrLst meth="repeat">
       <a:schemeClr val="lt1"/>
@@ -983,7 +985,7 @@
   </dgm:styleLbl>
   <dgm:styleLbl name="fgImgPlace1">
     <dgm:fillClrLst meth="repeat">
-      <a:schemeClr val="accent4">
+      <a:schemeClr val="accent3">
         <a:tint val="50000"/>
       </a:schemeClr>
     </dgm:fillClrLst>
@@ -999,7 +1001,7 @@
   </dgm:styleLbl>
   <dgm:styleLbl name="alignImgPlace1">
     <dgm:fillClrLst meth="repeat">
-      <a:schemeClr val="accent4">
+      <a:schemeClr val="accent3">
         <a:tint val="50000"/>
       </a:schemeClr>
     </dgm:fillClrLst>
@@ -1015,7 +1017,7 @@
   </dgm:styleLbl>
   <dgm:styleLbl name="bgImgPlace1">
     <dgm:fillClrLst meth="repeat">
-      <a:schemeClr val="accent4">
+      <a:schemeClr val="accent3">
         <a:tint val="50000"/>
       </a:schemeClr>
     </dgm:fillClrLst>
@@ -1031,12 +1033,12 @@
   </dgm:styleLbl>
   <dgm:styleLbl name="sibTrans2D1">
     <dgm:fillClrLst meth="repeat">
-      <a:schemeClr val="accent4">
+      <a:schemeClr val="accent3">
         <a:tint val="60000"/>
       </a:schemeClr>
     </dgm:fillClrLst>
     <dgm:linClrLst meth="repeat">
-      <a:schemeClr val="accent4">
+      <a:schemeClr val="accent3">
         <a:tint val="60000"/>
       </a:schemeClr>
     </dgm:linClrLst>
@@ -1047,12 +1049,12 @@
   </dgm:styleLbl>
   <dgm:styleLbl name="fgSibTrans2D1">
     <dgm:fillClrLst meth="repeat">
-      <a:schemeClr val="accent4">
+      <a:schemeClr val="accent3">
         <a:tint val="60000"/>
       </a:schemeClr>
     </dgm:fillClrLst>
     <dgm:linClrLst meth="repeat">
-      <a:schemeClr val="accent4">
+      <a:schemeClr val="accent3">
         <a:tint val="60000"/>
       </a:schemeClr>
     </dgm:linClrLst>
@@ -1063,12 +1065,12 @@
   </dgm:styleLbl>
   <dgm:styleLbl name="bgSibTrans2D1">
     <dgm:fillClrLst meth="repeat">
-      <a:schemeClr val="accent4">
+      <a:schemeClr val="accent3">
         <a:tint val="60000"/>
       </a:schemeClr>
     </dgm:fillClrLst>
     <dgm:linClrLst meth="repeat">
-      <a:schemeClr val="accent4">
+      <a:schemeClr val="accent3">
         <a:tint val="60000"/>
       </a:schemeClr>
     </dgm:linClrLst>
@@ -1079,10 +1081,10 @@
   </dgm:styleLbl>
   <dgm:styleLbl name="sibTrans1D1">
     <dgm:fillClrLst meth="repeat">
-      <a:schemeClr val="accent4"/>
+      <a:schemeClr val="accent3"/>
     </dgm:fillClrLst>
     <dgm:linClrLst meth="repeat">
-      <a:schemeClr val="accent4"/>
+      <a:schemeClr val="accent3"/>
     </dgm:linClrLst>
     <dgm:effectClrLst/>
     <dgm:txLinClrLst/>
@@ -1093,10 +1095,10 @@
   </dgm:styleLbl>
   <dgm:styleLbl name="callout">
     <dgm:fillClrLst meth="repeat">
-      <a:schemeClr val="accent4"/>
+      <a:schemeClr val="accent3"/>
     </dgm:fillClrLst>
     <dgm:linClrLst meth="repeat">
-      <a:schemeClr val="accent4">
+      <a:schemeClr val="accent3">
         <a:tint val="50000"/>
       </a:schemeClr>
     </dgm:linClrLst>
@@ -1109,7 +1111,7 @@
   </dgm:styleLbl>
   <dgm:styleLbl name="asst0">
     <dgm:fillClrLst meth="repeat">
-      <a:schemeClr val="accent4"/>
+      <a:schemeClr val="accent3"/>
     </dgm:fillClrLst>
     <dgm:linClrLst meth="repeat">
       <a:schemeClr val="lt1"/>
@@ -1121,7 +1123,7 @@
   </dgm:styleLbl>
   <dgm:styleLbl name="asst1">
     <dgm:fillClrLst meth="repeat">
-      <a:schemeClr val="accent4"/>
+      <a:schemeClr val="accent3"/>
     </dgm:fillClrLst>
     <dgm:linClrLst meth="repeat">
       <a:schemeClr val="lt1"/>
@@ -1133,7 +1135,7 @@
   </dgm:styleLbl>
   <dgm:styleLbl name="asst2">
     <dgm:fillClrLst meth="repeat">
-      <a:schemeClr val="accent4"/>
+      <a:schemeClr val="accent3"/>
     </dgm:fillClrLst>
     <dgm:linClrLst meth="repeat">
       <a:schemeClr val="lt1"/>
@@ -1145,7 +1147,7 @@
   </dgm:styleLbl>
   <dgm:styleLbl name="asst3">
     <dgm:fillClrLst meth="repeat">
-      <a:schemeClr val="accent4"/>
+      <a:schemeClr val="accent3"/>
     </dgm:fillClrLst>
     <dgm:linClrLst meth="repeat">
       <a:schemeClr val="lt1"/>
@@ -1157,7 +1159,7 @@
   </dgm:styleLbl>
   <dgm:styleLbl name="asst4">
     <dgm:fillClrLst meth="repeat">
-      <a:schemeClr val="accent4"/>
+      <a:schemeClr val="accent3"/>
     </dgm:fillClrLst>
     <dgm:linClrLst meth="repeat">
       <a:schemeClr val="lt1"/>
@@ -1169,12 +1171,12 @@
   </dgm:styleLbl>
   <dgm:styleLbl name="parChTrans2D1">
     <dgm:fillClrLst meth="repeat">
-      <a:schemeClr val="accent4">
+      <a:schemeClr val="accent3">
         <a:tint val="60000"/>
       </a:schemeClr>
     </dgm:fillClrLst>
     <dgm:linClrLst meth="repeat">
-      <a:schemeClr val="accent4">
+      <a:schemeClr val="accent3">
         <a:tint val="60000"/>
       </a:schemeClr>
     </dgm:linClrLst>
@@ -1187,10 +1189,10 @@
   </dgm:styleLbl>
   <dgm:styleLbl name="parChTrans2D2">
     <dgm:fillClrLst meth="repeat">
-      <a:schemeClr val="accent4"/>
+      <a:schemeClr val="accent3"/>
     </dgm:fillClrLst>
     <dgm:linClrLst meth="repeat">
-      <a:schemeClr val="accent4"/>
+      <a:schemeClr val="accent3"/>
     </dgm:linClrLst>
     <dgm:effectClrLst/>
     <dgm:txLinClrLst/>
@@ -1201,10 +1203,10 @@
   </dgm:styleLbl>
   <dgm:styleLbl name="parChTrans2D3">
     <dgm:fillClrLst meth="repeat">
-      <a:schemeClr val="accent4"/>
+      <a:schemeClr val="accent3"/>
     </dgm:fillClrLst>
     <dgm:linClrLst meth="repeat">
-      <a:schemeClr val="accent4"/>
+      <a:schemeClr val="accent3"/>
     </dgm:linClrLst>
     <dgm:effectClrLst/>
     <dgm:txLinClrLst/>
@@ -1215,10 +1217,10 @@
   </dgm:styleLbl>
   <dgm:styleLbl name="parChTrans2D4">
     <dgm:fillClrLst meth="repeat">
-      <a:schemeClr val="accent4"/>
+      <a:schemeClr val="accent3"/>
     </dgm:fillClrLst>
     <dgm:linClrLst meth="repeat">
-      <a:schemeClr val="accent4"/>
+      <a:schemeClr val="accent3"/>
     </dgm:linClrLst>
     <dgm:effectClrLst/>
     <dgm:txLinClrLst/>
@@ -1229,10 +1231,10 @@
   </dgm:styleLbl>
   <dgm:styleLbl name="parChTrans1D1">
     <dgm:fillClrLst meth="repeat">
-      <a:schemeClr val="accent4"/>
+      <a:schemeClr val="accent3"/>
     </dgm:fillClrLst>
     <dgm:linClrLst meth="repeat">
-      <a:schemeClr val="accent4">
+      <a:schemeClr val="accent3">
         <a:shade val="60000"/>
       </a:schemeClr>
     </dgm:linClrLst>
@@ -1245,10 +1247,10 @@
   </dgm:styleLbl>
   <dgm:styleLbl name="parChTrans1D2">
     <dgm:fillClrLst meth="repeat">
-      <a:schemeClr val="accent4"/>
+      <a:schemeClr val="accent3"/>
     </dgm:fillClrLst>
     <dgm:linClrLst meth="repeat">
-      <a:schemeClr val="accent4">
+      <a:schemeClr val="accent3">
         <a:shade val="60000"/>
       </a:schemeClr>
     </dgm:linClrLst>
@@ -1261,10 +1263,10 @@
   </dgm:styleLbl>
   <dgm:styleLbl name="parChTrans1D3">
     <dgm:fillClrLst meth="repeat">
-      <a:schemeClr val="accent4"/>
+      <a:schemeClr val="accent3"/>
     </dgm:fillClrLst>
     <dgm:linClrLst meth="repeat">
-      <a:schemeClr val="accent4">
+      <a:schemeClr val="accent3">
         <a:shade val="80000"/>
       </a:schemeClr>
     </dgm:linClrLst>
@@ -1277,10 +1279,10 @@
   </dgm:styleLbl>
   <dgm:styleLbl name="parChTrans1D4">
     <dgm:fillClrLst meth="repeat">
-      <a:schemeClr val="accent4"/>
+      <a:schemeClr val="accent3"/>
     </dgm:fillClrLst>
     <dgm:linClrLst meth="repeat">
-      <a:schemeClr val="accent4">
+      <a:schemeClr val="accent3">
         <a:shade val="80000"/>
       </a:schemeClr>
     </dgm:linClrLst>
@@ -1298,7 +1300,7 @@
       </a:schemeClr>
     </dgm:fillClrLst>
     <dgm:linClrLst meth="repeat">
-      <a:schemeClr val="accent4"/>
+      <a:schemeClr val="accent3"/>
     </dgm:linClrLst>
     <dgm:effectClrLst/>
     <dgm:txLinClrLst/>
@@ -1314,7 +1316,7 @@
       </a:schemeClr>
     </dgm:fillClrLst>
     <dgm:linClrLst meth="repeat">
-      <a:schemeClr val="accent4"/>
+      <a:schemeClr val="accent3"/>
     </dgm:linClrLst>
     <dgm:effectClrLst/>
     <dgm:txLinClrLst/>
@@ -1330,7 +1332,7 @@
       </a:schemeClr>
     </dgm:fillClrLst>
     <dgm:linClrLst meth="repeat">
-      <a:schemeClr val="accent4"/>
+      <a:schemeClr val="accent3"/>
     </dgm:linClrLst>
     <dgm:effectClrLst/>
     <dgm:txLinClrLst/>
@@ -1346,7 +1348,7 @@
       </a:schemeClr>
     </dgm:fillClrLst>
     <dgm:linClrLst meth="repeat">
-      <a:schemeClr val="accent4"/>
+      <a:schemeClr val="accent3"/>
     </dgm:linClrLst>
     <dgm:effectClrLst/>
     <dgm:txLinClrLst/>
@@ -1362,7 +1364,7 @@
       </a:schemeClr>
     </dgm:fillClrLst>
     <dgm:linClrLst meth="repeat">
-      <a:schemeClr val="accent4"/>
+      <a:schemeClr val="accent3"/>
     </dgm:linClrLst>
     <dgm:effectClrLst/>
     <dgm:txLinClrLst/>
@@ -1376,7 +1378,7 @@
       <a:schemeClr val="lt1"/>
     </dgm:fillClrLst>
     <dgm:linClrLst meth="repeat">
-      <a:schemeClr val="accent4"/>
+      <a:schemeClr val="accent3"/>
     </dgm:linClrLst>
     <dgm:effectClrLst/>
     <dgm:txLinClrLst/>
@@ -1390,7 +1392,7 @@
       <a:schemeClr val="lt1"/>
     </dgm:fillClrLst>
     <dgm:linClrLst meth="repeat">
-      <a:schemeClr val="accent4"/>
+      <a:schemeClr val="accent3"/>
     </dgm:linClrLst>
     <dgm:effectClrLst/>
     <dgm:txLinClrLst/>
@@ -1404,7 +1406,7 @@
       <a:schemeClr val="lt1"/>
     </dgm:fillClrLst>
     <dgm:linClrLst meth="repeat">
-      <a:schemeClr val="accent4"/>
+      <a:schemeClr val="accent3"/>
     </dgm:linClrLst>
     <dgm:effectClrLst/>
     <dgm:txLinClrLst/>
@@ -1415,13 +1417,13 @@
   </dgm:styleLbl>
   <dgm:styleLbl name="fgAccFollowNode1">
     <dgm:fillClrLst meth="repeat">
-      <a:schemeClr val="accent4">
+      <a:schemeClr val="accent3">
         <a:alpha val="90000"/>
         <a:tint val="40000"/>
       </a:schemeClr>
     </dgm:fillClrLst>
     <dgm:linClrLst meth="repeat">
-      <a:schemeClr val="accent4">
+      <a:schemeClr val="accent3">
         <a:alpha val="90000"/>
         <a:tint val="40000"/>
       </a:schemeClr>
@@ -1435,13 +1437,13 @@
   </dgm:styleLbl>
   <dgm:styleLbl name="alignAccFollowNode1">
     <dgm:fillClrLst meth="repeat">
-      <a:schemeClr val="accent4">
+      <a:schemeClr val="accent3">
         <a:alpha val="90000"/>
         <a:tint val="40000"/>
       </a:schemeClr>
     </dgm:fillClrLst>
     <dgm:linClrLst meth="repeat">
-      <a:schemeClr val="accent4">
+      <a:schemeClr val="accent3">
         <a:alpha val="90000"/>
         <a:tint val="40000"/>
       </a:schemeClr>
@@ -1455,13 +1457,13 @@
   </dgm:styleLbl>
   <dgm:styleLbl name="bgAccFollowNode1">
     <dgm:fillClrLst meth="repeat">
-      <a:schemeClr val="accent4">
+      <a:schemeClr val="accent3">
         <a:alpha val="90000"/>
         <a:tint val="40000"/>
       </a:schemeClr>
     </dgm:fillClrLst>
     <dgm:linClrLst meth="repeat">
-      <a:schemeClr val="accent4">
+      <a:schemeClr val="accent3">
         <a:alpha val="90000"/>
         <a:tint val="40000"/>
       </a:schemeClr>
@@ -1480,7 +1482,7 @@
       </a:schemeClr>
     </dgm:fillClrLst>
     <dgm:linClrLst meth="repeat">
-      <a:schemeClr val="accent4"/>
+      <a:schemeClr val="accent3"/>
     </dgm:linClrLst>
     <dgm:effectClrLst/>
     <dgm:txLinClrLst/>
@@ -1496,7 +1498,7 @@
       </a:schemeClr>
     </dgm:fillClrLst>
     <dgm:linClrLst meth="repeat">
-      <a:schemeClr val="accent4"/>
+      <a:schemeClr val="accent3"/>
     </dgm:linClrLst>
     <dgm:effectClrLst/>
     <dgm:txLinClrLst/>
@@ -1512,7 +1514,7 @@
       </a:schemeClr>
     </dgm:fillClrLst>
     <dgm:linClrLst meth="repeat">
-      <a:schemeClr val="accent4"/>
+      <a:schemeClr val="accent3"/>
     </dgm:linClrLst>
     <dgm:effectClrLst/>
     <dgm:txLinClrLst/>
@@ -1528,7 +1530,7 @@
       </a:schemeClr>
     </dgm:fillClrLst>
     <dgm:linClrLst meth="repeat">
-      <a:schemeClr val="accent4"/>
+      <a:schemeClr val="accent3"/>
     </dgm:linClrLst>
     <dgm:effectClrLst/>
     <dgm:txLinClrLst/>
@@ -1539,12 +1541,12 @@
   </dgm:styleLbl>
   <dgm:styleLbl name="bgShp">
     <dgm:fillClrLst meth="repeat">
-      <a:schemeClr val="accent4">
+      <a:schemeClr val="accent3">
         <a:tint val="40000"/>
       </a:schemeClr>
     </dgm:fillClrLst>
     <dgm:linClrLst meth="repeat">
-      <a:schemeClr val="accent4"/>
+      <a:schemeClr val="accent3"/>
     </dgm:linClrLst>
     <dgm:effectClrLst/>
     <dgm:txLinClrLst/>
@@ -1555,12 +1557,12 @@
   </dgm:styleLbl>
   <dgm:styleLbl name="dkBgShp">
     <dgm:fillClrLst meth="repeat">
-      <a:schemeClr val="accent4">
+      <a:schemeClr val="accent3">
         <a:shade val="80000"/>
       </a:schemeClr>
     </dgm:fillClrLst>
     <dgm:linClrLst meth="repeat">
-      <a:schemeClr val="accent4"/>
+      <a:schemeClr val="accent3"/>
     </dgm:linClrLst>
     <dgm:effectClrLst/>
     <dgm:txLinClrLst/>
@@ -1571,13 +1573,13 @@
   </dgm:styleLbl>
   <dgm:styleLbl name="trBgShp">
     <dgm:fillClrLst meth="repeat">
-      <a:schemeClr val="accent4">
+      <a:schemeClr val="accent3">
         <a:tint val="50000"/>
         <a:alpha val="40000"/>
       </a:schemeClr>
     </dgm:fillClrLst>
     <dgm:linClrLst meth="repeat">
-      <a:schemeClr val="accent4"/>
+      <a:schemeClr val="accent3"/>
     </dgm:linClrLst>
     <dgm:effectClrLst/>
     <dgm:txLinClrLst/>
@@ -1588,7 +1590,7 @@
   </dgm:styleLbl>
   <dgm:styleLbl name="fgShp">
     <dgm:fillClrLst meth="repeat">
-      <a:schemeClr val="accent4">
+      <a:schemeClr val="accent3">
         <a:tint val="60000"/>
       </a:schemeClr>
     </dgm:fillClrLst>
@@ -1900,7 +1902,7 @@
 <dgm:dataModel xmlns:dgm="http://schemas.openxmlformats.org/drawingml/2006/diagram" xmlns:a="http://schemas.openxmlformats.org/drawingml/2006/main">
   <dgm:ptLst>
     <dgm:pt modelId="{62385819-96F9-A247-984D-7B66BF8CA31D}" type="doc">
-      <dgm:prSet loTypeId="urn:microsoft.com/office/officeart/2005/8/layout/cycle2" loCatId="" qsTypeId="urn:microsoft.com/office/officeart/2005/8/quickstyle/simple1" qsCatId="simple" csTypeId="urn:microsoft.com/office/officeart/2005/8/colors/accent4_2" csCatId="accent4" phldr="1"/>
+      <dgm:prSet loTypeId="urn:microsoft.com/office/officeart/2005/8/layout/cycle2" loCatId="" qsTypeId="urn:microsoft.com/office/officeart/2005/8/quickstyle/simple1" qsCatId="simple" csTypeId="urn:microsoft.com/office/officeart/2005/8/colors/accent3_2" csCatId="accent3" phldr="1"/>
       <dgm:spPr/>
       <dgm:t>
         <a:bodyPr/>
@@ -2791,7 +2793,7 @@
           <a:avLst/>
         </a:prstGeom>
         <a:solidFill>
-          <a:schemeClr val="accent4">
+          <a:schemeClr val="accent3">
             <a:hueOff val="0"/>
             <a:satOff val="0"/>
             <a:lumOff val="0"/>
@@ -2871,7 +2873,7 @@
           </a:avLst>
         </a:prstGeom>
         <a:solidFill>
-          <a:schemeClr val="accent4">
+          <a:schemeClr val="accent3">
             <a:tint val="60000"/>
             <a:hueOff val="0"/>
             <a:satOff val="0"/>
@@ -2938,7 +2940,7 @@
           <a:avLst/>
         </a:prstGeom>
         <a:solidFill>
-          <a:schemeClr val="accent4">
+          <a:schemeClr val="accent3">
             <a:hueOff val="0"/>
             <a:satOff val="0"/>
             <a:lumOff val="0"/>
@@ -3018,7 +3020,7 @@
           </a:avLst>
         </a:prstGeom>
         <a:solidFill>
-          <a:schemeClr val="accent4">
+          <a:schemeClr val="accent3">
             <a:tint val="60000"/>
             <a:hueOff val="0"/>
             <a:satOff val="0"/>
@@ -3085,7 +3087,7 @@
           <a:avLst/>
         </a:prstGeom>
         <a:solidFill>
-          <a:schemeClr val="accent4">
+          <a:schemeClr val="accent3">
             <a:hueOff val="0"/>
             <a:satOff val="0"/>
             <a:lumOff val="0"/>
@@ -3165,7 +3167,7 @@
           </a:avLst>
         </a:prstGeom>
         <a:solidFill>
-          <a:schemeClr val="accent4">
+          <a:schemeClr val="accent3">
             <a:tint val="60000"/>
             <a:hueOff val="0"/>
             <a:satOff val="0"/>
@@ -3232,7 +3234,7 @@
           <a:avLst/>
         </a:prstGeom>
         <a:solidFill>
-          <a:schemeClr val="accent4">
+          <a:schemeClr val="accent3">
             <a:hueOff val="0"/>
             <a:satOff val="0"/>
             <a:lumOff val="0"/>
@@ -3312,7 +3314,7 @@
           </a:avLst>
         </a:prstGeom>
         <a:solidFill>
-          <a:schemeClr val="accent4">
+          <a:schemeClr val="accent3">
             <a:tint val="60000"/>
             <a:hueOff val="0"/>
             <a:satOff val="0"/>
@@ -6077,7 +6079,7 @@
             <a:fld id="{B61BEF0D-F0BB-DE4B-95CE-6DB70DBA9567}" type="datetimeFigureOut">
               <a:rPr lang="en-US" smtClean="0"/>
               <a:pPr/>
-              <a:t>5/4/21</a:t>
+              <a:t>5/10/21</a:t>
             </a:fld>
             <a:endParaRPr lang="en-US" dirty="0"/>
           </a:p>
@@ -6414,7 +6416,7 @@
             <a:fld id="{B61BEF0D-F0BB-DE4B-95CE-6DB70DBA9567}" type="datetimeFigureOut">
               <a:rPr lang="en-US" smtClean="0"/>
               <a:pPr/>
-              <a:t>5/4/21</a:t>
+              <a:t>5/10/21</a:t>
             </a:fld>
             <a:endParaRPr lang="en-US" dirty="0"/>
           </a:p>
@@ -6719,7 +6721,7 @@
             <a:fld id="{B61BEF0D-F0BB-DE4B-95CE-6DB70DBA9567}" type="datetimeFigureOut">
               <a:rPr lang="en-US" smtClean="0"/>
               <a:pPr/>
-              <a:t>5/4/21</a:t>
+              <a:t>5/10/21</a:t>
             </a:fld>
             <a:endParaRPr lang="en-US" dirty="0"/>
           </a:p>
@@ -6969,7 +6971,7 @@
             <a:fld id="{B61BEF0D-F0BB-DE4B-95CE-6DB70DBA9567}" type="datetimeFigureOut">
               <a:rPr lang="en-US" smtClean="0"/>
               <a:pPr/>
-              <a:t>5/4/21</a:t>
+              <a:t>5/10/21</a:t>
             </a:fld>
             <a:endParaRPr lang="en-US" dirty="0"/>
           </a:p>
@@ -7379,7 +7381,7 @@
             <a:fld id="{B61BEF0D-F0BB-DE4B-95CE-6DB70DBA9567}" type="datetimeFigureOut">
               <a:rPr lang="en-US" smtClean="0"/>
               <a:pPr/>
-              <a:t>5/4/21</a:t>
+              <a:t>5/10/21</a:t>
             </a:fld>
             <a:endParaRPr lang="en-US" dirty="0"/>
           </a:p>
@@ -7696,7 +7698,7 @@
             <a:fld id="{B61BEF0D-F0BB-DE4B-95CE-6DB70DBA9567}" type="datetimeFigureOut">
               <a:rPr lang="en-US" smtClean="0"/>
               <a:pPr/>
-              <a:t>5/4/21</a:t>
+              <a:t>5/10/21</a:t>
             </a:fld>
             <a:endParaRPr lang="en-US" dirty="0"/>
           </a:p>
@@ -8243,7 +8245,7 @@
             <a:fld id="{B61BEF0D-F0BB-DE4B-95CE-6DB70DBA9567}" type="datetimeFigureOut">
               <a:rPr lang="en-US" smtClean="0"/>
               <a:pPr/>
-              <a:t>5/4/21</a:t>
+              <a:t>5/10/21</a:t>
             </a:fld>
             <a:endParaRPr lang="en-US" dirty="0"/>
           </a:p>
@@ -8441,7 +8443,7 @@
             <a:fld id="{B61BEF0D-F0BB-DE4B-95CE-6DB70DBA9567}" type="datetimeFigureOut">
               <a:rPr lang="en-US" smtClean="0"/>
               <a:pPr/>
-              <a:t>5/4/21</a:t>
+              <a:t>5/10/21</a:t>
             </a:fld>
             <a:endParaRPr lang="en-US" dirty="0"/>
           </a:p>
@@ -8657,7 +8659,7 @@
             <a:fld id="{B61BEF0D-F0BB-DE4B-95CE-6DB70DBA9567}" type="datetimeFigureOut">
               <a:rPr lang="en-US" smtClean="0"/>
               <a:pPr/>
-              <a:t>5/4/21</a:t>
+              <a:t>5/10/21</a:t>
             </a:fld>
             <a:endParaRPr lang="en-US" dirty="0"/>
           </a:p>
@@ -9029,7 +9031,7 @@
             <a:fld id="{B61BEF0D-F0BB-DE4B-95CE-6DB70DBA9567}" type="datetimeFigureOut">
               <a:rPr lang="en-US" smtClean="0"/>
               <a:pPr/>
-              <a:t>5/4/21</a:t>
+              <a:t>5/10/21</a:t>
             </a:fld>
             <a:endParaRPr lang="en-US" dirty="0"/>
           </a:p>
@@ -9435,7 +9437,7 @@
             <a:fld id="{B61BEF0D-F0BB-DE4B-95CE-6DB70DBA9567}" type="datetimeFigureOut">
               <a:rPr lang="en-US" smtClean="0"/>
               <a:pPr/>
-              <a:t>5/4/21</a:t>
+              <a:t>5/10/21</a:t>
             </a:fld>
             <a:endParaRPr lang="en-US" dirty="0"/>
           </a:p>
@@ -9749,7 +9751,7 @@
             <a:fld id="{B61BEF0D-F0BB-DE4B-95CE-6DB70DBA9567}" type="datetimeFigureOut">
               <a:rPr lang="en-US" smtClean="0"/>
               <a:pPr/>
-              <a:t>5/4/21</a:t>
+              <a:t>5/10/21</a:t>
             </a:fld>
             <a:endParaRPr lang="en-US" dirty="0"/>
           </a:p>
@@ -10317,46 +10319,35 @@
         </p:nvSpPr>
         <p:spPr/>
         <p:txBody>
-          <a:bodyPr/>
+          <a:bodyPr>
+            <a:normAutofit/>
+          </a:bodyPr>
           <a:lstStyle/>
           <a:p>
             <a:r>
-              <a:rPr kumimoji="1" lang="en-US" altLang="zh-CN" dirty="0"/>
-              <a:t>An</a:t>
-            </a:r>
-            <a:r>
-              <a:rPr kumimoji="1" lang="zh-CN" altLang="en-US" dirty="0"/>
-              <a:t> </a:t>
-            </a:r>
-            <a:r>
-              <a:rPr kumimoji="1" lang="en-US" altLang="zh-CN" dirty="0"/>
-              <a:t>Introduction</a:t>
-            </a:r>
-            <a:r>
-              <a:rPr kumimoji="1" lang="zh-CN" altLang="en-US" dirty="0"/>
-              <a:t> </a:t>
-            </a:r>
-            <a:r>
-              <a:rPr kumimoji="1" lang="en-US" altLang="zh-CN" dirty="0"/>
-              <a:t>To</a:t>
-            </a:r>
-            <a:r>
-              <a:rPr kumimoji="1" lang="zh-CN" altLang="en-US" dirty="0"/>
-              <a:t> </a:t>
-            </a:r>
-            <a:r>
-              <a:rPr kumimoji="1" lang="en-US" altLang="zh-CN" dirty="0"/>
-              <a:t>Deep</a:t>
-            </a:r>
-            <a:r>
-              <a:rPr kumimoji="1" lang="zh-CN" altLang="en-US" dirty="0"/>
-              <a:t> </a:t>
-            </a:r>
-            <a:r>
-              <a:rPr kumimoji="1" lang="en-US" altLang="zh-CN" dirty="0"/>
-              <a:t>Learning</a:t>
-            </a:r>
-            <a:endParaRPr kumimoji="1" lang="zh-CN" altLang="en-US" dirty="0"/>
+              <a:rPr kumimoji="1" lang="zh-CN" altLang="en-US" sz="2400" dirty="0">
+                <a:solidFill>
+                  <a:schemeClr val="accent3"/>
+                </a:solidFill>
+              </a:rPr>
+              <a:t>主讲人：</a:t>
+            </a:r>
+            <a:r>
+              <a:rPr kumimoji="1" lang="en-US" altLang="zh-CN" sz="2400" dirty="0">
+                <a:solidFill>
+                  <a:schemeClr val="accent3"/>
+                </a:solidFill>
+              </a:rPr>
+              <a:t>Ai</a:t>
+            </a:r>
+            <a:r>
+              <a:rPr kumimoji="1" lang="zh-CN" altLang="en-US" sz="2400" dirty="0">
+                <a:solidFill>
+                  <a:schemeClr val="accent3"/>
+                </a:solidFill>
+              </a:rPr>
+              <a:t>兔兔</a:t>
+            </a:r>
           </a:p>
         </p:txBody>
       </p:sp>
@@ -10559,6 +10550,555 @@
           <a:p>
             <a:r>
               <a:rPr kumimoji="1" lang="zh-CN" altLang="en-US" dirty="0"/>
+              <a:t>神经网络的诞生</a:t>
+            </a:r>
+          </a:p>
+        </p:txBody>
+      </p:sp>
+      <p:sp>
+        <p:nvSpPr>
+          <p:cNvPr id="5" name="文本框 4">
+            <a:extLst>
+              <a:ext uri="{FF2B5EF4-FFF2-40B4-BE49-F238E27FC236}">
+                <a16:creationId xmlns:a16="http://schemas.microsoft.com/office/drawing/2014/main" id="{61361211-81D7-B145-BF19-ADAD6A2F8525}"/>
+              </a:ext>
+            </a:extLst>
+          </p:cNvPr>
+          <p:cNvSpPr txBox="1"/>
+          <p:nvPr/>
+        </p:nvSpPr>
+        <p:spPr>
+          <a:xfrm>
+            <a:off x="1564511" y="1885285"/>
+            <a:ext cx="9062977" cy="2718501"/>
+          </a:xfrm>
+          <a:prstGeom prst="rect">
+            <a:avLst/>
+          </a:prstGeom>
+          <a:noFill/>
+        </p:spPr>
+        <p:txBody>
+          <a:bodyPr wrap="square" rtlCol="0">
+            <a:spAutoFit/>
+          </a:bodyPr>
+          <a:lstStyle/>
+          <a:p>
+            <a:pPr>
+              <a:lnSpc>
+                <a:spcPct val="120000"/>
+              </a:lnSpc>
+            </a:pPr>
+            <a:r>
+              <a:rPr lang="zh-CN" altLang="en-US" dirty="0"/>
+              <a:t>人工神经网络（</a:t>
+            </a:r>
+            <a:r>
+              <a:rPr lang="en-US" altLang="zh-CN" dirty="0"/>
+              <a:t> Artificial Neural Network </a:t>
+            </a:r>
+            <a:r>
+              <a:rPr lang="zh-CN" altLang="en-US" dirty="0"/>
+              <a:t>），简称神经网络或类神经网络。</a:t>
+            </a:r>
+            <a:endParaRPr lang="en-US" altLang="zh-CN" dirty="0"/>
+          </a:p>
+          <a:p>
+            <a:pPr>
+              <a:lnSpc>
+                <a:spcPct val="120000"/>
+              </a:lnSpc>
+            </a:pPr>
+            <a:endParaRPr kumimoji="1" lang="en-US" altLang="zh-CN" dirty="0"/>
+          </a:p>
+          <a:p>
+            <a:pPr marL="285750" indent="-285750">
+              <a:lnSpc>
+                <a:spcPct val="120000"/>
+              </a:lnSpc>
+              <a:buFontTx/>
+              <a:buChar char="-"/>
+            </a:pPr>
+            <a:r>
+              <a:rPr kumimoji="1" lang="en-US" altLang="zh-CN" dirty="0"/>
+              <a:t>1943</a:t>
+            </a:r>
+            <a:r>
+              <a:rPr kumimoji="1" lang="zh-CN" altLang="en-US" dirty="0"/>
+              <a:t>年，沃伦</a:t>
+            </a:r>
+            <a:r>
+              <a:rPr kumimoji="1" lang="en-US" altLang="zh-CN" dirty="0"/>
+              <a:t>·</a:t>
+            </a:r>
+            <a:r>
+              <a:rPr kumimoji="1" lang="zh-CN" altLang="en-US" dirty="0"/>
+              <a:t>麦卡洛克和沃尔特</a:t>
+            </a:r>
+            <a:r>
+              <a:rPr kumimoji="1" lang="en-US" altLang="zh-CN" dirty="0"/>
+              <a:t>·</a:t>
+            </a:r>
+            <a:r>
+              <a:rPr kumimoji="1" lang="zh-CN" altLang="en-US" dirty="0"/>
+              <a:t>皮茨，基于数学和阈值逻辑算法提出一种计算模型。</a:t>
+            </a:r>
+            <a:endParaRPr kumimoji="1" lang="en-US" altLang="zh-CN" dirty="0"/>
+          </a:p>
+          <a:p>
+            <a:pPr marL="742950" lvl="1" indent="-285750">
+              <a:lnSpc>
+                <a:spcPct val="120000"/>
+              </a:lnSpc>
+              <a:buFontTx/>
+              <a:buChar char="-"/>
+            </a:pPr>
+            <a:r>
+              <a:rPr kumimoji="1" lang="zh-CN" altLang="en-US" dirty="0"/>
+              <a:t>导致</a:t>
+            </a:r>
+            <a:r>
+              <a:rPr kumimoji="1" lang="zh-CN" altLang="en-US" dirty="0">
+                <a:solidFill>
+                  <a:schemeClr val="accent1"/>
+                </a:solidFill>
+              </a:rPr>
+              <a:t>研究思路分裂成两种</a:t>
+            </a:r>
+            <a:r>
+              <a:rPr kumimoji="1" lang="zh-CN" altLang="en-US" dirty="0"/>
+              <a:t>：关注大脑中的生物学过程 和 关注神经网络在人工智能中的应用。</a:t>
+            </a:r>
+            <a:endParaRPr kumimoji="1" lang="en-US" altLang="zh-CN" dirty="0"/>
+          </a:p>
+          <a:p>
+            <a:pPr marL="285750" indent="-285750">
+              <a:lnSpc>
+                <a:spcPct val="120000"/>
+              </a:lnSpc>
+              <a:buFontTx/>
+              <a:buChar char="-"/>
+            </a:pPr>
+            <a:r>
+              <a:rPr kumimoji="1" lang="en-US" altLang="zh-CN" dirty="0"/>
+              <a:t>1954</a:t>
+            </a:r>
+            <a:r>
+              <a:rPr kumimoji="1" lang="zh-CN" altLang="en-US" dirty="0"/>
+              <a:t>年，法利和韦斯利</a:t>
+            </a:r>
+            <a:r>
+              <a:rPr kumimoji="1" lang="en-US" altLang="zh-CN" dirty="0"/>
+              <a:t>·A·</a:t>
+            </a:r>
+            <a:r>
+              <a:rPr kumimoji="1" lang="zh-CN" altLang="en-US" dirty="0"/>
+              <a:t>克拉克，首次使用计算机模拟赫布网络。</a:t>
+            </a:r>
+            <a:endParaRPr kumimoji="1" lang="en-US" altLang="zh-CN" dirty="0"/>
+          </a:p>
+          <a:p>
+            <a:pPr marL="285750" indent="-285750">
+              <a:lnSpc>
+                <a:spcPct val="120000"/>
+              </a:lnSpc>
+              <a:buFontTx/>
+              <a:buChar char="-"/>
+            </a:pPr>
+            <a:r>
+              <a:rPr kumimoji="1" lang="en-US" altLang="zh-CN" dirty="0"/>
+              <a:t>1958</a:t>
+            </a:r>
+            <a:r>
+              <a:rPr kumimoji="1" lang="zh-CN" altLang="en-US" dirty="0"/>
+              <a:t>年，弗兰克</a:t>
+            </a:r>
+            <a:r>
+              <a:rPr kumimoji="1" lang="en-US" altLang="zh-CN" dirty="0"/>
+              <a:t>·</a:t>
+            </a:r>
+            <a:r>
+              <a:rPr kumimoji="1" lang="zh-CN" altLang="en-US" dirty="0"/>
+              <a:t>罗森布拉特，创造了感知机。</a:t>
+            </a:r>
+            <a:endParaRPr kumimoji="1" lang="en-US" altLang="zh-CN" dirty="0"/>
+          </a:p>
+          <a:p>
+            <a:pPr marL="285750" indent="-285750">
+              <a:lnSpc>
+                <a:spcPct val="120000"/>
+              </a:lnSpc>
+              <a:buFontTx/>
+              <a:buChar char="-"/>
+            </a:pPr>
+            <a:r>
+              <a:rPr kumimoji="1" lang="en-US" altLang="zh-CN" dirty="0"/>
+              <a:t>1975</a:t>
+            </a:r>
+            <a:r>
+              <a:rPr kumimoji="1" lang="zh-CN" altLang="en-US" dirty="0"/>
+              <a:t>年，保罗</a:t>
+            </a:r>
+            <a:r>
+              <a:rPr kumimoji="1" lang="en-US" altLang="zh-CN" dirty="0"/>
+              <a:t>·</a:t>
+            </a:r>
+            <a:r>
+              <a:rPr kumimoji="1" lang="zh-CN" altLang="en-US" dirty="0"/>
+              <a:t>韦伯斯，创造了反向传播算法。</a:t>
+            </a:r>
+          </a:p>
+        </p:txBody>
+      </p:sp>
+      <p:grpSp>
+        <p:nvGrpSpPr>
+          <p:cNvPr id="8" name="组合 7">
+            <a:extLst>
+              <a:ext uri="{FF2B5EF4-FFF2-40B4-BE49-F238E27FC236}">
+                <a16:creationId xmlns:a16="http://schemas.microsoft.com/office/drawing/2014/main" id="{59DF608B-1E56-E54D-8B12-F8FBC0EA1AFB}"/>
+              </a:ext>
+            </a:extLst>
+          </p:cNvPr>
+          <p:cNvGrpSpPr/>
+          <p:nvPr/>
+        </p:nvGrpSpPr>
+        <p:grpSpPr>
+          <a:xfrm>
+            <a:off x="7193778" y="4200613"/>
+            <a:ext cx="3376361" cy="2650015"/>
+            <a:chOff x="7193778" y="4200613"/>
+            <a:chExt cx="3376361" cy="2650015"/>
+          </a:xfrm>
+        </p:grpSpPr>
+        <p:pic>
+          <p:nvPicPr>
+            <p:cNvPr id="6" name="图片 5">
+              <a:extLst>
+                <a:ext uri="{FF2B5EF4-FFF2-40B4-BE49-F238E27FC236}">
+                  <a16:creationId xmlns:a16="http://schemas.microsoft.com/office/drawing/2014/main" id="{82E353BF-4F06-4146-9291-F48A168AB17F}"/>
+                </a:ext>
+              </a:extLst>
+            </p:cNvPr>
+            <p:cNvPicPr>
+              <a:picLocks noChangeAspect="1"/>
+            </p:cNvPicPr>
+            <p:nvPr/>
+          </p:nvPicPr>
+          <p:blipFill>
+            <a:blip r:embed="rId2">
+              <a:alphaModFix amt="85000"/>
+              <a:extLst>
+                <a:ext uri="{BEBA8EAE-BF5A-486C-A8C5-ECC9F3942E4B}">
+                  <a14:imgProps xmlns:a14="http://schemas.microsoft.com/office/drawing/2010/main">
+                    <a14:imgLayer r:embed="rId3">
+                      <a14:imgEffect>
+                        <a14:colorTemperature colorTemp="5300"/>
+                      </a14:imgEffect>
+                    </a14:imgLayer>
+                  </a14:imgProps>
+                </a:ext>
+              </a:extLst>
+            </a:blip>
+            <a:stretch>
+              <a:fillRect/>
+            </a:stretch>
+          </p:blipFill>
+          <p:spPr>
+            <a:xfrm>
+              <a:off x="7193778" y="4603786"/>
+              <a:ext cx="3376361" cy="1843671"/>
+            </a:xfrm>
+            <a:prstGeom prst="rect">
+              <a:avLst/>
+            </a:prstGeom>
+          </p:spPr>
+        </p:pic>
+        <p:sp>
+          <p:nvSpPr>
+            <p:cNvPr id="7" name="十字形 6">
+              <a:extLst>
+                <a:ext uri="{FF2B5EF4-FFF2-40B4-BE49-F238E27FC236}">
+                  <a16:creationId xmlns:a16="http://schemas.microsoft.com/office/drawing/2014/main" id="{7584A697-50A4-8A42-9A99-DB2BD65EBE27}"/>
+                </a:ext>
+              </a:extLst>
+            </p:cNvPr>
+            <p:cNvSpPr/>
+            <p:nvPr/>
+          </p:nvSpPr>
+          <p:spPr>
+            <a:xfrm rot="2698501">
+              <a:off x="7556950" y="4200613"/>
+              <a:ext cx="2650015" cy="2650015"/>
+            </a:xfrm>
+            <a:prstGeom prst="plus">
+              <a:avLst>
+                <a:gd name="adj" fmla="val 46483"/>
+              </a:avLst>
+            </a:prstGeom>
+          </p:spPr>
+          <p:style>
+            <a:lnRef idx="2">
+              <a:schemeClr val="accent3">
+                <a:shade val="50000"/>
+              </a:schemeClr>
+            </a:lnRef>
+            <a:fillRef idx="1">
+              <a:schemeClr val="accent3"/>
+            </a:fillRef>
+            <a:effectRef idx="0">
+              <a:schemeClr val="accent3"/>
+            </a:effectRef>
+            <a:fontRef idx="minor">
+              <a:schemeClr val="lt1"/>
+            </a:fontRef>
+          </p:style>
+          <p:txBody>
+            <a:bodyPr rtlCol="0" anchor="ctr"/>
+            <a:lstStyle/>
+            <a:p>
+              <a:pPr algn="ctr"/>
+              <a:endParaRPr kumimoji="1" lang="zh-CN" altLang="en-US"/>
+            </a:p>
+          </p:txBody>
+        </p:sp>
+      </p:grpSp>
+    </p:spTree>
+    <p:extLst>
+      <p:ext uri="{BB962C8B-B14F-4D97-AF65-F5344CB8AC3E}">
+        <p14:creationId xmlns:p14="http://schemas.microsoft.com/office/powerpoint/2010/main" val="3646784110"/>
+      </p:ext>
+    </p:extLst>
+  </p:cSld>
+  <p:clrMapOvr>
+    <a:masterClrMapping/>
+  </p:clrMapOvr>
+  <p:timing>
+    <p:tnLst>
+      <p:par>
+        <p:cTn id="1" dur="indefinite" restart="never" nodeType="tmRoot">
+          <p:childTnLst>
+            <p:seq concurrent="1" nextAc="seek">
+              <p:cTn id="2" dur="indefinite" nodeType="mainSeq">
+                <p:childTnLst>
+                  <p:par>
+                    <p:cTn id="3" fill="hold">
+                      <p:stCondLst>
+                        <p:cond delay="indefinite"/>
+                      </p:stCondLst>
+                      <p:childTnLst>
+                        <p:par>
+                          <p:cTn id="4" fill="hold">
+                            <p:stCondLst>
+                              <p:cond delay="0"/>
+                            </p:stCondLst>
+                            <p:childTnLst>
+                              <p:par>
+                                <p:cTn id="5" presetID="9" presetClass="entr" presetSubtype="0" fill="hold" grpId="0" nodeType="clickEffect">
+                                  <p:stCondLst>
+                                    <p:cond delay="0"/>
+                                  </p:stCondLst>
+                                  <p:childTnLst>
+                                    <p:set>
+                                      <p:cBhvr>
+                                        <p:cTn id="6" dur="1" fill="hold">
+                                          <p:stCondLst>
+                                            <p:cond delay="0"/>
+                                          </p:stCondLst>
+                                        </p:cTn>
+                                        <p:tgtEl>
+                                          <p:spTgt spid="5"/>
+                                        </p:tgtEl>
+                                        <p:attrNameLst>
+                                          <p:attrName>style.visibility</p:attrName>
+                                        </p:attrNameLst>
+                                      </p:cBhvr>
+                                      <p:to>
+                                        <p:strVal val="visible"/>
+                                      </p:to>
+                                    </p:set>
+                                    <p:animEffect transition="in" filter="dissolve">
+                                      <p:cBhvr>
+                                        <p:cTn id="7" dur="500"/>
+                                        <p:tgtEl>
+                                          <p:spTgt spid="5"/>
+                                        </p:tgtEl>
+                                      </p:cBhvr>
+                                    </p:animEffect>
+                                  </p:childTnLst>
+                                </p:cTn>
+                              </p:par>
+                            </p:childTnLst>
+                          </p:cTn>
+                        </p:par>
+                      </p:childTnLst>
+                    </p:cTn>
+                  </p:par>
+                  <p:par>
+                    <p:cTn id="8" fill="hold">
+                      <p:stCondLst>
+                        <p:cond delay="indefinite"/>
+                      </p:stCondLst>
+                      <p:childTnLst>
+                        <p:par>
+                          <p:cTn id="9" fill="hold">
+                            <p:stCondLst>
+                              <p:cond delay="0"/>
+                            </p:stCondLst>
+                            <p:childTnLst>
+                              <p:par>
+                                <p:cTn id="10" presetID="55" presetClass="entr" presetSubtype="0" fill="hold" nodeType="clickEffect">
+                                  <p:stCondLst>
+                                    <p:cond delay="0"/>
+                                  </p:stCondLst>
+                                  <p:childTnLst>
+                                    <p:set>
+                                      <p:cBhvr>
+                                        <p:cTn id="11" dur="1" fill="hold">
+                                          <p:stCondLst>
+                                            <p:cond delay="0"/>
+                                          </p:stCondLst>
+                                        </p:cTn>
+                                        <p:tgtEl>
+                                          <p:spTgt spid="8"/>
+                                        </p:tgtEl>
+                                        <p:attrNameLst>
+                                          <p:attrName>style.visibility</p:attrName>
+                                        </p:attrNameLst>
+                                      </p:cBhvr>
+                                      <p:to>
+                                        <p:strVal val="visible"/>
+                                      </p:to>
+                                    </p:set>
+                                    <p:anim calcmode="lin" valueType="num">
+                                      <p:cBhvr>
+                                        <p:cTn id="12" dur="500" fill="hold"/>
+                                        <p:tgtEl>
+                                          <p:spTgt spid="8"/>
+                                        </p:tgtEl>
+                                        <p:attrNameLst>
+                                          <p:attrName>ppt_w</p:attrName>
+                                        </p:attrNameLst>
+                                      </p:cBhvr>
+                                      <p:tavLst>
+                                        <p:tav tm="0">
+                                          <p:val>
+                                            <p:strVal val="#ppt_w*0.70"/>
+                                          </p:val>
+                                        </p:tav>
+                                        <p:tav tm="100000">
+                                          <p:val>
+                                            <p:strVal val="#ppt_w"/>
+                                          </p:val>
+                                        </p:tav>
+                                      </p:tavLst>
+                                    </p:anim>
+                                    <p:anim calcmode="lin" valueType="num">
+                                      <p:cBhvr>
+                                        <p:cTn id="13" dur="500" fill="hold"/>
+                                        <p:tgtEl>
+                                          <p:spTgt spid="8"/>
+                                        </p:tgtEl>
+                                        <p:attrNameLst>
+                                          <p:attrName>ppt_h</p:attrName>
+                                        </p:attrNameLst>
+                                      </p:cBhvr>
+                                      <p:tavLst>
+                                        <p:tav tm="0">
+                                          <p:val>
+                                            <p:strVal val="#ppt_h"/>
+                                          </p:val>
+                                        </p:tav>
+                                        <p:tav tm="100000">
+                                          <p:val>
+                                            <p:strVal val="#ppt_h"/>
+                                          </p:val>
+                                        </p:tav>
+                                      </p:tavLst>
+                                    </p:anim>
+                                    <p:animEffect transition="in" filter="fade">
+                                      <p:cBhvr>
+                                        <p:cTn id="14" dur="500"/>
+                                        <p:tgtEl>
+                                          <p:spTgt spid="8"/>
+                                        </p:tgtEl>
+                                      </p:cBhvr>
+                                    </p:animEffect>
+                                  </p:childTnLst>
+                                </p:cTn>
+                              </p:par>
+                            </p:childTnLst>
+                          </p:cTn>
+                        </p:par>
+                      </p:childTnLst>
+                    </p:cTn>
+                  </p:par>
+                </p:childTnLst>
+              </p:cTn>
+              <p:prevCondLst>
+                <p:cond evt="onPrev" delay="0">
+                  <p:tgtEl>
+                    <p:sldTgt/>
+                  </p:tgtEl>
+                </p:cond>
+              </p:prevCondLst>
+              <p:nextCondLst>
+                <p:cond evt="onNext" delay="0">
+                  <p:tgtEl>
+                    <p:sldTgt/>
+                  </p:tgtEl>
+                </p:cond>
+              </p:nextCondLst>
+            </p:seq>
+          </p:childTnLst>
+        </p:cTn>
+      </p:par>
+    </p:tnLst>
+    <p:bldLst>
+      <p:bldP spid="5" grpId="0"/>
+    </p:bldLst>
+  </p:timing>
+</p:sld>
+</file>
+
+<file path=ppt/slides/slide12.xml><?xml version="1.0" encoding="utf-8"?>
+<p:sld xmlns:a="http://schemas.openxmlformats.org/drawingml/2006/main" xmlns:r="http://schemas.openxmlformats.org/officeDocument/2006/relationships" xmlns:p="http://schemas.openxmlformats.org/presentationml/2006/main">
+  <p:cSld>
+    <p:spTree>
+      <p:nvGrpSpPr>
+        <p:cNvPr id="1" name=""/>
+        <p:cNvGrpSpPr/>
+        <p:nvPr/>
+      </p:nvGrpSpPr>
+      <p:grpSpPr>
+        <a:xfrm>
+          <a:off x="0" y="0"/>
+          <a:ext cx="0" cy="0"/>
+          <a:chOff x="0" y="0"/>
+          <a:chExt cx="0" cy="0"/>
+        </a:xfrm>
+      </p:grpSpPr>
+      <p:sp>
+        <p:nvSpPr>
+          <p:cNvPr id="2" name="标题 1">
+            <a:extLst>
+              <a:ext uri="{FF2B5EF4-FFF2-40B4-BE49-F238E27FC236}">
+                <a16:creationId xmlns:a16="http://schemas.microsoft.com/office/drawing/2014/main" id="{5AFF8BDD-28CF-8B46-B9A9-C1F3F0E5EDB2}"/>
+              </a:ext>
+            </a:extLst>
+          </p:cNvPr>
+          <p:cNvSpPr>
+            <a:spLocks noGrp="1"/>
+          </p:cNvSpPr>
+          <p:nvPr>
+            <p:ph type="title"/>
+          </p:nvPr>
+        </p:nvSpPr>
+        <p:spPr/>
+        <p:txBody>
+          <a:bodyPr/>
+          <a:lstStyle/>
+          <a:p>
+            <a:r>
+              <a:rPr kumimoji="1" lang="zh-CN" altLang="en-US" dirty="0"/>
               <a:t>深度学习的原理</a:t>
             </a:r>
           </a:p>
@@ -10764,8 +11304,12 @@
               <a:buChar char="-"/>
             </a:pPr>
             <a:r>
+              <a:rPr lang="en-US" altLang="zh-CN" dirty="0"/>
+              <a:t>1989</a:t>
+            </a:r>
+            <a:r>
               <a:rPr lang="zh-CN" altLang="en-US" dirty="0"/>
-              <a:t>乔治</a:t>
+              <a:t>年，乔治</a:t>
             </a:r>
             <a:r>
               <a:rPr lang="en-US" altLang="zh-CN" dirty="0"/>
@@ -10773,27 +11317,7 @@
             </a:r>
             <a:r>
               <a:rPr lang="zh-CN" altLang="en-US" dirty="0"/>
-              <a:t>西本科（英语：</a:t>
-            </a:r>
-            <a:r>
-              <a:rPr lang="en-US" altLang="zh-CN" dirty="0"/>
-              <a:t> George </a:t>
-            </a:r>
-            <a:r>
-              <a:rPr lang="en-US" altLang="zh-CN" dirty="0" err="1"/>
-              <a:t>Cybenko</a:t>
-            </a:r>
-            <a:r>
-              <a:rPr lang="zh-CN" altLang="en-US" dirty="0"/>
-              <a:t>），</a:t>
-            </a:r>
-            <a:r>
-              <a:rPr lang="en-US" altLang="zh-CN" dirty="0"/>
-              <a:t>1989</a:t>
-            </a:r>
-            <a:r>
-              <a:rPr lang="zh-CN" altLang="en-US" dirty="0"/>
-              <a:t>年证明</a:t>
+              <a:t>西本科，证明</a:t>
             </a:r>
             <a:endParaRPr lang="en-US" altLang="zh-CN" dirty="0"/>
           </a:p>
@@ -10826,8 +11350,12 @@
               <a:buChar char="-"/>
             </a:pPr>
             <a:r>
+              <a:rPr lang="en-US" altLang="zh-CN" dirty="0"/>
+              <a:t>1991</a:t>
+            </a:r>
+            <a:r>
               <a:rPr lang="zh-CN" altLang="en-US" dirty="0"/>
-              <a:t>科特</a:t>
+              <a:t>年，科特</a:t>
             </a:r>
             <a:r>
               <a:rPr lang="en-US" altLang="zh-CN" dirty="0"/>
@@ -10835,27 +11363,7 @@
             </a:r>
             <a:r>
               <a:rPr lang="zh-CN" altLang="en-US" dirty="0"/>
-              <a:t>霍尼克（英语：</a:t>
-            </a:r>
-            <a:r>
-              <a:rPr lang="en-US" altLang="zh-CN" dirty="0"/>
-              <a:t>Kurt </a:t>
-            </a:r>
-            <a:r>
-              <a:rPr lang="en-US" altLang="zh-CN" dirty="0" err="1"/>
-              <a:t>Hornik</a:t>
-            </a:r>
-            <a:r>
-              <a:rPr lang="zh-CN" altLang="en-US" dirty="0"/>
-              <a:t>），</a:t>
-            </a:r>
-            <a:r>
-              <a:rPr lang="en-US" altLang="zh-CN" dirty="0"/>
-              <a:t>1991</a:t>
-            </a:r>
-            <a:r>
-              <a:rPr lang="zh-CN" altLang="en-US" dirty="0"/>
-              <a:t>年证明 </a:t>
+              <a:t>霍尼克，证明 </a:t>
             </a:r>
             <a:endParaRPr lang="en-US" altLang="zh-CN" dirty="0"/>
           </a:p>
@@ -10975,7 +11483,7 @@
 </p:sld>
 </file>
 
-<file path=ppt/slides/slide12.xml><?xml version="1.0" encoding="utf-8"?>
+<file path=ppt/slides/slide13.xml><?xml version="1.0" encoding="utf-8"?>
 <p:sld xmlns:a="http://schemas.openxmlformats.org/drawingml/2006/main" xmlns:r="http://schemas.openxmlformats.org/officeDocument/2006/relationships" xmlns:p="http://schemas.openxmlformats.org/presentationml/2006/main">
   <p:cSld>
     <p:spTree>
@@ -11022,36 +11530,6 @@
       </p:sp>
       <p:pic>
         <p:nvPicPr>
-          <p:cNvPr id="6" name="图片 5">
-            <a:extLst>
-              <a:ext uri="{FF2B5EF4-FFF2-40B4-BE49-F238E27FC236}">
-                <a16:creationId xmlns:a16="http://schemas.microsoft.com/office/drawing/2014/main" id="{638455E1-6984-2D46-B8A0-1DCB4AADAA08}"/>
-              </a:ext>
-            </a:extLst>
-          </p:cNvPr>
-          <p:cNvPicPr>
-            <a:picLocks noChangeAspect="1"/>
-          </p:cNvPicPr>
-          <p:nvPr/>
-        </p:nvPicPr>
-        <p:blipFill>
-          <a:blip r:embed="rId2"/>
-          <a:stretch>
-            <a:fillRect/>
-          </a:stretch>
-        </p:blipFill>
-        <p:spPr>
-          <a:xfrm>
-            <a:off x="1300481" y="1589440"/>
-            <a:ext cx="3957137" cy="1985163"/>
-          </a:xfrm>
-          <a:prstGeom prst="rect">
-            <a:avLst/>
-          </a:prstGeom>
-        </p:spPr>
-      </p:pic>
-      <p:pic>
-        <p:nvPicPr>
           <p:cNvPr id="8" name="图片 7">
             <a:extLst>
               <a:ext uri="{FF2B5EF4-FFF2-40B4-BE49-F238E27FC236}">
@@ -11064,106 +11542,183 @@
           </p:cNvPicPr>
           <p:nvPr/>
         </p:nvPicPr>
-        <p:blipFill>
-          <a:blip r:embed="rId3"/>
-          <a:stretch>
-            <a:fillRect/>
-          </a:stretch>
+        <p:blipFill rotWithShape="1">
+          <a:blip r:embed="rId2"/>
+          <a:srcRect l="1388" t="10773" r="57361"/>
+          <a:stretch/>
         </p:blipFill>
         <p:spPr>
           <a:xfrm>
-            <a:off x="3794128" y="3429000"/>
-            <a:ext cx="7189989" cy="3063676"/>
+            <a:off x="1300481" y="2083442"/>
+            <a:ext cx="4160032" cy="3834219"/>
           </a:xfrm>
           <a:prstGeom prst="rect">
             <a:avLst/>
           </a:prstGeom>
-          <a:solidFill>
-            <a:srgbClr val="FFFFFF">
-              <a:shade val="85000"/>
-            </a:srgbClr>
-          </a:solidFill>
-          <a:ln w="88900" cap="sq">
+          <a:ln w="38100" cap="sq">
             <a:solidFill>
-              <a:srgbClr val="FFFFFF"/>
+              <a:srgbClr val="000000"/>
             </a:solidFill>
+            <a:prstDash val="solid"/>
             <a:miter lim="800000"/>
           </a:ln>
           <a:effectLst>
-            <a:outerShdw blurRad="55000" dist="18000" dir="5400000" algn="tl" rotWithShape="0">
+            <a:outerShdw blurRad="50800" dist="38100" dir="2700000" algn="tl" rotWithShape="0">
               <a:srgbClr val="000000">
-                <a:alpha val="40000"/>
+                <a:alpha val="43000"/>
               </a:srgbClr>
             </a:outerShdw>
           </a:effectLst>
-          <a:scene3d>
-            <a:camera prst="orthographicFront"/>
-            <a:lightRig rig="twoPt" dir="t">
-              <a:rot lat="0" lon="0" rev="7200000"/>
-            </a:lightRig>
-          </a:scene3d>
-          <a:sp3d>
-            <a:bevelT w="25400" h="19050"/>
-            <a:contourClr>
-              <a:srgbClr val="FFFFFF"/>
-            </a:contourClr>
-          </a:sp3d>
         </p:spPr>
       </p:pic>
-      <p:sp>
-        <p:nvSpPr>
-          <p:cNvPr id="9" name="圆角矩形 8">
+      <p:pic>
+        <p:nvPicPr>
+          <p:cNvPr id="7" name="图片 6">
             <a:extLst>
               <a:ext uri="{FF2B5EF4-FFF2-40B4-BE49-F238E27FC236}">
-                <a16:creationId xmlns:a16="http://schemas.microsoft.com/office/drawing/2014/main" id="{858A7E08-FF7A-134C-BAF8-539E23CAE765}"/>
+                <a16:creationId xmlns:a16="http://schemas.microsoft.com/office/drawing/2014/main" id="{DAAD1CDC-B1C2-DF49-B191-9995736BEBF9}"/>
               </a:ext>
             </a:extLst>
           </p:cNvPr>
-          <p:cNvSpPr/>
+          <p:cNvPicPr>
+            <a:picLocks noChangeAspect="1"/>
+          </p:cNvPicPr>
           <p:nvPr/>
-        </p:nvSpPr>
+        </p:nvPicPr>
+        <p:blipFill rotWithShape="1">
+          <a:blip r:embed="rId2"/>
+          <a:srcRect l="41726" t="-214"/>
+          <a:stretch/>
+        </p:blipFill>
         <p:spPr>
           <a:xfrm>
-            <a:off x="1300481" y="1589440"/>
-            <a:ext cx="945008" cy="295845"/>
+            <a:off x="5659006" y="2083443"/>
+            <a:ext cx="5232513" cy="3834219"/>
           </a:xfrm>
-          <a:prstGeom prst="roundRect">
-            <a:avLst>
-              <a:gd name="adj" fmla="val 4551"/>
-            </a:avLst>
+          <a:prstGeom prst="rect">
+            <a:avLst/>
           </a:prstGeom>
-          <a:noFill/>
-          <a:ln w="28575">
+          <a:ln w="38100" cap="sq">
             <a:solidFill>
-              <a:schemeClr val="accent3"/>
+              <a:srgbClr val="000000"/>
             </a:solidFill>
+            <a:prstDash val="solid"/>
+            <a:miter lim="800000"/>
           </a:ln>
+          <a:effectLst>
+            <a:outerShdw blurRad="50800" dist="38100" dir="2700000" algn="tl" rotWithShape="0">
+              <a:srgbClr val="000000">
+                <a:alpha val="43000"/>
+              </a:srgbClr>
+            </a:outerShdw>
+          </a:effectLst>
         </p:spPr>
-        <p:style>
-          <a:lnRef idx="2">
-            <a:schemeClr val="accent1">
-              <a:shade val="50000"/>
-            </a:schemeClr>
-          </a:lnRef>
-          <a:fillRef idx="1">
-            <a:schemeClr val="accent1"/>
-          </a:fillRef>
-          <a:effectRef idx="0">
-            <a:schemeClr val="accent1"/>
-          </a:effectRef>
-          <a:fontRef idx="minor">
-            <a:schemeClr val="lt1"/>
-          </a:fontRef>
-        </p:style>
-        <p:txBody>
-          <a:bodyPr rtlCol="0" anchor="ctr"/>
-          <a:lstStyle/>
-          <a:p>
-            <a:pPr algn="ctr"/>
-            <a:endParaRPr kumimoji="1" lang="zh-CN" altLang="en-US"/>
-          </a:p>
-        </p:txBody>
-      </p:sp>
+      </p:pic>
+      <p:grpSp>
+        <p:nvGrpSpPr>
+          <p:cNvPr id="3" name="组合 2">
+            <a:extLst>
+              <a:ext uri="{FF2B5EF4-FFF2-40B4-BE49-F238E27FC236}">
+                <a16:creationId xmlns:a16="http://schemas.microsoft.com/office/drawing/2014/main" id="{285764AE-397D-434A-A6BF-4876C9BB03AD}"/>
+              </a:ext>
+            </a:extLst>
+          </p:cNvPr>
+          <p:cNvGrpSpPr/>
+          <p:nvPr/>
+        </p:nvGrpSpPr>
+        <p:grpSpPr>
+          <a:xfrm>
+            <a:off x="2560003" y="2083441"/>
+            <a:ext cx="7071994" cy="3834219"/>
+            <a:chOff x="1300481" y="1589440"/>
+            <a:chExt cx="3957137" cy="1985163"/>
+          </a:xfrm>
+        </p:grpSpPr>
+        <p:pic>
+          <p:nvPicPr>
+            <p:cNvPr id="6" name="图片 5">
+              <a:extLst>
+                <a:ext uri="{FF2B5EF4-FFF2-40B4-BE49-F238E27FC236}">
+                  <a16:creationId xmlns:a16="http://schemas.microsoft.com/office/drawing/2014/main" id="{638455E1-6984-2D46-B8A0-1DCB4AADAA08}"/>
+                </a:ext>
+              </a:extLst>
+            </p:cNvPr>
+            <p:cNvPicPr>
+              <a:picLocks noChangeAspect="1"/>
+            </p:cNvPicPr>
+            <p:nvPr/>
+          </p:nvPicPr>
+          <p:blipFill>
+            <a:blip r:embed="rId3"/>
+            <a:stretch>
+              <a:fillRect/>
+            </a:stretch>
+          </p:blipFill>
+          <p:spPr>
+            <a:xfrm>
+              <a:off x="1300481" y="1589440"/>
+              <a:ext cx="3957137" cy="1985163"/>
+            </a:xfrm>
+            <a:prstGeom prst="rect">
+              <a:avLst/>
+            </a:prstGeom>
+          </p:spPr>
+        </p:pic>
+        <p:sp>
+          <p:nvSpPr>
+            <p:cNvPr id="9" name="圆角矩形 8">
+              <a:extLst>
+                <a:ext uri="{FF2B5EF4-FFF2-40B4-BE49-F238E27FC236}">
+                  <a16:creationId xmlns:a16="http://schemas.microsoft.com/office/drawing/2014/main" id="{858A7E08-FF7A-134C-BAF8-539E23CAE765}"/>
+                </a:ext>
+              </a:extLst>
+            </p:cNvPr>
+            <p:cNvSpPr/>
+            <p:nvPr/>
+          </p:nvSpPr>
+          <p:spPr>
+            <a:xfrm>
+              <a:off x="1300481" y="1589440"/>
+              <a:ext cx="945008" cy="295845"/>
+            </a:xfrm>
+            <a:prstGeom prst="roundRect">
+              <a:avLst>
+                <a:gd name="adj" fmla="val 4551"/>
+              </a:avLst>
+            </a:prstGeom>
+            <a:noFill/>
+            <a:ln w="28575">
+              <a:solidFill>
+                <a:schemeClr val="accent3"/>
+              </a:solidFill>
+            </a:ln>
+          </p:spPr>
+          <p:style>
+            <a:lnRef idx="2">
+              <a:schemeClr val="accent1">
+                <a:shade val="50000"/>
+              </a:schemeClr>
+            </a:lnRef>
+            <a:fillRef idx="1">
+              <a:schemeClr val="accent1"/>
+            </a:fillRef>
+            <a:effectRef idx="0">
+              <a:schemeClr val="accent1"/>
+            </a:effectRef>
+            <a:fontRef idx="minor">
+              <a:schemeClr val="lt1"/>
+            </a:fontRef>
+          </p:style>
+          <p:txBody>
+            <a:bodyPr rtlCol="0" anchor="ctr"/>
+            <a:lstStyle/>
+            <a:p>
+              <a:pPr algn="ctr"/>
+              <a:endParaRPr kumimoji="1" lang="zh-CN" altLang="en-US"/>
+            </a:p>
+          </p:txBody>
+        </p:sp>
+      </p:grpSp>
     </p:spTree>
     <p:extLst>
       <p:ext uri="{BB962C8B-B14F-4D97-AF65-F5344CB8AC3E}">
@@ -11195,14 +11750,58 @@
                             </p:stCondLst>
                             <p:childTnLst>
                               <p:par>
-                                <p:cTn id="5" presetID="8" presetClass="entr" presetSubtype="16" fill="hold" nodeType="clickEffect">
+                                <p:cTn id="5" presetID="16" presetClass="exit" presetSubtype="37" fill="hold" nodeType="clickEffect">
+                                  <p:stCondLst>
+                                    <p:cond delay="0"/>
+                                  </p:stCondLst>
+                                  <p:childTnLst>
+                                    <p:animEffect transition="out" filter="barn(outVertical)">
+                                      <p:cBhvr>
+                                        <p:cTn id="6" dur="500"/>
+                                        <p:tgtEl>
+                                          <p:spTgt spid="3"/>
+                                        </p:tgtEl>
+                                      </p:cBhvr>
+                                    </p:animEffect>
+                                    <p:set>
+                                      <p:cBhvr>
+                                        <p:cTn id="7" dur="1" fill="hold">
+                                          <p:stCondLst>
+                                            <p:cond delay="499"/>
+                                          </p:stCondLst>
+                                        </p:cTn>
+                                        <p:tgtEl>
+                                          <p:spTgt spid="3"/>
+                                        </p:tgtEl>
+                                        <p:attrNameLst>
+                                          <p:attrName>style.visibility</p:attrName>
+                                        </p:attrNameLst>
+                                      </p:cBhvr>
+                                      <p:to>
+                                        <p:strVal val="hidden"/>
+                                      </p:to>
+                                    </p:set>
+                                  </p:childTnLst>
+                                </p:cTn>
+                              </p:par>
+                            </p:childTnLst>
+                          </p:cTn>
+                        </p:par>
+                        <p:par>
+                          <p:cTn id="8" fill="hold">
+                            <p:stCondLst>
+                              <p:cond delay="500"/>
+                            </p:stCondLst>
+                            <p:childTnLst>
+                              <p:par>
+                                <p:cTn id="9" presetID="8" presetClass="entr" presetSubtype="16" fill="hold" nodeType="afterEffect">
                                   <p:stCondLst>
                                     <p:cond delay="0"/>
                                   </p:stCondLst>
                                   <p:childTnLst>
                                     <p:set>
                                       <p:cBhvr>
-                                        <p:cTn id="6" dur="1" fill="hold">
+                                        <p:cTn id="10" dur="1" fill="hold">
                                           <p:stCondLst>
                                             <p:cond delay="0"/>
                                           </p:stCondLst>
@@ -11220,9 +11819,62 @@
                                     </p:set>
                                     <p:animEffect transition="in" filter="diamond(in)">
                                       <p:cBhvr>
-                                        <p:cTn id="7" dur="1000"/>
+                                        <p:cTn id="11" dur="1000"/>
                                         <p:tgtEl>
                                           <p:spTgt spid="8"/>
+                                        </p:tgtEl>
+                                      </p:cBhvr>
+                                    </p:animEffect>
+                                  </p:childTnLst>
+                                </p:cTn>
+                              </p:par>
+                            </p:childTnLst>
+                          </p:cTn>
+                        </p:par>
+                      </p:childTnLst>
+                    </p:cTn>
+                  </p:par>
+                  <p:par>
+                    <p:cTn id="12" fill="hold">
+                      <p:stCondLst>
+                        <p:cond delay="indefinite"/>
+                      </p:stCondLst>
+                      <p:childTnLst>
+                        <p:par>
+                          <p:cTn id="13" fill="hold">
+                            <p:stCondLst>
+                              <p:cond delay="0"/>
+                            </p:stCondLst>
+                            <p:childTnLst>
+                              <p:par>
+                                <p:cTn id="14" presetID="8" presetClass="entr" presetSubtype="16" fill="hold" nodeType="clickEffect">
+                                  <p:stCondLst>
+                                    <p:cond delay="0"/>
+                                  </p:stCondLst>
+                                  <p:childTnLst>
+                                    <p:set>
+                                      <p:cBhvr>
+                                        <p:cTn id="15" dur="1" fill="hold">
+                                          <p:stCondLst>
+                                            <p:cond delay="0"/>
+                                          </p:stCondLst>
+                                        </p:cTn>
+                                        <p:tgtEl>
+                                          <p:spTgt spid="7"/>
+                                        </p:tgtEl>
+                                        <p:attrNameLst>
+                                          <p:attrName>style.visibility</p:attrName>
+                                        </p:attrNameLst>
+                                      </p:cBhvr>
+                                      <p:to>
+                                        <p:strVal val="visible"/>
+                                      </p:to>
+                                    </p:set>
+                                    <p:animEffect transition="in" filter="diamond(in)">
+                                      <p:cBhvr>
+                                        <p:cTn id="16" dur="1000"/>
+                                        <p:tgtEl>
+                                          <p:spTgt spid="7"/>
                                         </p:tgtEl>
                                       </p:cBhvr>
                                     </p:animEffect>
@@ -11260,7 +11912,7 @@
 </p:sld>
 </file>
 
-<file path=ppt/slides/slide13.xml><?xml version="1.0" encoding="utf-8"?>
+<file path=ppt/slides/slide14.xml><?xml version="1.0" encoding="utf-8"?>
 <p:sld xmlns:a="http://schemas.openxmlformats.org/drawingml/2006/main" xmlns:r="http://schemas.openxmlformats.org/officeDocument/2006/relationships" xmlns:p="http://schemas.openxmlformats.org/presentationml/2006/main">
   <p:cSld>
     <p:spTree>
@@ -11300,7 +11952,7 @@
           <a:p>
             <a:r>
               <a:rPr kumimoji="1" lang="zh-CN" altLang="en-US" dirty="0"/>
-              <a:t>更深、更强（更慢、更耗资源）</a:t>
+              <a:t>更深更强</a:t>
             </a:r>
           </a:p>
         </p:txBody>
@@ -11334,11 +11986,7 @@
           <a:lstStyle/>
           <a:p>
             <a:r>
-              <a:rPr kumimoji="1" lang="zh-CN" altLang="en-US" dirty="0">
-                <a:solidFill>
-                  <a:schemeClr val="accent1"/>
-                </a:solidFill>
-              </a:rPr>
+              <a:rPr kumimoji="1" lang="zh-CN" altLang="en-US" dirty="0"/>
               <a:t>一个例子：</a:t>
             </a:r>
             <a:r>
@@ -11600,7 +12248,7 @@
 </p:sld>
 </file>
 
-<file path=ppt/slides/slide14.xml><?xml version="1.0" encoding="utf-8"?>
+<file path=ppt/slides/slide15.xml><?xml version="1.0" encoding="utf-8"?>
 <p:sld xmlns:a="http://schemas.openxmlformats.org/drawingml/2006/main" xmlns:r="http://schemas.openxmlformats.org/officeDocument/2006/relationships" xmlns:p="http://schemas.openxmlformats.org/presentationml/2006/main">
   <p:cSld>
     <p:spTree>
@@ -12079,7 +12727,584 @@
 </p:sld>
 </file>
 
-<file path=ppt/slides/slide15.xml><?xml version="1.0" encoding="utf-8"?>
+<file path=ppt/slides/slide16.xml><?xml version="1.0" encoding="utf-8"?>
+<p:sld xmlns:a="http://schemas.openxmlformats.org/drawingml/2006/main" xmlns:r="http://schemas.openxmlformats.org/officeDocument/2006/relationships" xmlns:p="http://schemas.openxmlformats.org/presentationml/2006/main">
+  <p:cSld>
+    <p:spTree>
+      <p:nvGrpSpPr>
+        <p:cNvPr id="1" name=""/>
+        <p:cNvGrpSpPr/>
+        <p:nvPr/>
+      </p:nvGrpSpPr>
+      <p:grpSpPr>
+        <a:xfrm>
+          <a:off x="0" y="0"/>
+          <a:ext cx="0" cy="0"/>
+          <a:chOff x="0" y="0"/>
+          <a:chExt cx="0" cy="0"/>
+        </a:xfrm>
+      </p:grpSpPr>
+      <p:sp>
+        <p:nvSpPr>
+          <p:cNvPr id="2" name="标题 1">
+            <a:extLst>
+              <a:ext uri="{FF2B5EF4-FFF2-40B4-BE49-F238E27FC236}">
+                <a16:creationId xmlns:a16="http://schemas.microsoft.com/office/drawing/2014/main" id="{5AFF8BDD-28CF-8B46-B9A9-C1F3F0E5EDB2}"/>
+              </a:ext>
+            </a:extLst>
+          </p:cNvPr>
+          <p:cNvSpPr>
+            <a:spLocks noGrp="1"/>
+          </p:cNvSpPr>
+          <p:nvPr>
+            <p:ph type="title"/>
+          </p:nvPr>
+        </p:nvSpPr>
+        <p:spPr/>
+        <p:txBody>
+          <a:bodyPr/>
+          <a:lstStyle/>
+          <a:p>
+            <a:r>
+              <a:rPr kumimoji="1" lang="zh-CN" altLang="en-US" dirty="0"/>
+              <a:t>深度学习教程</a:t>
+            </a:r>
+          </a:p>
+        </p:txBody>
+      </p:sp>
+      <p:sp>
+        <p:nvSpPr>
+          <p:cNvPr id="3" name="文本框 2">
+            <a:extLst>
+              <a:ext uri="{FF2B5EF4-FFF2-40B4-BE49-F238E27FC236}">
+                <a16:creationId xmlns:a16="http://schemas.microsoft.com/office/drawing/2014/main" id="{0F53F079-5519-1147-9532-DAB5BBD774C1}"/>
+              </a:ext>
+            </a:extLst>
+          </p:cNvPr>
+          <p:cNvSpPr txBox="1"/>
+          <p:nvPr/>
+        </p:nvSpPr>
+        <p:spPr>
+          <a:xfrm>
+            <a:off x="4814849" y="2531000"/>
+            <a:ext cx="2244525" cy="2062103"/>
+          </a:xfrm>
+          <a:prstGeom prst="rect">
+            <a:avLst/>
+          </a:prstGeom>
+        </p:spPr>
+        <p:style>
+          <a:lnRef idx="2">
+            <a:schemeClr val="accent3">
+              <a:shade val="50000"/>
+            </a:schemeClr>
+          </a:lnRef>
+          <a:fillRef idx="1">
+            <a:schemeClr val="accent3"/>
+          </a:fillRef>
+          <a:effectRef idx="0">
+            <a:schemeClr val="accent3"/>
+          </a:effectRef>
+          <a:fontRef idx="minor">
+            <a:schemeClr val="lt1"/>
+          </a:fontRef>
+        </p:style>
+        <p:txBody>
+          <a:bodyPr wrap="none" rtlCol="0">
+            <a:spAutoFit/>
+          </a:bodyPr>
+          <a:lstStyle/>
+          <a:p>
+            <a:pPr algn="ctr"/>
+            <a:r>
+              <a:rPr kumimoji="1" lang="zh-CN" altLang="en-US" sz="3200" b="1" dirty="0">
+                <a:solidFill>
+                  <a:schemeClr val="tx1"/>
+                </a:solidFill>
+              </a:rPr>
+              <a:t>深度学习</a:t>
+            </a:r>
+            <a:endParaRPr kumimoji="1" lang="en-US" altLang="zh-CN" sz="3200" b="1" dirty="0">
+              <a:solidFill>
+                <a:schemeClr val="tx1"/>
+              </a:solidFill>
+            </a:endParaRPr>
+          </a:p>
+          <a:p>
+            <a:pPr algn="ctr"/>
+            <a:r>
+              <a:rPr kumimoji="1" lang="zh-CN" altLang="en-US" sz="3200" b="1" dirty="0">
+                <a:solidFill>
+                  <a:schemeClr val="tx1"/>
+                </a:solidFill>
+              </a:rPr>
+              <a:t>台大</a:t>
+            </a:r>
+            <a:endParaRPr kumimoji="1" lang="en-US" altLang="zh-CN" sz="3200" b="1" dirty="0">
+              <a:solidFill>
+                <a:schemeClr val="tx1"/>
+              </a:solidFill>
+            </a:endParaRPr>
+          </a:p>
+          <a:p>
+            <a:pPr algn="ctr"/>
+            <a:r>
+              <a:rPr kumimoji="1" lang="zh-CN" altLang="en-US" sz="3200" b="1" dirty="0">
+                <a:solidFill>
+                  <a:schemeClr val="tx1"/>
+                </a:solidFill>
+              </a:rPr>
+              <a:t>李宏毅教授</a:t>
+            </a:r>
+            <a:endParaRPr kumimoji="1" lang="en-US" altLang="zh-CN" sz="3200" b="1" dirty="0">
+              <a:solidFill>
+                <a:schemeClr val="tx1"/>
+              </a:solidFill>
+            </a:endParaRPr>
+          </a:p>
+          <a:p>
+            <a:pPr algn="ctr"/>
+            <a:r>
+              <a:rPr kumimoji="1" lang="zh-CN" altLang="en-US" sz="3200" b="1" dirty="0">
+                <a:solidFill>
+                  <a:schemeClr val="tx1"/>
+                </a:solidFill>
+              </a:rPr>
+              <a:t>（</a:t>
+            </a:r>
+            <a:r>
+              <a:rPr kumimoji="1" lang="en-US" altLang="zh-CN" sz="3200" b="1" dirty="0">
+                <a:solidFill>
+                  <a:schemeClr val="tx1"/>
+                </a:solidFill>
+              </a:rPr>
+              <a:t>B</a:t>
+            </a:r>
+            <a:r>
+              <a:rPr kumimoji="1" lang="zh-CN" altLang="en-US" sz="3200" b="1" dirty="0">
+                <a:solidFill>
+                  <a:schemeClr val="tx1"/>
+                </a:solidFill>
+              </a:rPr>
+              <a:t>站）</a:t>
+            </a:r>
+          </a:p>
+        </p:txBody>
+      </p:sp>
+      <p:sp>
+        <p:nvSpPr>
+          <p:cNvPr id="4" name="文本框 3">
+            <a:extLst>
+              <a:ext uri="{FF2B5EF4-FFF2-40B4-BE49-F238E27FC236}">
+                <a16:creationId xmlns:a16="http://schemas.microsoft.com/office/drawing/2014/main" id="{C745E353-FBFE-ED47-9EA0-FE02490F30EF}"/>
+              </a:ext>
+            </a:extLst>
+          </p:cNvPr>
+          <p:cNvSpPr txBox="1"/>
+          <p:nvPr/>
+        </p:nvSpPr>
+        <p:spPr>
+          <a:xfrm>
+            <a:off x="8101013" y="2043113"/>
+            <a:ext cx="1415772" cy="461665"/>
+          </a:xfrm>
+          <a:prstGeom prst="rect">
+            <a:avLst/>
+          </a:prstGeom>
+          <a:noFill/>
+        </p:spPr>
+        <p:txBody>
+          <a:bodyPr wrap="none" rtlCol="0">
+            <a:spAutoFit/>
+          </a:bodyPr>
+          <a:lstStyle/>
+          <a:p>
+            <a:pPr algn="ctr"/>
+            <a:r>
+              <a:rPr kumimoji="1" lang="zh-CN" altLang="en-US" sz="2400" dirty="0"/>
+              <a:t>图像处理</a:t>
+            </a:r>
+          </a:p>
+        </p:txBody>
+      </p:sp>
+      <p:sp>
+        <p:nvSpPr>
+          <p:cNvPr id="6" name="文本框 5">
+            <a:extLst>
+              <a:ext uri="{FF2B5EF4-FFF2-40B4-BE49-F238E27FC236}">
+                <a16:creationId xmlns:a16="http://schemas.microsoft.com/office/drawing/2014/main" id="{3998990B-6C50-6242-8CC4-FFB9B44C552E}"/>
+              </a:ext>
+            </a:extLst>
+          </p:cNvPr>
+          <p:cNvSpPr txBox="1"/>
+          <p:nvPr/>
+        </p:nvSpPr>
+        <p:spPr>
+          <a:xfrm>
+            <a:off x="8101013" y="3057526"/>
+            <a:ext cx="2031325" cy="461665"/>
+          </a:xfrm>
+          <a:prstGeom prst="rect">
+            <a:avLst/>
+          </a:prstGeom>
+          <a:noFill/>
+        </p:spPr>
+        <p:txBody>
+          <a:bodyPr wrap="none" rtlCol="0">
+            <a:spAutoFit/>
+          </a:bodyPr>
+          <a:lstStyle/>
+          <a:p>
+            <a:pPr algn="ctr"/>
+            <a:r>
+              <a:rPr kumimoji="1" lang="zh-CN" altLang="en-US" sz="2400" dirty="0"/>
+              <a:t>自然语言处理</a:t>
+            </a:r>
+          </a:p>
+        </p:txBody>
+      </p:sp>
+      <p:sp>
+        <p:nvSpPr>
+          <p:cNvPr id="7" name="文本框 6">
+            <a:extLst>
+              <a:ext uri="{FF2B5EF4-FFF2-40B4-BE49-F238E27FC236}">
+                <a16:creationId xmlns:a16="http://schemas.microsoft.com/office/drawing/2014/main" id="{CBD13B30-1B15-6944-A4AE-21C5F86C6BDB}"/>
+              </a:ext>
+            </a:extLst>
+          </p:cNvPr>
+          <p:cNvSpPr txBox="1"/>
+          <p:nvPr/>
+        </p:nvSpPr>
+        <p:spPr>
+          <a:xfrm>
+            <a:off x="8101013" y="5086352"/>
+            <a:ext cx="1415772" cy="461665"/>
+          </a:xfrm>
+          <a:prstGeom prst="rect">
+            <a:avLst/>
+          </a:prstGeom>
+          <a:noFill/>
+        </p:spPr>
+        <p:txBody>
+          <a:bodyPr wrap="none" rtlCol="0">
+            <a:spAutoFit/>
+          </a:bodyPr>
+          <a:lstStyle/>
+          <a:p>
+            <a:pPr algn="ctr"/>
+            <a:r>
+              <a:rPr kumimoji="1" lang="zh-CN" altLang="en-US" sz="2400" dirty="0"/>
+              <a:t>语音处理</a:t>
+            </a:r>
+          </a:p>
+        </p:txBody>
+      </p:sp>
+      <p:sp>
+        <p:nvSpPr>
+          <p:cNvPr id="9" name="文本框 8">
+            <a:extLst>
+              <a:ext uri="{FF2B5EF4-FFF2-40B4-BE49-F238E27FC236}">
+                <a16:creationId xmlns:a16="http://schemas.microsoft.com/office/drawing/2014/main" id="{509F2579-12C5-B44F-BD3A-0B35310B5BBF}"/>
+              </a:ext>
+            </a:extLst>
+          </p:cNvPr>
+          <p:cNvSpPr txBox="1"/>
+          <p:nvPr/>
+        </p:nvSpPr>
+        <p:spPr>
+          <a:xfrm>
+            <a:off x="8101013" y="4071939"/>
+            <a:ext cx="1415772" cy="461665"/>
+          </a:xfrm>
+          <a:prstGeom prst="rect">
+            <a:avLst/>
+          </a:prstGeom>
+          <a:noFill/>
+        </p:spPr>
+        <p:txBody>
+          <a:bodyPr wrap="none" rtlCol="0">
+            <a:spAutoFit/>
+          </a:bodyPr>
+          <a:lstStyle/>
+          <a:p>
+            <a:pPr algn="ctr"/>
+            <a:r>
+              <a:rPr kumimoji="1" lang="zh-CN" altLang="en-US" sz="2400" dirty="0"/>
+              <a:t>视频处理</a:t>
+            </a:r>
+          </a:p>
+        </p:txBody>
+      </p:sp>
+      <p:sp>
+        <p:nvSpPr>
+          <p:cNvPr id="15" name="文本框 14">
+            <a:extLst>
+              <a:ext uri="{FF2B5EF4-FFF2-40B4-BE49-F238E27FC236}">
+                <a16:creationId xmlns:a16="http://schemas.microsoft.com/office/drawing/2014/main" id="{1138374A-C3E9-384D-BBD5-1ADB3DCFA520}"/>
+              </a:ext>
+            </a:extLst>
+          </p:cNvPr>
+          <p:cNvSpPr txBox="1"/>
+          <p:nvPr/>
+        </p:nvSpPr>
+        <p:spPr>
+          <a:xfrm>
+            <a:off x="2357438" y="3146554"/>
+            <a:ext cx="1415772" cy="830997"/>
+          </a:xfrm>
+          <a:prstGeom prst="rect">
+            <a:avLst/>
+          </a:prstGeom>
+          <a:noFill/>
+        </p:spPr>
+        <p:txBody>
+          <a:bodyPr wrap="none" rtlCol="0">
+            <a:spAutoFit/>
+          </a:bodyPr>
+          <a:lstStyle/>
+          <a:p>
+            <a:r>
+              <a:rPr kumimoji="1" lang="zh-CN" altLang="en-US" sz="2400" dirty="0"/>
+              <a:t>机器学习</a:t>
+            </a:r>
+            <a:endParaRPr kumimoji="1" lang="en-US" altLang="zh-CN" sz="2400" dirty="0"/>
+          </a:p>
+          <a:p>
+            <a:r>
+              <a:rPr kumimoji="1" lang="zh-CN" altLang="en-US" sz="2400" dirty="0"/>
+              <a:t>基础知识</a:t>
+            </a:r>
+          </a:p>
+        </p:txBody>
+      </p:sp>
+      <p:sp>
+        <p:nvSpPr>
+          <p:cNvPr id="16" name="右箭头 15">
+            <a:extLst>
+              <a:ext uri="{FF2B5EF4-FFF2-40B4-BE49-F238E27FC236}">
+                <a16:creationId xmlns:a16="http://schemas.microsoft.com/office/drawing/2014/main" id="{2F256BA2-CE66-D444-860C-1EB4F2905A92}"/>
+              </a:ext>
+            </a:extLst>
+          </p:cNvPr>
+          <p:cNvSpPr/>
+          <p:nvPr/>
+        </p:nvSpPr>
+        <p:spPr>
+          <a:xfrm>
+            <a:off x="3910444" y="3192810"/>
+            <a:ext cx="642937" cy="689193"/>
+          </a:xfrm>
+          <a:prstGeom prst="rightArrow">
+            <a:avLst/>
+          </a:prstGeom>
+        </p:spPr>
+        <p:style>
+          <a:lnRef idx="2">
+            <a:schemeClr val="accent1">
+              <a:shade val="50000"/>
+            </a:schemeClr>
+          </a:lnRef>
+          <a:fillRef idx="1">
+            <a:schemeClr val="accent1"/>
+          </a:fillRef>
+          <a:effectRef idx="0">
+            <a:schemeClr val="accent1"/>
+          </a:effectRef>
+          <a:fontRef idx="minor">
+            <a:schemeClr val="lt1"/>
+          </a:fontRef>
+        </p:style>
+        <p:txBody>
+          <a:bodyPr rtlCol="0" anchor="ctr"/>
+          <a:lstStyle/>
+          <a:p>
+            <a:pPr algn="ctr"/>
+            <a:endParaRPr kumimoji="1" lang="zh-CN" altLang="en-US"/>
+          </a:p>
+        </p:txBody>
+      </p:sp>
+      <p:cxnSp>
+        <p:nvCxnSpPr>
+          <p:cNvPr id="18" name="直线箭头连接符 17">
+            <a:extLst>
+              <a:ext uri="{FF2B5EF4-FFF2-40B4-BE49-F238E27FC236}">
+                <a16:creationId xmlns:a16="http://schemas.microsoft.com/office/drawing/2014/main" id="{011E5FF4-32BF-B241-925C-1E4AC43AFAF5}"/>
+              </a:ext>
+            </a:extLst>
+          </p:cNvPr>
+          <p:cNvCxnSpPr>
+            <a:stCxn id="3" idx="3"/>
+            <a:endCxn id="4" idx="1"/>
+          </p:cNvCxnSpPr>
+          <p:nvPr/>
+        </p:nvCxnSpPr>
+        <p:spPr>
+          <a:xfrm flipV="1">
+            <a:off x="7059374" y="2273946"/>
+            <a:ext cx="1041639" cy="1288106"/>
+          </a:xfrm>
+          <a:prstGeom prst="straightConnector1">
+            <a:avLst/>
+          </a:prstGeom>
+          <a:ln>
+            <a:tailEnd type="triangle"/>
+          </a:ln>
+        </p:spPr>
+        <p:style>
+          <a:lnRef idx="1">
+            <a:schemeClr val="accent1"/>
+          </a:lnRef>
+          <a:fillRef idx="0">
+            <a:schemeClr val="accent1"/>
+          </a:fillRef>
+          <a:effectRef idx="0">
+            <a:schemeClr val="accent1"/>
+          </a:effectRef>
+          <a:fontRef idx="minor">
+            <a:schemeClr val="tx1"/>
+          </a:fontRef>
+        </p:style>
+      </p:cxnSp>
+      <p:cxnSp>
+        <p:nvCxnSpPr>
+          <p:cNvPr id="20" name="直线箭头连接符 19">
+            <a:extLst>
+              <a:ext uri="{FF2B5EF4-FFF2-40B4-BE49-F238E27FC236}">
+                <a16:creationId xmlns:a16="http://schemas.microsoft.com/office/drawing/2014/main" id="{70E14E29-1F70-5C4F-AD4E-ACAF23595570}"/>
+              </a:ext>
+            </a:extLst>
+          </p:cNvPr>
+          <p:cNvCxnSpPr>
+            <a:stCxn id="3" idx="3"/>
+            <a:endCxn id="6" idx="1"/>
+          </p:cNvCxnSpPr>
+          <p:nvPr/>
+        </p:nvCxnSpPr>
+        <p:spPr>
+          <a:xfrm flipV="1">
+            <a:off x="7059374" y="3288359"/>
+            <a:ext cx="1041639" cy="273693"/>
+          </a:xfrm>
+          <a:prstGeom prst="straightConnector1">
+            <a:avLst/>
+          </a:prstGeom>
+          <a:ln>
+            <a:tailEnd type="triangle"/>
+          </a:ln>
+        </p:spPr>
+        <p:style>
+          <a:lnRef idx="1">
+            <a:schemeClr val="accent1"/>
+          </a:lnRef>
+          <a:fillRef idx="0">
+            <a:schemeClr val="accent1"/>
+          </a:fillRef>
+          <a:effectRef idx="0">
+            <a:schemeClr val="accent1"/>
+          </a:effectRef>
+          <a:fontRef idx="minor">
+            <a:schemeClr val="tx1"/>
+          </a:fontRef>
+        </p:style>
+      </p:cxnSp>
+      <p:cxnSp>
+        <p:nvCxnSpPr>
+          <p:cNvPr id="22" name="直线箭头连接符 21">
+            <a:extLst>
+              <a:ext uri="{FF2B5EF4-FFF2-40B4-BE49-F238E27FC236}">
+                <a16:creationId xmlns:a16="http://schemas.microsoft.com/office/drawing/2014/main" id="{58F2E14C-76DB-E34B-8C73-34D6FD9CDCEA}"/>
+              </a:ext>
+            </a:extLst>
+          </p:cNvPr>
+          <p:cNvCxnSpPr>
+            <a:stCxn id="3" idx="3"/>
+            <a:endCxn id="9" idx="1"/>
+          </p:cNvCxnSpPr>
+          <p:nvPr/>
+        </p:nvCxnSpPr>
+        <p:spPr>
+          <a:xfrm>
+            <a:off x="7059374" y="3562052"/>
+            <a:ext cx="1041639" cy="740720"/>
+          </a:xfrm>
+          <a:prstGeom prst="straightConnector1">
+            <a:avLst/>
+          </a:prstGeom>
+          <a:ln>
+            <a:tailEnd type="triangle"/>
+          </a:ln>
+        </p:spPr>
+        <p:style>
+          <a:lnRef idx="1">
+            <a:schemeClr val="accent1"/>
+          </a:lnRef>
+          <a:fillRef idx="0">
+            <a:schemeClr val="accent1"/>
+          </a:fillRef>
+          <a:effectRef idx="0">
+            <a:schemeClr val="accent1"/>
+          </a:effectRef>
+          <a:fontRef idx="minor">
+            <a:schemeClr val="tx1"/>
+          </a:fontRef>
+        </p:style>
+      </p:cxnSp>
+      <p:cxnSp>
+        <p:nvCxnSpPr>
+          <p:cNvPr id="24" name="直线箭头连接符 23">
+            <a:extLst>
+              <a:ext uri="{FF2B5EF4-FFF2-40B4-BE49-F238E27FC236}">
+                <a16:creationId xmlns:a16="http://schemas.microsoft.com/office/drawing/2014/main" id="{9EC2025D-E73E-384D-9C46-81952F0D2977}"/>
+              </a:ext>
+            </a:extLst>
+          </p:cNvPr>
+          <p:cNvCxnSpPr>
+            <a:stCxn id="3" idx="3"/>
+            <a:endCxn id="7" idx="1"/>
+          </p:cNvCxnSpPr>
+          <p:nvPr/>
+        </p:nvCxnSpPr>
+        <p:spPr>
+          <a:xfrm>
+            <a:off x="7059374" y="3562052"/>
+            <a:ext cx="1041639" cy="1755133"/>
+          </a:xfrm>
+          <a:prstGeom prst="straightConnector1">
+            <a:avLst/>
+          </a:prstGeom>
+          <a:ln>
+            <a:tailEnd type="triangle"/>
+          </a:ln>
+        </p:spPr>
+        <p:style>
+          <a:lnRef idx="1">
+            <a:schemeClr val="accent1"/>
+          </a:lnRef>
+          <a:fillRef idx="0">
+            <a:schemeClr val="accent1"/>
+          </a:fillRef>
+          <a:effectRef idx="0">
+            <a:schemeClr val="accent1"/>
+          </a:effectRef>
+          <a:fontRef idx="minor">
+            <a:schemeClr val="tx1"/>
+          </a:fontRef>
+        </p:style>
+      </p:cxnSp>
+    </p:spTree>
+    <p:extLst>
+      <p:ext uri="{BB962C8B-B14F-4D97-AF65-F5344CB8AC3E}">
+        <p14:creationId xmlns:p14="http://schemas.microsoft.com/office/powerpoint/2010/main" val="333785929"/>
+      </p:ext>
+    </p:extLst>
+  </p:cSld>
+  <p:clrMapOvr>
+    <a:masterClrMapping/>
+  </p:clrMapOvr>
+</p:sld>
+</file>
+
+<file path=ppt/slides/slide17.xml><?xml version="1.0" encoding="utf-8"?>
 <p:sld xmlns:a="http://schemas.openxmlformats.org/drawingml/2006/main" xmlns:r="http://schemas.openxmlformats.org/officeDocument/2006/relationships" xmlns:p="http://schemas.openxmlformats.org/presentationml/2006/main">
   <p:cSld>
     <p:spTree>
@@ -12165,7 +13390,7 @@
 </p:sld>
 </file>
 
-<file path=ppt/slides/slide16.xml><?xml version="1.0" encoding="utf-8"?>
+<file path=ppt/slides/slide18.xml><?xml version="1.0" encoding="utf-8"?>
 <p:sld xmlns:a="http://schemas.openxmlformats.org/drawingml/2006/main" xmlns:r="http://schemas.openxmlformats.org/officeDocument/2006/relationships" xmlns:p="http://schemas.openxmlformats.org/presentationml/2006/main">
   <p:cSld>
     <p:spTree>
@@ -12342,7 +13567,7 @@
                   <a:schemeClr val="accent3"/>
                 </a:solidFill>
               </a:rPr>
-              <a:t>火爆</a:t>
+              <a:t>流行</a:t>
             </a:r>
           </a:p>
         </p:txBody>
@@ -13275,7 +14500,7 @@
 </p:sld>
 </file>
 
-<file path=ppt/slides/slide17.xml><?xml version="1.0" encoding="utf-8"?>
+<file path=ppt/slides/slide19.xml><?xml version="1.0" encoding="utf-8"?>
 <p:sld xmlns:a="http://schemas.openxmlformats.org/drawingml/2006/main" xmlns:r="http://schemas.openxmlformats.org/officeDocument/2006/relationships" xmlns:p="http://schemas.openxmlformats.org/presentationml/2006/main">
   <p:cSld>
     <p:spTree>
@@ -13354,51 +14579,27 @@
               </a:lnSpc>
             </a:pPr>
             <a:r>
-              <a:rPr kumimoji="1" lang="zh-CN" altLang="en-US" sz="4000" dirty="0">
-                <a:solidFill>
-                  <a:schemeClr val="accent2"/>
-                </a:solidFill>
-              </a:rPr>
+              <a:rPr kumimoji="1" lang="zh-CN" altLang="en-US" sz="4000" dirty="0"/>
               <a:t>认清：        </a:t>
             </a:r>
             <a:r>
-              <a:rPr kumimoji="1" lang="en-US" altLang="zh-CN" sz="4000" dirty="0">
-                <a:solidFill>
-                  <a:schemeClr val="accent2"/>
-                </a:solidFill>
-              </a:rPr>
+              <a:rPr kumimoji="1" lang="en-US" altLang="zh-CN" sz="4000" dirty="0"/>
               <a:t>0</a:t>
             </a:r>
             <a:r>
-              <a:rPr kumimoji="1" lang="zh-CN" altLang="en-US" sz="4000" dirty="0">
-                <a:solidFill>
-                  <a:schemeClr val="accent2"/>
-                </a:solidFill>
-              </a:rPr>
+              <a:rPr kumimoji="1" lang="zh-CN" altLang="en-US" sz="4000" dirty="0"/>
               <a:t> </a:t>
             </a:r>
             <a:r>
-              <a:rPr kumimoji="1" lang="en-US" altLang="zh-CN" sz="4000" dirty="0">
-                <a:solidFill>
-                  <a:schemeClr val="accent2"/>
-                </a:solidFill>
-              </a:rPr>
+              <a:rPr kumimoji="1" lang="en-US" altLang="zh-CN" sz="4000" dirty="0"/>
               <a:t>→</a:t>
             </a:r>
             <a:r>
-              <a:rPr kumimoji="1" lang="zh-CN" altLang="en-US" sz="4000" dirty="0">
-                <a:solidFill>
-                  <a:schemeClr val="accent2"/>
-                </a:solidFill>
-              </a:rPr>
+              <a:rPr kumimoji="1" lang="zh-CN" altLang="en-US" sz="4000" dirty="0"/>
               <a:t> </a:t>
             </a:r>
             <a:r>
-              <a:rPr kumimoji="1" lang="en-US" altLang="zh-CN" sz="4000" dirty="0">
-                <a:solidFill>
-                  <a:schemeClr val="accent2"/>
-                </a:solidFill>
-              </a:rPr>
+              <a:rPr kumimoji="1" lang="en-US" altLang="zh-CN" sz="4000" dirty="0"/>
               <a:t>1</a:t>
             </a:r>
           </a:p>
@@ -13409,34 +14610,18 @@
               </a:lnSpc>
             </a:pPr>
             <a:r>
-              <a:rPr kumimoji="1" lang="zh-CN" altLang="en-US" sz="4000" dirty="0">
-                <a:solidFill>
-                  <a:schemeClr val="accent2"/>
-                </a:solidFill>
-              </a:rPr>
+              <a:rPr kumimoji="1" lang="zh-CN" altLang="en-US" sz="4000" dirty="0"/>
               <a:t>选择：研究 </a:t>
             </a:r>
             <a:r>
-              <a:rPr kumimoji="1" lang="en-US" altLang="zh-CN" sz="4000" dirty="0">
-                <a:solidFill>
-                  <a:schemeClr val="accent2"/>
-                </a:solidFill>
-              </a:rPr>
+              <a:rPr kumimoji="1" lang="en-US" altLang="zh-CN" sz="4000" dirty="0"/>
               <a:t>/</a:t>
             </a:r>
             <a:r>
-              <a:rPr kumimoji="1" lang="zh-CN" altLang="en-US" sz="4000" dirty="0">
-                <a:solidFill>
-                  <a:schemeClr val="accent2"/>
-                </a:solidFill>
-              </a:rPr>
+              <a:rPr kumimoji="1" lang="zh-CN" altLang="en-US" sz="4000" dirty="0"/>
               <a:t> 应用</a:t>
             </a:r>
-            <a:endParaRPr kumimoji="1" lang="en-US" altLang="zh-CN" sz="4000" dirty="0">
-              <a:solidFill>
-                <a:schemeClr val="accent2"/>
-              </a:solidFill>
-            </a:endParaRPr>
+            <a:endParaRPr kumimoji="1" lang="en-US" altLang="zh-CN" sz="4000" dirty="0"/>
           </a:p>
           <a:p>
             <a:pPr algn="ctr">
@@ -13445,12 +14630,8 @@
               </a:lnSpc>
             </a:pPr>
             <a:r>
-              <a:rPr kumimoji="1" lang="zh-CN" altLang="en-US" sz="4000" dirty="0">
-                <a:solidFill>
-                  <a:schemeClr val="accent2"/>
-                </a:solidFill>
-              </a:rPr>
-              <a:t>方向：科技即未来</a:t>
+              <a:rPr kumimoji="1" lang="zh-CN" altLang="en-US" sz="4000" dirty="0"/>
+              <a:t>信念：科技即未来</a:t>
             </a:r>
           </a:p>
         </p:txBody>
@@ -13468,7 +14649,93 @@
 </p:sld>
 </file>
 
-<file path=ppt/slides/slide18.xml><?xml version="1.0" encoding="utf-8"?>
+<file path=ppt/slides/slide2.xml><?xml version="1.0" encoding="utf-8"?>
+<p:sld xmlns:a="http://schemas.openxmlformats.org/drawingml/2006/main" xmlns:r="http://schemas.openxmlformats.org/officeDocument/2006/relationships" xmlns:p="http://schemas.openxmlformats.org/presentationml/2006/main">
+  <p:cSld>
+    <p:spTree>
+      <p:nvGrpSpPr>
+        <p:cNvPr id="1" name=""/>
+        <p:cNvGrpSpPr/>
+        <p:nvPr/>
+      </p:nvGrpSpPr>
+      <p:grpSpPr>
+        <a:xfrm>
+          <a:off x="0" y="0"/>
+          <a:ext cx="0" cy="0"/>
+          <a:chOff x="0" y="0"/>
+          <a:chExt cx="0" cy="0"/>
+        </a:xfrm>
+      </p:grpSpPr>
+      <p:sp>
+        <p:nvSpPr>
+          <p:cNvPr id="2" name="标题 1">
+            <a:extLst>
+              <a:ext uri="{FF2B5EF4-FFF2-40B4-BE49-F238E27FC236}">
+                <a16:creationId xmlns:a16="http://schemas.microsoft.com/office/drawing/2014/main" id="{79934EB8-7462-EE47-92CF-D9490C75AF6E}"/>
+              </a:ext>
+            </a:extLst>
+          </p:cNvPr>
+          <p:cNvSpPr>
+            <a:spLocks noGrp="1"/>
+          </p:cNvSpPr>
+          <p:nvPr>
+            <p:ph type="title"/>
+          </p:nvPr>
+        </p:nvSpPr>
+        <p:spPr/>
+        <p:txBody>
+          <a:bodyPr/>
+          <a:lstStyle/>
+          <a:p>
+            <a:r>
+              <a:rPr kumimoji="1" lang="zh-CN" altLang="en-US" dirty="0"/>
+              <a:t>我们如何看待“未知的发生”</a:t>
+            </a:r>
+          </a:p>
+        </p:txBody>
+      </p:sp>
+      <p:sp>
+        <p:nvSpPr>
+          <p:cNvPr id="3" name="文本占位符 2">
+            <a:extLst>
+              <a:ext uri="{FF2B5EF4-FFF2-40B4-BE49-F238E27FC236}">
+                <a16:creationId xmlns:a16="http://schemas.microsoft.com/office/drawing/2014/main" id="{3F25079D-8774-1648-99C4-4C8E8815E79A}"/>
+              </a:ext>
+            </a:extLst>
+          </p:cNvPr>
+          <p:cNvSpPr>
+            <a:spLocks noGrp="1"/>
+          </p:cNvSpPr>
+          <p:nvPr>
+            <p:ph type="body" idx="1"/>
+          </p:nvPr>
+        </p:nvSpPr>
+        <p:spPr/>
+        <p:txBody>
+          <a:bodyPr/>
+          <a:lstStyle/>
+          <a:p>
+            <a:r>
+              <a:rPr kumimoji="1" lang="zh-CN" altLang="en-US" dirty="0"/>
+              <a:t>因果论</a:t>
+            </a:r>
+          </a:p>
+        </p:txBody>
+      </p:sp>
+    </p:spTree>
+    <p:extLst>
+      <p:ext uri="{BB962C8B-B14F-4D97-AF65-F5344CB8AC3E}">
+        <p14:creationId xmlns:p14="http://schemas.microsoft.com/office/powerpoint/2010/main" val="4225111290"/>
+      </p:ext>
+    </p:extLst>
+  </p:cSld>
+  <p:clrMapOvr>
+    <a:masterClrMapping/>
+  </p:clrMapOvr>
+</p:sld>
+</file>
+
+<file path=ppt/slides/slide20.xml><?xml version="1.0" encoding="utf-8"?>
 <p:sld xmlns:a="http://schemas.openxmlformats.org/drawingml/2006/main" xmlns:r="http://schemas.openxmlformats.org/officeDocument/2006/relationships" xmlns:p="http://schemas.openxmlformats.org/presentationml/2006/main">
   <p:cSld>
     <p:spTree>
@@ -13693,92 +14960,6 @@
 </p:sld>
 </file>
 
-<file path=ppt/slides/slide2.xml><?xml version="1.0" encoding="utf-8"?>
-<p:sld xmlns:a="http://schemas.openxmlformats.org/drawingml/2006/main" xmlns:r="http://schemas.openxmlformats.org/officeDocument/2006/relationships" xmlns:p="http://schemas.openxmlformats.org/presentationml/2006/main">
-  <p:cSld>
-    <p:spTree>
-      <p:nvGrpSpPr>
-        <p:cNvPr id="1" name=""/>
-        <p:cNvGrpSpPr/>
-        <p:nvPr/>
-      </p:nvGrpSpPr>
-      <p:grpSpPr>
-        <a:xfrm>
-          <a:off x="0" y="0"/>
-          <a:ext cx="0" cy="0"/>
-          <a:chOff x="0" y="0"/>
-          <a:chExt cx="0" cy="0"/>
-        </a:xfrm>
-      </p:grpSpPr>
-      <p:sp>
-        <p:nvSpPr>
-          <p:cNvPr id="2" name="标题 1">
-            <a:extLst>
-              <a:ext uri="{FF2B5EF4-FFF2-40B4-BE49-F238E27FC236}">
-                <a16:creationId xmlns:a16="http://schemas.microsoft.com/office/drawing/2014/main" id="{79934EB8-7462-EE47-92CF-D9490C75AF6E}"/>
-              </a:ext>
-            </a:extLst>
-          </p:cNvPr>
-          <p:cNvSpPr>
-            <a:spLocks noGrp="1"/>
-          </p:cNvSpPr>
-          <p:nvPr>
-            <p:ph type="title"/>
-          </p:nvPr>
-        </p:nvSpPr>
-        <p:spPr/>
-        <p:txBody>
-          <a:bodyPr/>
-          <a:lstStyle/>
-          <a:p>
-            <a:r>
-              <a:rPr kumimoji="1" lang="zh-CN" altLang="en-US" dirty="0"/>
-              <a:t>我们如何看待“未知的发生”</a:t>
-            </a:r>
-          </a:p>
-        </p:txBody>
-      </p:sp>
-      <p:sp>
-        <p:nvSpPr>
-          <p:cNvPr id="3" name="文本占位符 2">
-            <a:extLst>
-              <a:ext uri="{FF2B5EF4-FFF2-40B4-BE49-F238E27FC236}">
-                <a16:creationId xmlns:a16="http://schemas.microsoft.com/office/drawing/2014/main" id="{3F25079D-8774-1648-99C4-4C8E8815E79A}"/>
-              </a:ext>
-            </a:extLst>
-          </p:cNvPr>
-          <p:cNvSpPr>
-            <a:spLocks noGrp="1"/>
-          </p:cNvSpPr>
-          <p:nvPr>
-            <p:ph type="body" idx="1"/>
-          </p:nvPr>
-        </p:nvSpPr>
-        <p:spPr/>
-        <p:txBody>
-          <a:bodyPr/>
-          <a:lstStyle/>
-          <a:p>
-            <a:r>
-              <a:rPr kumimoji="1" lang="zh-CN" altLang="en-US" dirty="0"/>
-              <a:t>因果论</a:t>
-            </a:r>
-          </a:p>
-        </p:txBody>
-      </p:sp>
-    </p:spTree>
-    <p:extLst>
-      <p:ext uri="{BB962C8B-B14F-4D97-AF65-F5344CB8AC3E}">
-        <p14:creationId xmlns:p14="http://schemas.microsoft.com/office/powerpoint/2010/main" val="4225111290"/>
-      </p:ext>
-    </p:extLst>
-  </p:cSld>
-  <p:clrMapOvr>
-    <a:masterClrMapping/>
-  </p:clrMapOvr>
-</p:sld>
-</file>
-
 <file path=ppt/slides/slide3.xml><?xml version="1.0" encoding="utf-8"?>
 <p:sld xmlns:a="http://schemas.openxmlformats.org/drawingml/2006/main" xmlns:r="http://schemas.openxmlformats.org/officeDocument/2006/relationships" xmlns:p="http://schemas.openxmlformats.org/presentationml/2006/main">
   <p:cSld>
@@ -13953,7 +15134,7 @@
             <a:pPr algn="ctr"/>
             <a:r>
               <a:rPr kumimoji="1" lang="zh-CN" altLang="en-US" u="sng" dirty="0"/>
-              <a:t>我能了解它吗？</a:t>
+              <a:t>我能掌控它吗？</a:t>
             </a:r>
           </a:p>
         </p:txBody>
@@ -14446,8 +15627,8 @@
           </a:p>
         </p:txBody>
       </p:sp>
-      <mc:AlternateContent xmlns:mc="http://schemas.openxmlformats.org/markup-compatibility/2006" xmlns:a14="http://schemas.microsoft.com/office/drawing/2010/main">
-        <mc:Choice Requires="a14">
+      <mc:AlternateContent xmlns:mc="http://schemas.openxmlformats.org/markup-compatibility/2006">
+        <mc:Choice xmlns:a14="http://schemas.microsoft.com/office/drawing/2010/main" Requires="a14">
           <p:sp>
             <p:nvSpPr>
               <p:cNvPr id="6" name="文本框 5">
@@ -14463,7 +15644,7 @@
             <p:spPr>
               <a:xfrm>
                 <a:off x="2865188" y="3137135"/>
-                <a:ext cx="2950680" cy="800219"/>
+                <a:ext cx="3013967" cy="800219"/>
               </a:xfrm>
               <a:prstGeom prst="rect">
                 <a:avLst/>
@@ -14552,7 +15733,7 @@
             </p:txBody>
           </p:sp>
         </mc:Choice>
-        <mc:Fallback xmlns="">
+        <mc:Fallback>
           <p:sp>
             <p:nvSpPr>
               <p:cNvPr id="6" name="文本框 5">
@@ -14570,7 +15751,7 @@
             <p:spPr>
               <a:xfrm>
                 <a:off x="2865188" y="3137135"/>
-                <a:ext cx="2950680" cy="800219"/>
+                <a:ext cx="3013967" cy="800219"/>
               </a:xfrm>
               <a:prstGeom prst="rect">
                 <a:avLst/>
@@ -14810,7 +15991,7 @@
         <p:spPr>
           <a:xfrm>
             <a:off x="1758734" y="4977083"/>
-            <a:ext cx="4588115" cy="923330"/>
+            <a:ext cx="4608954" cy="923330"/>
           </a:xfrm>
           <a:prstGeom prst="rect">
             <a:avLst/>
@@ -14860,104 +16041,8 @@
             </a:pPr>
             <a:r>
               <a:rPr kumimoji="1" lang="zh-CN" altLang="en-US" dirty="0"/>
-              <a:t>数据量剧增要求超越人类的学习能力。</a:t>
-            </a:r>
-          </a:p>
-        </p:txBody>
-      </p:sp>
-      <p:sp>
-        <p:nvSpPr>
-          <p:cNvPr id="22" name="上弧形箭头 21">
-            <a:extLst>
-              <a:ext uri="{FF2B5EF4-FFF2-40B4-BE49-F238E27FC236}">
-                <a16:creationId xmlns:a16="http://schemas.microsoft.com/office/drawing/2014/main" id="{8A2F1866-9C71-0348-8820-0C838C77B62D}"/>
-              </a:ext>
-            </a:extLst>
-          </p:cNvPr>
-          <p:cNvSpPr/>
-          <p:nvPr/>
-        </p:nvSpPr>
-        <p:spPr>
-          <a:xfrm>
-            <a:off x="5034176" y="3714925"/>
-            <a:ext cx="4087291" cy="640784"/>
-          </a:xfrm>
-          <a:prstGeom prst="curvedUpArrow">
-            <a:avLst/>
-          </a:prstGeom>
-        </p:spPr>
-        <p:style>
-          <a:lnRef idx="0">
-            <a:schemeClr val="accent2"/>
-          </a:lnRef>
-          <a:fillRef idx="3">
-            <a:schemeClr val="accent2"/>
-          </a:fillRef>
-          <a:effectRef idx="3">
-            <a:schemeClr val="accent2"/>
-          </a:effectRef>
-          <a:fontRef idx="minor">
-            <a:schemeClr val="lt1"/>
-          </a:fontRef>
-        </p:style>
-        <p:txBody>
-          <a:bodyPr rtlCol="0" anchor="ctr"/>
-          <a:lstStyle/>
-          <a:p>
-            <a:pPr algn="ctr"/>
-            <a:endParaRPr kumimoji="1" lang="zh-CN" altLang="en-US">
-              <a:solidFill>
-                <a:schemeClr val="tx1"/>
-              </a:solidFill>
-            </a:endParaRPr>
-          </a:p>
-        </p:txBody>
-      </p:sp>
-      <p:sp>
-        <p:nvSpPr>
-          <p:cNvPr id="23" name="上弧形箭头 22">
-            <a:extLst>
-              <a:ext uri="{FF2B5EF4-FFF2-40B4-BE49-F238E27FC236}">
-                <a16:creationId xmlns:a16="http://schemas.microsoft.com/office/drawing/2014/main" id="{69DF585A-3969-F14F-BA55-3CCA16BE26DC}"/>
-              </a:ext>
-            </a:extLst>
-          </p:cNvPr>
-          <p:cNvSpPr/>
-          <p:nvPr/>
-        </p:nvSpPr>
-        <p:spPr>
-          <a:xfrm>
-            <a:off x="4332488" y="3709378"/>
-            <a:ext cx="4087291" cy="646331"/>
-          </a:xfrm>
-          <a:prstGeom prst="curvedUpArrow">
-            <a:avLst/>
-          </a:prstGeom>
-        </p:spPr>
-        <p:style>
-          <a:lnRef idx="0">
-            <a:schemeClr val="accent4"/>
-          </a:lnRef>
-          <a:fillRef idx="3">
-            <a:schemeClr val="accent4"/>
-          </a:fillRef>
-          <a:effectRef idx="3">
-            <a:schemeClr val="accent4"/>
-          </a:effectRef>
-          <a:fontRef idx="minor">
-            <a:schemeClr val="lt1"/>
-          </a:fontRef>
-        </p:style>
-        <p:txBody>
-          <a:bodyPr rtlCol="0" anchor="ctr"/>
-          <a:lstStyle/>
-          <a:p>
-            <a:pPr algn="ctr"/>
-            <a:endParaRPr kumimoji="1" lang="zh-CN" altLang="en-US">
-              <a:solidFill>
-                <a:schemeClr val="tx1"/>
-              </a:solidFill>
-            </a:endParaRPr>
+              <a:t>真实复杂到要求超越人类的学习能力。</a:t>
+            </a:r>
           </a:p>
         </p:txBody>
       </p:sp>
@@ -14976,9 +16061,9 @@
         <p:grpSpPr>
           <a:xfrm>
             <a:off x="6417354" y="4853973"/>
-            <a:ext cx="3985912" cy="1026220"/>
+            <a:ext cx="3985912" cy="1303219"/>
             <a:chOff x="6417354" y="4853973"/>
-            <a:chExt cx="3985912" cy="1026220"/>
+            <a:chExt cx="3985912" cy="1303219"/>
           </a:xfrm>
         </p:grpSpPr>
         <p:sp>
@@ -15063,7 +16148,7 @@
                 <a:rPr lang="zh-CN" altLang="en-US" sz="3200" b="1" cap="none" spc="0" dirty="0">
                   <a:ln w="12700" cmpd="sng">
                     <a:solidFill>
-                      <a:schemeClr val="accent4"/>
+                      <a:schemeClr val="accent3"/>
                     </a:solidFill>
                     <a:prstDash val="solid"/>
                   </a:ln>
@@ -15111,7 +16196,7 @@
               <p:spPr>
                 <a:xfrm>
                   <a:off x="8124822" y="5510861"/>
-                  <a:ext cx="2278444" cy="369332"/>
+                  <a:ext cx="2278444" cy="646331"/>
                 </a:xfrm>
                 <a:prstGeom prst="rect">
                   <a:avLst/>
@@ -15123,6 +16208,13 @@
                   <a:spAutoFit/>
                 </a:bodyPr>
                 <a:lstStyle/>
+                <a:p>
+                  <a:r>
+                    <a:rPr kumimoji="1" lang="zh-CN" altLang="en-US" b="0" dirty="0"/>
+                    <a:t>让机器通过统计学</a:t>
+                  </a:r>
+                  <a:endParaRPr kumimoji="1" lang="en-US" altLang="zh-CN" b="0" dirty="0"/>
+                </a:p>
                 <a:p>
                   <a:r>
                     <a:rPr kumimoji="1" lang="zh-CN" altLang="en-US" b="0" dirty="0"/>
@@ -15197,7 +16289,7 @@
               <p:spPr>
                 <a:xfrm>
                   <a:off x="8124822" y="5510861"/>
-                  <a:ext cx="2278444" cy="369332"/>
+                  <a:ext cx="2278444" cy="646331"/>
                 </a:xfrm>
                 <a:prstGeom prst="rect">
                   <a:avLst/>
@@ -15205,7 +16297,7 @@
                 <a:blipFill>
                   <a:blip r:embed="rId4"/>
                   <a:stretch>
-                    <a:fillRect l="-2210" t="-9677" b="-19355"/>
+                    <a:fillRect l="-2210" t="-5769" b="-11538"/>
                   </a:stretch>
                 </a:blipFill>
               </p:spPr>
@@ -15225,214 +16317,331 @@
           </mc:Fallback>
         </mc:AlternateContent>
       </p:grpSp>
-      <p:sp>
-        <p:nvSpPr>
-          <p:cNvPr id="3" name="矩形 2">
+      <p:grpSp>
+        <p:nvGrpSpPr>
+          <p:cNvPr id="8" name="组合 7">
             <a:extLst>
               <a:ext uri="{FF2B5EF4-FFF2-40B4-BE49-F238E27FC236}">
-                <a16:creationId xmlns:a16="http://schemas.microsoft.com/office/drawing/2014/main" id="{B6F711BA-3274-7845-A097-153CEC34E593}"/>
+                <a16:creationId xmlns:a16="http://schemas.microsoft.com/office/drawing/2014/main" id="{F17013AB-E010-0047-AD60-F7FE4C968283}"/>
               </a:ext>
             </a:extLst>
           </p:cNvPr>
-          <p:cNvSpPr/>
+          <p:cNvGrpSpPr/>
           <p:nvPr/>
-        </p:nvSpPr>
-        <p:spPr>
+        </p:nvGrpSpPr>
+        <p:grpSpPr>
           <a:xfrm>
-            <a:off x="4236334" y="3125560"/>
-            <a:ext cx="312517" cy="572243"/>
+            <a:off x="4236334" y="3117808"/>
+            <a:ext cx="5027202" cy="1237901"/>
+            <a:chOff x="4236334" y="3117808"/>
+            <a:chExt cx="5027202" cy="1237901"/>
           </a:xfrm>
-          <a:prstGeom prst="rect">
-            <a:avLst/>
-          </a:prstGeom>
-          <a:noFill/>
-          <a:ln w="28575">
-            <a:solidFill>
-              <a:schemeClr val="accent4"/>
-            </a:solidFill>
-          </a:ln>
-        </p:spPr>
-        <p:style>
-          <a:lnRef idx="2">
-            <a:schemeClr val="accent1">
-              <a:shade val="50000"/>
-            </a:schemeClr>
-          </a:lnRef>
-          <a:fillRef idx="1">
-            <a:schemeClr val="accent1"/>
-          </a:fillRef>
-          <a:effectRef idx="0">
-            <a:schemeClr val="accent1"/>
-          </a:effectRef>
-          <a:fontRef idx="minor">
-            <a:schemeClr val="lt1"/>
-          </a:fontRef>
-        </p:style>
-        <p:txBody>
-          <a:bodyPr rtlCol="0" anchor="ctr"/>
-          <a:lstStyle/>
-          <a:p>
-            <a:pPr algn="ctr"/>
-            <a:endParaRPr kumimoji="1" lang="zh-CN" altLang="en-US"/>
-          </a:p>
-        </p:txBody>
-      </p:sp>
-      <p:sp>
-        <p:nvSpPr>
-          <p:cNvPr id="19" name="矩形 18">
-            <a:extLst>
-              <a:ext uri="{FF2B5EF4-FFF2-40B4-BE49-F238E27FC236}">
-                <a16:creationId xmlns:a16="http://schemas.microsoft.com/office/drawing/2014/main" id="{EE945FE3-ED82-EE40-BD18-9F3E56FB22DF}"/>
-              </a:ext>
-            </a:extLst>
-          </p:cNvPr>
-          <p:cNvSpPr/>
-          <p:nvPr/>
-        </p:nvSpPr>
-        <p:spPr>
-          <a:xfrm>
-            <a:off x="8104309" y="3128044"/>
-            <a:ext cx="312517" cy="572243"/>
-          </a:xfrm>
-          <a:prstGeom prst="rect">
-            <a:avLst/>
-          </a:prstGeom>
-          <a:noFill/>
-          <a:ln w="28575">
-            <a:solidFill>
-              <a:schemeClr val="accent4"/>
-            </a:solidFill>
-          </a:ln>
-        </p:spPr>
-        <p:style>
-          <a:lnRef idx="2">
-            <a:schemeClr val="accent1">
-              <a:shade val="50000"/>
-            </a:schemeClr>
-          </a:lnRef>
-          <a:fillRef idx="1">
-            <a:schemeClr val="accent1"/>
-          </a:fillRef>
-          <a:effectRef idx="0">
-            <a:schemeClr val="accent1"/>
-          </a:effectRef>
-          <a:fontRef idx="minor">
-            <a:schemeClr val="lt1"/>
-          </a:fontRef>
-        </p:style>
-        <p:txBody>
-          <a:bodyPr rtlCol="0" anchor="ctr"/>
-          <a:lstStyle/>
-          <a:p>
-            <a:pPr algn="ctr"/>
-            <a:endParaRPr kumimoji="1" lang="zh-CN" altLang="en-US"/>
-          </a:p>
-        </p:txBody>
-      </p:sp>
-      <p:sp>
-        <p:nvSpPr>
-          <p:cNvPr id="20" name="矩形 19">
-            <a:extLst>
-              <a:ext uri="{FF2B5EF4-FFF2-40B4-BE49-F238E27FC236}">
-                <a16:creationId xmlns:a16="http://schemas.microsoft.com/office/drawing/2014/main" id="{93326959-4B70-AB47-85E7-288396C397C0}"/>
-              </a:ext>
-            </a:extLst>
-          </p:cNvPr>
-          <p:cNvSpPr/>
-          <p:nvPr/>
-        </p:nvSpPr>
-        <p:spPr>
-          <a:xfrm>
-            <a:off x="4665943" y="3128144"/>
-            <a:ext cx="751006" cy="572243"/>
-          </a:xfrm>
-          <a:prstGeom prst="rect">
-            <a:avLst/>
-          </a:prstGeom>
-          <a:noFill/>
-          <a:ln w="28575">
-            <a:solidFill>
+        </p:grpSpPr>
+        <p:sp>
+          <p:nvSpPr>
+            <p:cNvPr id="22" name="上弧形箭头 21">
+              <a:extLst>
+                <a:ext uri="{FF2B5EF4-FFF2-40B4-BE49-F238E27FC236}">
+                  <a16:creationId xmlns:a16="http://schemas.microsoft.com/office/drawing/2014/main" id="{8A2F1866-9C71-0348-8820-0C838C77B62D}"/>
+                </a:ext>
+              </a:extLst>
+            </p:cNvPr>
+            <p:cNvSpPr/>
+            <p:nvPr/>
+          </p:nvSpPr>
+          <p:spPr>
+            <a:xfrm>
+              <a:off x="5034176" y="3714925"/>
+              <a:ext cx="4087291" cy="640784"/>
+            </a:xfrm>
+            <a:prstGeom prst="curvedUpArrow">
+              <a:avLst/>
+            </a:prstGeom>
+          </p:spPr>
+          <p:style>
+            <a:lnRef idx="0">
               <a:schemeClr val="accent2"/>
-            </a:solidFill>
-          </a:ln>
-        </p:spPr>
-        <p:style>
-          <a:lnRef idx="2">
-            <a:schemeClr val="accent1">
-              <a:shade val="50000"/>
-            </a:schemeClr>
-          </a:lnRef>
-          <a:fillRef idx="1">
-            <a:schemeClr val="accent1"/>
-          </a:fillRef>
-          <a:effectRef idx="0">
-            <a:schemeClr val="accent1"/>
-          </a:effectRef>
-          <a:fontRef idx="minor">
-            <a:schemeClr val="lt1"/>
-          </a:fontRef>
-        </p:style>
-        <p:txBody>
-          <a:bodyPr rtlCol="0" anchor="ctr"/>
-          <a:lstStyle/>
-          <a:p>
-            <a:pPr algn="ctr"/>
-            <a:endParaRPr kumimoji="1" lang="zh-CN" altLang="en-US"/>
-          </a:p>
-        </p:txBody>
-      </p:sp>
-      <p:sp>
-        <p:nvSpPr>
-          <p:cNvPr id="21" name="矩形 20">
-            <a:extLst>
-              <a:ext uri="{FF2B5EF4-FFF2-40B4-BE49-F238E27FC236}">
-                <a16:creationId xmlns:a16="http://schemas.microsoft.com/office/drawing/2014/main" id="{189D5D73-57A9-1A4B-8B98-F923A2C17937}"/>
-              </a:ext>
-            </a:extLst>
-          </p:cNvPr>
-          <p:cNvSpPr/>
-          <p:nvPr/>
-        </p:nvSpPr>
-        <p:spPr>
-          <a:xfrm>
-            <a:off x="8507396" y="3117808"/>
-            <a:ext cx="756140" cy="572243"/>
-          </a:xfrm>
-          <a:prstGeom prst="rect">
-            <a:avLst/>
-          </a:prstGeom>
-          <a:noFill/>
-          <a:ln w="28575">
-            <a:solidFill>
+            </a:lnRef>
+            <a:fillRef idx="3">
               <a:schemeClr val="accent2"/>
-            </a:solidFill>
-          </a:ln>
-        </p:spPr>
-        <p:style>
-          <a:lnRef idx="2">
-            <a:schemeClr val="accent1">
-              <a:shade val="50000"/>
-            </a:schemeClr>
-          </a:lnRef>
-          <a:fillRef idx="1">
-            <a:schemeClr val="accent1"/>
-          </a:fillRef>
-          <a:effectRef idx="0">
-            <a:schemeClr val="accent1"/>
-          </a:effectRef>
-          <a:fontRef idx="minor">
-            <a:schemeClr val="lt1"/>
-          </a:fontRef>
-        </p:style>
-        <p:txBody>
-          <a:bodyPr rtlCol="0" anchor="ctr"/>
-          <a:lstStyle/>
-          <a:p>
-            <a:pPr algn="ctr"/>
-            <a:endParaRPr kumimoji="1" lang="zh-CN" altLang="en-US"/>
-          </a:p>
-        </p:txBody>
-      </p:sp>
+            </a:fillRef>
+            <a:effectRef idx="3">
+              <a:schemeClr val="accent2"/>
+            </a:effectRef>
+            <a:fontRef idx="minor">
+              <a:schemeClr val="lt1"/>
+            </a:fontRef>
+          </p:style>
+          <p:txBody>
+            <a:bodyPr rtlCol="0" anchor="ctr"/>
+            <a:lstStyle/>
+            <a:p>
+              <a:pPr algn="ctr"/>
+              <a:endParaRPr kumimoji="1" lang="zh-CN" altLang="en-US">
+                <a:solidFill>
+                  <a:schemeClr val="tx1"/>
+                </a:solidFill>
+              </a:endParaRPr>
+            </a:p>
+          </p:txBody>
+        </p:sp>
+        <p:sp>
+          <p:nvSpPr>
+            <p:cNvPr id="23" name="上弧形箭头 22">
+              <a:extLst>
+                <a:ext uri="{FF2B5EF4-FFF2-40B4-BE49-F238E27FC236}">
+                  <a16:creationId xmlns:a16="http://schemas.microsoft.com/office/drawing/2014/main" id="{69DF585A-3969-F14F-BA55-3CCA16BE26DC}"/>
+                </a:ext>
+              </a:extLst>
+            </p:cNvPr>
+            <p:cNvSpPr/>
+            <p:nvPr/>
+          </p:nvSpPr>
+          <p:spPr>
+            <a:xfrm>
+              <a:off x="4332488" y="3709378"/>
+              <a:ext cx="4087291" cy="646331"/>
+            </a:xfrm>
+            <a:prstGeom prst="curvedUpArrow">
+              <a:avLst/>
+            </a:prstGeom>
+          </p:spPr>
+          <p:style>
+            <a:lnRef idx="0">
+              <a:schemeClr val="accent3"/>
+            </a:lnRef>
+            <a:fillRef idx="3">
+              <a:schemeClr val="accent3"/>
+            </a:fillRef>
+            <a:effectRef idx="3">
+              <a:schemeClr val="accent3"/>
+            </a:effectRef>
+            <a:fontRef idx="minor">
+              <a:schemeClr val="lt1"/>
+            </a:fontRef>
+          </p:style>
+          <p:txBody>
+            <a:bodyPr rtlCol="0" anchor="ctr"/>
+            <a:lstStyle/>
+            <a:p>
+              <a:pPr algn="ctr"/>
+              <a:endParaRPr kumimoji="1" lang="zh-CN" altLang="en-US">
+                <a:solidFill>
+                  <a:schemeClr val="tx1"/>
+                </a:solidFill>
+              </a:endParaRPr>
+            </a:p>
+          </p:txBody>
+        </p:sp>
+        <p:sp>
+          <p:nvSpPr>
+            <p:cNvPr id="3" name="矩形 2">
+              <a:extLst>
+                <a:ext uri="{FF2B5EF4-FFF2-40B4-BE49-F238E27FC236}">
+                  <a16:creationId xmlns:a16="http://schemas.microsoft.com/office/drawing/2014/main" id="{B6F711BA-3274-7845-A097-153CEC34E593}"/>
+                </a:ext>
+              </a:extLst>
+            </p:cNvPr>
+            <p:cNvSpPr/>
+            <p:nvPr/>
+          </p:nvSpPr>
+          <p:spPr>
+            <a:xfrm>
+              <a:off x="4236334" y="3125560"/>
+              <a:ext cx="312517" cy="572243"/>
+            </a:xfrm>
+            <a:prstGeom prst="rect">
+              <a:avLst/>
+            </a:prstGeom>
+            <a:noFill/>
+            <a:ln w="28575">
+              <a:solidFill>
+                <a:schemeClr val="accent3"/>
+              </a:solidFill>
+            </a:ln>
+          </p:spPr>
+          <p:style>
+            <a:lnRef idx="2">
+              <a:schemeClr val="accent1">
+                <a:shade val="50000"/>
+              </a:schemeClr>
+            </a:lnRef>
+            <a:fillRef idx="1">
+              <a:schemeClr val="accent1"/>
+            </a:fillRef>
+            <a:effectRef idx="0">
+              <a:schemeClr val="accent1"/>
+            </a:effectRef>
+            <a:fontRef idx="minor">
+              <a:schemeClr val="lt1"/>
+            </a:fontRef>
+          </p:style>
+          <p:txBody>
+            <a:bodyPr rtlCol="0" anchor="ctr"/>
+            <a:lstStyle/>
+            <a:p>
+              <a:pPr algn="ctr"/>
+              <a:endParaRPr kumimoji="1" lang="zh-CN" altLang="en-US"/>
+            </a:p>
+          </p:txBody>
+        </p:sp>
+        <p:sp>
+          <p:nvSpPr>
+            <p:cNvPr id="19" name="矩形 18">
+              <a:extLst>
+                <a:ext uri="{FF2B5EF4-FFF2-40B4-BE49-F238E27FC236}">
+                  <a16:creationId xmlns:a16="http://schemas.microsoft.com/office/drawing/2014/main" id="{EE945FE3-ED82-EE40-BD18-9F3E56FB22DF}"/>
+                </a:ext>
+              </a:extLst>
+            </p:cNvPr>
+            <p:cNvSpPr/>
+            <p:nvPr/>
+          </p:nvSpPr>
+          <p:spPr>
+            <a:xfrm>
+              <a:off x="8104309" y="3128044"/>
+              <a:ext cx="312517" cy="572243"/>
+            </a:xfrm>
+            <a:prstGeom prst="rect">
+              <a:avLst/>
+            </a:prstGeom>
+            <a:noFill/>
+            <a:ln w="28575">
+              <a:solidFill>
+                <a:schemeClr val="accent3"/>
+              </a:solidFill>
+            </a:ln>
+          </p:spPr>
+          <p:style>
+            <a:lnRef idx="2">
+              <a:schemeClr val="accent1">
+                <a:shade val="50000"/>
+              </a:schemeClr>
+            </a:lnRef>
+            <a:fillRef idx="1">
+              <a:schemeClr val="accent1"/>
+            </a:fillRef>
+            <a:effectRef idx="0">
+              <a:schemeClr val="accent1"/>
+            </a:effectRef>
+            <a:fontRef idx="minor">
+              <a:schemeClr val="lt1"/>
+            </a:fontRef>
+          </p:style>
+          <p:txBody>
+            <a:bodyPr rtlCol="0" anchor="ctr"/>
+            <a:lstStyle/>
+            <a:p>
+              <a:pPr algn="ctr"/>
+              <a:endParaRPr kumimoji="1" lang="zh-CN" altLang="en-US"/>
+            </a:p>
+          </p:txBody>
+        </p:sp>
+        <p:sp>
+          <p:nvSpPr>
+            <p:cNvPr id="20" name="矩形 19">
+              <a:extLst>
+                <a:ext uri="{FF2B5EF4-FFF2-40B4-BE49-F238E27FC236}">
+                  <a16:creationId xmlns:a16="http://schemas.microsoft.com/office/drawing/2014/main" id="{93326959-4B70-AB47-85E7-288396C397C0}"/>
+                </a:ext>
+              </a:extLst>
+            </p:cNvPr>
+            <p:cNvSpPr/>
+            <p:nvPr/>
+          </p:nvSpPr>
+          <p:spPr>
+            <a:xfrm>
+              <a:off x="4665943" y="3128144"/>
+              <a:ext cx="751006" cy="572243"/>
+            </a:xfrm>
+            <a:prstGeom prst="rect">
+              <a:avLst/>
+            </a:prstGeom>
+            <a:noFill/>
+            <a:ln w="28575">
+              <a:solidFill>
+                <a:schemeClr val="accent2"/>
+              </a:solidFill>
+            </a:ln>
+          </p:spPr>
+          <p:style>
+            <a:lnRef idx="2">
+              <a:schemeClr val="accent1">
+                <a:shade val="50000"/>
+              </a:schemeClr>
+            </a:lnRef>
+            <a:fillRef idx="1">
+              <a:schemeClr val="accent1"/>
+            </a:fillRef>
+            <a:effectRef idx="0">
+              <a:schemeClr val="accent1"/>
+            </a:effectRef>
+            <a:fontRef idx="minor">
+              <a:schemeClr val="lt1"/>
+            </a:fontRef>
+          </p:style>
+          <p:txBody>
+            <a:bodyPr rtlCol="0" anchor="ctr"/>
+            <a:lstStyle/>
+            <a:p>
+              <a:pPr algn="ctr"/>
+              <a:endParaRPr kumimoji="1" lang="zh-CN" altLang="en-US"/>
+            </a:p>
+          </p:txBody>
+        </p:sp>
+        <p:sp>
+          <p:nvSpPr>
+            <p:cNvPr id="21" name="矩形 20">
+              <a:extLst>
+                <a:ext uri="{FF2B5EF4-FFF2-40B4-BE49-F238E27FC236}">
+                  <a16:creationId xmlns:a16="http://schemas.microsoft.com/office/drawing/2014/main" id="{189D5D73-57A9-1A4B-8B98-F923A2C17937}"/>
+                </a:ext>
+              </a:extLst>
+            </p:cNvPr>
+            <p:cNvSpPr/>
+            <p:nvPr/>
+          </p:nvSpPr>
+          <p:spPr>
+            <a:xfrm>
+              <a:off x="8507396" y="3117808"/>
+              <a:ext cx="756140" cy="572243"/>
+            </a:xfrm>
+            <a:prstGeom prst="rect">
+              <a:avLst/>
+            </a:prstGeom>
+            <a:noFill/>
+            <a:ln w="28575">
+              <a:solidFill>
+                <a:schemeClr val="accent2"/>
+              </a:solidFill>
+            </a:ln>
+          </p:spPr>
+          <p:style>
+            <a:lnRef idx="2">
+              <a:schemeClr val="accent1">
+                <a:shade val="50000"/>
+              </a:schemeClr>
+            </a:lnRef>
+            <a:fillRef idx="1">
+              <a:schemeClr val="accent1"/>
+            </a:fillRef>
+            <a:effectRef idx="0">
+              <a:schemeClr val="accent1"/>
+            </a:effectRef>
+            <a:fontRef idx="minor">
+              <a:schemeClr val="lt1"/>
+            </a:fontRef>
+          </p:style>
+          <p:txBody>
+            <a:bodyPr rtlCol="0" anchor="ctr"/>
+            <a:lstStyle/>
+            <a:p>
+              <a:pPr algn="ctr"/>
+              <a:endParaRPr kumimoji="1" lang="zh-CN" altLang="en-US"/>
+            </a:p>
+          </p:txBody>
+        </p:sp>
+      </p:grpSp>
       <p:sp>
         <p:nvSpPr>
           <p:cNvPr id="5" name="文本框 4">
@@ -15508,7 +16717,7 @@
                             </p:stCondLst>
                             <p:childTnLst>
                               <p:par>
-                                <p:cTn id="5" presetID="9" presetClass="entr" presetSubtype="0" fill="hold" grpId="0" nodeType="clickEffect">
+                                <p:cTn id="5" presetID="12" presetClass="entr" presetSubtype="4" fill="hold" nodeType="clickEffect">
                                   <p:stCondLst>
                                     <p:cond delay="0"/>
                                   </p:stCondLst>
@@ -15516,6 +16725,82 @@
                                     <p:set>
                                       <p:cBhvr>
                                         <p:cTn id="6" dur="1" fill="hold">
+                                          <p:stCondLst>
+                                            <p:cond delay="0"/>
+                                          </p:stCondLst>
+                                        </p:cTn>
+                                        <p:tgtEl>
+                                          <p:spTgt spid="8"/>
+                                        </p:tgtEl>
+                                        <p:attrNameLst>
+                                          <p:attrName>style.visibility</p:attrName>
+                                        </p:attrNameLst>
+                                      </p:cBhvr>
+                                      <p:to>
+                                        <p:strVal val="visible"/>
+                                      </p:to>
+                                    </p:set>
+                                    <p:anim calcmode="lin" valueType="num">
+                                      <p:cBhvr additive="base">
+                                        <p:cTn id="7" dur="500"/>
+                                        <p:tgtEl>
+                                          <p:spTgt spid="8"/>
+                                        </p:tgtEl>
+                                        <p:attrNameLst>
+                                          <p:attrName>ppt_y</p:attrName>
+                                        </p:attrNameLst>
+                                      </p:cBhvr>
+                                      <p:tavLst>
+                                        <p:tav tm="0">
+                                          <p:val>
+                                            <p:strVal val="#ppt_y+#ppt_h*1.125000"/>
+                                          </p:val>
+                                        </p:tav>
+                                        <p:tav tm="100000">
+                                          <p:val>
+                                            <p:strVal val="#ppt_y"/>
+                                          </p:val>
+                                        </p:tav>
+                                      </p:tavLst>
+                                    </p:anim>
+                                    <p:animEffect transition="in" filter="wipe(up)">
+                                      <p:cBhvr>
+                                        <p:cTn id="8" dur="500"/>
+                                        <p:tgtEl>
+                                          <p:spTgt spid="8"/>
+                                        </p:tgtEl>
+                                      </p:cBhvr>
+                                    </p:animEffect>
+                                  </p:childTnLst>
+                                </p:cTn>
+                              </p:par>
+                            </p:childTnLst>
+                          </p:cTn>
+                        </p:par>
+                      </p:childTnLst>
+                    </p:cTn>
+                  </p:par>
+                  <p:par>
+                    <p:cTn id="9" fill="hold">
+                      <p:stCondLst>
+                        <p:cond delay="indefinite"/>
+                      </p:stCondLst>
+                      <p:childTnLst>
+                        <p:par>
+                          <p:cTn id="10" fill="hold">
+                            <p:stCondLst>
+                              <p:cond delay="0"/>
+                            </p:stCondLst>
+                            <p:childTnLst>
+                              <p:par>
+                                <p:cTn id="11" presetID="9" presetClass="entr" presetSubtype="0" fill="hold" grpId="0" nodeType="clickEffect">
+                                  <p:stCondLst>
+                                    <p:cond delay="0"/>
+                                  </p:stCondLst>
+                                  <p:childTnLst>
+                                    <p:set>
+                                      <p:cBhvr>
+                                        <p:cTn id="12" dur="1" fill="hold">
                                           <p:stCondLst>
                                             <p:cond delay="0"/>
                                           </p:stCondLst>
@@ -15533,7 +16818,7 @@
                                     </p:set>
                                     <p:animEffect transition="in" filter="dissolve">
                                       <p:cBhvr>
-                                        <p:cTn id="7" dur="500"/>
+                                        <p:cTn id="13" dur="500"/>
                                         <p:tgtEl>
                                           <p:spTgt spid="17"/>
                                         </p:tgtEl>
@@ -15549,26 +16834,26 @@
                     </p:cTn>
                   </p:par>
                   <p:par>
-                    <p:cTn id="8" fill="hold">
+                    <p:cTn id="14" fill="hold">
                       <p:stCondLst>
                         <p:cond delay="indefinite"/>
                       </p:stCondLst>
                       <p:childTnLst>
                         <p:par>
-                          <p:cTn id="9" fill="hold">
+                          <p:cTn id="15" fill="hold">
                             <p:stCondLst>
                               <p:cond delay="0"/>
                             </p:stCondLst>
                             <p:childTnLst>
                               <p:par>
-                                <p:cTn id="10" presetID="22" presetClass="entr" presetSubtype="8" fill="hold" nodeType="clickEffect">
+                                <p:cTn id="16" presetID="22" presetClass="entr" presetSubtype="8" fill="hold" nodeType="clickEffect">
                                   <p:stCondLst>
                                     <p:cond delay="0"/>
                                   </p:stCondLst>
                                   <p:childTnLst>
                                     <p:set>
                                       <p:cBhvr>
-                                        <p:cTn id="11" dur="1" fill="hold">
+                                        <p:cTn id="17" dur="1" fill="hold">
                                           <p:stCondLst>
                                             <p:cond delay="0"/>
                                           </p:stCondLst>
@@ -15586,7 +16871,7 @@
                                     </p:set>
                                     <p:animEffect transition="in" filter="wipe(left)">
                                       <p:cBhvr>
-                                        <p:cTn id="12" dur="500"/>
+                                        <p:cTn id="18" dur="500"/>
                                         <p:tgtEl>
                                           <p:spTgt spid="7"/>
                                         </p:tgtEl>
@@ -15801,7 +17086,7 @@
           <p:nvPr>
             <p:extLst>
               <p:ext uri="{D42A27DB-BD31-4B8C-83A1-F6EECF244321}">
-                <p14:modId xmlns:p14="http://schemas.microsoft.com/office/powerpoint/2010/main" val="958966997"/>
+                <p14:modId xmlns:p14="http://schemas.microsoft.com/office/powerpoint/2010/main" val="1036887848"/>
               </p:ext>
             </p:extLst>
           </p:nvPr>
@@ -15881,7 +17166,7 @@
           <a:p>
             <a:r>
               <a:rPr kumimoji="1" lang="zh-CN" altLang="en-US" dirty="0"/>
-              <a:t>获得</a:t>
+              <a:t>评价</a:t>
             </a:r>
           </a:p>
         </p:txBody>
@@ -16021,7 +17306,7 @@
           <a:p>
             <a:r>
               <a:rPr kumimoji="1" lang="zh-CN" altLang="en-US" dirty="0"/>
-              <a:t>获得</a:t>
+              <a:t>评价</a:t>
             </a:r>
           </a:p>
         </p:txBody>
@@ -16712,7 +17997,7 @@
             </a:pPr>
             <a:r>
               <a:rPr kumimoji="1" lang="zh-CN" altLang="en-US" dirty="0"/>
-              <a:t>特征工程：需要</a:t>
+              <a:t>训练时间：短</a:t>
             </a:r>
             <a:endParaRPr kumimoji="1" lang="en-US" altLang="zh-CN" dirty="0"/>
           </a:p>
@@ -16726,7 +18011,7 @@
             </a:pPr>
             <a:r>
               <a:rPr kumimoji="1" lang="zh-CN" altLang="en-US" dirty="0"/>
-              <a:t>执行时间：少</a:t>
+              <a:t>特征工程：需要</a:t>
             </a:r>
             <a:endParaRPr kumimoji="1" lang="en-US" altLang="zh-CN" dirty="0"/>
           </a:p>
@@ -16760,7 +18045,7 @@
         <p:spPr>
           <a:xfrm>
             <a:off x="7447732" y="4467827"/>
-            <a:ext cx="2319866" cy="1721305"/>
+            <a:ext cx="2781531" cy="1721305"/>
           </a:xfrm>
           <a:prstGeom prst="rect">
             <a:avLst/>
@@ -16810,7 +18095,7 @@
             </a:pPr>
             <a:r>
               <a:rPr kumimoji="1" lang="zh-CN" altLang="en-US" dirty="0"/>
-              <a:t>特征工程：基本无</a:t>
+              <a:t>训练时间：长</a:t>
             </a:r>
             <a:endParaRPr kumimoji="1" lang="en-US" altLang="zh-CN" dirty="0"/>
           </a:p>
@@ -16824,7 +18109,7 @@
             </a:pPr>
             <a:r>
               <a:rPr kumimoji="1" lang="zh-CN" altLang="en-US" dirty="0"/>
-              <a:t>执行时间：多</a:t>
+              <a:t>特征工程：基本不需要</a:t>
             </a:r>
             <a:endParaRPr kumimoji="1" lang="en-US" altLang="zh-CN" dirty="0"/>
           </a:p>
@@ -16857,8 +18142,8 @@
         </p:nvSpPr>
         <p:spPr>
           <a:xfrm>
-            <a:off x="2102388" y="5173882"/>
-            <a:ext cx="7828690" cy="324091"/>
+            <a:off x="2102388" y="5502501"/>
+            <a:ext cx="8327478" cy="326799"/>
           </a:xfrm>
           <a:prstGeom prst="roundRect">
             <a:avLst/>
@@ -16866,7 +18151,7 @@
           <a:noFill/>
           <a:ln w="28575">
             <a:solidFill>
-              <a:schemeClr val="tx2"/>
+              <a:schemeClr val="accent3"/>
             </a:solidFill>
           </a:ln>
         </p:spPr>
@@ -17068,11 +18353,7 @@
           <a:lstStyle/>
           <a:p>
             <a:r>
-              <a:rPr kumimoji="1" lang="zh-CN" altLang="en-US" sz="2800" dirty="0">
-                <a:solidFill>
-                  <a:schemeClr val="accent2"/>
-                </a:solidFill>
-              </a:rPr>
+              <a:rPr kumimoji="1" lang="zh-CN" altLang="en-US" sz="2800" dirty="0"/>
               <a:t>某文本主题分类任务</a:t>
             </a:r>
           </a:p>
@@ -17253,7 +18534,7 @@
               <a:rPr lang="zh-CN" altLang="en-US" sz="3200" b="1" cap="none" spc="0" dirty="0">
                 <a:ln w="12700" cmpd="sng">
                   <a:solidFill>
-                    <a:schemeClr val="accent4"/>
+                    <a:schemeClr val="accent3"/>
                   </a:solidFill>
                   <a:prstDash val="solid"/>
                 </a:ln>
@@ -17298,7 +18579,7 @@
         </p:nvSpPr>
         <p:spPr>
           <a:xfrm>
-            <a:off x="2295921" y="2904036"/>
+            <a:off x="2384919" y="2861173"/>
             <a:ext cx="7250703" cy="3385799"/>
           </a:xfrm>
           <a:prstGeom prst="rect">
@@ -17332,7 +18613,7 @@
             </a:pPr>
             <a:r>
               <a:rPr kumimoji="1" lang="zh-CN" altLang="en-US" dirty="0"/>
-              <a:t>业务本身有没有明显的规律或者明显非规律。</a:t>
+              <a:t>业务本身有没有明显的规律或者明显的“非规律” 。</a:t>
             </a:r>
             <a:endParaRPr kumimoji="1" lang="en-US" altLang="zh-CN" dirty="0"/>
           </a:p>

--- a/Python-Meetup/20210523/深度学习简介.pptx
+++ b/Python-Meetup/20210523/深度学习简介.pptx
@@ -20,11 +20,12 @@
     <p:sldId id="268" r:id="rId14"/>
     <p:sldId id="269" r:id="rId15"/>
     <p:sldId id="270" r:id="rId16"/>
-    <p:sldId id="276" r:id="rId17"/>
-    <p:sldId id="271" r:id="rId18"/>
-    <p:sldId id="272" r:id="rId19"/>
-    <p:sldId id="273" r:id="rId20"/>
-    <p:sldId id="274" r:id="rId21"/>
+    <p:sldId id="277" r:id="rId17"/>
+    <p:sldId id="276" r:id="rId18"/>
+    <p:sldId id="271" r:id="rId19"/>
+    <p:sldId id="272" r:id="rId20"/>
+    <p:sldId id="273" r:id="rId21"/>
+    <p:sldId id="274" r:id="rId22"/>
   </p:sldIdLst>
   <p:sldSz cx="12192000" cy="6858000"/>
   <p:notesSz cx="6858000" cy="9144000"/>
@@ -6079,7 +6080,7 @@
             <a:fld id="{B61BEF0D-F0BB-DE4B-95CE-6DB70DBA9567}" type="datetimeFigureOut">
               <a:rPr lang="en-US" smtClean="0"/>
               <a:pPr/>
-              <a:t>5/10/21</a:t>
+              <a:t>5/11/21</a:t>
             </a:fld>
             <a:endParaRPr lang="en-US" dirty="0"/>
           </a:p>
@@ -6416,7 +6417,7 @@
             <a:fld id="{B61BEF0D-F0BB-DE4B-95CE-6DB70DBA9567}" type="datetimeFigureOut">
               <a:rPr lang="en-US" smtClean="0"/>
               <a:pPr/>
-              <a:t>5/10/21</a:t>
+              <a:t>5/11/21</a:t>
             </a:fld>
             <a:endParaRPr lang="en-US" dirty="0"/>
           </a:p>
@@ -6721,7 +6722,7 @@
             <a:fld id="{B61BEF0D-F0BB-DE4B-95CE-6DB70DBA9567}" type="datetimeFigureOut">
               <a:rPr lang="en-US" smtClean="0"/>
               <a:pPr/>
-              <a:t>5/10/21</a:t>
+              <a:t>5/11/21</a:t>
             </a:fld>
             <a:endParaRPr lang="en-US" dirty="0"/>
           </a:p>
@@ -6971,7 +6972,7 @@
             <a:fld id="{B61BEF0D-F0BB-DE4B-95CE-6DB70DBA9567}" type="datetimeFigureOut">
               <a:rPr lang="en-US" smtClean="0"/>
               <a:pPr/>
-              <a:t>5/10/21</a:t>
+              <a:t>5/11/21</a:t>
             </a:fld>
             <a:endParaRPr lang="en-US" dirty="0"/>
           </a:p>
@@ -7381,7 +7382,7 @@
             <a:fld id="{B61BEF0D-F0BB-DE4B-95CE-6DB70DBA9567}" type="datetimeFigureOut">
               <a:rPr lang="en-US" smtClean="0"/>
               <a:pPr/>
-              <a:t>5/10/21</a:t>
+              <a:t>5/11/21</a:t>
             </a:fld>
             <a:endParaRPr lang="en-US" dirty="0"/>
           </a:p>
@@ -7698,7 +7699,7 @@
             <a:fld id="{B61BEF0D-F0BB-DE4B-95CE-6DB70DBA9567}" type="datetimeFigureOut">
               <a:rPr lang="en-US" smtClean="0"/>
               <a:pPr/>
-              <a:t>5/10/21</a:t>
+              <a:t>5/11/21</a:t>
             </a:fld>
             <a:endParaRPr lang="en-US" dirty="0"/>
           </a:p>
@@ -8245,7 +8246,7 @@
             <a:fld id="{B61BEF0D-F0BB-DE4B-95CE-6DB70DBA9567}" type="datetimeFigureOut">
               <a:rPr lang="en-US" smtClean="0"/>
               <a:pPr/>
-              <a:t>5/10/21</a:t>
+              <a:t>5/11/21</a:t>
             </a:fld>
             <a:endParaRPr lang="en-US" dirty="0"/>
           </a:p>
@@ -8443,7 +8444,7 @@
             <a:fld id="{B61BEF0D-F0BB-DE4B-95CE-6DB70DBA9567}" type="datetimeFigureOut">
               <a:rPr lang="en-US" smtClean="0"/>
               <a:pPr/>
-              <a:t>5/10/21</a:t>
+              <a:t>5/11/21</a:t>
             </a:fld>
             <a:endParaRPr lang="en-US" dirty="0"/>
           </a:p>
@@ -8659,7 +8660,7 @@
             <a:fld id="{B61BEF0D-F0BB-DE4B-95CE-6DB70DBA9567}" type="datetimeFigureOut">
               <a:rPr lang="en-US" smtClean="0"/>
               <a:pPr/>
-              <a:t>5/10/21</a:t>
+              <a:t>5/11/21</a:t>
             </a:fld>
             <a:endParaRPr lang="en-US" dirty="0"/>
           </a:p>
@@ -9031,7 +9032,7 @@
             <a:fld id="{B61BEF0D-F0BB-DE4B-95CE-6DB70DBA9567}" type="datetimeFigureOut">
               <a:rPr lang="en-US" smtClean="0"/>
               <a:pPr/>
-              <a:t>5/10/21</a:t>
+              <a:t>5/11/21</a:t>
             </a:fld>
             <a:endParaRPr lang="en-US" dirty="0"/>
           </a:p>
@@ -9437,7 +9438,7 @@
             <a:fld id="{B61BEF0D-F0BB-DE4B-95CE-6DB70DBA9567}" type="datetimeFigureOut">
               <a:rPr lang="en-US" smtClean="0"/>
               <a:pPr/>
-              <a:t>5/10/21</a:t>
+              <a:t>5/11/21</a:t>
             </a:fld>
             <a:endParaRPr lang="en-US" dirty="0"/>
           </a:p>
@@ -9751,7 +9752,7 @@
             <a:fld id="{B61BEF0D-F0BB-DE4B-95CE-6DB70DBA9567}" type="datetimeFigureOut">
               <a:rPr lang="en-US" smtClean="0"/>
               <a:pPr/>
-              <a:t>5/10/21</a:t>
+              <a:t>5/11/21</a:t>
             </a:fld>
             <a:endParaRPr lang="en-US" dirty="0"/>
           </a:p>
@@ -10411,6 +10412,72 @@
           </a:prstGeom>
         </p:spPr>
       </p:pic>
+      <p:pic>
+        <p:nvPicPr>
+          <p:cNvPr id="7" name="图片 6">
+            <a:extLst>
+              <a:ext uri="{FF2B5EF4-FFF2-40B4-BE49-F238E27FC236}">
+                <a16:creationId xmlns:a16="http://schemas.microsoft.com/office/drawing/2014/main" id="{096C6457-480C-244B-A31B-A5F01ECCD6BD}"/>
+              </a:ext>
+            </a:extLst>
+          </p:cNvPr>
+          <p:cNvPicPr>
+            <a:picLocks noChangeAspect="1"/>
+          </p:cNvPicPr>
+          <p:nvPr/>
+        </p:nvPicPr>
+        <p:blipFill>
+          <a:blip r:embed="rId4"/>
+          <a:stretch>
+            <a:fillRect/>
+          </a:stretch>
+        </p:blipFill>
+        <p:spPr>
+          <a:xfrm>
+            <a:off x="10026915" y="2750535"/>
+            <a:ext cx="1285996" cy="1356926"/>
+          </a:xfrm>
+          <a:prstGeom prst="rect">
+            <a:avLst/>
+          </a:prstGeom>
+        </p:spPr>
+      </p:pic>
+      <p:sp>
+        <p:nvSpPr>
+          <p:cNvPr id="8" name="文本框 7">
+            <a:extLst>
+              <a:ext uri="{FF2B5EF4-FFF2-40B4-BE49-F238E27FC236}">
+                <a16:creationId xmlns:a16="http://schemas.microsoft.com/office/drawing/2014/main" id="{557852F6-3050-1543-914A-27BBEB61A472}"/>
+              </a:ext>
+            </a:extLst>
+          </p:cNvPr>
+          <p:cNvSpPr txBox="1"/>
+          <p:nvPr/>
+        </p:nvSpPr>
+        <p:spPr>
+          <a:xfrm>
+            <a:off x="10468576" y="3428998"/>
+            <a:ext cx="402674" cy="369332"/>
+          </a:xfrm>
+          <a:prstGeom prst="rect">
+            <a:avLst/>
+          </a:prstGeom>
+          <a:noFill/>
+        </p:spPr>
+        <p:txBody>
+          <a:bodyPr wrap="none" rtlCol="0">
+            <a:spAutoFit/>
+          </a:bodyPr>
+          <a:lstStyle/>
+          <a:p>
+            <a:r>
+              <a:rPr kumimoji="1" lang="en-US" altLang="zh-CN" dirty="0"/>
+              <a:t>AI</a:t>
+            </a:r>
+            <a:endParaRPr kumimoji="1" lang="zh-CN" altLang="en-US" dirty="0"/>
+          </a:p>
+        </p:txBody>
+      </p:sp>
     </p:spTree>
     <p:extLst>
       <p:ext uri="{BB962C8B-B14F-4D97-AF65-F5344CB8AC3E}">
@@ -10659,7 +10726,7 @@
             <a:r>
               <a:rPr kumimoji="1" lang="zh-CN" altLang="en-US" dirty="0">
                 <a:solidFill>
-                  <a:schemeClr val="accent1"/>
+                  <a:schemeClr val="accent3"/>
                 </a:solidFill>
               </a:rPr>
               <a:t>研究思路分裂成两种</a:t>
@@ -11099,7 +11166,7 @@
           <a:p>
             <a:r>
               <a:rPr kumimoji="1" lang="zh-CN" altLang="en-US" dirty="0"/>
-              <a:t>深度学习的原理</a:t>
+              <a:t>神经网络的原理</a:t>
             </a:r>
           </a:p>
         </p:txBody>
@@ -12107,7 +12174,7 @@
                             </p:stCondLst>
                             <p:childTnLst>
                               <p:par>
-                                <p:cTn id="5" presetID="9" presetClass="entr" presetSubtype="0" fill="hold" nodeType="clickEffect">
+                                <p:cTn id="5" presetID="12" presetClass="entr" presetSubtype="4" fill="hold" nodeType="clickEffect">
                                   <p:stCondLst>
                                     <p:cond delay="0"/>
                                   </p:stCondLst>
@@ -12115,59 +12182,6 @@
                                     <p:set>
                                       <p:cBhvr>
                                         <p:cTn id="6" dur="1" fill="hold">
-                                          <p:stCondLst>
-                                            <p:cond delay="0"/>
-                                          </p:stCondLst>
-                                        </p:cTn>
-                                        <p:tgtEl>
-                                          <p:spTgt spid="7"/>
-                                        </p:tgtEl>
-                                        <p:attrNameLst>
-                                          <p:attrName>style.visibility</p:attrName>
-                                        </p:attrNameLst>
-                                      </p:cBhvr>
-                                      <p:to>
-                                        <p:strVal val="visible"/>
-                                      </p:to>
-                                    </p:set>
-                                    <p:animEffect transition="in" filter="dissolve">
-                                      <p:cBhvr>
-                                        <p:cTn id="7" dur="500"/>
-                                        <p:tgtEl>
-                                          <p:spTgt spid="7"/>
-                                        </p:tgtEl>
-                                      </p:cBhvr>
-                                    </p:animEffect>
-                                  </p:childTnLst>
-                                </p:cTn>
-                              </p:par>
-                            </p:childTnLst>
-                          </p:cTn>
-                        </p:par>
-                      </p:childTnLst>
-                    </p:cTn>
-                  </p:par>
-                  <p:par>
-                    <p:cTn id="8" fill="hold">
-                      <p:stCondLst>
-                        <p:cond delay="indefinite"/>
-                      </p:stCondLst>
-                      <p:childTnLst>
-                        <p:par>
-                          <p:cTn id="9" fill="hold">
-                            <p:stCondLst>
-                              <p:cond delay="0"/>
-                            </p:stCondLst>
-                            <p:childTnLst>
-                              <p:par>
-                                <p:cTn id="10" presetID="12" presetClass="entr" presetSubtype="4" fill="hold" nodeType="clickEffect">
-                                  <p:stCondLst>
-                                    <p:cond delay="0"/>
-                                  </p:stCondLst>
-                                  <p:childTnLst>
-                                    <p:set>
-                                      <p:cBhvr>
-                                        <p:cTn id="11" dur="1" fill="hold">
                                           <p:stCondLst>
                                             <p:cond delay="0"/>
                                           </p:stCondLst>
@@ -12185,7 +12199,7 @@
                                     </p:set>
                                     <p:anim calcmode="lin" valueType="num">
                                       <p:cBhvr additive="base">
-                                        <p:cTn id="12" dur="500"/>
+                                        <p:cTn id="7" dur="500"/>
                                         <p:tgtEl>
                                           <p:spTgt spid="9"/>
                                         </p:tgtEl>
@@ -12208,7 +12222,7 @@
                                     </p:anim>
                                     <p:animEffect transition="in" filter="wipe(up)">
                                       <p:cBhvr>
-                                        <p:cTn id="13" dur="500"/>
+                                        <p:cTn id="8" dur="500"/>
                                         <p:tgtEl>
                                           <p:spTgt spid="9"/>
                                         </p:tgtEl>
@@ -12766,6 +12780,326 @@
           <a:lstStyle/>
           <a:p>
             <a:r>
+              <a:rPr kumimoji="1" lang="en-US" altLang="zh-CN" dirty="0" err="1"/>
+              <a:t>tfhub</a:t>
+            </a:r>
+            <a:r>
+              <a:rPr kumimoji="1" lang="zh-CN" altLang="en-US" dirty="0"/>
+              <a:t> 应用效果</a:t>
+            </a:r>
+          </a:p>
+        </p:txBody>
+      </p:sp>
+      <p:pic>
+        <p:nvPicPr>
+          <p:cNvPr id="14" name="图片 13">
+            <a:extLst>
+              <a:ext uri="{FF2B5EF4-FFF2-40B4-BE49-F238E27FC236}">
+                <a16:creationId xmlns:a16="http://schemas.microsoft.com/office/drawing/2014/main" id="{5021664A-5C02-5147-8766-CB5B32AF6362}"/>
+              </a:ext>
+            </a:extLst>
+          </p:cNvPr>
+          <p:cNvPicPr>
+            <a:picLocks noChangeAspect="1"/>
+          </p:cNvPicPr>
+          <p:nvPr/>
+        </p:nvPicPr>
+        <p:blipFill>
+          <a:blip r:embed="rId2"/>
+          <a:stretch>
+            <a:fillRect/>
+          </a:stretch>
+        </p:blipFill>
+        <p:spPr>
+          <a:xfrm>
+            <a:off x="7878665" y="5454796"/>
+            <a:ext cx="1524000" cy="939800"/>
+          </a:xfrm>
+          <a:prstGeom prst="rect">
+            <a:avLst/>
+          </a:prstGeom>
+        </p:spPr>
+      </p:pic>
+      <p:pic>
+        <p:nvPicPr>
+          <p:cNvPr id="16" name="图片 15">
+            <a:extLst>
+              <a:ext uri="{FF2B5EF4-FFF2-40B4-BE49-F238E27FC236}">
+                <a16:creationId xmlns:a16="http://schemas.microsoft.com/office/drawing/2014/main" id="{85B69798-15B4-0543-8E45-FA6416068B6A}"/>
+              </a:ext>
+            </a:extLst>
+          </p:cNvPr>
+          <p:cNvPicPr>
+            <a:picLocks noChangeAspect="1"/>
+          </p:cNvPicPr>
+          <p:nvPr/>
+        </p:nvPicPr>
+        <p:blipFill>
+          <a:blip r:embed="rId3"/>
+          <a:stretch>
+            <a:fillRect/>
+          </a:stretch>
+        </p:blipFill>
+        <p:spPr>
+          <a:xfrm>
+            <a:off x="7878665" y="3773652"/>
+            <a:ext cx="1524000" cy="1092200"/>
+          </a:xfrm>
+          <a:prstGeom prst="rect">
+            <a:avLst/>
+          </a:prstGeom>
+        </p:spPr>
+      </p:pic>
+      <p:pic>
+        <p:nvPicPr>
+          <p:cNvPr id="18" name="图片 17">
+            <a:extLst>
+              <a:ext uri="{FF2B5EF4-FFF2-40B4-BE49-F238E27FC236}">
+                <a16:creationId xmlns:a16="http://schemas.microsoft.com/office/drawing/2014/main" id="{5FEF54A6-0ECE-3E4F-B11B-FD764A7B5C85}"/>
+              </a:ext>
+            </a:extLst>
+          </p:cNvPr>
+          <p:cNvPicPr>
+            <a:picLocks noChangeAspect="1"/>
+          </p:cNvPicPr>
+          <p:nvPr/>
+        </p:nvPicPr>
+        <p:blipFill>
+          <a:blip r:embed="rId4"/>
+          <a:stretch>
+            <a:fillRect/>
+          </a:stretch>
+        </p:blipFill>
+        <p:spPr>
+          <a:xfrm>
+            <a:off x="7878665" y="1885285"/>
+            <a:ext cx="1524000" cy="1333500"/>
+          </a:xfrm>
+          <a:prstGeom prst="rect">
+            <a:avLst/>
+          </a:prstGeom>
+        </p:spPr>
+      </p:pic>
+      <p:pic>
+        <p:nvPicPr>
+          <p:cNvPr id="20" name="图片 19">
+            <a:extLst>
+              <a:ext uri="{FF2B5EF4-FFF2-40B4-BE49-F238E27FC236}">
+                <a16:creationId xmlns:a16="http://schemas.microsoft.com/office/drawing/2014/main" id="{4FD8FB5D-D25B-514F-985A-D02254A830C2}"/>
+              </a:ext>
+            </a:extLst>
+          </p:cNvPr>
+          <p:cNvPicPr>
+            <a:picLocks noChangeAspect="1"/>
+          </p:cNvPicPr>
+          <p:nvPr/>
+        </p:nvPicPr>
+        <p:blipFill>
+          <a:blip r:embed="rId5"/>
+          <a:stretch>
+            <a:fillRect/>
+          </a:stretch>
+        </p:blipFill>
+        <p:spPr>
+          <a:xfrm>
+            <a:off x="1598535" y="1885285"/>
+            <a:ext cx="5812045" cy="3219622"/>
+          </a:xfrm>
+          <a:prstGeom prst="rect">
+            <a:avLst/>
+          </a:prstGeom>
+        </p:spPr>
+      </p:pic>
+      <p:pic>
+        <p:nvPicPr>
+          <p:cNvPr id="22" name="图片 21">
+            <a:extLst>
+              <a:ext uri="{FF2B5EF4-FFF2-40B4-BE49-F238E27FC236}">
+                <a16:creationId xmlns:a16="http://schemas.microsoft.com/office/drawing/2014/main" id="{9363E4D4-4D80-7043-AE2D-8003F593C093}"/>
+              </a:ext>
+            </a:extLst>
+          </p:cNvPr>
+          <p:cNvPicPr>
+            <a:picLocks noChangeAspect="1"/>
+          </p:cNvPicPr>
+          <p:nvPr/>
+        </p:nvPicPr>
+        <p:blipFill>
+          <a:blip r:embed="rId6"/>
+          <a:stretch>
+            <a:fillRect/>
+          </a:stretch>
+        </p:blipFill>
+        <p:spPr>
+          <a:xfrm>
+            <a:off x="1603684" y="5516288"/>
+            <a:ext cx="3187700" cy="571500"/>
+          </a:xfrm>
+          <a:prstGeom prst="rect">
+            <a:avLst/>
+          </a:prstGeom>
+        </p:spPr>
+      </p:pic>
+      <p:sp>
+        <p:nvSpPr>
+          <p:cNvPr id="23" name="文本框 22">
+            <a:extLst>
+              <a:ext uri="{FF2B5EF4-FFF2-40B4-BE49-F238E27FC236}">
+                <a16:creationId xmlns:a16="http://schemas.microsoft.com/office/drawing/2014/main" id="{E54FC9B4-6372-4043-B3CE-CB506DE231AC}"/>
+              </a:ext>
+            </a:extLst>
+          </p:cNvPr>
+          <p:cNvSpPr txBox="1"/>
+          <p:nvPr/>
+        </p:nvSpPr>
+        <p:spPr>
+          <a:xfrm>
+            <a:off x="9585424" y="2367369"/>
+            <a:ext cx="1107996" cy="369332"/>
+          </a:xfrm>
+          <a:prstGeom prst="rect">
+            <a:avLst/>
+          </a:prstGeom>
+          <a:noFill/>
+        </p:spPr>
+        <p:txBody>
+          <a:bodyPr wrap="none" rtlCol="0">
+            <a:spAutoFit/>
+          </a:bodyPr>
+          <a:lstStyle/>
+          <a:p>
+            <a:r>
+              <a:rPr kumimoji="1" lang="en-US" altLang="zh-CN" dirty="0"/>
+              <a:t>Rabbit_1</a:t>
+            </a:r>
+            <a:endParaRPr kumimoji="1" lang="zh-CN" altLang="en-US" dirty="0"/>
+          </a:p>
+        </p:txBody>
+      </p:sp>
+      <p:sp>
+        <p:nvSpPr>
+          <p:cNvPr id="24" name="文本框 23">
+            <a:extLst>
+              <a:ext uri="{FF2B5EF4-FFF2-40B4-BE49-F238E27FC236}">
+                <a16:creationId xmlns:a16="http://schemas.microsoft.com/office/drawing/2014/main" id="{3BE2DB8D-45C1-784E-BE7D-433FEF29B232}"/>
+              </a:ext>
+            </a:extLst>
+          </p:cNvPr>
+          <p:cNvSpPr txBox="1"/>
+          <p:nvPr/>
+        </p:nvSpPr>
+        <p:spPr>
+          <a:xfrm>
+            <a:off x="9606986" y="4135086"/>
+            <a:ext cx="1107996" cy="369332"/>
+          </a:xfrm>
+          <a:prstGeom prst="rect">
+            <a:avLst/>
+          </a:prstGeom>
+          <a:noFill/>
+        </p:spPr>
+        <p:txBody>
+          <a:bodyPr wrap="none" rtlCol="0">
+            <a:spAutoFit/>
+          </a:bodyPr>
+          <a:lstStyle/>
+          <a:p>
+            <a:r>
+              <a:rPr kumimoji="1" lang="en-US" altLang="zh-CN" dirty="0"/>
+              <a:t>Rabbit_2</a:t>
+            </a:r>
+            <a:endParaRPr kumimoji="1" lang="zh-CN" altLang="en-US" dirty="0"/>
+          </a:p>
+        </p:txBody>
+      </p:sp>
+      <p:sp>
+        <p:nvSpPr>
+          <p:cNvPr id="25" name="文本框 24">
+            <a:extLst>
+              <a:ext uri="{FF2B5EF4-FFF2-40B4-BE49-F238E27FC236}">
+                <a16:creationId xmlns:a16="http://schemas.microsoft.com/office/drawing/2014/main" id="{9928FA5F-9ACC-D14C-97B6-1BF6AE44CCBF}"/>
+              </a:ext>
+            </a:extLst>
+          </p:cNvPr>
+          <p:cNvSpPr txBox="1"/>
+          <p:nvPr/>
+        </p:nvSpPr>
+        <p:spPr>
+          <a:xfrm>
+            <a:off x="9585424" y="5740030"/>
+            <a:ext cx="902811" cy="369332"/>
+          </a:xfrm>
+          <a:prstGeom prst="rect">
+            <a:avLst/>
+          </a:prstGeom>
+          <a:noFill/>
+        </p:spPr>
+        <p:txBody>
+          <a:bodyPr wrap="none" rtlCol="0">
+            <a:spAutoFit/>
+          </a:bodyPr>
+          <a:lstStyle/>
+          <a:p>
+            <a:r>
+              <a:rPr kumimoji="1" lang="en-US" altLang="zh-CN" dirty="0"/>
+              <a:t>Python</a:t>
+            </a:r>
+            <a:endParaRPr kumimoji="1" lang="zh-CN" altLang="en-US" dirty="0"/>
+          </a:p>
+        </p:txBody>
+      </p:sp>
+    </p:spTree>
+    <p:extLst>
+      <p:ext uri="{BB962C8B-B14F-4D97-AF65-F5344CB8AC3E}">
+        <p14:creationId xmlns:p14="http://schemas.microsoft.com/office/powerpoint/2010/main" val="578501471"/>
+      </p:ext>
+    </p:extLst>
+  </p:cSld>
+  <p:clrMapOvr>
+    <a:masterClrMapping/>
+  </p:clrMapOvr>
+</p:sld>
+</file>
+
+<file path=ppt/slides/slide17.xml><?xml version="1.0" encoding="utf-8"?>
+<p:sld xmlns:a="http://schemas.openxmlformats.org/drawingml/2006/main" xmlns:r="http://schemas.openxmlformats.org/officeDocument/2006/relationships" xmlns:p="http://schemas.openxmlformats.org/presentationml/2006/main">
+  <p:cSld>
+    <p:spTree>
+      <p:nvGrpSpPr>
+        <p:cNvPr id="1" name=""/>
+        <p:cNvGrpSpPr/>
+        <p:nvPr/>
+      </p:nvGrpSpPr>
+      <p:grpSpPr>
+        <a:xfrm>
+          <a:off x="0" y="0"/>
+          <a:ext cx="0" cy="0"/>
+          <a:chOff x="0" y="0"/>
+          <a:chExt cx="0" cy="0"/>
+        </a:xfrm>
+      </p:grpSpPr>
+      <p:sp>
+        <p:nvSpPr>
+          <p:cNvPr id="2" name="标题 1">
+            <a:extLst>
+              <a:ext uri="{FF2B5EF4-FFF2-40B4-BE49-F238E27FC236}">
+                <a16:creationId xmlns:a16="http://schemas.microsoft.com/office/drawing/2014/main" id="{5AFF8BDD-28CF-8B46-B9A9-C1F3F0E5EDB2}"/>
+              </a:ext>
+            </a:extLst>
+          </p:cNvPr>
+          <p:cNvSpPr>
+            <a:spLocks noGrp="1"/>
+          </p:cNvSpPr>
+          <p:nvPr>
+            <p:ph type="title"/>
+          </p:nvPr>
+        </p:nvSpPr>
+        <p:spPr/>
+        <p:txBody>
+          <a:bodyPr/>
+          <a:lstStyle/>
+          <a:p>
+            <a:r>
               <a:rPr kumimoji="1" lang="zh-CN" altLang="en-US" dirty="0"/>
               <a:t>深度学习教程</a:t>
             </a:r>
@@ -13304,7 +13638,7 @@
 </p:sld>
 </file>
 
-<file path=ppt/slides/slide17.xml><?xml version="1.0" encoding="utf-8"?>
+<file path=ppt/slides/slide18.xml><?xml version="1.0" encoding="utf-8"?>
 <p:sld xmlns:a="http://schemas.openxmlformats.org/drawingml/2006/main" xmlns:r="http://schemas.openxmlformats.org/officeDocument/2006/relationships" xmlns:p="http://schemas.openxmlformats.org/presentationml/2006/main">
   <p:cSld>
     <p:spTree>
@@ -13390,7 +13724,7 @@
 </p:sld>
 </file>
 
-<file path=ppt/slides/slide18.xml><?xml version="1.0" encoding="utf-8"?>
+<file path=ppt/slides/slide19.xml><?xml version="1.0" encoding="utf-8"?>
 <p:sld xmlns:a="http://schemas.openxmlformats.org/drawingml/2006/main" xmlns:r="http://schemas.openxmlformats.org/officeDocument/2006/relationships" xmlns:p="http://schemas.openxmlformats.org/presentationml/2006/main">
   <p:cSld>
     <p:spTree>
@@ -13523,6 +13857,14 @@
             <a:pPr algn="ctr"/>
             <a:r>
               <a:rPr kumimoji="1" lang="zh-CN" altLang="en-US" dirty="0"/>
+              <a:t>效果</a:t>
+            </a:r>
+            <a:endParaRPr kumimoji="1" lang="en-US" altLang="zh-CN" dirty="0"/>
+          </a:p>
+          <a:p>
+            <a:pPr algn="ctr"/>
+            <a:r>
+              <a:rPr kumimoji="1" lang="zh-CN" altLang="en-US" dirty="0"/>
               <a:t>吸睛</a:t>
             </a:r>
           </a:p>
@@ -13661,6 +14003,14 @@
             <a:r>
               <a:rPr kumimoji="1" lang="zh-CN" altLang="en-US" dirty="0"/>
               <a:t>政策</a:t>
+            </a:r>
+            <a:endParaRPr kumimoji="1" lang="en-US" altLang="zh-CN" dirty="0"/>
+          </a:p>
+          <a:p>
+            <a:pPr algn="ctr"/>
+            <a:r>
+              <a:rPr kumimoji="1" lang="zh-CN" altLang="en-US" dirty="0"/>
+              <a:t>支持</a:t>
             </a:r>
           </a:p>
         </p:txBody>
@@ -13778,6 +14128,14 @@
               <a:rPr kumimoji="1" lang="zh-CN" altLang="en-US" dirty="0"/>
               <a:t>门槛</a:t>
             </a:r>
+            <a:endParaRPr kumimoji="1" lang="en-US" altLang="zh-CN" dirty="0"/>
+          </a:p>
+          <a:p>
+            <a:pPr algn="ctr"/>
+            <a:r>
+              <a:rPr kumimoji="1" lang="zh-CN" altLang="en-US" dirty="0"/>
+              <a:t>难跨</a:t>
+            </a:r>
           </a:p>
         </p:txBody>
       </p:sp>
@@ -13836,6 +14194,14 @@
             <a:r>
               <a:rPr kumimoji="1" lang="zh-CN" altLang="en-US" dirty="0"/>
               <a:t>安全</a:t>
+            </a:r>
+            <a:endParaRPr kumimoji="1" lang="en-US" altLang="zh-CN" dirty="0"/>
+          </a:p>
+          <a:p>
+            <a:pPr algn="ctr"/>
+            <a:r>
+              <a:rPr kumimoji="1" lang="zh-CN" altLang="en-US" dirty="0"/>
+              <a:t>限制</a:t>
             </a:r>
           </a:p>
         </p:txBody>
@@ -14500,155 +14866,6 @@
 </p:sld>
 </file>
 
-<file path=ppt/slides/slide19.xml><?xml version="1.0" encoding="utf-8"?>
-<p:sld xmlns:a="http://schemas.openxmlformats.org/drawingml/2006/main" xmlns:r="http://schemas.openxmlformats.org/officeDocument/2006/relationships" xmlns:p="http://schemas.openxmlformats.org/presentationml/2006/main">
-  <p:cSld>
-    <p:spTree>
-      <p:nvGrpSpPr>
-        <p:cNvPr id="1" name=""/>
-        <p:cNvGrpSpPr/>
-        <p:nvPr/>
-      </p:nvGrpSpPr>
-      <p:grpSpPr>
-        <a:xfrm>
-          <a:off x="0" y="0"/>
-          <a:ext cx="0" cy="0"/>
-          <a:chOff x="0" y="0"/>
-          <a:chExt cx="0" cy="0"/>
-        </a:xfrm>
-      </p:grpSpPr>
-      <p:sp>
-        <p:nvSpPr>
-          <p:cNvPr id="2" name="标题 1">
-            <a:extLst>
-              <a:ext uri="{FF2B5EF4-FFF2-40B4-BE49-F238E27FC236}">
-                <a16:creationId xmlns:a16="http://schemas.microsoft.com/office/drawing/2014/main" id="{5AFF8BDD-28CF-8B46-B9A9-C1F3F0E5EDB2}"/>
-              </a:ext>
-            </a:extLst>
-          </p:cNvPr>
-          <p:cNvSpPr>
-            <a:spLocks noGrp="1"/>
-          </p:cNvSpPr>
-          <p:nvPr>
-            <p:ph type="title"/>
-          </p:nvPr>
-        </p:nvSpPr>
-        <p:spPr/>
-        <p:txBody>
-          <a:bodyPr/>
-          <a:lstStyle/>
-          <a:p>
-            <a:r>
-              <a:rPr kumimoji="1" lang="zh-CN" altLang="en-US" dirty="0"/>
-              <a:t>我们该做什么</a:t>
-            </a:r>
-          </a:p>
-        </p:txBody>
-      </p:sp>
-      <p:sp>
-        <p:nvSpPr>
-          <p:cNvPr id="3" name="文本框 2">
-            <a:extLst>
-              <a:ext uri="{FF2B5EF4-FFF2-40B4-BE49-F238E27FC236}">
-                <a16:creationId xmlns:a16="http://schemas.microsoft.com/office/drawing/2014/main" id="{29F2492E-4A40-0E4D-8E49-7AD2AB406C9D}"/>
-              </a:ext>
-            </a:extLst>
-          </p:cNvPr>
-          <p:cNvSpPr txBox="1"/>
-          <p:nvPr/>
-        </p:nvSpPr>
-        <p:spPr>
-          <a:xfrm>
-            <a:off x="3951824" y="1634406"/>
-            <a:ext cx="4288353" cy="3589188"/>
-          </a:xfrm>
-          <a:prstGeom prst="rect">
-            <a:avLst/>
-          </a:prstGeom>
-          <a:noFill/>
-        </p:spPr>
-        <p:txBody>
-          <a:bodyPr wrap="none" rtlCol="0" anchor="ctr">
-            <a:spAutoFit/>
-          </a:bodyPr>
-          <a:lstStyle/>
-          <a:p>
-            <a:pPr algn="ctr">
-              <a:lnSpc>
-                <a:spcPct val="200000"/>
-              </a:lnSpc>
-            </a:pPr>
-            <a:r>
-              <a:rPr kumimoji="1" lang="zh-CN" altLang="en-US" sz="4000" dirty="0"/>
-              <a:t>认清：        </a:t>
-            </a:r>
-            <a:r>
-              <a:rPr kumimoji="1" lang="en-US" altLang="zh-CN" sz="4000" dirty="0"/>
-              <a:t>0</a:t>
-            </a:r>
-            <a:r>
-              <a:rPr kumimoji="1" lang="zh-CN" altLang="en-US" sz="4000" dirty="0"/>
-              <a:t> </a:t>
-            </a:r>
-            <a:r>
-              <a:rPr kumimoji="1" lang="en-US" altLang="zh-CN" sz="4000" dirty="0"/>
-              <a:t>→</a:t>
-            </a:r>
-            <a:r>
-              <a:rPr kumimoji="1" lang="zh-CN" altLang="en-US" sz="4000" dirty="0"/>
-              <a:t> </a:t>
-            </a:r>
-            <a:r>
-              <a:rPr kumimoji="1" lang="en-US" altLang="zh-CN" sz="4000" dirty="0"/>
-              <a:t>1</a:t>
-            </a:r>
-          </a:p>
-          <a:p>
-            <a:pPr algn="ctr">
-              <a:lnSpc>
-                <a:spcPct val="200000"/>
-              </a:lnSpc>
-            </a:pPr>
-            <a:r>
-              <a:rPr kumimoji="1" lang="zh-CN" altLang="en-US" sz="4000" dirty="0"/>
-              <a:t>选择：研究 </a:t>
-            </a:r>
-            <a:r>
-              <a:rPr kumimoji="1" lang="en-US" altLang="zh-CN" sz="4000" dirty="0"/>
-              <a:t>/</a:t>
-            </a:r>
-            <a:r>
-              <a:rPr kumimoji="1" lang="zh-CN" altLang="en-US" sz="4000" dirty="0"/>
-              <a:t> 应用</a:t>
-            </a:r>
-            <a:endParaRPr kumimoji="1" lang="en-US" altLang="zh-CN" sz="4000" dirty="0"/>
-          </a:p>
-          <a:p>
-            <a:pPr algn="ctr">
-              <a:lnSpc>
-                <a:spcPct val="200000"/>
-              </a:lnSpc>
-            </a:pPr>
-            <a:r>
-              <a:rPr kumimoji="1" lang="zh-CN" altLang="en-US" sz="4000" dirty="0"/>
-              <a:t>信念：科技即未来</a:t>
-            </a:r>
-          </a:p>
-        </p:txBody>
-      </p:sp>
-    </p:spTree>
-    <p:extLst>
-      <p:ext uri="{BB962C8B-B14F-4D97-AF65-F5344CB8AC3E}">
-        <p14:creationId xmlns:p14="http://schemas.microsoft.com/office/powerpoint/2010/main" val="2204472545"/>
-      </p:ext>
-    </p:extLst>
-  </p:cSld>
-  <p:clrMapOvr>
-    <a:masterClrMapping/>
-  </p:clrMapOvr>
-</p:sld>
-</file>
-
 <file path=ppt/slides/slide2.xml><?xml version="1.0" encoding="utf-8"?>
 <p:sld xmlns:a="http://schemas.openxmlformats.org/drawingml/2006/main" xmlns:r="http://schemas.openxmlformats.org/officeDocument/2006/relationships" xmlns:p="http://schemas.openxmlformats.org/presentationml/2006/main">
   <p:cSld>
@@ -14736,6 +14953,155 @@
 </file>
 
 <file path=ppt/slides/slide20.xml><?xml version="1.0" encoding="utf-8"?>
+<p:sld xmlns:a="http://schemas.openxmlformats.org/drawingml/2006/main" xmlns:r="http://schemas.openxmlformats.org/officeDocument/2006/relationships" xmlns:p="http://schemas.openxmlformats.org/presentationml/2006/main">
+  <p:cSld>
+    <p:spTree>
+      <p:nvGrpSpPr>
+        <p:cNvPr id="1" name=""/>
+        <p:cNvGrpSpPr/>
+        <p:nvPr/>
+      </p:nvGrpSpPr>
+      <p:grpSpPr>
+        <a:xfrm>
+          <a:off x="0" y="0"/>
+          <a:ext cx="0" cy="0"/>
+          <a:chOff x="0" y="0"/>
+          <a:chExt cx="0" cy="0"/>
+        </a:xfrm>
+      </p:grpSpPr>
+      <p:sp>
+        <p:nvSpPr>
+          <p:cNvPr id="2" name="标题 1">
+            <a:extLst>
+              <a:ext uri="{FF2B5EF4-FFF2-40B4-BE49-F238E27FC236}">
+                <a16:creationId xmlns:a16="http://schemas.microsoft.com/office/drawing/2014/main" id="{5AFF8BDD-28CF-8B46-B9A9-C1F3F0E5EDB2}"/>
+              </a:ext>
+            </a:extLst>
+          </p:cNvPr>
+          <p:cNvSpPr>
+            <a:spLocks noGrp="1"/>
+          </p:cNvSpPr>
+          <p:nvPr>
+            <p:ph type="title"/>
+          </p:nvPr>
+        </p:nvSpPr>
+        <p:spPr/>
+        <p:txBody>
+          <a:bodyPr/>
+          <a:lstStyle/>
+          <a:p>
+            <a:r>
+              <a:rPr kumimoji="1" lang="zh-CN" altLang="en-US" dirty="0"/>
+              <a:t>我们该做什么</a:t>
+            </a:r>
+          </a:p>
+        </p:txBody>
+      </p:sp>
+      <p:sp>
+        <p:nvSpPr>
+          <p:cNvPr id="3" name="文本框 2">
+            <a:extLst>
+              <a:ext uri="{FF2B5EF4-FFF2-40B4-BE49-F238E27FC236}">
+                <a16:creationId xmlns:a16="http://schemas.microsoft.com/office/drawing/2014/main" id="{29F2492E-4A40-0E4D-8E49-7AD2AB406C9D}"/>
+              </a:ext>
+            </a:extLst>
+          </p:cNvPr>
+          <p:cNvSpPr txBox="1"/>
+          <p:nvPr/>
+        </p:nvSpPr>
+        <p:spPr>
+          <a:xfrm>
+            <a:off x="3951824" y="1634406"/>
+            <a:ext cx="4288353" cy="3589188"/>
+          </a:xfrm>
+          <a:prstGeom prst="rect">
+            <a:avLst/>
+          </a:prstGeom>
+          <a:noFill/>
+        </p:spPr>
+        <p:txBody>
+          <a:bodyPr wrap="none" rtlCol="0" anchor="ctr">
+            <a:spAutoFit/>
+          </a:bodyPr>
+          <a:lstStyle/>
+          <a:p>
+            <a:pPr algn="ctr">
+              <a:lnSpc>
+                <a:spcPct val="200000"/>
+              </a:lnSpc>
+            </a:pPr>
+            <a:r>
+              <a:rPr kumimoji="1" lang="zh-CN" altLang="en-US" sz="4000" dirty="0"/>
+              <a:t>认清：        </a:t>
+            </a:r>
+            <a:r>
+              <a:rPr kumimoji="1" lang="en-US" altLang="zh-CN" sz="4000" dirty="0"/>
+              <a:t>0</a:t>
+            </a:r>
+            <a:r>
+              <a:rPr kumimoji="1" lang="zh-CN" altLang="en-US" sz="4000" dirty="0"/>
+              <a:t> </a:t>
+            </a:r>
+            <a:r>
+              <a:rPr kumimoji="1" lang="en-US" altLang="zh-CN" sz="4000" dirty="0"/>
+              <a:t>→</a:t>
+            </a:r>
+            <a:r>
+              <a:rPr kumimoji="1" lang="zh-CN" altLang="en-US" sz="4000" dirty="0"/>
+              <a:t> </a:t>
+            </a:r>
+            <a:r>
+              <a:rPr kumimoji="1" lang="en-US" altLang="zh-CN" sz="4000" dirty="0"/>
+              <a:t>1</a:t>
+            </a:r>
+          </a:p>
+          <a:p>
+            <a:pPr algn="ctr">
+              <a:lnSpc>
+                <a:spcPct val="200000"/>
+              </a:lnSpc>
+            </a:pPr>
+            <a:r>
+              <a:rPr kumimoji="1" lang="zh-CN" altLang="en-US" sz="4000" dirty="0"/>
+              <a:t>选择：研究 </a:t>
+            </a:r>
+            <a:r>
+              <a:rPr kumimoji="1" lang="en-US" altLang="zh-CN" sz="4000" dirty="0"/>
+              <a:t>/</a:t>
+            </a:r>
+            <a:r>
+              <a:rPr kumimoji="1" lang="zh-CN" altLang="en-US" sz="4000" dirty="0"/>
+              <a:t> 应用</a:t>
+            </a:r>
+            <a:endParaRPr kumimoji="1" lang="en-US" altLang="zh-CN" sz="4000" dirty="0"/>
+          </a:p>
+          <a:p>
+            <a:pPr algn="ctr">
+              <a:lnSpc>
+                <a:spcPct val="200000"/>
+              </a:lnSpc>
+            </a:pPr>
+            <a:r>
+              <a:rPr kumimoji="1" lang="zh-CN" altLang="en-US" sz="4000" dirty="0"/>
+              <a:t>信念：科技即未来</a:t>
+            </a:r>
+          </a:p>
+        </p:txBody>
+      </p:sp>
+    </p:spTree>
+    <p:extLst>
+      <p:ext uri="{BB962C8B-B14F-4D97-AF65-F5344CB8AC3E}">
+        <p14:creationId xmlns:p14="http://schemas.microsoft.com/office/powerpoint/2010/main" val="2204472545"/>
+      </p:ext>
+    </p:extLst>
+  </p:cSld>
+  <p:clrMapOvr>
+    <a:masterClrMapping/>
+  </p:clrMapOvr>
+</p:sld>
+</file>
+
+<file path=ppt/slides/slide21.xml><?xml version="1.0" encoding="utf-8"?>
 <p:sld xmlns:a="http://schemas.openxmlformats.org/drawingml/2006/main" xmlns:r="http://schemas.openxmlformats.org/officeDocument/2006/relationships" xmlns:p="http://schemas.openxmlformats.org/presentationml/2006/main">
   <p:cSld>
     <p:spTree>
@@ -15627,8 +15993,8 @@
           </a:p>
         </p:txBody>
       </p:sp>
-      <mc:AlternateContent xmlns:mc="http://schemas.openxmlformats.org/markup-compatibility/2006">
-        <mc:Choice xmlns:a14="http://schemas.microsoft.com/office/drawing/2010/main" Requires="a14">
+      <mc:AlternateContent xmlns:mc="http://schemas.openxmlformats.org/markup-compatibility/2006" xmlns:a14="http://schemas.microsoft.com/office/drawing/2010/main">
+        <mc:Choice Requires="a14">
           <p:sp>
             <p:nvSpPr>
               <p:cNvPr id="6" name="文本框 5">
@@ -15733,7 +16099,7 @@
             </p:txBody>
           </p:sp>
         </mc:Choice>
-        <mc:Fallback>
+        <mc:Fallback xmlns="">
           <p:sp>
             <p:nvSpPr>
               <p:cNvPr id="6" name="文本框 5">
@@ -16179,8 +16545,8 @@
             </a:p>
           </p:txBody>
         </p:sp>
-        <mc:AlternateContent xmlns:mc="http://schemas.openxmlformats.org/markup-compatibility/2006">
-          <mc:Choice xmlns:a14="http://schemas.microsoft.com/office/drawing/2010/main" Requires="a14">
+        <mc:AlternateContent xmlns:mc="http://schemas.openxmlformats.org/markup-compatibility/2006" xmlns:a14="http://schemas.microsoft.com/office/drawing/2010/main">
+          <mc:Choice Requires="a14">
             <p:sp>
               <p:nvSpPr>
                 <p:cNvPr id="29" name="文本框 28">
@@ -16271,7 +16637,7 @@
               </p:txBody>
             </p:sp>
           </mc:Choice>
-          <mc:Fallback>
+          <mc:Fallback xmlns="">
             <p:sp>
               <p:nvSpPr>
                 <p:cNvPr id="29" name="文本框 28">
@@ -18515,8 +18881,8 @@
         </p:nvSpPr>
         <p:spPr>
           <a:xfrm>
-            <a:off x="2295921" y="1885285"/>
-            <a:ext cx="7600157" cy="584775"/>
+            <a:off x="1976122" y="1665366"/>
+            <a:ext cx="8239756" cy="1077218"/>
           </a:xfrm>
           <a:prstGeom prst="rect">
             <a:avLst/>
@@ -18529,7 +18895,6 @@
           </a:bodyPr>
           <a:lstStyle/>
           <a:p>
-            <a:pPr algn="ctr"/>
             <a:r>
               <a:rPr lang="zh-CN" altLang="en-US" sz="3200" b="1" cap="none" spc="0" dirty="0">
                 <a:ln w="12700" cmpd="sng">
@@ -18560,7 +18925,228 @@
                 </a:gradFill>
                 <a:effectLst/>
               </a:rPr>
-              <a:t>误区：所有的问题无脑上深度学习就好了</a:t>
+              <a:t>误区</a:t>
+            </a:r>
+            <a:r>
+              <a:rPr lang="en-US" altLang="zh-CN" sz="3200" b="1" cap="none" spc="0" dirty="0">
+                <a:ln w="12700" cmpd="sng">
+                  <a:solidFill>
+                    <a:schemeClr val="accent3"/>
+                  </a:solidFill>
+                  <a:prstDash val="solid"/>
+                </a:ln>
+                <a:gradFill>
+                  <a:gsLst>
+                    <a:gs pos="0">
+                      <a:schemeClr val="accent4"/>
+                    </a:gs>
+                    <a:gs pos="4000">
+                      <a:schemeClr val="accent4">
+                        <a:lumMod val="60000"/>
+                        <a:lumOff val="40000"/>
+                      </a:schemeClr>
+                    </a:gs>
+                    <a:gs pos="87000">
+                      <a:schemeClr val="accent4">
+                        <a:lumMod val="20000"/>
+                        <a:lumOff val="80000"/>
+                      </a:schemeClr>
+                    </a:gs>
+                  </a:gsLst>
+                  <a:lin ang="5400000"/>
+                </a:gradFill>
+                <a:effectLst/>
+              </a:rPr>
+              <a:t>1</a:t>
+            </a:r>
+            <a:r>
+              <a:rPr lang="zh-CN" altLang="en-US" sz="3200" b="1" cap="none" spc="0" dirty="0">
+                <a:ln w="12700" cmpd="sng">
+                  <a:solidFill>
+                    <a:schemeClr val="accent3"/>
+                  </a:solidFill>
+                  <a:prstDash val="solid"/>
+                </a:ln>
+                <a:gradFill>
+                  <a:gsLst>
+                    <a:gs pos="0">
+                      <a:schemeClr val="accent4"/>
+                    </a:gs>
+                    <a:gs pos="4000">
+                      <a:schemeClr val="accent4">
+                        <a:lumMod val="60000"/>
+                        <a:lumOff val="40000"/>
+                      </a:schemeClr>
+                    </a:gs>
+                    <a:gs pos="87000">
+                      <a:schemeClr val="accent4">
+                        <a:lumMod val="20000"/>
+                        <a:lumOff val="80000"/>
+                      </a:schemeClr>
+                    </a:gs>
+                  </a:gsLst>
+                  <a:lin ang="5400000"/>
+                </a:gradFill>
+                <a:effectLst/>
+              </a:rPr>
+              <a:t>：所有的问题无脑上深度学习就好了</a:t>
+            </a:r>
+            <a:r>
+              <a:rPr lang="zh-CN" altLang="en-US" sz="3200" b="1" dirty="0">
+                <a:ln w="12700" cmpd="sng">
+                  <a:solidFill>
+                    <a:schemeClr val="accent3"/>
+                  </a:solidFill>
+                  <a:prstDash val="solid"/>
+                </a:ln>
+                <a:gradFill>
+                  <a:gsLst>
+                    <a:gs pos="0">
+                      <a:schemeClr val="accent4"/>
+                    </a:gs>
+                    <a:gs pos="4000">
+                      <a:schemeClr val="accent4">
+                        <a:lumMod val="60000"/>
+                        <a:lumOff val="40000"/>
+                      </a:schemeClr>
+                    </a:gs>
+                    <a:gs pos="87000">
+                      <a:schemeClr val="accent4">
+                        <a:lumMod val="20000"/>
+                        <a:lumOff val="80000"/>
+                      </a:schemeClr>
+                    </a:gs>
+                  </a:gsLst>
+                  <a:lin ang="5400000"/>
+                </a:gradFill>
+              </a:rPr>
+              <a:t>。</a:t>
+            </a:r>
+            <a:endParaRPr lang="en-US" altLang="zh-CN" sz="3200" b="1" dirty="0">
+              <a:ln w="12700" cmpd="sng">
+                <a:solidFill>
+                  <a:schemeClr val="accent3"/>
+                </a:solidFill>
+                <a:prstDash val="solid"/>
+              </a:ln>
+              <a:gradFill>
+                <a:gsLst>
+                  <a:gs pos="0">
+                    <a:schemeClr val="accent4"/>
+                  </a:gs>
+                  <a:gs pos="4000">
+                    <a:schemeClr val="accent4">
+                      <a:lumMod val="60000"/>
+                      <a:lumOff val="40000"/>
+                    </a:schemeClr>
+                  </a:gs>
+                  <a:gs pos="87000">
+                    <a:schemeClr val="accent4">
+                      <a:lumMod val="20000"/>
+                      <a:lumOff val="80000"/>
+                    </a:schemeClr>
+                  </a:gs>
+                </a:gsLst>
+                <a:lin ang="5400000"/>
+              </a:gradFill>
+            </a:endParaRPr>
+          </a:p>
+          <a:p>
+            <a:r>
+              <a:rPr lang="zh-CN" altLang="en-US" sz="3200" b="1" cap="none" spc="0" dirty="0">
+                <a:ln w="12700" cmpd="sng">
+                  <a:solidFill>
+                    <a:schemeClr val="accent3"/>
+                  </a:solidFill>
+                  <a:prstDash val="solid"/>
+                </a:ln>
+                <a:gradFill>
+                  <a:gsLst>
+                    <a:gs pos="0">
+                      <a:schemeClr val="accent4"/>
+                    </a:gs>
+                    <a:gs pos="4000">
+                      <a:schemeClr val="accent4">
+                        <a:lumMod val="60000"/>
+                        <a:lumOff val="40000"/>
+                      </a:schemeClr>
+                    </a:gs>
+                    <a:gs pos="87000">
+                      <a:schemeClr val="accent4">
+                        <a:lumMod val="20000"/>
+                        <a:lumOff val="80000"/>
+                      </a:schemeClr>
+                    </a:gs>
+                  </a:gsLst>
+                  <a:lin ang="5400000"/>
+                </a:gradFill>
+                <a:effectLst/>
+              </a:rPr>
+              <a:t>误区</a:t>
+            </a:r>
+            <a:r>
+              <a:rPr lang="en-US" altLang="zh-CN" sz="3200" b="1" cap="none" spc="0" dirty="0">
+                <a:ln w="12700" cmpd="sng">
+                  <a:solidFill>
+                    <a:schemeClr val="accent3"/>
+                  </a:solidFill>
+                  <a:prstDash val="solid"/>
+                </a:ln>
+                <a:gradFill>
+                  <a:gsLst>
+                    <a:gs pos="0">
+                      <a:schemeClr val="accent4"/>
+                    </a:gs>
+                    <a:gs pos="4000">
+                      <a:schemeClr val="accent4">
+                        <a:lumMod val="60000"/>
+                        <a:lumOff val="40000"/>
+                      </a:schemeClr>
+                    </a:gs>
+                    <a:gs pos="87000">
+                      <a:schemeClr val="accent4">
+                        <a:lumMod val="20000"/>
+                        <a:lumOff val="80000"/>
+                      </a:schemeClr>
+                    </a:gs>
+                  </a:gsLst>
+                  <a:lin ang="5400000"/>
+                </a:gradFill>
+                <a:effectLst/>
+              </a:rPr>
+              <a:t>2</a:t>
+            </a:r>
+            <a:r>
+              <a:rPr lang="zh-CN" altLang="en-US" sz="3200" b="1" cap="none" spc="0" dirty="0">
+                <a:ln w="12700" cmpd="sng">
+                  <a:solidFill>
+                    <a:schemeClr val="accent3"/>
+                  </a:solidFill>
+                  <a:prstDash val="solid"/>
+                </a:ln>
+                <a:gradFill>
+                  <a:gsLst>
+                    <a:gs pos="0">
+                      <a:schemeClr val="accent4"/>
+                    </a:gs>
+                    <a:gs pos="4000">
+                      <a:schemeClr val="accent4">
+                        <a:lumMod val="60000"/>
+                        <a:lumOff val="40000"/>
+                      </a:schemeClr>
+                    </a:gs>
+                    <a:gs pos="87000">
+                      <a:schemeClr val="accent4">
+                        <a:lumMod val="20000"/>
+                        <a:lumOff val="80000"/>
+                      </a:schemeClr>
+                    </a:gs>
+                  </a:gsLst>
+                  <a:lin ang="5400000"/>
+                </a:gradFill>
+                <a:effectLst/>
+              </a:rPr>
+              <a:t>：上更新的模型就能得到更好的效果。</a:t>
             </a:r>
           </a:p>
         </p:txBody>
@@ -18579,7 +19165,7 @@
         </p:nvSpPr>
         <p:spPr>
           <a:xfrm>
-            <a:off x="2384919" y="2861173"/>
+            <a:off x="1976122" y="3034793"/>
             <a:ext cx="7250703" cy="3385799"/>
           </a:xfrm>
           <a:prstGeom prst="rect">

--- a/Python-Meetup/20210523/深度学习简介.pptx
+++ b/Python-Meetup/20210523/深度学习简介.pptx
@@ -1593,6 +1593,788 @@
     <dgm:fillClrLst meth="repeat">
       <a:schemeClr val="accent3">
         <a:tint val="60000"/>
+      </a:schemeClr>
+    </dgm:fillClrLst>
+    <dgm:linClrLst meth="repeat">
+      <a:schemeClr val="lt1"/>
+    </dgm:linClrLst>
+    <dgm:effectClrLst/>
+    <dgm:txLinClrLst/>
+    <dgm:txFillClrLst meth="repeat">
+      <a:schemeClr val="dk1"/>
+    </dgm:txFillClrLst>
+    <dgm:txEffectClrLst/>
+  </dgm:styleLbl>
+  <dgm:styleLbl name="revTx">
+    <dgm:fillClrLst meth="repeat">
+      <a:schemeClr val="lt1">
+        <a:alpha val="0"/>
+      </a:schemeClr>
+    </dgm:fillClrLst>
+    <dgm:linClrLst meth="repeat">
+      <a:schemeClr val="dk1">
+        <a:alpha val="0"/>
+      </a:schemeClr>
+    </dgm:linClrLst>
+    <dgm:effectClrLst/>
+    <dgm:txLinClrLst/>
+    <dgm:txFillClrLst meth="repeat">
+      <a:schemeClr val="tx1"/>
+    </dgm:txFillClrLst>
+    <dgm:txEffectClrLst/>
+  </dgm:styleLbl>
+</dgm:colorsDef>
+</file>
+
+<file path=ppt/diagrams/colors3.xml><?xml version="1.0" encoding="utf-8"?>
+<dgm:colorsDef xmlns:dgm="http://schemas.openxmlformats.org/drawingml/2006/diagram" xmlns:a="http://schemas.openxmlformats.org/drawingml/2006/main" uniqueId="urn:microsoft.com/office/officeart/2005/8/colors/colorful2">
+  <dgm:title val=""/>
+  <dgm:desc val=""/>
+  <dgm:catLst>
+    <dgm:cat type="colorful" pri="10200"/>
+  </dgm:catLst>
+  <dgm:styleLbl name="node0">
+    <dgm:fillClrLst meth="repeat">
+      <a:schemeClr val="accent1"/>
+    </dgm:fillClrLst>
+    <dgm:linClrLst meth="repeat">
+      <a:schemeClr val="lt1"/>
+    </dgm:linClrLst>
+    <dgm:effectClrLst/>
+    <dgm:txLinClrLst/>
+    <dgm:txFillClrLst/>
+    <dgm:txEffectClrLst/>
+  </dgm:styleLbl>
+  <dgm:styleLbl name="node1">
+    <dgm:fillClrLst>
+      <a:schemeClr val="accent2"/>
+      <a:schemeClr val="accent3"/>
+    </dgm:fillClrLst>
+    <dgm:linClrLst meth="repeat">
+      <a:schemeClr val="lt1"/>
+    </dgm:linClrLst>
+    <dgm:effectClrLst/>
+    <dgm:txLinClrLst/>
+    <dgm:txFillClrLst/>
+    <dgm:txEffectClrLst/>
+  </dgm:styleLbl>
+  <dgm:styleLbl name="alignNode1">
+    <dgm:fillClrLst>
+      <a:schemeClr val="accent2"/>
+      <a:schemeClr val="accent3"/>
+    </dgm:fillClrLst>
+    <dgm:linClrLst>
+      <a:schemeClr val="accent2"/>
+      <a:schemeClr val="accent3"/>
+    </dgm:linClrLst>
+    <dgm:effectClrLst/>
+    <dgm:txLinClrLst/>
+    <dgm:txFillClrLst/>
+    <dgm:txEffectClrLst/>
+  </dgm:styleLbl>
+  <dgm:styleLbl name="lnNode1">
+    <dgm:fillClrLst>
+      <a:schemeClr val="accent2"/>
+      <a:schemeClr val="accent3"/>
+    </dgm:fillClrLst>
+    <dgm:linClrLst meth="repeat">
+      <a:schemeClr val="lt1"/>
+    </dgm:linClrLst>
+    <dgm:effectClrLst/>
+    <dgm:txLinClrLst/>
+    <dgm:txFillClrLst/>
+    <dgm:txEffectClrLst/>
+  </dgm:styleLbl>
+  <dgm:styleLbl name="vennNode1">
+    <dgm:fillClrLst>
+      <a:schemeClr val="accent2">
+        <a:alpha val="50000"/>
+      </a:schemeClr>
+      <a:schemeClr val="accent3">
+        <a:alpha val="50000"/>
+      </a:schemeClr>
+    </dgm:fillClrLst>
+    <dgm:linClrLst meth="repeat">
+      <a:schemeClr val="lt1"/>
+    </dgm:linClrLst>
+    <dgm:effectClrLst/>
+    <dgm:txLinClrLst/>
+    <dgm:txFillClrLst/>
+    <dgm:txEffectClrLst/>
+  </dgm:styleLbl>
+  <dgm:styleLbl name="node2">
+    <dgm:fillClrLst>
+      <a:schemeClr val="accent3"/>
+    </dgm:fillClrLst>
+    <dgm:linClrLst meth="repeat">
+      <a:schemeClr val="lt1"/>
+    </dgm:linClrLst>
+    <dgm:effectClrLst/>
+    <dgm:txLinClrLst/>
+    <dgm:txFillClrLst/>
+    <dgm:txEffectClrLst/>
+  </dgm:styleLbl>
+  <dgm:styleLbl name="node3">
+    <dgm:fillClrLst>
+      <a:schemeClr val="accent4"/>
+    </dgm:fillClrLst>
+    <dgm:linClrLst meth="repeat">
+      <a:schemeClr val="lt1"/>
+    </dgm:linClrLst>
+    <dgm:effectClrLst/>
+    <dgm:txLinClrLst/>
+    <dgm:txFillClrLst/>
+    <dgm:txEffectClrLst/>
+  </dgm:styleLbl>
+  <dgm:styleLbl name="node4">
+    <dgm:fillClrLst>
+      <a:schemeClr val="accent5"/>
+    </dgm:fillClrLst>
+    <dgm:linClrLst meth="repeat">
+      <a:schemeClr val="lt1"/>
+    </dgm:linClrLst>
+    <dgm:effectClrLst/>
+    <dgm:txLinClrLst/>
+    <dgm:txFillClrLst/>
+    <dgm:txEffectClrLst/>
+  </dgm:styleLbl>
+  <dgm:styleLbl name="fgImgPlace1">
+    <dgm:fillClrLst>
+      <a:schemeClr val="accent2">
+        <a:tint val="50000"/>
+      </a:schemeClr>
+      <a:schemeClr val="accent3">
+        <a:tint val="50000"/>
+      </a:schemeClr>
+    </dgm:fillClrLst>
+    <dgm:linClrLst meth="repeat">
+      <a:schemeClr val="lt1"/>
+    </dgm:linClrLst>
+    <dgm:effectClrLst/>
+    <dgm:txLinClrLst/>
+    <dgm:txFillClrLst meth="repeat">
+      <a:schemeClr val="lt1"/>
+    </dgm:txFillClrLst>
+    <dgm:txEffectClrLst/>
+  </dgm:styleLbl>
+  <dgm:styleLbl name="alignImgPlace1">
+    <dgm:fillClrLst>
+      <a:schemeClr val="accent2">
+        <a:tint val="50000"/>
+      </a:schemeClr>
+      <a:schemeClr val="accent3">
+        <a:tint val="20000"/>
+      </a:schemeClr>
+    </dgm:fillClrLst>
+    <dgm:linClrLst meth="repeat">
+      <a:schemeClr val="lt1"/>
+    </dgm:linClrLst>
+    <dgm:effectClrLst/>
+    <dgm:txLinClrLst/>
+    <dgm:txFillClrLst meth="repeat">
+      <a:schemeClr val="lt1"/>
+    </dgm:txFillClrLst>
+    <dgm:txEffectClrLst/>
+  </dgm:styleLbl>
+  <dgm:styleLbl name="bgImgPlace1">
+    <dgm:fillClrLst>
+      <a:schemeClr val="accent2">
+        <a:tint val="50000"/>
+      </a:schemeClr>
+      <a:schemeClr val="accent3">
+        <a:tint val="20000"/>
+      </a:schemeClr>
+    </dgm:fillClrLst>
+    <dgm:linClrLst meth="repeat">
+      <a:schemeClr val="lt1"/>
+    </dgm:linClrLst>
+    <dgm:effectClrLst/>
+    <dgm:txLinClrLst/>
+    <dgm:txFillClrLst meth="repeat">
+      <a:schemeClr val="lt1"/>
+    </dgm:txFillClrLst>
+    <dgm:txEffectClrLst/>
+  </dgm:styleLbl>
+  <dgm:styleLbl name="sibTrans2D1">
+    <dgm:fillClrLst>
+      <a:schemeClr val="accent2"/>
+      <a:schemeClr val="accent3"/>
+    </dgm:fillClrLst>
+    <dgm:linClrLst meth="repeat">
+      <a:schemeClr val="lt1"/>
+    </dgm:linClrLst>
+    <dgm:effectClrLst/>
+    <dgm:txLinClrLst/>
+    <dgm:txFillClrLst/>
+    <dgm:txEffectClrLst/>
+  </dgm:styleLbl>
+  <dgm:styleLbl name="fgSibTrans2D1">
+    <dgm:fillClrLst>
+      <a:schemeClr val="accent2"/>
+      <a:schemeClr val="accent3"/>
+    </dgm:fillClrLst>
+    <dgm:linClrLst meth="repeat">
+      <a:schemeClr val="lt1"/>
+    </dgm:linClrLst>
+    <dgm:effectClrLst/>
+    <dgm:txLinClrLst/>
+    <dgm:txFillClrLst meth="repeat">
+      <a:schemeClr val="lt1"/>
+    </dgm:txFillClrLst>
+    <dgm:txEffectClrLst/>
+  </dgm:styleLbl>
+  <dgm:styleLbl name="bgSibTrans2D1">
+    <dgm:fillClrLst>
+      <a:schemeClr val="accent2"/>
+      <a:schemeClr val="accent3"/>
+    </dgm:fillClrLst>
+    <dgm:linClrLst meth="repeat">
+      <a:schemeClr val="lt1"/>
+    </dgm:linClrLst>
+    <dgm:effectClrLst/>
+    <dgm:txLinClrLst/>
+    <dgm:txFillClrLst meth="repeat">
+      <a:schemeClr val="lt1"/>
+    </dgm:txFillClrLst>
+    <dgm:txEffectClrLst/>
+  </dgm:styleLbl>
+  <dgm:styleLbl name="sibTrans1D1">
+    <dgm:fillClrLst/>
+    <dgm:linClrLst>
+      <a:schemeClr val="accent2"/>
+      <a:schemeClr val="accent3"/>
+    </dgm:linClrLst>
+    <dgm:effectClrLst/>
+    <dgm:txLinClrLst/>
+    <dgm:txFillClrLst meth="repeat">
+      <a:schemeClr val="tx1"/>
+    </dgm:txFillClrLst>
+    <dgm:txEffectClrLst/>
+  </dgm:styleLbl>
+  <dgm:styleLbl name="callout">
+    <dgm:fillClrLst meth="repeat">
+      <a:schemeClr val="accent2"/>
+    </dgm:fillClrLst>
+    <dgm:linClrLst meth="repeat">
+      <a:schemeClr val="accent2">
+        <a:tint val="50000"/>
+      </a:schemeClr>
+    </dgm:linClrLst>
+    <dgm:effectClrLst/>
+    <dgm:txLinClrLst/>
+    <dgm:txFillClrLst meth="repeat">
+      <a:schemeClr val="tx1"/>
+    </dgm:txFillClrLst>
+    <dgm:txEffectClrLst/>
+  </dgm:styleLbl>
+  <dgm:styleLbl name="asst0">
+    <dgm:fillClrLst meth="repeat">
+      <a:schemeClr val="accent2"/>
+    </dgm:fillClrLst>
+    <dgm:linClrLst meth="repeat">
+      <a:schemeClr val="lt1">
+        <a:shade val="80000"/>
+      </a:schemeClr>
+    </dgm:linClrLst>
+    <dgm:effectClrLst/>
+    <dgm:txLinClrLst/>
+    <dgm:txFillClrLst/>
+    <dgm:txEffectClrLst/>
+  </dgm:styleLbl>
+  <dgm:styleLbl name="asst1">
+    <dgm:fillClrLst meth="repeat">
+      <a:schemeClr val="accent3"/>
+    </dgm:fillClrLst>
+    <dgm:linClrLst meth="repeat">
+      <a:schemeClr val="lt1">
+        <a:shade val="80000"/>
+      </a:schemeClr>
+    </dgm:linClrLst>
+    <dgm:effectClrLst/>
+    <dgm:txLinClrLst/>
+    <dgm:txFillClrLst/>
+    <dgm:txEffectClrLst/>
+  </dgm:styleLbl>
+  <dgm:styleLbl name="asst2">
+    <dgm:fillClrLst>
+      <a:schemeClr val="accent4"/>
+    </dgm:fillClrLst>
+    <dgm:linClrLst meth="repeat">
+      <a:schemeClr val="lt1"/>
+    </dgm:linClrLst>
+    <dgm:effectClrLst/>
+    <dgm:txLinClrLst/>
+    <dgm:txFillClrLst/>
+    <dgm:txEffectClrLst/>
+  </dgm:styleLbl>
+  <dgm:styleLbl name="asst3">
+    <dgm:fillClrLst>
+      <a:schemeClr val="accent5"/>
+    </dgm:fillClrLst>
+    <dgm:linClrLst meth="repeat">
+      <a:schemeClr val="lt1"/>
+    </dgm:linClrLst>
+    <dgm:effectClrLst/>
+    <dgm:txLinClrLst/>
+    <dgm:txFillClrLst/>
+    <dgm:txEffectClrLst/>
+  </dgm:styleLbl>
+  <dgm:styleLbl name="asst4">
+    <dgm:fillClrLst>
+      <a:schemeClr val="accent6"/>
+    </dgm:fillClrLst>
+    <dgm:linClrLst meth="repeat">
+      <a:schemeClr val="lt1"/>
+    </dgm:linClrLst>
+    <dgm:effectClrLst/>
+    <dgm:txLinClrLst/>
+    <dgm:txFillClrLst/>
+    <dgm:txEffectClrLst/>
+  </dgm:styleLbl>
+  <dgm:styleLbl name="parChTrans2D1">
+    <dgm:fillClrLst meth="repeat">
+      <a:schemeClr val="accent2"/>
+    </dgm:fillClrLst>
+    <dgm:linClrLst meth="repeat">
+      <a:schemeClr val="lt1"/>
+    </dgm:linClrLst>
+    <dgm:effectClrLst/>
+    <dgm:txLinClrLst/>
+    <dgm:txFillClrLst meth="repeat">
+      <a:schemeClr val="lt1"/>
+    </dgm:txFillClrLst>
+    <dgm:txEffectClrLst/>
+  </dgm:styleLbl>
+  <dgm:styleLbl name="parChTrans2D2">
+    <dgm:fillClrLst meth="repeat">
+      <a:schemeClr val="accent3"/>
+    </dgm:fillClrLst>
+    <dgm:linClrLst meth="repeat">
+      <a:schemeClr val="lt1"/>
+    </dgm:linClrLst>
+    <dgm:effectClrLst/>
+    <dgm:txLinClrLst/>
+    <dgm:txFillClrLst/>
+    <dgm:txEffectClrLst/>
+  </dgm:styleLbl>
+  <dgm:styleLbl name="parChTrans2D3">
+    <dgm:fillClrLst meth="repeat">
+      <a:schemeClr val="accent4"/>
+    </dgm:fillClrLst>
+    <dgm:linClrLst meth="repeat">
+      <a:schemeClr val="lt1"/>
+    </dgm:linClrLst>
+    <dgm:effectClrLst/>
+    <dgm:txLinClrLst/>
+    <dgm:txFillClrLst/>
+    <dgm:txEffectClrLst/>
+  </dgm:styleLbl>
+  <dgm:styleLbl name="parChTrans2D4">
+    <dgm:fillClrLst meth="repeat">
+      <a:schemeClr val="accent5"/>
+    </dgm:fillClrLst>
+    <dgm:linClrLst meth="repeat">
+      <a:schemeClr val="lt1"/>
+    </dgm:linClrLst>
+    <dgm:effectClrLst/>
+    <dgm:txLinClrLst/>
+    <dgm:txFillClrLst meth="repeat">
+      <a:schemeClr val="lt1"/>
+    </dgm:txFillClrLst>
+    <dgm:txEffectClrLst/>
+  </dgm:styleLbl>
+  <dgm:styleLbl name="parChTrans1D1">
+    <dgm:fillClrLst meth="repeat">
+      <a:schemeClr val="accent2"/>
+    </dgm:fillClrLst>
+    <dgm:linClrLst meth="repeat">
+      <a:schemeClr val="accent2"/>
+    </dgm:linClrLst>
+    <dgm:effectClrLst/>
+    <dgm:txLinClrLst/>
+    <dgm:txFillClrLst meth="repeat">
+      <a:schemeClr val="tx1"/>
+    </dgm:txFillClrLst>
+    <dgm:txEffectClrLst/>
+  </dgm:styleLbl>
+  <dgm:styleLbl name="parChTrans1D2">
+    <dgm:fillClrLst meth="repeat">
+      <a:schemeClr val="accent2">
+        <a:tint val="90000"/>
+      </a:schemeClr>
+    </dgm:fillClrLst>
+    <dgm:linClrLst meth="repeat">
+      <a:schemeClr val="accent3"/>
+    </dgm:linClrLst>
+    <dgm:effectClrLst/>
+    <dgm:txLinClrLst/>
+    <dgm:txFillClrLst meth="repeat">
+      <a:schemeClr val="tx1"/>
+    </dgm:txFillClrLst>
+    <dgm:txEffectClrLst/>
+  </dgm:styleLbl>
+  <dgm:styleLbl name="parChTrans1D3">
+    <dgm:fillClrLst meth="repeat">
+      <a:schemeClr val="accent2">
+        <a:tint val="70000"/>
+      </a:schemeClr>
+    </dgm:fillClrLst>
+    <dgm:linClrLst meth="repeat">
+      <a:schemeClr val="accent4"/>
+    </dgm:linClrLst>
+    <dgm:effectClrLst/>
+    <dgm:txLinClrLst/>
+    <dgm:txFillClrLst meth="repeat">
+      <a:schemeClr val="tx1"/>
+    </dgm:txFillClrLst>
+    <dgm:txEffectClrLst/>
+  </dgm:styleLbl>
+  <dgm:styleLbl name="parChTrans1D4">
+    <dgm:fillClrLst meth="repeat">
+      <a:schemeClr val="accent2">
+        <a:tint val="50000"/>
+      </a:schemeClr>
+    </dgm:fillClrLst>
+    <dgm:linClrLst meth="repeat">
+      <a:schemeClr val="accent5"/>
+    </dgm:linClrLst>
+    <dgm:effectClrLst/>
+    <dgm:txLinClrLst/>
+    <dgm:txFillClrLst meth="repeat">
+      <a:schemeClr val="tx1"/>
+    </dgm:txFillClrLst>
+    <dgm:txEffectClrLst/>
+  </dgm:styleLbl>
+  <dgm:styleLbl name="fgAcc1">
+    <dgm:fillClrLst meth="repeat">
+      <a:schemeClr val="lt1">
+        <a:alpha val="90000"/>
+      </a:schemeClr>
+    </dgm:fillClrLst>
+    <dgm:linClrLst>
+      <a:schemeClr val="accent2"/>
+      <a:schemeClr val="accent3"/>
+    </dgm:linClrLst>
+    <dgm:effectClrLst/>
+    <dgm:txLinClrLst/>
+    <dgm:txFillClrLst meth="repeat">
+      <a:schemeClr val="dk1"/>
+    </dgm:txFillClrLst>
+    <dgm:txEffectClrLst/>
+  </dgm:styleLbl>
+  <dgm:styleLbl name="conFgAcc1">
+    <dgm:fillClrLst meth="repeat">
+      <a:schemeClr val="lt1">
+        <a:alpha val="90000"/>
+      </a:schemeClr>
+    </dgm:fillClrLst>
+    <dgm:linClrLst>
+      <a:schemeClr val="accent2"/>
+      <a:schemeClr val="accent3"/>
+    </dgm:linClrLst>
+    <dgm:effectClrLst/>
+    <dgm:txLinClrLst/>
+    <dgm:txFillClrLst meth="repeat">
+      <a:schemeClr val="dk1"/>
+    </dgm:txFillClrLst>
+    <dgm:txEffectClrLst/>
+  </dgm:styleLbl>
+  <dgm:styleLbl name="alignAcc1">
+    <dgm:fillClrLst meth="repeat">
+      <a:schemeClr val="lt1">
+        <a:alpha val="90000"/>
+      </a:schemeClr>
+    </dgm:fillClrLst>
+    <dgm:linClrLst>
+      <a:schemeClr val="accent2"/>
+      <a:schemeClr val="accent3"/>
+    </dgm:linClrLst>
+    <dgm:effectClrLst/>
+    <dgm:txLinClrLst/>
+    <dgm:txFillClrLst meth="repeat">
+      <a:schemeClr val="dk1"/>
+    </dgm:txFillClrLst>
+    <dgm:txEffectClrLst/>
+  </dgm:styleLbl>
+  <dgm:styleLbl name="trAlignAcc1">
+    <dgm:fillClrLst meth="repeat">
+      <a:schemeClr val="lt1">
+        <a:alpha val="40000"/>
+      </a:schemeClr>
+    </dgm:fillClrLst>
+    <dgm:linClrLst meth="repeat">
+      <a:schemeClr val="accent2"/>
+    </dgm:linClrLst>
+    <dgm:effectClrLst/>
+    <dgm:txLinClrLst/>
+    <dgm:txFillClrLst meth="repeat">
+      <a:schemeClr val="dk1"/>
+    </dgm:txFillClrLst>
+    <dgm:txEffectClrLst/>
+  </dgm:styleLbl>
+  <dgm:styleLbl name="bgAcc1">
+    <dgm:fillClrLst meth="repeat">
+      <a:schemeClr val="lt1">
+        <a:alpha val="90000"/>
+      </a:schemeClr>
+    </dgm:fillClrLst>
+    <dgm:linClrLst>
+      <a:schemeClr val="accent2"/>
+      <a:schemeClr val="accent3"/>
+    </dgm:linClrLst>
+    <dgm:effectClrLst/>
+    <dgm:txLinClrLst/>
+    <dgm:txFillClrLst meth="repeat">
+      <a:schemeClr val="dk1"/>
+    </dgm:txFillClrLst>
+    <dgm:txEffectClrLst/>
+  </dgm:styleLbl>
+  <dgm:styleLbl name="solidFgAcc1">
+    <dgm:fillClrLst meth="repeat">
+      <a:schemeClr val="lt1"/>
+    </dgm:fillClrLst>
+    <dgm:linClrLst>
+      <a:schemeClr val="accent2"/>
+      <a:schemeClr val="accent3"/>
+    </dgm:linClrLst>
+    <dgm:effectClrLst/>
+    <dgm:txLinClrLst/>
+    <dgm:txFillClrLst meth="repeat">
+      <a:schemeClr val="dk1"/>
+    </dgm:txFillClrLst>
+    <dgm:txEffectClrLst/>
+  </dgm:styleLbl>
+  <dgm:styleLbl name="solidAlignAcc1">
+    <dgm:fillClrLst meth="repeat">
+      <a:schemeClr val="lt1"/>
+    </dgm:fillClrLst>
+    <dgm:linClrLst>
+      <a:schemeClr val="accent2"/>
+      <a:schemeClr val="accent3"/>
+    </dgm:linClrLst>
+    <dgm:effectClrLst/>
+    <dgm:txLinClrLst/>
+    <dgm:txFillClrLst meth="repeat">
+      <a:schemeClr val="dk1"/>
+    </dgm:txFillClrLst>
+    <dgm:txEffectClrLst/>
+  </dgm:styleLbl>
+  <dgm:styleLbl name="solidBgAcc1">
+    <dgm:fillClrLst meth="repeat">
+      <a:schemeClr val="lt1"/>
+    </dgm:fillClrLst>
+    <dgm:linClrLst>
+      <a:schemeClr val="accent2"/>
+      <a:schemeClr val="accent3"/>
+    </dgm:linClrLst>
+    <dgm:effectClrLst/>
+    <dgm:txLinClrLst/>
+    <dgm:txFillClrLst meth="repeat">
+      <a:schemeClr val="dk1"/>
+    </dgm:txFillClrLst>
+    <dgm:txEffectClrLst/>
+  </dgm:styleLbl>
+  <dgm:styleLbl name="fgAccFollowNode1">
+    <dgm:fillClrLst>
+      <a:schemeClr val="accent2">
+        <a:tint val="40000"/>
+        <a:alpha val="90000"/>
+      </a:schemeClr>
+      <a:schemeClr val="accent3">
+        <a:tint val="40000"/>
+        <a:alpha val="90000"/>
+      </a:schemeClr>
+    </dgm:fillClrLst>
+    <dgm:linClrLst>
+      <a:schemeClr val="accent2">
+        <a:tint val="40000"/>
+        <a:alpha val="90000"/>
+      </a:schemeClr>
+      <a:schemeClr val="accent3">
+        <a:tint val="40000"/>
+        <a:alpha val="90000"/>
+      </a:schemeClr>
+    </dgm:linClrLst>
+    <dgm:effectClrLst/>
+    <dgm:txLinClrLst/>
+    <dgm:txFillClrLst meth="repeat">
+      <a:schemeClr val="dk1"/>
+    </dgm:txFillClrLst>
+    <dgm:txEffectClrLst/>
+  </dgm:styleLbl>
+  <dgm:styleLbl name="alignAccFollowNode1">
+    <dgm:fillClrLst>
+      <a:schemeClr val="accent2">
+        <a:tint val="40000"/>
+        <a:alpha val="90000"/>
+      </a:schemeClr>
+      <a:schemeClr val="accent3">
+        <a:tint val="40000"/>
+        <a:alpha val="90000"/>
+      </a:schemeClr>
+    </dgm:fillClrLst>
+    <dgm:linClrLst>
+      <a:schemeClr val="accent2">
+        <a:tint val="40000"/>
+        <a:alpha val="90000"/>
+      </a:schemeClr>
+      <a:schemeClr val="accent3">
+        <a:tint val="40000"/>
+        <a:alpha val="90000"/>
+      </a:schemeClr>
+    </dgm:linClrLst>
+    <dgm:effectClrLst/>
+    <dgm:txLinClrLst/>
+    <dgm:txFillClrLst meth="repeat">
+      <a:schemeClr val="dk1"/>
+    </dgm:txFillClrLst>
+    <dgm:txEffectClrLst/>
+  </dgm:styleLbl>
+  <dgm:styleLbl name="bgAccFollowNode1">
+    <dgm:fillClrLst>
+      <a:schemeClr val="accent2">
+        <a:tint val="40000"/>
+        <a:alpha val="90000"/>
+      </a:schemeClr>
+      <a:schemeClr val="accent3">
+        <a:tint val="40000"/>
+        <a:alpha val="90000"/>
+      </a:schemeClr>
+    </dgm:fillClrLst>
+    <dgm:linClrLst>
+      <a:schemeClr val="accent2">
+        <a:tint val="40000"/>
+        <a:alpha val="90000"/>
+      </a:schemeClr>
+      <a:schemeClr val="accent3">
+        <a:tint val="40000"/>
+        <a:alpha val="90000"/>
+      </a:schemeClr>
+    </dgm:linClrLst>
+    <dgm:effectClrLst/>
+    <dgm:txLinClrLst/>
+    <dgm:txFillClrLst meth="repeat">
+      <a:schemeClr val="dk1"/>
+    </dgm:txFillClrLst>
+    <dgm:txEffectClrLst/>
+  </dgm:styleLbl>
+  <dgm:styleLbl name="fgAcc0">
+    <dgm:fillClrLst meth="repeat">
+      <a:schemeClr val="lt1">
+        <a:alpha val="90000"/>
+      </a:schemeClr>
+    </dgm:fillClrLst>
+    <dgm:linClrLst>
+      <a:schemeClr val="accent1"/>
+    </dgm:linClrLst>
+    <dgm:effectClrLst/>
+    <dgm:txLinClrLst/>
+    <dgm:txFillClrLst meth="repeat">
+      <a:schemeClr val="dk1"/>
+    </dgm:txFillClrLst>
+    <dgm:txEffectClrLst/>
+  </dgm:styleLbl>
+  <dgm:styleLbl name="fgAcc2">
+    <dgm:fillClrLst meth="repeat">
+      <a:schemeClr val="lt1">
+        <a:alpha val="90000"/>
+      </a:schemeClr>
+    </dgm:fillClrLst>
+    <dgm:linClrLst>
+      <a:schemeClr val="accent3"/>
+    </dgm:linClrLst>
+    <dgm:effectClrLst/>
+    <dgm:txLinClrLst/>
+    <dgm:txFillClrLst meth="repeat">
+      <a:schemeClr val="dk1"/>
+    </dgm:txFillClrLst>
+    <dgm:txEffectClrLst/>
+  </dgm:styleLbl>
+  <dgm:styleLbl name="fgAcc3">
+    <dgm:fillClrLst meth="repeat">
+      <a:schemeClr val="lt1">
+        <a:alpha val="90000"/>
+      </a:schemeClr>
+    </dgm:fillClrLst>
+    <dgm:linClrLst>
+      <a:schemeClr val="accent4"/>
+    </dgm:linClrLst>
+    <dgm:effectClrLst/>
+    <dgm:txLinClrLst/>
+    <dgm:txFillClrLst meth="repeat">
+      <a:schemeClr val="dk1"/>
+    </dgm:txFillClrLst>
+    <dgm:txEffectClrLst/>
+  </dgm:styleLbl>
+  <dgm:styleLbl name="fgAcc4">
+    <dgm:fillClrLst meth="repeat">
+      <a:schemeClr val="lt1">
+        <a:alpha val="90000"/>
+      </a:schemeClr>
+    </dgm:fillClrLst>
+    <dgm:linClrLst>
+      <a:schemeClr val="accent5"/>
+    </dgm:linClrLst>
+    <dgm:effectClrLst/>
+    <dgm:txLinClrLst/>
+    <dgm:txFillClrLst meth="repeat">
+      <a:schemeClr val="dk1"/>
+    </dgm:txFillClrLst>
+    <dgm:txEffectClrLst/>
+  </dgm:styleLbl>
+  <dgm:styleLbl name="bgShp">
+    <dgm:fillClrLst meth="repeat">
+      <a:schemeClr val="accent2">
+        <a:tint val="40000"/>
+      </a:schemeClr>
+    </dgm:fillClrLst>
+    <dgm:linClrLst meth="repeat">
+      <a:schemeClr val="dk1"/>
+    </dgm:linClrLst>
+    <dgm:effectClrLst/>
+    <dgm:txLinClrLst/>
+    <dgm:txFillClrLst meth="repeat">
+      <a:schemeClr val="dk1"/>
+    </dgm:txFillClrLst>
+    <dgm:txEffectClrLst/>
+  </dgm:styleLbl>
+  <dgm:styleLbl name="dkBgShp">
+    <dgm:fillClrLst meth="repeat">
+      <a:schemeClr val="accent2">
+        <a:shade val="90000"/>
+      </a:schemeClr>
+    </dgm:fillClrLst>
+    <dgm:linClrLst meth="repeat">
+      <a:schemeClr val="dk1"/>
+    </dgm:linClrLst>
+    <dgm:effectClrLst/>
+    <dgm:txLinClrLst/>
+    <dgm:txFillClrLst meth="repeat">
+      <a:schemeClr val="lt1"/>
+    </dgm:txFillClrLst>
+    <dgm:txEffectClrLst/>
+  </dgm:styleLbl>
+  <dgm:styleLbl name="trBgShp">
+    <dgm:fillClrLst meth="repeat">
+      <a:schemeClr val="accent2">
+        <a:tint val="50000"/>
+        <a:alpha val="40000"/>
+      </a:schemeClr>
+    </dgm:fillClrLst>
+    <dgm:linClrLst meth="repeat">
+      <a:schemeClr val="accent2"/>
+    </dgm:linClrLst>
+    <dgm:effectClrLst/>
+    <dgm:txLinClrLst/>
+    <dgm:txFillClrLst meth="repeat">
+      <a:schemeClr val="lt1"/>
+    </dgm:txFillClrLst>
+    <dgm:txEffectClrLst/>
+  </dgm:styleLbl>
+  <dgm:styleLbl name="fgShp">
+    <dgm:fillClrLst meth="repeat">
+      <a:schemeClr val="accent2">
+        <a:tint val="40000"/>
       </a:schemeClr>
     </dgm:fillClrLst>
     <dgm:linClrLst meth="repeat">
@@ -2167,6 +2949,629 @@
   <dgm:extLst>
     <a:ext uri="http://schemas.microsoft.com/office/drawing/2008/diagram">
       <dsp:dataModelExt xmlns:dsp="http://schemas.microsoft.com/office/drawing/2008/diagram" relId="rId11" minVer="http://schemas.openxmlformats.org/drawingml/2006/diagram"/>
+    </a:ext>
+  </dgm:extLst>
+</dgm:dataModel>
+</file>
+
+<file path=ppt/diagrams/data3.xml><?xml version="1.0" encoding="utf-8"?>
+<dgm:dataModel xmlns:dgm="http://schemas.openxmlformats.org/drawingml/2006/diagram" xmlns:a="http://schemas.openxmlformats.org/drawingml/2006/main">
+  <dgm:ptLst>
+    <dgm:pt modelId="{C1D3E54F-D108-774E-B025-2BBF7287DF0F}" type="doc">
+      <dgm:prSet loTypeId="urn:microsoft.com/office/officeart/2005/8/layout/target3" loCatId="" qsTypeId="urn:microsoft.com/office/officeart/2005/8/quickstyle/simple2" qsCatId="simple" csTypeId="urn:microsoft.com/office/officeart/2005/8/colors/colorful2" csCatId="colorful" phldr="1"/>
+      <dgm:spPr/>
+      <dgm:t>
+        <a:bodyPr/>
+        <a:lstStyle/>
+        <a:p>
+          <a:endParaRPr lang="zh-CN" altLang="en-US"/>
+        </a:p>
+      </dgm:t>
+    </dgm:pt>
+    <dgm:pt modelId="{9DCF374A-5D77-864E-ADB1-5D1F5D02F07B}">
+      <dgm:prSet phldrT="[文本]" custT="1"/>
+      <dgm:spPr/>
+      <dgm:t>
+        <a:bodyPr/>
+        <a:lstStyle/>
+        <a:p>
+          <a:r>
+            <a:rPr lang="zh-CN" altLang="en-US" sz="2800" dirty="0"/>
+            <a:t>认清现实</a:t>
+          </a:r>
+        </a:p>
+      </dgm:t>
+    </dgm:pt>
+    <dgm:pt modelId="{CB0324DF-695C-9F4D-83DF-58C17826CF4C}" type="parTrans" cxnId="{CC1C2D47-31D5-B34C-B868-F0FEA422E2A1}">
+      <dgm:prSet/>
+      <dgm:spPr/>
+      <dgm:t>
+        <a:bodyPr/>
+        <a:lstStyle/>
+        <a:p>
+          <a:endParaRPr lang="zh-CN" altLang="en-US"/>
+        </a:p>
+      </dgm:t>
+    </dgm:pt>
+    <dgm:pt modelId="{0981FC20-AA06-6B49-835F-C5ACB8208557}" type="sibTrans" cxnId="{CC1C2D47-31D5-B34C-B868-F0FEA422E2A1}">
+      <dgm:prSet/>
+      <dgm:spPr/>
+      <dgm:t>
+        <a:bodyPr/>
+        <a:lstStyle/>
+        <a:p>
+          <a:endParaRPr lang="zh-CN" altLang="en-US"/>
+        </a:p>
+      </dgm:t>
+    </dgm:pt>
+    <dgm:pt modelId="{6653FF54-060A-1C4B-A95F-33A4CDBE5E6B}">
+      <dgm:prSet phldrT="[文本]" custT="1"/>
+      <dgm:spPr/>
+      <dgm:t>
+        <a:bodyPr/>
+        <a:lstStyle/>
+        <a:p>
+          <a:r>
+            <a:rPr lang="zh-CN" altLang="en-US" sz="2000" dirty="0"/>
+            <a:t>从 </a:t>
+          </a:r>
+          <a:r>
+            <a:rPr lang="en-US" altLang="zh-CN" sz="2000" dirty="0"/>
+            <a:t>0</a:t>
+          </a:r>
+          <a:r>
+            <a:rPr lang="zh-CN" altLang="en-US" sz="2000" dirty="0"/>
+            <a:t> 到 </a:t>
+          </a:r>
+          <a:r>
+            <a:rPr lang="en-US" altLang="zh-CN" sz="2000" dirty="0"/>
+            <a:t>1</a:t>
+          </a:r>
+          <a:endParaRPr lang="zh-CN" altLang="en-US" sz="2000" dirty="0"/>
+        </a:p>
+      </dgm:t>
+    </dgm:pt>
+    <dgm:pt modelId="{98DA780F-05F8-D941-A1E1-59A41648B85F}" type="parTrans" cxnId="{AE796FE1-745A-8447-B53E-5650B87F7230}">
+      <dgm:prSet/>
+      <dgm:spPr/>
+      <dgm:t>
+        <a:bodyPr/>
+        <a:lstStyle/>
+        <a:p>
+          <a:endParaRPr lang="zh-CN" altLang="en-US"/>
+        </a:p>
+      </dgm:t>
+    </dgm:pt>
+    <dgm:pt modelId="{4A5280E9-91A7-E040-A0EB-887D720449B6}" type="sibTrans" cxnId="{AE796FE1-745A-8447-B53E-5650B87F7230}">
+      <dgm:prSet/>
+      <dgm:spPr/>
+      <dgm:t>
+        <a:bodyPr/>
+        <a:lstStyle/>
+        <a:p>
+          <a:endParaRPr lang="zh-CN" altLang="en-US"/>
+        </a:p>
+      </dgm:t>
+    </dgm:pt>
+    <dgm:pt modelId="{96B5B37D-1E39-F84D-AE66-CBE599ACC85D}">
+      <dgm:prSet phldrT="[文本]" custT="1"/>
+      <dgm:spPr/>
+      <dgm:t>
+        <a:bodyPr/>
+        <a:lstStyle/>
+        <a:p>
+          <a:r>
+            <a:rPr lang="zh-CN" altLang="en-US" sz="2800" dirty="0"/>
+            <a:t>持有信念</a:t>
+          </a:r>
+        </a:p>
+      </dgm:t>
+    </dgm:pt>
+    <dgm:pt modelId="{76808F42-2521-F14E-B61B-7F96CBB46579}" type="parTrans" cxnId="{B80D985A-8549-A843-B4B4-80B50F83AC15}">
+      <dgm:prSet/>
+      <dgm:spPr/>
+      <dgm:t>
+        <a:bodyPr/>
+        <a:lstStyle/>
+        <a:p>
+          <a:endParaRPr lang="zh-CN" altLang="en-US"/>
+        </a:p>
+      </dgm:t>
+    </dgm:pt>
+    <dgm:pt modelId="{EBDE226C-62A3-0246-9CA8-587AA7DCAD1B}" type="sibTrans" cxnId="{B80D985A-8549-A843-B4B4-80B50F83AC15}">
+      <dgm:prSet/>
+      <dgm:spPr/>
+      <dgm:t>
+        <a:bodyPr/>
+        <a:lstStyle/>
+        <a:p>
+          <a:endParaRPr lang="zh-CN" altLang="en-US"/>
+        </a:p>
+      </dgm:t>
+    </dgm:pt>
+    <dgm:pt modelId="{E8618B7E-B989-774E-8566-98CC24FC45F5}">
+      <dgm:prSet phldrT="[文本]" custT="1"/>
+      <dgm:spPr/>
+      <dgm:t>
+        <a:bodyPr/>
+        <a:lstStyle/>
+        <a:p>
+          <a:r>
+            <a:rPr lang="zh-CN" altLang="en-US" sz="2000" dirty="0"/>
+            <a:t>科技即未来</a:t>
+          </a:r>
+        </a:p>
+      </dgm:t>
+    </dgm:pt>
+    <dgm:pt modelId="{BC6528D6-88C6-E24D-B6E9-68A2D64137ED}" type="parTrans" cxnId="{864C228D-63A3-7A4D-9E6F-47CDDB219349}">
+      <dgm:prSet/>
+      <dgm:spPr/>
+      <dgm:t>
+        <a:bodyPr/>
+        <a:lstStyle/>
+        <a:p>
+          <a:endParaRPr lang="zh-CN" altLang="en-US"/>
+        </a:p>
+      </dgm:t>
+    </dgm:pt>
+    <dgm:pt modelId="{EB63BE41-4DB4-0949-AA8E-008B6ED33CFC}" type="sibTrans" cxnId="{864C228D-63A3-7A4D-9E6F-47CDDB219349}">
+      <dgm:prSet/>
+      <dgm:spPr/>
+      <dgm:t>
+        <a:bodyPr/>
+        <a:lstStyle/>
+        <a:p>
+          <a:endParaRPr lang="zh-CN" altLang="en-US"/>
+        </a:p>
+      </dgm:t>
+    </dgm:pt>
+    <dgm:pt modelId="{8879068A-C0A3-A647-9090-E57772EC2F7E}">
+      <dgm:prSet custT="1"/>
+      <dgm:spPr/>
+      <dgm:t>
+        <a:bodyPr/>
+        <a:lstStyle/>
+        <a:p>
+          <a:r>
+            <a:rPr lang="zh-CN" altLang="en-US" sz="2800" dirty="0"/>
+            <a:t>做好选择</a:t>
+          </a:r>
+        </a:p>
+      </dgm:t>
+    </dgm:pt>
+    <dgm:pt modelId="{985B6BE8-EF42-AB4B-8CF0-7A4A62FEE79C}" type="parTrans" cxnId="{157EF00A-8665-C145-B3CB-91156EF0B531}">
+      <dgm:prSet/>
+      <dgm:spPr/>
+      <dgm:t>
+        <a:bodyPr/>
+        <a:lstStyle/>
+        <a:p>
+          <a:endParaRPr lang="zh-CN" altLang="en-US"/>
+        </a:p>
+      </dgm:t>
+    </dgm:pt>
+    <dgm:pt modelId="{53DD94EB-13CD-D44E-81BB-61BD381C68D6}" type="sibTrans" cxnId="{157EF00A-8665-C145-B3CB-91156EF0B531}">
+      <dgm:prSet/>
+      <dgm:spPr/>
+      <dgm:t>
+        <a:bodyPr/>
+        <a:lstStyle/>
+        <a:p>
+          <a:endParaRPr lang="zh-CN" altLang="en-US"/>
+        </a:p>
+      </dgm:t>
+    </dgm:pt>
+    <dgm:pt modelId="{4FB0D421-0DF5-5B4E-A36D-BA739A52EC7D}">
+      <dgm:prSet custT="1"/>
+      <dgm:spPr/>
+      <dgm:t>
+        <a:bodyPr/>
+        <a:lstStyle/>
+        <a:p>
+          <a:r>
+            <a:rPr lang="zh-CN" altLang="en-US" sz="2000" dirty="0"/>
+            <a:t>研究 </a:t>
+          </a:r>
+          <a:r>
+            <a:rPr lang="en-US" altLang="zh-CN" sz="2000" dirty="0"/>
+            <a:t>/</a:t>
+          </a:r>
+          <a:r>
+            <a:rPr lang="zh-CN" altLang="en-US" sz="2000" dirty="0"/>
+            <a:t> 应用</a:t>
+          </a:r>
+        </a:p>
+      </dgm:t>
+    </dgm:pt>
+    <dgm:pt modelId="{1FA50784-57F8-8B4E-9F5F-0269CE304719}" type="parTrans" cxnId="{1AFE0610-4DF0-7541-A54C-362926B0ABF6}">
+      <dgm:prSet/>
+      <dgm:spPr/>
+      <dgm:t>
+        <a:bodyPr/>
+        <a:lstStyle/>
+        <a:p>
+          <a:endParaRPr lang="zh-CN" altLang="en-US"/>
+        </a:p>
+      </dgm:t>
+    </dgm:pt>
+    <dgm:pt modelId="{EA1D57DE-D1ED-8E43-82F6-F41A6AB05FC6}" type="sibTrans" cxnId="{1AFE0610-4DF0-7541-A54C-362926B0ABF6}">
+      <dgm:prSet/>
+      <dgm:spPr/>
+      <dgm:t>
+        <a:bodyPr/>
+        <a:lstStyle/>
+        <a:p>
+          <a:endParaRPr lang="zh-CN" altLang="en-US"/>
+        </a:p>
+      </dgm:t>
+    </dgm:pt>
+    <dgm:pt modelId="{5BCA824B-784C-B742-8702-1898CC19704A}">
+      <dgm:prSet custT="1"/>
+      <dgm:spPr/>
+      <dgm:t>
+        <a:bodyPr/>
+        <a:lstStyle/>
+        <a:p>
+          <a:r>
+            <a:rPr lang="zh-CN" altLang="en-US" sz="2800" dirty="0"/>
+            <a:t>打好基础</a:t>
+          </a:r>
+        </a:p>
+      </dgm:t>
+    </dgm:pt>
+    <dgm:pt modelId="{CFF2DABD-321C-A041-AEF4-48499C08F01A}" type="parTrans" cxnId="{3C10480A-6B15-D947-BC6D-5E000BD428AE}">
+      <dgm:prSet/>
+      <dgm:spPr/>
+      <dgm:t>
+        <a:bodyPr/>
+        <a:lstStyle/>
+        <a:p>
+          <a:endParaRPr lang="zh-CN" altLang="en-US"/>
+        </a:p>
+      </dgm:t>
+    </dgm:pt>
+    <dgm:pt modelId="{ED2C331E-120A-9D46-90ED-FB2A25B38133}" type="sibTrans" cxnId="{3C10480A-6B15-D947-BC6D-5E000BD428AE}">
+      <dgm:prSet/>
+      <dgm:spPr/>
+      <dgm:t>
+        <a:bodyPr/>
+        <a:lstStyle/>
+        <a:p>
+          <a:endParaRPr lang="zh-CN" altLang="en-US"/>
+        </a:p>
+      </dgm:t>
+    </dgm:pt>
+    <dgm:pt modelId="{3EC8C24F-72EA-904E-BFC1-16D0709C597A}">
+      <dgm:prSet custT="1"/>
+      <dgm:spPr/>
+      <dgm:t>
+        <a:bodyPr/>
+        <a:lstStyle/>
+        <a:p>
+          <a:r>
+            <a:rPr lang="zh-CN" altLang="en-US" sz="2000" dirty="0"/>
+            <a:t>数学 </a:t>
+          </a:r>
+          <a:r>
+            <a:rPr lang="en-US" altLang="zh-CN" sz="2000" dirty="0"/>
+            <a:t>+</a:t>
+          </a:r>
+          <a:r>
+            <a:rPr lang="zh-CN" altLang="en-US" sz="2000" dirty="0"/>
+            <a:t> 开发</a:t>
+          </a:r>
+        </a:p>
+      </dgm:t>
+    </dgm:pt>
+    <dgm:pt modelId="{3603A556-9429-144C-AA60-FC8D872FCA72}" type="parTrans" cxnId="{48A4B00D-9B84-A34C-BA1B-1EE490AE846B}">
+      <dgm:prSet/>
+      <dgm:spPr/>
+      <dgm:t>
+        <a:bodyPr/>
+        <a:lstStyle/>
+        <a:p>
+          <a:endParaRPr lang="zh-CN" altLang="en-US"/>
+        </a:p>
+      </dgm:t>
+    </dgm:pt>
+    <dgm:pt modelId="{577E4C6B-C044-9446-A1A1-8632EEBE4F76}" type="sibTrans" cxnId="{48A4B00D-9B84-A34C-BA1B-1EE490AE846B}">
+      <dgm:prSet/>
+      <dgm:spPr/>
+      <dgm:t>
+        <a:bodyPr/>
+        <a:lstStyle/>
+        <a:p>
+          <a:endParaRPr lang="zh-CN" altLang="en-US"/>
+        </a:p>
+      </dgm:t>
+    </dgm:pt>
+    <dgm:pt modelId="{31E1C10E-BC02-014B-B98B-13C35CBCBAA9}">
+      <dgm:prSet custT="1"/>
+      <dgm:spPr/>
+      <dgm:t>
+        <a:bodyPr/>
+        <a:lstStyle/>
+        <a:p>
+          <a:r>
+            <a:rPr lang="zh-CN" altLang="en-US" sz="2800" dirty="0"/>
+            <a:t>明确目的</a:t>
+          </a:r>
+        </a:p>
+      </dgm:t>
+    </dgm:pt>
+    <dgm:pt modelId="{DDD9B030-885D-9D4D-9EB7-79911E9B85E0}" type="parTrans" cxnId="{E5CDA764-D8CB-384F-8A84-EC0C0851F1AB}">
+      <dgm:prSet/>
+      <dgm:spPr/>
+      <dgm:t>
+        <a:bodyPr/>
+        <a:lstStyle/>
+        <a:p>
+          <a:endParaRPr lang="zh-CN" altLang="en-US"/>
+        </a:p>
+      </dgm:t>
+    </dgm:pt>
+    <dgm:pt modelId="{5F4B309D-3C48-B640-A974-EC9E96255677}" type="sibTrans" cxnId="{E5CDA764-D8CB-384F-8A84-EC0C0851F1AB}">
+      <dgm:prSet/>
+      <dgm:spPr/>
+      <dgm:t>
+        <a:bodyPr/>
+        <a:lstStyle/>
+        <a:p>
+          <a:endParaRPr lang="zh-CN" altLang="en-US"/>
+        </a:p>
+      </dgm:t>
+    </dgm:pt>
+    <dgm:pt modelId="{7134B573-66FB-1A45-B77E-CACA433E5D0F}">
+      <dgm:prSet custT="1"/>
+      <dgm:spPr/>
+      <dgm:t>
+        <a:bodyPr/>
+        <a:lstStyle/>
+        <a:p>
+          <a:r>
+            <a:rPr lang="zh-CN" altLang="en-US" sz="2000" dirty="0"/>
+            <a:t>业务契合点</a:t>
+          </a:r>
+        </a:p>
+      </dgm:t>
+    </dgm:pt>
+    <dgm:pt modelId="{1FA2E870-72B3-9346-B146-591F69E7A2FC}" type="parTrans" cxnId="{DDD4CC64-E1FE-944C-8E99-BAC12B417EA1}">
+      <dgm:prSet/>
+      <dgm:spPr/>
+      <dgm:t>
+        <a:bodyPr/>
+        <a:lstStyle/>
+        <a:p>
+          <a:endParaRPr lang="zh-CN" altLang="en-US"/>
+        </a:p>
+      </dgm:t>
+    </dgm:pt>
+    <dgm:pt modelId="{197B7499-8202-A64F-B1EB-CD841A75E581}" type="sibTrans" cxnId="{DDD4CC64-E1FE-944C-8E99-BAC12B417EA1}">
+      <dgm:prSet/>
+      <dgm:spPr/>
+      <dgm:t>
+        <a:bodyPr/>
+        <a:lstStyle/>
+        <a:p>
+          <a:endParaRPr lang="zh-CN" altLang="en-US"/>
+        </a:p>
+      </dgm:t>
+    </dgm:pt>
+    <dgm:pt modelId="{5971B838-3B6C-6444-9E4D-810F285D2A3C}" type="pres">
+      <dgm:prSet presAssocID="{C1D3E54F-D108-774E-B025-2BBF7287DF0F}" presName="Name0" presStyleCnt="0">
+        <dgm:presLayoutVars>
+          <dgm:chMax val="7"/>
+          <dgm:dir/>
+          <dgm:animLvl val="lvl"/>
+          <dgm:resizeHandles val="exact"/>
+        </dgm:presLayoutVars>
+      </dgm:prSet>
+      <dgm:spPr/>
+    </dgm:pt>
+    <dgm:pt modelId="{E770BB02-15A7-744B-A58D-8D5ECB5943EB}" type="pres">
+      <dgm:prSet presAssocID="{9DCF374A-5D77-864E-ADB1-5D1F5D02F07B}" presName="circle1" presStyleLbl="node1" presStyleIdx="0" presStyleCnt="5"/>
+      <dgm:spPr/>
+    </dgm:pt>
+    <dgm:pt modelId="{DF28622F-D668-474D-810E-44293503569E}" type="pres">
+      <dgm:prSet presAssocID="{9DCF374A-5D77-864E-ADB1-5D1F5D02F07B}" presName="space" presStyleCnt="0"/>
+      <dgm:spPr/>
+    </dgm:pt>
+    <dgm:pt modelId="{8D241A29-1AD3-EE4C-9524-42BAA49F6897}" type="pres">
+      <dgm:prSet presAssocID="{9DCF374A-5D77-864E-ADB1-5D1F5D02F07B}" presName="rect1" presStyleLbl="alignAcc1" presStyleIdx="0" presStyleCnt="5"/>
+      <dgm:spPr/>
+    </dgm:pt>
+    <dgm:pt modelId="{63044F3D-50AB-D642-B026-4ED7A613BBC8}" type="pres">
+      <dgm:prSet presAssocID="{5BCA824B-784C-B742-8702-1898CC19704A}" presName="vertSpace2" presStyleLbl="node1" presStyleIdx="0" presStyleCnt="5"/>
+      <dgm:spPr/>
+    </dgm:pt>
+    <dgm:pt modelId="{58594A42-8C97-D24C-A60D-D1A14DDC0A17}" type="pres">
+      <dgm:prSet presAssocID="{5BCA824B-784C-B742-8702-1898CC19704A}" presName="circle2" presStyleLbl="node1" presStyleIdx="1" presStyleCnt="5"/>
+      <dgm:spPr/>
+    </dgm:pt>
+    <dgm:pt modelId="{272B512C-6939-4D4B-B91C-5740BF44B2E4}" type="pres">
+      <dgm:prSet presAssocID="{5BCA824B-784C-B742-8702-1898CC19704A}" presName="rect2" presStyleLbl="alignAcc1" presStyleIdx="1" presStyleCnt="5"/>
+      <dgm:spPr/>
+    </dgm:pt>
+    <dgm:pt modelId="{630924CF-D937-9645-8C7B-418DCE381690}" type="pres">
+      <dgm:prSet presAssocID="{8879068A-C0A3-A647-9090-E57772EC2F7E}" presName="vertSpace3" presStyleLbl="node1" presStyleIdx="1" presStyleCnt="5"/>
+      <dgm:spPr/>
+    </dgm:pt>
+    <dgm:pt modelId="{F569A0DA-B0B0-5742-87A2-E2980B30194F}" type="pres">
+      <dgm:prSet presAssocID="{8879068A-C0A3-A647-9090-E57772EC2F7E}" presName="circle3" presStyleLbl="node1" presStyleIdx="2" presStyleCnt="5"/>
+      <dgm:spPr/>
+    </dgm:pt>
+    <dgm:pt modelId="{82D5C019-91EC-DE45-B67A-6E03D2BC5EBB}" type="pres">
+      <dgm:prSet presAssocID="{8879068A-C0A3-A647-9090-E57772EC2F7E}" presName="rect3" presStyleLbl="alignAcc1" presStyleIdx="2" presStyleCnt="5"/>
+      <dgm:spPr/>
+    </dgm:pt>
+    <dgm:pt modelId="{C18F4B05-25F6-9147-9F24-2CE7EAEDC001}" type="pres">
+      <dgm:prSet presAssocID="{31E1C10E-BC02-014B-B98B-13C35CBCBAA9}" presName="vertSpace4" presStyleLbl="node1" presStyleIdx="2" presStyleCnt="5"/>
+      <dgm:spPr/>
+    </dgm:pt>
+    <dgm:pt modelId="{2DB75586-EC2E-DD40-B77A-684178AF371F}" type="pres">
+      <dgm:prSet presAssocID="{31E1C10E-BC02-014B-B98B-13C35CBCBAA9}" presName="circle4" presStyleLbl="node1" presStyleIdx="3" presStyleCnt="5"/>
+      <dgm:spPr/>
+    </dgm:pt>
+    <dgm:pt modelId="{3792D7FF-69C4-454B-8627-37083F875087}" type="pres">
+      <dgm:prSet presAssocID="{31E1C10E-BC02-014B-B98B-13C35CBCBAA9}" presName="rect4" presStyleLbl="alignAcc1" presStyleIdx="3" presStyleCnt="5"/>
+      <dgm:spPr/>
+    </dgm:pt>
+    <dgm:pt modelId="{B864F96A-8DCD-9F48-981F-166D6C2B4C3E}" type="pres">
+      <dgm:prSet presAssocID="{96B5B37D-1E39-F84D-AE66-CBE599ACC85D}" presName="vertSpace5" presStyleLbl="node1" presStyleIdx="3" presStyleCnt="5"/>
+      <dgm:spPr/>
+    </dgm:pt>
+    <dgm:pt modelId="{541321FF-C077-F045-9262-A88A141F9754}" type="pres">
+      <dgm:prSet presAssocID="{96B5B37D-1E39-F84D-AE66-CBE599ACC85D}" presName="circle5" presStyleLbl="node1" presStyleIdx="4" presStyleCnt="5"/>
+      <dgm:spPr/>
+    </dgm:pt>
+    <dgm:pt modelId="{D4A1FCB1-FA88-DC4E-B1FB-81E62D663D6A}" type="pres">
+      <dgm:prSet presAssocID="{96B5B37D-1E39-F84D-AE66-CBE599ACC85D}" presName="rect5" presStyleLbl="alignAcc1" presStyleIdx="4" presStyleCnt="5"/>
+      <dgm:spPr/>
+    </dgm:pt>
+    <dgm:pt modelId="{12255BC8-22D4-B14E-9D21-6A5AF03E79AC}" type="pres">
+      <dgm:prSet presAssocID="{9DCF374A-5D77-864E-ADB1-5D1F5D02F07B}" presName="rect1ParTx" presStyleLbl="alignAcc1" presStyleIdx="4" presStyleCnt="5">
+        <dgm:presLayoutVars>
+          <dgm:chMax val="1"/>
+          <dgm:bulletEnabled val="1"/>
+        </dgm:presLayoutVars>
+      </dgm:prSet>
+      <dgm:spPr/>
+    </dgm:pt>
+    <dgm:pt modelId="{52EA7546-FCEC-D24C-B05A-52D5279FA497}" type="pres">
+      <dgm:prSet presAssocID="{9DCF374A-5D77-864E-ADB1-5D1F5D02F07B}" presName="rect1ChTx" presStyleLbl="alignAcc1" presStyleIdx="4" presStyleCnt="5">
+        <dgm:presLayoutVars>
+          <dgm:bulletEnabled val="1"/>
+        </dgm:presLayoutVars>
+      </dgm:prSet>
+      <dgm:spPr/>
+    </dgm:pt>
+    <dgm:pt modelId="{BA552371-4A9C-D847-B78E-B4F860C0CA3B}" type="pres">
+      <dgm:prSet presAssocID="{5BCA824B-784C-B742-8702-1898CC19704A}" presName="rect2ParTx" presStyleLbl="alignAcc1" presStyleIdx="4" presStyleCnt="5">
+        <dgm:presLayoutVars>
+          <dgm:chMax val="1"/>
+          <dgm:bulletEnabled val="1"/>
+        </dgm:presLayoutVars>
+      </dgm:prSet>
+      <dgm:spPr/>
+    </dgm:pt>
+    <dgm:pt modelId="{5AC5DB50-6FC7-D94E-910D-22EE2FAE24E1}" type="pres">
+      <dgm:prSet presAssocID="{5BCA824B-784C-B742-8702-1898CC19704A}" presName="rect2ChTx" presStyleLbl="alignAcc1" presStyleIdx="4" presStyleCnt="5">
+        <dgm:presLayoutVars>
+          <dgm:bulletEnabled val="1"/>
+        </dgm:presLayoutVars>
+      </dgm:prSet>
+      <dgm:spPr/>
+    </dgm:pt>
+    <dgm:pt modelId="{B6D7C04B-24AA-9048-A2EA-7D923271A30C}" type="pres">
+      <dgm:prSet presAssocID="{8879068A-C0A3-A647-9090-E57772EC2F7E}" presName="rect3ParTx" presStyleLbl="alignAcc1" presStyleIdx="4" presStyleCnt="5">
+        <dgm:presLayoutVars>
+          <dgm:chMax val="1"/>
+          <dgm:bulletEnabled val="1"/>
+        </dgm:presLayoutVars>
+      </dgm:prSet>
+      <dgm:spPr/>
+    </dgm:pt>
+    <dgm:pt modelId="{12C0D030-E330-ED44-9245-F3A25D4A0CB1}" type="pres">
+      <dgm:prSet presAssocID="{8879068A-C0A3-A647-9090-E57772EC2F7E}" presName="rect3ChTx" presStyleLbl="alignAcc1" presStyleIdx="4" presStyleCnt="5">
+        <dgm:presLayoutVars>
+          <dgm:bulletEnabled val="1"/>
+        </dgm:presLayoutVars>
+      </dgm:prSet>
+      <dgm:spPr/>
+    </dgm:pt>
+    <dgm:pt modelId="{5EE6D490-A324-FE40-A8AB-8E7DF9956DE1}" type="pres">
+      <dgm:prSet presAssocID="{31E1C10E-BC02-014B-B98B-13C35CBCBAA9}" presName="rect4ParTx" presStyleLbl="alignAcc1" presStyleIdx="4" presStyleCnt="5">
+        <dgm:presLayoutVars>
+          <dgm:chMax val="1"/>
+          <dgm:bulletEnabled val="1"/>
+        </dgm:presLayoutVars>
+      </dgm:prSet>
+      <dgm:spPr/>
+    </dgm:pt>
+    <dgm:pt modelId="{FDA49C1D-4E07-4A42-AF12-58BA887F9F6A}" type="pres">
+      <dgm:prSet presAssocID="{31E1C10E-BC02-014B-B98B-13C35CBCBAA9}" presName="rect4ChTx" presStyleLbl="alignAcc1" presStyleIdx="4" presStyleCnt="5">
+        <dgm:presLayoutVars>
+          <dgm:bulletEnabled val="1"/>
+        </dgm:presLayoutVars>
+      </dgm:prSet>
+      <dgm:spPr/>
+    </dgm:pt>
+    <dgm:pt modelId="{3EECB22D-1157-B142-8E0F-6060378D886A}" type="pres">
+      <dgm:prSet presAssocID="{96B5B37D-1E39-F84D-AE66-CBE599ACC85D}" presName="rect5ParTx" presStyleLbl="alignAcc1" presStyleIdx="4" presStyleCnt="5">
+        <dgm:presLayoutVars>
+          <dgm:chMax val="1"/>
+          <dgm:bulletEnabled val="1"/>
+        </dgm:presLayoutVars>
+      </dgm:prSet>
+      <dgm:spPr/>
+    </dgm:pt>
+    <dgm:pt modelId="{A4B30FF4-176F-3347-8A5A-4DD5D53DA163}" type="pres">
+      <dgm:prSet presAssocID="{96B5B37D-1E39-F84D-AE66-CBE599ACC85D}" presName="rect5ChTx" presStyleLbl="alignAcc1" presStyleIdx="4" presStyleCnt="5">
+        <dgm:presLayoutVars>
+          <dgm:bulletEnabled val="1"/>
+        </dgm:presLayoutVars>
+      </dgm:prSet>
+      <dgm:spPr/>
+    </dgm:pt>
+  </dgm:ptLst>
+  <dgm:cxnLst>
+    <dgm:cxn modelId="{3C10480A-6B15-D947-BC6D-5E000BD428AE}" srcId="{C1D3E54F-D108-774E-B025-2BBF7287DF0F}" destId="{5BCA824B-784C-B742-8702-1898CC19704A}" srcOrd="1" destOrd="0" parTransId="{CFF2DABD-321C-A041-AEF4-48499C08F01A}" sibTransId="{ED2C331E-120A-9D46-90ED-FB2A25B38133}"/>
+    <dgm:cxn modelId="{157EF00A-8665-C145-B3CB-91156EF0B531}" srcId="{C1D3E54F-D108-774E-B025-2BBF7287DF0F}" destId="{8879068A-C0A3-A647-9090-E57772EC2F7E}" srcOrd="2" destOrd="0" parTransId="{985B6BE8-EF42-AB4B-8CF0-7A4A62FEE79C}" sibTransId="{53DD94EB-13CD-D44E-81BB-61BD381C68D6}"/>
+    <dgm:cxn modelId="{48A4B00D-9B84-A34C-BA1B-1EE490AE846B}" srcId="{5BCA824B-784C-B742-8702-1898CC19704A}" destId="{3EC8C24F-72EA-904E-BFC1-16D0709C597A}" srcOrd="0" destOrd="0" parTransId="{3603A556-9429-144C-AA60-FC8D872FCA72}" sibTransId="{577E4C6B-C044-9446-A1A1-8632EEBE4F76}"/>
+    <dgm:cxn modelId="{4D995D0E-6D41-F141-8B0A-3E665D441F42}" type="presOf" srcId="{96B5B37D-1E39-F84D-AE66-CBE599ACC85D}" destId="{3EECB22D-1157-B142-8E0F-6060378D886A}" srcOrd="1" destOrd="0" presId="urn:microsoft.com/office/officeart/2005/8/layout/target3"/>
+    <dgm:cxn modelId="{1AFE0610-4DF0-7541-A54C-362926B0ABF6}" srcId="{8879068A-C0A3-A647-9090-E57772EC2F7E}" destId="{4FB0D421-0DF5-5B4E-A36D-BA739A52EC7D}" srcOrd="0" destOrd="0" parTransId="{1FA50784-57F8-8B4E-9F5F-0269CE304719}" sibTransId="{EA1D57DE-D1ED-8E43-82F6-F41A6AB05FC6}"/>
+    <dgm:cxn modelId="{D8AB8325-8252-0540-9FBE-C2815B7FFD85}" type="presOf" srcId="{4FB0D421-0DF5-5B4E-A36D-BA739A52EC7D}" destId="{12C0D030-E330-ED44-9245-F3A25D4A0CB1}" srcOrd="0" destOrd="0" presId="urn:microsoft.com/office/officeart/2005/8/layout/target3"/>
+    <dgm:cxn modelId="{CC1C2D47-31D5-B34C-B868-F0FEA422E2A1}" srcId="{C1D3E54F-D108-774E-B025-2BBF7287DF0F}" destId="{9DCF374A-5D77-864E-ADB1-5D1F5D02F07B}" srcOrd="0" destOrd="0" parTransId="{CB0324DF-695C-9F4D-83DF-58C17826CF4C}" sibTransId="{0981FC20-AA06-6B49-835F-C5ACB8208557}"/>
+    <dgm:cxn modelId="{B80D985A-8549-A843-B4B4-80B50F83AC15}" srcId="{C1D3E54F-D108-774E-B025-2BBF7287DF0F}" destId="{96B5B37D-1E39-F84D-AE66-CBE599ACC85D}" srcOrd="4" destOrd="0" parTransId="{76808F42-2521-F14E-B61B-7F96CBB46579}" sibTransId="{EBDE226C-62A3-0246-9CA8-587AA7DCAD1B}"/>
+    <dgm:cxn modelId="{E5CDA764-D8CB-384F-8A84-EC0C0851F1AB}" srcId="{C1D3E54F-D108-774E-B025-2BBF7287DF0F}" destId="{31E1C10E-BC02-014B-B98B-13C35CBCBAA9}" srcOrd="3" destOrd="0" parTransId="{DDD9B030-885D-9D4D-9EB7-79911E9B85E0}" sibTransId="{5F4B309D-3C48-B640-A974-EC9E96255677}"/>
+    <dgm:cxn modelId="{DDD4CC64-E1FE-944C-8E99-BAC12B417EA1}" srcId="{31E1C10E-BC02-014B-B98B-13C35CBCBAA9}" destId="{7134B573-66FB-1A45-B77E-CACA433E5D0F}" srcOrd="0" destOrd="0" parTransId="{1FA2E870-72B3-9346-B146-591F69E7A2FC}" sibTransId="{197B7499-8202-A64F-B1EB-CD841A75E581}"/>
+    <dgm:cxn modelId="{F7D23888-54D2-A445-AA49-A6E3873C1E5A}" type="presOf" srcId="{5BCA824B-784C-B742-8702-1898CC19704A}" destId="{BA552371-4A9C-D847-B78E-B4F860C0CA3B}" srcOrd="1" destOrd="0" presId="urn:microsoft.com/office/officeart/2005/8/layout/target3"/>
+    <dgm:cxn modelId="{864C228D-63A3-7A4D-9E6F-47CDDB219349}" srcId="{96B5B37D-1E39-F84D-AE66-CBE599ACC85D}" destId="{E8618B7E-B989-774E-8566-98CC24FC45F5}" srcOrd="0" destOrd="0" parTransId="{BC6528D6-88C6-E24D-B6E9-68A2D64137ED}" sibTransId="{EB63BE41-4DB4-0949-AA8E-008B6ED33CFC}"/>
+    <dgm:cxn modelId="{22D80996-A0B0-684C-9067-688C9DD21DDA}" type="presOf" srcId="{5BCA824B-784C-B742-8702-1898CC19704A}" destId="{272B512C-6939-4D4B-B91C-5740BF44B2E4}" srcOrd="0" destOrd="0" presId="urn:microsoft.com/office/officeart/2005/8/layout/target3"/>
+    <dgm:cxn modelId="{C17EF697-14AB-5A44-84B4-2EB377A54943}" type="presOf" srcId="{6653FF54-060A-1C4B-A95F-33A4CDBE5E6B}" destId="{52EA7546-FCEC-D24C-B05A-52D5279FA497}" srcOrd="0" destOrd="0" presId="urn:microsoft.com/office/officeart/2005/8/layout/target3"/>
+    <dgm:cxn modelId="{4160029B-BAC8-C644-8602-0994D888A865}" type="presOf" srcId="{E8618B7E-B989-774E-8566-98CC24FC45F5}" destId="{A4B30FF4-176F-3347-8A5A-4DD5D53DA163}" srcOrd="0" destOrd="0" presId="urn:microsoft.com/office/officeart/2005/8/layout/target3"/>
+    <dgm:cxn modelId="{B100379F-D986-3F46-9B3E-05E92950E42D}" type="presOf" srcId="{9DCF374A-5D77-864E-ADB1-5D1F5D02F07B}" destId="{12255BC8-22D4-B14E-9D21-6A5AF03E79AC}" srcOrd="1" destOrd="0" presId="urn:microsoft.com/office/officeart/2005/8/layout/target3"/>
+    <dgm:cxn modelId="{DB2E7CA2-0440-E642-8E6C-41DC94E150E1}" type="presOf" srcId="{7134B573-66FB-1A45-B77E-CACA433E5D0F}" destId="{FDA49C1D-4E07-4A42-AF12-58BA887F9F6A}" srcOrd="0" destOrd="0" presId="urn:microsoft.com/office/officeart/2005/8/layout/target3"/>
+    <dgm:cxn modelId="{2874E3A6-520E-FF4D-8D00-BFB721D6FCCF}" type="presOf" srcId="{C1D3E54F-D108-774E-B025-2BBF7287DF0F}" destId="{5971B838-3B6C-6444-9E4D-810F285D2A3C}" srcOrd="0" destOrd="0" presId="urn:microsoft.com/office/officeart/2005/8/layout/target3"/>
+    <dgm:cxn modelId="{B604E7A7-8507-7D4A-BA7A-298A399923A8}" type="presOf" srcId="{8879068A-C0A3-A647-9090-E57772EC2F7E}" destId="{82D5C019-91EC-DE45-B67A-6E03D2BC5EBB}" srcOrd="0" destOrd="0" presId="urn:microsoft.com/office/officeart/2005/8/layout/target3"/>
+    <dgm:cxn modelId="{2E5661B8-E688-1A4E-BFAD-3F033D97F76D}" type="presOf" srcId="{3EC8C24F-72EA-904E-BFC1-16D0709C597A}" destId="{5AC5DB50-6FC7-D94E-910D-22EE2FAE24E1}" srcOrd="0" destOrd="0" presId="urn:microsoft.com/office/officeart/2005/8/layout/target3"/>
+    <dgm:cxn modelId="{12B7ADC2-E225-3040-BFF5-EFC002AC0308}" type="presOf" srcId="{31E1C10E-BC02-014B-B98B-13C35CBCBAA9}" destId="{5EE6D490-A324-FE40-A8AB-8E7DF9956DE1}" srcOrd="1" destOrd="0" presId="urn:microsoft.com/office/officeart/2005/8/layout/target3"/>
+    <dgm:cxn modelId="{BBFCDEC3-1DCD-2847-89D7-90BBA9DC09EA}" type="presOf" srcId="{8879068A-C0A3-A647-9090-E57772EC2F7E}" destId="{B6D7C04B-24AA-9048-A2EA-7D923271A30C}" srcOrd="1" destOrd="0" presId="urn:microsoft.com/office/officeart/2005/8/layout/target3"/>
+    <dgm:cxn modelId="{7A8BC0DC-B0E8-154E-A660-C60A62D40F45}" type="presOf" srcId="{31E1C10E-BC02-014B-B98B-13C35CBCBAA9}" destId="{3792D7FF-69C4-454B-8627-37083F875087}" srcOrd="0" destOrd="0" presId="urn:microsoft.com/office/officeart/2005/8/layout/target3"/>
+    <dgm:cxn modelId="{AE796FE1-745A-8447-B53E-5650B87F7230}" srcId="{9DCF374A-5D77-864E-ADB1-5D1F5D02F07B}" destId="{6653FF54-060A-1C4B-A95F-33A4CDBE5E6B}" srcOrd="0" destOrd="0" parTransId="{98DA780F-05F8-D941-A1E1-59A41648B85F}" sibTransId="{4A5280E9-91A7-E040-A0EB-887D720449B6}"/>
+    <dgm:cxn modelId="{D9F08CEC-7E1D-EB45-85B9-5D62F5AD1639}" type="presOf" srcId="{96B5B37D-1E39-F84D-AE66-CBE599ACC85D}" destId="{D4A1FCB1-FA88-DC4E-B1FB-81E62D663D6A}" srcOrd="0" destOrd="0" presId="urn:microsoft.com/office/officeart/2005/8/layout/target3"/>
+    <dgm:cxn modelId="{60174CFB-ADF9-E94B-A3E9-5968E9106A6D}" type="presOf" srcId="{9DCF374A-5D77-864E-ADB1-5D1F5D02F07B}" destId="{8D241A29-1AD3-EE4C-9524-42BAA49F6897}" srcOrd="0" destOrd="0" presId="urn:microsoft.com/office/officeart/2005/8/layout/target3"/>
+    <dgm:cxn modelId="{35424562-3030-1B4E-914E-7B3D87E99A32}" type="presParOf" srcId="{5971B838-3B6C-6444-9E4D-810F285D2A3C}" destId="{E770BB02-15A7-744B-A58D-8D5ECB5943EB}" srcOrd="0" destOrd="0" presId="urn:microsoft.com/office/officeart/2005/8/layout/target3"/>
+    <dgm:cxn modelId="{CBBA9FF4-2FC9-5D48-800A-1C8E7B922285}" type="presParOf" srcId="{5971B838-3B6C-6444-9E4D-810F285D2A3C}" destId="{DF28622F-D668-474D-810E-44293503569E}" srcOrd="1" destOrd="0" presId="urn:microsoft.com/office/officeart/2005/8/layout/target3"/>
+    <dgm:cxn modelId="{4229FB03-70A1-DF47-80FF-6039B8D570FD}" type="presParOf" srcId="{5971B838-3B6C-6444-9E4D-810F285D2A3C}" destId="{8D241A29-1AD3-EE4C-9524-42BAA49F6897}" srcOrd="2" destOrd="0" presId="urn:microsoft.com/office/officeart/2005/8/layout/target3"/>
+    <dgm:cxn modelId="{62347E64-6F8F-DA43-BD89-7A6113C9B6E7}" type="presParOf" srcId="{5971B838-3B6C-6444-9E4D-810F285D2A3C}" destId="{63044F3D-50AB-D642-B026-4ED7A613BBC8}" srcOrd="3" destOrd="0" presId="urn:microsoft.com/office/officeart/2005/8/layout/target3"/>
+    <dgm:cxn modelId="{62C57795-7607-784B-81F4-2D2136BB44F2}" type="presParOf" srcId="{5971B838-3B6C-6444-9E4D-810F285D2A3C}" destId="{58594A42-8C97-D24C-A60D-D1A14DDC0A17}" srcOrd="4" destOrd="0" presId="urn:microsoft.com/office/officeart/2005/8/layout/target3"/>
+    <dgm:cxn modelId="{37ED30B8-A63D-734B-B75A-F2DADE8B713F}" type="presParOf" srcId="{5971B838-3B6C-6444-9E4D-810F285D2A3C}" destId="{272B512C-6939-4D4B-B91C-5740BF44B2E4}" srcOrd="5" destOrd="0" presId="urn:microsoft.com/office/officeart/2005/8/layout/target3"/>
+    <dgm:cxn modelId="{11B38AB4-5519-E145-809F-56089E20CBE1}" type="presParOf" srcId="{5971B838-3B6C-6444-9E4D-810F285D2A3C}" destId="{630924CF-D937-9645-8C7B-418DCE381690}" srcOrd="6" destOrd="0" presId="urn:microsoft.com/office/officeart/2005/8/layout/target3"/>
+    <dgm:cxn modelId="{7E6D2AFF-D0FB-DB4C-927E-5D473752E6CB}" type="presParOf" srcId="{5971B838-3B6C-6444-9E4D-810F285D2A3C}" destId="{F569A0DA-B0B0-5742-87A2-E2980B30194F}" srcOrd="7" destOrd="0" presId="urn:microsoft.com/office/officeart/2005/8/layout/target3"/>
+    <dgm:cxn modelId="{37A7EAF9-FB64-E24F-9D8D-D0317FE41DED}" type="presParOf" srcId="{5971B838-3B6C-6444-9E4D-810F285D2A3C}" destId="{82D5C019-91EC-DE45-B67A-6E03D2BC5EBB}" srcOrd="8" destOrd="0" presId="urn:microsoft.com/office/officeart/2005/8/layout/target3"/>
+    <dgm:cxn modelId="{FEE6957E-D76B-584B-A1E5-A70A27DDAC7F}" type="presParOf" srcId="{5971B838-3B6C-6444-9E4D-810F285D2A3C}" destId="{C18F4B05-25F6-9147-9F24-2CE7EAEDC001}" srcOrd="9" destOrd="0" presId="urn:microsoft.com/office/officeart/2005/8/layout/target3"/>
+    <dgm:cxn modelId="{27502A3B-D885-014B-94E1-052AB4E72470}" type="presParOf" srcId="{5971B838-3B6C-6444-9E4D-810F285D2A3C}" destId="{2DB75586-EC2E-DD40-B77A-684178AF371F}" srcOrd="10" destOrd="0" presId="urn:microsoft.com/office/officeart/2005/8/layout/target3"/>
+    <dgm:cxn modelId="{03A0AFE0-F5E7-3645-807B-6EEADE34D605}" type="presParOf" srcId="{5971B838-3B6C-6444-9E4D-810F285D2A3C}" destId="{3792D7FF-69C4-454B-8627-37083F875087}" srcOrd="11" destOrd="0" presId="urn:microsoft.com/office/officeart/2005/8/layout/target3"/>
+    <dgm:cxn modelId="{A3D502CB-456C-EE4E-AC9D-2E75E523CDC5}" type="presParOf" srcId="{5971B838-3B6C-6444-9E4D-810F285D2A3C}" destId="{B864F96A-8DCD-9F48-981F-166D6C2B4C3E}" srcOrd="12" destOrd="0" presId="urn:microsoft.com/office/officeart/2005/8/layout/target3"/>
+    <dgm:cxn modelId="{41FEF893-2F93-DD45-B22B-31DBCB0D762B}" type="presParOf" srcId="{5971B838-3B6C-6444-9E4D-810F285D2A3C}" destId="{541321FF-C077-F045-9262-A88A141F9754}" srcOrd="13" destOrd="0" presId="urn:microsoft.com/office/officeart/2005/8/layout/target3"/>
+    <dgm:cxn modelId="{6BA546B6-2824-6444-B48A-06ACBFE67941}" type="presParOf" srcId="{5971B838-3B6C-6444-9E4D-810F285D2A3C}" destId="{D4A1FCB1-FA88-DC4E-B1FB-81E62D663D6A}" srcOrd="14" destOrd="0" presId="urn:microsoft.com/office/officeart/2005/8/layout/target3"/>
+    <dgm:cxn modelId="{82283D88-C06B-874A-A825-97EDEA7C58DE}" type="presParOf" srcId="{5971B838-3B6C-6444-9E4D-810F285D2A3C}" destId="{12255BC8-22D4-B14E-9D21-6A5AF03E79AC}" srcOrd="15" destOrd="0" presId="urn:microsoft.com/office/officeart/2005/8/layout/target3"/>
+    <dgm:cxn modelId="{FDE7044B-3F92-AA4A-A92F-32196DD13128}" type="presParOf" srcId="{5971B838-3B6C-6444-9E4D-810F285D2A3C}" destId="{52EA7546-FCEC-D24C-B05A-52D5279FA497}" srcOrd="16" destOrd="0" presId="urn:microsoft.com/office/officeart/2005/8/layout/target3"/>
+    <dgm:cxn modelId="{D191EB36-331B-794F-80C0-8577C5E8C70F}" type="presParOf" srcId="{5971B838-3B6C-6444-9E4D-810F285D2A3C}" destId="{BA552371-4A9C-D847-B78E-B4F860C0CA3B}" srcOrd="17" destOrd="0" presId="urn:microsoft.com/office/officeart/2005/8/layout/target3"/>
+    <dgm:cxn modelId="{F7EBAC01-839F-2A46-B7CC-FF3B439D6C9D}" type="presParOf" srcId="{5971B838-3B6C-6444-9E4D-810F285D2A3C}" destId="{5AC5DB50-6FC7-D94E-910D-22EE2FAE24E1}" srcOrd="18" destOrd="0" presId="urn:microsoft.com/office/officeart/2005/8/layout/target3"/>
+    <dgm:cxn modelId="{FAEC3D63-0A67-9C4A-8469-A49A10715977}" type="presParOf" srcId="{5971B838-3B6C-6444-9E4D-810F285D2A3C}" destId="{B6D7C04B-24AA-9048-A2EA-7D923271A30C}" srcOrd="19" destOrd="0" presId="urn:microsoft.com/office/officeart/2005/8/layout/target3"/>
+    <dgm:cxn modelId="{63BAA28E-416D-B942-8358-42563EE008BD}" type="presParOf" srcId="{5971B838-3B6C-6444-9E4D-810F285D2A3C}" destId="{12C0D030-E330-ED44-9245-F3A25D4A0CB1}" srcOrd="20" destOrd="0" presId="urn:microsoft.com/office/officeart/2005/8/layout/target3"/>
+    <dgm:cxn modelId="{A1975CCC-3E46-B944-95B4-FAF3670EB97E}" type="presParOf" srcId="{5971B838-3B6C-6444-9E4D-810F285D2A3C}" destId="{5EE6D490-A324-FE40-A8AB-8E7DF9956DE1}" srcOrd="21" destOrd="0" presId="urn:microsoft.com/office/officeart/2005/8/layout/target3"/>
+    <dgm:cxn modelId="{96DBFDA8-0743-1A4B-8AB5-4AF3D96015AA}" type="presParOf" srcId="{5971B838-3B6C-6444-9E4D-810F285D2A3C}" destId="{FDA49C1D-4E07-4A42-AF12-58BA887F9F6A}" srcOrd="22" destOrd="0" presId="urn:microsoft.com/office/officeart/2005/8/layout/target3"/>
+    <dgm:cxn modelId="{DECF8ED8-8CF6-004A-A3D0-19FD960BFCAE}" type="presParOf" srcId="{5971B838-3B6C-6444-9E4D-810F285D2A3C}" destId="{3EECB22D-1157-B142-8E0F-6060378D886A}" srcOrd="23" destOrd="0" presId="urn:microsoft.com/office/officeart/2005/8/layout/target3"/>
+    <dgm:cxn modelId="{BE758AC9-1266-8949-9931-8F68B18E984A}" type="presParOf" srcId="{5971B838-3B6C-6444-9E4D-810F285D2A3C}" destId="{A4B30FF4-176F-3347-8A5A-4DD5D53DA163}" srcOrd="24" destOrd="0" presId="urn:microsoft.com/office/officeart/2005/8/layout/target3"/>
+  </dgm:cxnLst>
+  <dgm:bg/>
+  <dgm:whole/>
+  <dgm:extLst>
+    <a:ext uri="http://schemas.microsoft.com/office/drawing/2008/diagram">
+      <dsp:dataModelExt xmlns:dsp="http://schemas.microsoft.com/office/drawing/2008/diagram" relId="rId6" minVer="http://schemas.openxmlformats.org/drawingml/2006/diagram"/>
     </a:ext>
   </dgm:extLst>
 </dgm:dataModel>
@@ -3372,6 +4777,997 @@
 </dsp:drawing>
 </file>
 
+<file path=ppt/diagrams/drawing3.xml><?xml version="1.0" encoding="utf-8"?>
+<dsp:drawing xmlns:dgm="http://schemas.openxmlformats.org/drawingml/2006/diagram" xmlns:dsp="http://schemas.microsoft.com/office/drawing/2008/diagram" xmlns:a="http://schemas.openxmlformats.org/drawingml/2006/main">
+  <dsp:spTree>
+    <dsp:nvGrpSpPr>
+      <dsp:cNvPr id="0" name=""/>
+      <dsp:cNvGrpSpPr/>
+    </dsp:nvGrpSpPr>
+    <dsp:grpSpPr/>
+    <dsp:sp modelId="{E770BB02-15A7-744B-A58D-8D5ECB5943EB}">
+      <dsp:nvSpPr>
+        <dsp:cNvPr id="0" name=""/>
+        <dsp:cNvSpPr/>
+      </dsp:nvSpPr>
+      <dsp:spPr>
+        <a:xfrm>
+          <a:off x="0" y="327895"/>
+          <a:ext cx="3873660" cy="3873660"/>
+        </a:xfrm>
+        <a:prstGeom prst="pie">
+          <a:avLst>
+            <a:gd name="adj1" fmla="val 5400000"/>
+            <a:gd name="adj2" fmla="val 16200000"/>
+          </a:avLst>
+        </a:prstGeom>
+        <a:solidFill>
+          <a:schemeClr val="accent2">
+            <a:hueOff val="0"/>
+            <a:satOff val="0"/>
+            <a:lumOff val="0"/>
+            <a:alphaOff val="0"/>
+          </a:schemeClr>
+        </a:solidFill>
+        <a:ln w="22225" cap="flat" cmpd="sng" algn="ctr">
+          <a:solidFill>
+            <a:schemeClr val="lt1">
+              <a:hueOff val="0"/>
+              <a:satOff val="0"/>
+              <a:lumOff val="0"/>
+              <a:alphaOff val="0"/>
+            </a:schemeClr>
+          </a:solidFill>
+          <a:prstDash val="solid"/>
+        </a:ln>
+        <a:effectLst/>
+      </dsp:spPr>
+      <dsp:style>
+        <a:lnRef idx="3">
+          <a:scrgbClr r="0" g="0" b="0"/>
+        </a:lnRef>
+        <a:fillRef idx="1">
+          <a:scrgbClr r="0" g="0" b="0"/>
+        </a:fillRef>
+        <a:effectRef idx="1">
+          <a:scrgbClr r="0" g="0" b="0"/>
+        </a:effectRef>
+        <a:fontRef idx="minor">
+          <a:schemeClr val="lt1"/>
+        </a:fontRef>
+      </dsp:style>
+    </dsp:sp>
+    <dsp:sp modelId="{8D241A29-1AD3-EE4C-9524-42BAA49F6897}">
+      <dsp:nvSpPr>
+        <dsp:cNvPr id="0" name=""/>
+        <dsp:cNvSpPr/>
+      </dsp:nvSpPr>
+      <dsp:spPr>
+        <a:xfrm>
+          <a:off x="1936830" y="327895"/>
+          <a:ext cx="4519270" cy="3873660"/>
+        </a:xfrm>
+        <a:prstGeom prst="rect">
+          <a:avLst/>
+        </a:prstGeom>
+        <a:solidFill>
+          <a:schemeClr val="lt1">
+            <a:alpha val="90000"/>
+            <a:hueOff val="0"/>
+            <a:satOff val="0"/>
+            <a:lumOff val="0"/>
+            <a:alphaOff val="0"/>
+          </a:schemeClr>
+        </a:solidFill>
+        <a:ln w="15875" cap="flat" cmpd="sng" algn="ctr">
+          <a:solidFill>
+            <a:schemeClr val="accent2">
+              <a:hueOff val="0"/>
+              <a:satOff val="0"/>
+              <a:lumOff val="0"/>
+              <a:alphaOff val="0"/>
+            </a:schemeClr>
+          </a:solidFill>
+          <a:prstDash val="solid"/>
+        </a:ln>
+        <a:effectLst/>
+      </dsp:spPr>
+      <dsp:style>
+        <a:lnRef idx="2">
+          <a:scrgbClr r="0" g="0" b="0"/>
+        </a:lnRef>
+        <a:fillRef idx="1">
+          <a:scrgbClr r="0" g="0" b="0"/>
+        </a:fillRef>
+        <a:effectRef idx="0">
+          <a:scrgbClr r="0" g="0" b="0"/>
+        </a:effectRef>
+        <a:fontRef idx="minor"/>
+      </dsp:style>
+      <dsp:txBody>
+        <a:bodyPr spcFirstLastPara="0" vert="horz" wrap="square" lIns="106680" tIns="106680" rIns="106680" bIns="106680" numCol="1" spcCol="1270" anchor="ctr" anchorCtr="0">
+          <a:noAutofit/>
+        </a:bodyPr>
+        <a:lstStyle/>
+        <a:p>
+          <a:pPr marL="0" lvl="0" indent="0" algn="ctr" defTabSz="1244600">
+            <a:lnSpc>
+              <a:spcPct val="90000"/>
+            </a:lnSpc>
+            <a:spcBef>
+              <a:spcPct val="0"/>
+            </a:spcBef>
+            <a:spcAft>
+              <a:spcPct val="35000"/>
+            </a:spcAft>
+            <a:buNone/>
+          </a:pPr>
+          <a:r>
+            <a:rPr lang="zh-CN" altLang="en-US" sz="2800" kern="1200" dirty="0"/>
+            <a:t>认清现实</a:t>
+          </a:r>
+        </a:p>
+      </dsp:txBody>
+      <dsp:txXfrm>
+        <a:off x="1936830" y="327895"/>
+        <a:ext cx="2259635" cy="619785"/>
+      </dsp:txXfrm>
+    </dsp:sp>
+    <dsp:sp modelId="{58594A42-8C97-D24C-A60D-D1A14DDC0A17}">
+      <dsp:nvSpPr>
+        <dsp:cNvPr id="0" name=""/>
+        <dsp:cNvSpPr/>
+      </dsp:nvSpPr>
+      <dsp:spPr>
+        <a:xfrm>
+          <a:off x="406734" y="947681"/>
+          <a:ext cx="3060191" cy="3060191"/>
+        </a:xfrm>
+        <a:prstGeom prst="pie">
+          <a:avLst>
+            <a:gd name="adj1" fmla="val 5400000"/>
+            <a:gd name="adj2" fmla="val 16200000"/>
+          </a:avLst>
+        </a:prstGeom>
+        <a:solidFill>
+          <a:schemeClr val="accent2">
+            <a:hueOff val="-3167637"/>
+            <a:satOff val="-7551"/>
+            <a:lumOff val="-3480"/>
+            <a:alphaOff val="0"/>
+          </a:schemeClr>
+        </a:solidFill>
+        <a:ln w="22225" cap="flat" cmpd="sng" algn="ctr">
+          <a:solidFill>
+            <a:schemeClr val="lt1">
+              <a:hueOff val="0"/>
+              <a:satOff val="0"/>
+              <a:lumOff val="0"/>
+              <a:alphaOff val="0"/>
+            </a:schemeClr>
+          </a:solidFill>
+          <a:prstDash val="solid"/>
+        </a:ln>
+        <a:effectLst/>
+      </dsp:spPr>
+      <dsp:style>
+        <a:lnRef idx="3">
+          <a:scrgbClr r="0" g="0" b="0"/>
+        </a:lnRef>
+        <a:fillRef idx="1">
+          <a:scrgbClr r="0" g="0" b="0"/>
+        </a:fillRef>
+        <a:effectRef idx="1">
+          <a:scrgbClr r="0" g="0" b="0"/>
+        </a:effectRef>
+        <a:fontRef idx="minor">
+          <a:schemeClr val="lt1"/>
+        </a:fontRef>
+      </dsp:style>
+    </dsp:sp>
+    <dsp:sp modelId="{272B512C-6939-4D4B-B91C-5740BF44B2E4}">
+      <dsp:nvSpPr>
+        <dsp:cNvPr id="0" name=""/>
+        <dsp:cNvSpPr/>
+      </dsp:nvSpPr>
+      <dsp:spPr>
+        <a:xfrm>
+          <a:off x="1936830" y="947681"/>
+          <a:ext cx="4519270" cy="3060191"/>
+        </a:xfrm>
+        <a:prstGeom prst="rect">
+          <a:avLst/>
+        </a:prstGeom>
+        <a:solidFill>
+          <a:schemeClr val="lt1">
+            <a:alpha val="90000"/>
+            <a:hueOff val="0"/>
+            <a:satOff val="0"/>
+            <a:lumOff val="0"/>
+            <a:alphaOff val="0"/>
+          </a:schemeClr>
+        </a:solidFill>
+        <a:ln w="15875" cap="flat" cmpd="sng" algn="ctr">
+          <a:solidFill>
+            <a:schemeClr val="accent2">
+              <a:hueOff val="-3167637"/>
+              <a:satOff val="-7551"/>
+              <a:lumOff val="-3480"/>
+              <a:alphaOff val="0"/>
+            </a:schemeClr>
+          </a:solidFill>
+          <a:prstDash val="solid"/>
+        </a:ln>
+        <a:effectLst/>
+      </dsp:spPr>
+      <dsp:style>
+        <a:lnRef idx="2">
+          <a:scrgbClr r="0" g="0" b="0"/>
+        </a:lnRef>
+        <a:fillRef idx="1">
+          <a:scrgbClr r="0" g="0" b="0"/>
+        </a:fillRef>
+        <a:effectRef idx="0">
+          <a:scrgbClr r="0" g="0" b="0"/>
+        </a:effectRef>
+        <a:fontRef idx="minor"/>
+      </dsp:style>
+      <dsp:txBody>
+        <a:bodyPr spcFirstLastPara="0" vert="horz" wrap="square" lIns="106680" tIns="106680" rIns="106680" bIns="106680" numCol="1" spcCol="1270" anchor="ctr" anchorCtr="0">
+          <a:noAutofit/>
+        </a:bodyPr>
+        <a:lstStyle/>
+        <a:p>
+          <a:pPr marL="0" lvl="0" indent="0" algn="ctr" defTabSz="1244600">
+            <a:lnSpc>
+              <a:spcPct val="90000"/>
+            </a:lnSpc>
+            <a:spcBef>
+              <a:spcPct val="0"/>
+            </a:spcBef>
+            <a:spcAft>
+              <a:spcPct val="35000"/>
+            </a:spcAft>
+            <a:buNone/>
+          </a:pPr>
+          <a:r>
+            <a:rPr lang="zh-CN" altLang="en-US" sz="2800" kern="1200" dirty="0"/>
+            <a:t>打好基础</a:t>
+          </a:r>
+        </a:p>
+      </dsp:txBody>
+      <dsp:txXfrm>
+        <a:off x="1936830" y="947681"/>
+        <a:ext cx="2259635" cy="619785"/>
+      </dsp:txXfrm>
+    </dsp:sp>
+    <dsp:sp modelId="{F569A0DA-B0B0-5742-87A2-E2980B30194F}">
+      <dsp:nvSpPr>
+        <dsp:cNvPr id="0" name=""/>
+        <dsp:cNvSpPr/>
+      </dsp:nvSpPr>
+      <dsp:spPr>
+        <a:xfrm>
+          <a:off x="813468" y="1567467"/>
+          <a:ext cx="2246723" cy="2246723"/>
+        </a:xfrm>
+        <a:prstGeom prst="pie">
+          <a:avLst>
+            <a:gd name="adj1" fmla="val 5400000"/>
+            <a:gd name="adj2" fmla="val 16200000"/>
+          </a:avLst>
+        </a:prstGeom>
+        <a:solidFill>
+          <a:schemeClr val="accent2">
+            <a:hueOff val="-6335275"/>
+            <a:satOff val="-15101"/>
+            <a:lumOff val="-6961"/>
+            <a:alphaOff val="0"/>
+          </a:schemeClr>
+        </a:solidFill>
+        <a:ln w="22225" cap="flat" cmpd="sng" algn="ctr">
+          <a:solidFill>
+            <a:schemeClr val="lt1">
+              <a:hueOff val="0"/>
+              <a:satOff val="0"/>
+              <a:lumOff val="0"/>
+              <a:alphaOff val="0"/>
+            </a:schemeClr>
+          </a:solidFill>
+          <a:prstDash val="solid"/>
+        </a:ln>
+        <a:effectLst/>
+      </dsp:spPr>
+      <dsp:style>
+        <a:lnRef idx="3">
+          <a:scrgbClr r="0" g="0" b="0"/>
+        </a:lnRef>
+        <a:fillRef idx="1">
+          <a:scrgbClr r="0" g="0" b="0"/>
+        </a:fillRef>
+        <a:effectRef idx="1">
+          <a:scrgbClr r="0" g="0" b="0"/>
+        </a:effectRef>
+        <a:fontRef idx="minor">
+          <a:schemeClr val="lt1"/>
+        </a:fontRef>
+      </dsp:style>
+    </dsp:sp>
+    <dsp:sp modelId="{82D5C019-91EC-DE45-B67A-6E03D2BC5EBB}">
+      <dsp:nvSpPr>
+        <dsp:cNvPr id="0" name=""/>
+        <dsp:cNvSpPr/>
+      </dsp:nvSpPr>
+      <dsp:spPr>
+        <a:xfrm>
+          <a:off x="1936830" y="1567467"/>
+          <a:ext cx="4519270" cy="2246723"/>
+        </a:xfrm>
+        <a:prstGeom prst="rect">
+          <a:avLst/>
+        </a:prstGeom>
+        <a:solidFill>
+          <a:schemeClr val="lt1">
+            <a:alpha val="90000"/>
+            <a:hueOff val="0"/>
+            <a:satOff val="0"/>
+            <a:lumOff val="0"/>
+            <a:alphaOff val="0"/>
+          </a:schemeClr>
+        </a:solidFill>
+        <a:ln w="15875" cap="flat" cmpd="sng" algn="ctr">
+          <a:solidFill>
+            <a:schemeClr val="accent2">
+              <a:hueOff val="-6335275"/>
+              <a:satOff val="-15101"/>
+              <a:lumOff val="-6961"/>
+              <a:alphaOff val="0"/>
+            </a:schemeClr>
+          </a:solidFill>
+          <a:prstDash val="solid"/>
+        </a:ln>
+        <a:effectLst/>
+      </dsp:spPr>
+      <dsp:style>
+        <a:lnRef idx="2">
+          <a:scrgbClr r="0" g="0" b="0"/>
+        </a:lnRef>
+        <a:fillRef idx="1">
+          <a:scrgbClr r="0" g="0" b="0"/>
+        </a:fillRef>
+        <a:effectRef idx="0">
+          <a:scrgbClr r="0" g="0" b="0"/>
+        </a:effectRef>
+        <a:fontRef idx="minor"/>
+      </dsp:style>
+      <dsp:txBody>
+        <a:bodyPr spcFirstLastPara="0" vert="horz" wrap="square" lIns="106680" tIns="106680" rIns="106680" bIns="106680" numCol="1" spcCol="1270" anchor="ctr" anchorCtr="0">
+          <a:noAutofit/>
+        </a:bodyPr>
+        <a:lstStyle/>
+        <a:p>
+          <a:pPr marL="0" lvl="0" indent="0" algn="ctr" defTabSz="1244600">
+            <a:lnSpc>
+              <a:spcPct val="90000"/>
+            </a:lnSpc>
+            <a:spcBef>
+              <a:spcPct val="0"/>
+            </a:spcBef>
+            <a:spcAft>
+              <a:spcPct val="35000"/>
+            </a:spcAft>
+            <a:buNone/>
+          </a:pPr>
+          <a:r>
+            <a:rPr lang="zh-CN" altLang="en-US" sz="2800" kern="1200" dirty="0"/>
+            <a:t>做好选择</a:t>
+          </a:r>
+        </a:p>
+      </dsp:txBody>
+      <dsp:txXfrm>
+        <a:off x="1936830" y="1567467"/>
+        <a:ext cx="2259635" cy="619785"/>
+      </dsp:txXfrm>
+    </dsp:sp>
+    <dsp:sp modelId="{2DB75586-EC2E-DD40-B77A-684178AF371F}">
+      <dsp:nvSpPr>
+        <dsp:cNvPr id="0" name=""/>
+        <dsp:cNvSpPr/>
+      </dsp:nvSpPr>
+      <dsp:spPr>
+        <a:xfrm>
+          <a:off x="1220203" y="2187252"/>
+          <a:ext cx="1433254" cy="1433254"/>
+        </a:xfrm>
+        <a:prstGeom prst="pie">
+          <a:avLst>
+            <a:gd name="adj1" fmla="val 5400000"/>
+            <a:gd name="adj2" fmla="val 16200000"/>
+          </a:avLst>
+        </a:prstGeom>
+        <a:solidFill>
+          <a:schemeClr val="accent2">
+            <a:hueOff val="-9502912"/>
+            <a:satOff val="-22652"/>
+            <a:lumOff val="-10441"/>
+            <a:alphaOff val="0"/>
+          </a:schemeClr>
+        </a:solidFill>
+        <a:ln w="22225" cap="flat" cmpd="sng" algn="ctr">
+          <a:solidFill>
+            <a:schemeClr val="lt1">
+              <a:hueOff val="0"/>
+              <a:satOff val="0"/>
+              <a:lumOff val="0"/>
+              <a:alphaOff val="0"/>
+            </a:schemeClr>
+          </a:solidFill>
+          <a:prstDash val="solid"/>
+        </a:ln>
+        <a:effectLst/>
+      </dsp:spPr>
+      <dsp:style>
+        <a:lnRef idx="3">
+          <a:scrgbClr r="0" g="0" b="0"/>
+        </a:lnRef>
+        <a:fillRef idx="1">
+          <a:scrgbClr r="0" g="0" b="0"/>
+        </a:fillRef>
+        <a:effectRef idx="1">
+          <a:scrgbClr r="0" g="0" b="0"/>
+        </a:effectRef>
+        <a:fontRef idx="minor">
+          <a:schemeClr val="lt1"/>
+        </a:fontRef>
+      </dsp:style>
+    </dsp:sp>
+    <dsp:sp modelId="{3792D7FF-69C4-454B-8627-37083F875087}">
+      <dsp:nvSpPr>
+        <dsp:cNvPr id="0" name=""/>
+        <dsp:cNvSpPr/>
+      </dsp:nvSpPr>
+      <dsp:spPr>
+        <a:xfrm>
+          <a:off x="1936830" y="2187252"/>
+          <a:ext cx="4519270" cy="1433254"/>
+        </a:xfrm>
+        <a:prstGeom prst="rect">
+          <a:avLst/>
+        </a:prstGeom>
+        <a:solidFill>
+          <a:schemeClr val="lt1">
+            <a:alpha val="90000"/>
+            <a:hueOff val="0"/>
+            <a:satOff val="0"/>
+            <a:lumOff val="0"/>
+            <a:alphaOff val="0"/>
+          </a:schemeClr>
+        </a:solidFill>
+        <a:ln w="15875" cap="flat" cmpd="sng" algn="ctr">
+          <a:solidFill>
+            <a:schemeClr val="accent2">
+              <a:hueOff val="-9502912"/>
+              <a:satOff val="-22652"/>
+              <a:lumOff val="-10441"/>
+              <a:alphaOff val="0"/>
+            </a:schemeClr>
+          </a:solidFill>
+          <a:prstDash val="solid"/>
+        </a:ln>
+        <a:effectLst/>
+      </dsp:spPr>
+      <dsp:style>
+        <a:lnRef idx="2">
+          <a:scrgbClr r="0" g="0" b="0"/>
+        </a:lnRef>
+        <a:fillRef idx="1">
+          <a:scrgbClr r="0" g="0" b="0"/>
+        </a:fillRef>
+        <a:effectRef idx="0">
+          <a:scrgbClr r="0" g="0" b="0"/>
+        </a:effectRef>
+        <a:fontRef idx="minor"/>
+      </dsp:style>
+      <dsp:txBody>
+        <a:bodyPr spcFirstLastPara="0" vert="horz" wrap="square" lIns="106680" tIns="106680" rIns="106680" bIns="106680" numCol="1" spcCol="1270" anchor="ctr" anchorCtr="0">
+          <a:noAutofit/>
+        </a:bodyPr>
+        <a:lstStyle/>
+        <a:p>
+          <a:pPr marL="0" lvl="0" indent="0" algn="ctr" defTabSz="1244600">
+            <a:lnSpc>
+              <a:spcPct val="90000"/>
+            </a:lnSpc>
+            <a:spcBef>
+              <a:spcPct val="0"/>
+            </a:spcBef>
+            <a:spcAft>
+              <a:spcPct val="35000"/>
+            </a:spcAft>
+            <a:buNone/>
+          </a:pPr>
+          <a:r>
+            <a:rPr lang="zh-CN" altLang="en-US" sz="2800" kern="1200" dirty="0"/>
+            <a:t>明确目的</a:t>
+          </a:r>
+        </a:p>
+      </dsp:txBody>
+      <dsp:txXfrm>
+        <a:off x="1936830" y="2187252"/>
+        <a:ext cx="2259635" cy="619785"/>
+      </dsp:txXfrm>
+    </dsp:sp>
+    <dsp:sp modelId="{541321FF-C077-F045-9262-A88A141F9754}">
+      <dsp:nvSpPr>
+        <dsp:cNvPr id="0" name=""/>
+        <dsp:cNvSpPr/>
+      </dsp:nvSpPr>
+      <dsp:spPr>
+        <a:xfrm>
+          <a:off x="1626937" y="2807038"/>
+          <a:ext cx="619785" cy="619785"/>
+        </a:xfrm>
+        <a:prstGeom prst="pie">
+          <a:avLst>
+            <a:gd name="adj1" fmla="val 5400000"/>
+            <a:gd name="adj2" fmla="val 16200000"/>
+          </a:avLst>
+        </a:prstGeom>
+        <a:solidFill>
+          <a:schemeClr val="accent2">
+            <a:hueOff val="-12670550"/>
+            <a:satOff val="-30203"/>
+            <a:lumOff val="-13922"/>
+            <a:alphaOff val="0"/>
+          </a:schemeClr>
+        </a:solidFill>
+        <a:ln w="22225" cap="flat" cmpd="sng" algn="ctr">
+          <a:solidFill>
+            <a:schemeClr val="lt1">
+              <a:hueOff val="0"/>
+              <a:satOff val="0"/>
+              <a:lumOff val="0"/>
+              <a:alphaOff val="0"/>
+            </a:schemeClr>
+          </a:solidFill>
+          <a:prstDash val="solid"/>
+        </a:ln>
+        <a:effectLst/>
+      </dsp:spPr>
+      <dsp:style>
+        <a:lnRef idx="3">
+          <a:scrgbClr r="0" g="0" b="0"/>
+        </a:lnRef>
+        <a:fillRef idx="1">
+          <a:scrgbClr r="0" g="0" b="0"/>
+        </a:fillRef>
+        <a:effectRef idx="1">
+          <a:scrgbClr r="0" g="0" b="0"/>
+        </a:effectRef>
+        <a:fontRef idx="minor">
+          <a:schemeClr val="lt1"/>
+        </a:fontRef>
+      </dsp:style>
+    </dsp:sp>
+    <dsp:sp modelId="{D4A1FCB1-FA88-DC4E-B1FB-81E62D663D6A}">
+      <dsp:nvSpPr>
+        <dsp:cNvPr id="0" name=""/>
+        <dsp:cNvSpPr/>
+      </dsp:nvSpPr>
+      <dsp:spPr>
+        <a:xfrm>
+          <a:off x="1936830" y="2807038"/>
+          <a:ext cx="4519270" cy="619785"/>
+        </a:xfrm>
+        <a:prstGeom prst="rect">
+          <a:avLst/>
+        </a:prstGeom>
+        <a:solidFill>
+          <a:schemeClr val="lt1">
+            <a:alpha val="90000"/>
+            <a:hueOff val="0"/>
+            <a:satOff val="0"/>
+            <a:lumOff val="0"/>
+            <a:alphaOff val="0"/>
+          </a:schemeClr>
+        </a:solidFill>
+        <a:ln w="15875" cap="flat" cmpd="sng" algn="ctr">
+          <a:solidFill>
+            <a:schemeClr val="accent2">
+              <a:hueOff val="-12670550"/>
+              <a:satOff val="-30203"/>
+              <a:lumOff val="-13922"/>
+              <a:alphaOff val="0"/>
+            </a:schemeClr>
+          </a:solidFill>
+          <a:prstDash val="solid"/>
+        </a:ln>
+        <a:effectLst/>
+      </dsp:spPr>
+      <dsp:style>
+        <a:lnRef idx="2">
+          <a:scrgbClr r="0" g="0" b="0"/>
+        </a:lnRef>
+        <a:fillRef idx="1">
+          <a:scrgbClr r="0" g="0" b="0"/>
+        </a:fillRef>
+        <a:effectRef idx="0">
+          <a:scrgbClr r="0" g="0" b="0"/>
+        </a:effectRef>
+        <a:fontRef idx="minor"/>
+      </dsp:style>
+      <dsp:txBody>
+        <a:bodyPr spcFirstLastPara="0" vert="horz" wrap="square" lIns="106680" tIns="106680" rIns="106680" bIns="106680" numCol="1" spcCol="1270" anchor="ctr" anchorCtr="0">
+          <a:noAutofit/>
+        </a:bodyPr>
+        <a:lstStyle/>
+        <a:p>
+          <a:pPr marL="0" lvl="0" indent="0" algn="ctr" defTabSz="1244600">
+            <a:lnSpc>
+              <a:spcPct val="90000"/>
+            </a:lnSpc>
+            <a:spcBef>
+              <a:spcPct val="0"/>
+            </a:spcBef>
+            <a:spcAft>
+              <a:spcPct val="35000"/>
+            </a:spcAft>
+            <a:buNone/>
+          </a:pPr>
+          <a:r>
+            <a:rPr lang="zh-CN" altLang="en-US" sz="2800" kern="1200" dirty="0"/>
+            <a:t>持有信念</a:t>
+          </a:r>
+        </a:p>
+      </dsp:txBody>
+      <dsp:txXfrm>
+        <a:off x="1936830" y="2807038"/>
+        <a:ext cx="2259635" cy="619785"/>
+      </dsp:txXfrm>
+    </dsp:sp>
+    <dsp:sp modelId="{52EA7546-FCEC-D24C-B05A-52D5279FA497}">
+      <dsp:nvSpPr>
+        <dsp:cNvPr id="0" name=""/>
+        <dsp:cNvSpPr/>
+      </dsp:nvSpPr>
+      <dsp:spPr>
+        <a:xfrm>
+          <a:off x="4196465" y="327895"/>
+          <a:ext cx="2259635" cy="619785"/>
+        </a:xfrm>
+        <a:prstGeom prst="rect">
+          <a:avLst/>
+        </a:prstGeom>
+        <a:noFill/>
+        <a:ln w="15875" cap="flat" cmpd="sng" algn="ctr">
+          <a:noFill/>
+          <a:prstDash val="solid"/>
+        </a:ln>
+        <a:effectLst/>
+        <a:sp3d/>
+      </dsp:spPr>
+      <dsp:style>
+        <a:lnRef idx="2">
+          <a:scrgbClr r="0" g="0" b="0"/>
+        </a:lnRef>
+        <a:fillRef idx="1">
+          <a:scrgbClr r="0" g="0" b="0"/>
+        </a:fillRef>
+        <a:effectRef idx="0">
+          <a:scrgbClr r="0" g="0" b="0"/>
+        </a:effectRef>
+        <a:fontRef idx="minor"/>
+      </dsp:style>
+      <dsp:txBody>
+        <a:bodyPr spcFirstLastPara="0" vert="horz" wrap="square" lIns="247650" tIns="247650" rIns="247650" bIns="247650" numCol="1" spcCol="1270" anchor="ctr" anchorCtr="0">
+          <a:noAutofit/>
+        </a:bodyPr>
+        <a:lstStyle/>
+        <a:p>
+          <a:pPr marL="228600" lvl="1" indent="-228600" algn="l" defTabSz="889000">
+            <a:lnSpc>
+              <a:spcPct val="90000"/>
+            </a:lnSpc>
+            <a:spcBef>
+              <a:spcPct val="0"/>
+            </a:spcBef>
+            <a:spcAft>
+              <a:spcPct val="15000"/>
+            </a:spcAft>
+            <a:buChar char="•"/>
+          </a:pPr>
+          <a:r>
+            <a:rPr lang="zh-CN" altLang="en-US" sz="2000" kern="1200" dirty="0"/>
+            <a:t>从 </a:t>
+          </a:r>
+          <a:r>
+            <a:rPr lang="en-US" altLang="zh-CN" sz="2000" kern="1200" dirty="0"/>
+            <a:t>0</a:t>
+          </a:r>
+          <a:r>
+            <a:rPr lang="zh-CN" altLang="en-US" sz="2000" kern="1200" dirty="0"/>
+            <a:t> 到 </a:t>
+          </a:r>
+          <a:r>
+            <a:rPr lang="en-US" altLang="zh-CN" sz="2000" kern="1200" dirty="0"/>
+            <a:t>1</a:t>
+          </a:r>
+          <a:endParaRPr lang="zh-CN" altLang="en-US" sz="2000" kern="1200" dirty="0"/>
+        </a:p>
+      </dsp:txBody>
+      <dsp:txXfrm>
+        <a:off x="4196465" y="327895"/>
+        <a:ext cx="2259635" cy="619785"/>
+      </dsp:txXfrm>
+    </dsp:sp>
+    <dsp:sp modelId="{5AC5DB50-6FC7-D94E-910D-22EE2FAE24E1}">
+      <dsp:nvSpPr>
+        <dsp:cNvPr id="0" name=""/>
+        <dsp:cNvSpPr/>
+      </dsp:nvSpPr>
+      <dsp:spPr>
+        <a:xfrm>
+          <a:off x="4196465" y="947681"/>
+          <a:ext cx="2259635" cy="619785"/>
+        </a:xfrm>
+        <a:prstGeom prst="rect">
+          <a:avLst/>
+        </a:prstGeom>
+        <a:noFill/>
+        <a:ln w="15875" cap="flat" cmpd="sng" algn="ctr">
+          <a:noFill/>
+          <a:prstDash val="solid"/>
+        </a:ln>
+        <a:effectLst/>
+        <a:sp3d/>
+      </dsp:spPr>
+      <dsp:style>
+        <a:lnRef idx="2">
+          <a:scrgbClr r="0" g="0" b="0"/>
+        </a:lnRef>
+        <a:fillRef idx="1">
+          <a:scrgbClr r="0" g="0" b="0"/>
+        </a:fillRef>
+        <a:effectRef idx="0">
+          <a:scrgbClr r="0" g="0" b="0"/>
+        </a:effectRef>
+        <a:fontRef idx="minor"/>
+      </dsp:style>
+      <dsp:txBody>
+        <a:bodyPr spcFirstLastPara="0" vert="horz" wrap="square" lIns="247650" tIns="247650" rIns="247650" bIns="247650" numCol="1" spcCol="1270" anchor="ctr" anchorCtr="0">
+          <a:noAutofit/>
+        </a:bodyPr>
+        <a:lstStyle/>
+        <a:p>
+          <a:pPr marL="228600" lvl="1" indent="-228600" algn="l" defTabSz="889000">
+            <a:lnSpc>
+              <a:spcPct val="90000"/>
+            </a:lnSpc>
+            <a:spcBef>
+              <a:spcPct val="0"/>
+            </a:spcBef>
+            <a:spcAft>
+              <a:spcPct val="15000"/>
+            </a:spcAft>
+            <a:buChar char="•"/>
+          </a:pPr>
+          <a:r>
+            <a:rPr lang="zh-CN" altLang="en-US" sz="2000" kern="1200" dirty="0"/>
+            <a:t>数学 </a:t>
+          </a:r>
+          <a:r>
+            <a:rPr lang="en-US" altLang="zh-CN" sz="2000" kern="1200" dirty="0"/>
+            <a:t>+</a:t>
+          </a:r>
+          <a:r>
+            <a:rPr lang="zh-CN" altLang="en-US" sz="2000" kern="1200" dirty="0"/>
+            <a:t> 开发</a:t>
+          </a:r>
+        </a:p>
+      </dsp:txBody>
+      <dsp:txXfrm>
+        <a:off x="4196465" y="947681"/>
+        <a:ext cx="2259635" cy="619785"/>
+      </dsp:txXfrm>
+    </dsp:sp>
+    <dsp:sp modelId="{12C0D030-E330-ED44-9245-F3A25D4A0CB1}">
+      <dsp:nvSpPr>
+        <dsp:cNvPr id="0" name=""/>
+        <dsp:cNvSpPr/>
+      </dsp:nvSpPr>
+      <dsp:spPr>
+        <a:xfrm>
+          <a:off x="4196465" y="1567467"/>
+          <a:ext cx="2259635" cy="619785"/>
+        </a:xfrm>
+        <a:prstGeom prst="rect">
+          <a:avLst/>
+        </a:prstGeom>
+        <a:noFill/>
+        <a:ln w="15875" cap="flat" cmpd="sng" algn="ctr">
+          <a:noFill/>
+          <a:prstDash val="solid"/>
+        </a:ln>
+        <a:effectLst/>
+        <a:sp3d/>
+      </dsp:spPr>
+      <dsp:style>
+        <a:lnRef idx="2">
+          <a:scrgbClr r="0" g="0" b="0"/>
+        </a:lnRef>
+        <a:fillRef idx="1">
+          <a:scrgbClr r="0" g="0" b="0"/>
+        </a:fillRef>
+        <a:effectRef idx="0">
+          <a:scrgbClr r="0" g="0" b="0"/>
+        </a:effectRef>
+        <a:fontRef idx="minor"/>
+      </dsp:style>
+      <dsp:txBody>
+        <a:bodyPr spcFirstLastPara="0" vert="horz" wrap="square" lIns="247650" tIns="247650" rIns="247650" bIns="247650" numCol="1" spcCol="1270" anchor="ctr" anchorCtr="0">
+          <a:noAutofit/>
+        </a:bodyPr>
+        <a:lstStyle/>
+        <a:p>
+          <a:pPr marL="228600" lvl="1" indent="-228600" algn="l" defTabSz="889000">
+            <a:lnSpc>
+              <a:spcPct val="90000"/>
+            </a:lnSpc>
+            <a:spcBef>
+              <a:spcPct val="0"/>
+            </a:spcBef>
+            <a:spcAft>
+              <a:spcPct val="15000"/>
+            </a:spcAft>
+            <a:buChar char="•"/>
+          </a:pPr>
+          <a:r>
+            <a:rPr lang="zh-CN" altLang="en-US" sz="2000" kern="1200" dirty="0"/>
+            <a:t>研究 </a:t>
+          </a:r>
+          <a:r>
+            <a:rPr lang="en-US" altLang="zh-CN" sz="2000" kern="1200" dirty="0"/>
+            <a:t>/</a:t>
+          </a:r>
+          <a:r>
+            <a:rPr lang="zh-CN" altLang="en-US" sz="2000" kern="1200" dirty="0"/>
+            <a:t> 应用</a:t>
+          </a:r>
+        </a:p>
+      </dsp:txBody>
+      <dsp:txXfrm>
+        <a:off x="4196465" y="1567467"/>
+        <a:ext cx="2259635" cy="619785"/>
+      </dsp:txXfrm>
+    </dsp:sp>
+    <dsp:sp modelId="{FDA49C1D-4E07-4A42-AF12-58BA887F9F6A}">
+      <dsp:nvSpPr>
+        <dsp:cNvPr id="0" name=""/>
+        <dsp:cNvSpPr/>
+      </dsp:nvSpPr>
+      <dsp:spPr>
+        <a:xfrm>
+          <a:off x="4196465" y="2187252"/>
+          <a:ext cx="2259635" cy="619785"/>
+        </a:xfrm>
+        <a:prstGeom prst="rect">
+          <a:avLst/>
+        </a:prstGeom>
+        <a:noFill/>
+        <a:ln w="15875" cap="flat" cmpd="sng" algn="ctr">
+          <a:noFill/>
+          <a:prstDash val="solid"/>
+        </a:ln>
+        <a:effectLst/>
+        <a:sp3d/>
+      </dsp:spPr>
+      <dsp:style>
+        <a:lnRef idx="2">
+          <a:scrgbClr r="0" g="0" b="0"/>
+        </a:lnRef>
+        <a:fillRef idx="1">
+          <a:scrgbClr r="0" g="0" b="0"/>
+        </a:fillRef>
+        <a:effectRef idx="0">
+          <a:scrgbClr r="0" g="0" b="0"/>
+        </a:effectRef>
+        <a:fontRef idx="minor"/>
+      </dsp:style>
+      <dsp:txBody>
+        <a:bodyPr spcFirstLastPara="0" vert="horz" wrap="square" lIns="247650" tIns="247650" rIns="247650" bIns="247650" numCol="1" spcCol="1270" anchor="ctr" anchorCtr="0">
+          <a:noAutofit/>
+        </a:bodyPr>
+        <a:lstStyle/>
+        <a:p>
+          <a:pPr marL="228600" lvl="1" indent="-228600" algn="l" defTabSz="889000">
+            <a:lnSpc>
+              <a:spcPct val="90000"/>
+            </a:lnSpc>
+            <a:spcBef>
+              <a:spcPct val="0"/>
+            </a:spcBef>
+            <a:spcAft>
+              <a:spcPct val="15000"/>
+            </a:spcAft>
+            <a:buChar char="•"/>
+          </a:pPr>
+          <a:r>
+            <a:rPr lang="zh-CN" altLang="en-US" sz="2000" kern="1200" dirty="0"/>
+            <a:t>业务契合点</a:t>
+          </a:r>
+        </a:p>
+      </dsp:txBody>
+      <dsp:txXfrm>
+        <a:off x="4196465" y="2187252"/>
+        <a:ext cx="2259635" cy="619785"/>
+      </dsp:txXfrm>
+    </dsp:sp>
+    <dsp:sp modelId="{A4B30FF4-176F-3347-8A5A-4DD5D53DA163}">
+      <dsp:nvSpPr>
+        <dsp:cNvPr id="0" name=""/>
+        <dsp:cNvSpPr/>
+      </dsp:nvSpPr>
+      <dsp:spPr>
+        <a:xfrm>
+          <a:off x="4196465" y="2807038"/>
+          <a:ext cx="2259635" cy="619785"/>
+        </a:xfrm>
+        <a:prstGeom prst="rect">
+          <a:avLst/>
+        </a:prstGeom>
+        <a:noFill/>
+        <a:ln w="15875" cap="flat" cmpd="sng" algn="ctr">
+          <a:noFill/>
+          <a:prstDash val="solid"/>
+        </a:ln>
+        <a:effectLst/>
+        <a:sp3d/>
+      </dsp:spPr>
+      <dsp:style>
+        <a:lnRef idx="2">
+          <a:scrgbClr r="0" g="0" b="0"/>
+        </a:lnRef>
+        <a:fillRef idx="1">
+          <a:scrgbClr r="0" g="0" b="0"/>
+        </a:fillRef>
+        <a:effectRef idx="0">
+          <a:scrgbClr r="0" g="0" b="0"/>
+        </a:effectRef>
+        <a:fontRef idx="minor"/>
+      </dsp:style>
+      <dsp:txBody>
+        <a:bodyPr spcFirstLastPara="0" vert="horz" wrap="square" lIns="247650" tIns="247650" rIns="247650" bIns="247650" numCol="1" spcCol="1270" anchor="ctr" anchorCtr="0">
+          <a:noAutofit/>
+        </a:bodyPr>
+        <a:lstStyle/>
+        <a:p>
+          <a:pPr marL="228600" lvl="1" indent="-228600" algn="l" defTabSz="889000">
+            <a:lnSpc>
+              <a:spcPct val="90000"/>
+            </a:lnSpc>
+            <a:spcBef>
+              <a:spcPct val="0"/>
+            </a:spcBef>
+            <a:spcAft>
+              <a:spcPct val="15000"/>
+            </a:spcAft>
+            <a:buChar char="•"/>
+          </a:pPr>
+          <a:r>
+            <a:rPr lang="zh-CN" altLang="en-US" sz="2000" kern="1200" dirty="0"/>
+            <a:t>科技即未来</a:t>
+          </a:r>
+        </a:p>
+      </dsp:txBody>
+      <dsp:txXfrm>
+        <a:off x="4196465" y="2807038"/>
+        <a:ext cx="2259635" cy="619785"/>
+      </dsp:txXfrm>
+    </dsp:sp>
+  </dsp:spTree>
+</dsp:drawing>
+</file>
+
 <file path=ppt/diagrams/layout1.xml><?xml version="1.0" encoding="utf-8"?>
 <dgm:layoutDef xmlns:dgm="http://schemas.openxmlformats.org/drawingml/2006/diagram" xmlns:a="http://schemas.openxmlformats.org/drawingml/2006/main" uniqueId="urn:microsoft.com/office/officeart/2005/8/layout/cycle2">
   <dgm:title val=""/>
@@ -3794,6 +6190,2519 @@
 </dgm:layoutDef>
 </file>
 
+<file path=ppt/diagrams/layout3.xml><?xml version="1.0" encoding="utf-8"?>
+<dgm:layoutDef xmlns:dgm="http://schemas.openxmlformats.org/drawingml/2006/diagram" xmlns:a="http://schemas.openxmlformats.org/drawingml/2006/main" uniqueId="urn:microsoft.com/office/officeart/2005/8/layout/target3">
+  <dgm:title val=""/>
+  <dgm:desc val=""/>
+  <dgm:catLst>
+    <dgm:cat type="relationship" pri="11000"/>
+    <dgm:cat type="list" pri="22000"/>
+    <dgm:cat type="convert" pri="4000"/>
+  </dgm:catLst>
+  <dgm:sampData>
+    <dgm:dataModel>
+      <dgm:ptLst>
+        <dgm:pt modelId="0" type="doc"/>
+        <dgm:pt modelId="1">
+          <dgm:prSet phldr="1"/>
+        </dgm:pt>
+        <dgm:pt modelId="11">
+          <dgm:prSet phldr="1"/>
+        </dgm:pt>
+        <dgm:pt modelId="12">
+          <dgm:prSet phldr="1"/>
+        </dgm:pt>
+        <dgm:pt modelId="2">
+          <dgm:prSet phldr="1"/>
+        </dgm:pt>
+        <dgm:pt modelId="21">
+          <dgm:prSet phldr="1"/>
+        </dgm:pt>
+        <dgm:pt modelId="22">
+          <dgm:prSet phldr="1"/>
+        </dgm:pt>
+        <dgm:pt modelId="3">
+          <dgm:prSet phldr="1"/>
+        </dgm:pt>
+        <dgm:pt modelId="31">
+          <dgm:prSet phldr="1"/>
+        </dgm:pt>
+        <dgm:pt modelId="32">
+          <dgm:prSet phldr="1"/>
+        </dgm:pt>
+      </dgm:ptLst>
+      <dgm:cxnLst>
+        <dgm:cxn modelId="4" srcId="0" destId="1" srcOrd="0" destOrd="0"/>
+        <dgm:cxn modelId="5" srcId="0" destId="2" srcOrd="1" destOrd="0"/>
+        <dgm:cxn modelId="6" srcId="0" destId="3" srcOrd="2" destOrd="0"/>
+        <dgm:cxn modelId="41" srcId="1" destId="11" srcOrd="0" destOrd="0"/>
+        <dgm:cxn modelId="42" srcId="1" destId="12" srcOrd="1" destOrd="0"/>
+        <dgm:cxn modelId="51" srcId="2" destId="21" srcOrd="0" destOrd="0"/>
+        <dgm:cxn modelId="52" srcId="2" destId="22" srcOrd="1" destOrd="0"/>
+        <dgm:cxn modelId="61" srcId="3" destId="31" srcOrd="0" destOrd="0"/>
+        <dgm:cxn modelId="62" srcId="3" destId="32" srcOrd="1" destOrd="0"/>
+      </dgm:cxnLst>
+      <dgm:bg/>
+      <dgm:whole/>
+    </dgm:dataModel>
+  </dgm:sampData>
+  <dgm:styleData>
+    <dgm:dataModel>
+      <dgm:ptLst>
+        <dgm:pt modelId="0" type="doc"/>
+        <dgm:pt modelId="1"/>
+        <dgm:pt modelId="11"/>
+        <dgm:pt modelId="12"/>
+        <dgm:pt modelId="2"/>
+        <dgm:pt modelId="21"/>
+        <dgm:pt modelId="22"/>
+        <dgm:pt modelId="3"/>
+        <dgm:pt modelId="31"/>
+        <dgm:pt modelId="32"/>
+      </dgm:ptLst>
+      <dgm:cxnLst>
+        <dgm:cxn modelId="4" srcId="0" destId="1" srcOrd="0" destOrd="0"/>
+        <dgm:cxn modelId="5" srcId="0" destId="2" srcOrd="1" destOrd="0"/>
+        <dgm:cxn modelId="6" srcId="0" destId="3" srcOrd="2" destOrd="0"/>
+        <dgm:cxn modelId="41" srcId="1" destId="11" srcOrd="0" destOrd="0"/>
+        <dgm:cxn modelId="42" srcId="1" destId="12" srcOrd="1" destOrd="0"/>
+        <dgm:cxn modelId="51" srcId="2" destId="21" srcOrd="0" destOrd="0"/>
+        <dgm:cxn modelId="52" srcId="2" destId="22" srcOrd="1" destOrd="0"/>
+        <dgm:cxn modelId="61" srcId="3" destId="31" srcOrd="0" destOrd="0"/>
+        <dgm:cxn modelId="62" srcId="3" destId="32" srcOrd="1" destOrd="0"/>
+      </dgm:cxnLst>
+      <dgm:bg/>
+      <dgm:whole/>
+    </dgm:dataModel>
+  </dgm:styleData>
+  <dgm:clrData>
+    <dgm:dataModel>
+      <dgm:ptLst>
+        <dgm:pt modelId="0" type="doc"/>
+        <dgm:pt modelId="1"/>
+        <dgm:pt modelId="11"/>
+        <dgm:pt modelId="12"/>
+        <dgm:pt modelId="2"/>
+        <dgm:pt modelId="21"/>
+        <dgm:pt modelId="22"/>
+        <dgm:pt modelId="3"/>
+        <dgm:pt modelId="31"/>
+        <dgm:pt modelId="32"/>
+      </dgm:ptLst>
+      <dgm:cxnLst>
+        <dgm:cxn modelId="4" srcId="0" destId="1" srcOrd="0" destOrd="0"/>
+        <dgm:cxn modelId="5" srcId="0" destId="2" srcOrd="1" destOrd="0"/>
+        <dgm:cxn modelId="6" srcId="0" destId="3" srcOrd="2" destOrd="0"/>
+        <dgm:cxn modelId="41" srcId="1" destId="11" srcOrd="0" destOrd="0"/>
+        <dgm:cxn modelId="42" srcId="1" destId="12" srcOrd="1" destOrd="0"/>
+        <dgm:cxn modelId="51" srcId="2" destId="21" srcOrd="0" destOrd="0"/>
+        <dgm:cxn modelId="52" srcId="2" destId="22" srcOrd="1" destOrd="0"/>
+        <dgm:cxn modelId="61" srcId="3" destId="31" srcOrd="0" destOrd="0"/>
+        <dgm:cxn modelId="62" srcId="3" destId="32" srcOrd="1" destOrd="0"/>
+      </dgm:cxnLst>
+      <dgm:bg/>
+      <dgm:whole/>
+    </dgm:dataModel>
+  </dgm:clrData>
+  <dgm:layoutNode name="Name0">
+    <dgm:varLst>
+      <dgm:chMax val="7"/>
+      <dgm:dir/>
+      <dgm:animLvl val="lvl"/>
+      <dgm:resizeHandles val="exact"/>
+    </dgm:varLst>
+    <dgm:alg type="composite"/>
+    <dgm:shape xmlns:r="http://schemas.openxmlformats.org/officeDocument/2006/relationships" r:blip="">
+      <dgm:adjLst/>
+    </dgm:shape>
+    <dgm:presOf/>
+    <dgm:choose name="Name1">
+      <dgm:if name="Name2" func="var" arg="dir" op="equ" val="norm">
+        <dgm:choose name="Name3">
+          <dgm:if name="Name4" axis="ch" ptType="node" func="cnt" op="equ" val="1">
+            <dgm:constrLst>
+              <dgm:constr type="userA" refType="w" fact="0.3"/>
+              <dgm:constr type="w" for="ch" forName="circle1" refType="userA" fact="2"/>
+              <dgm:constr type="h" for="ch" forName="circle1" refType="w" refFor="ch" refForName="circle1" op="equ"/>
+              <dgm:constr type="l" for="ch" forName="circle1"/>
+              <dgm:constr type="ctrY" for="ch" forName="circle1" refType="h" fact="0.5"/>
+              <dgm:constr type="l" for="ch" forName="space" refType="ctrX" refFor="ch" refForName="circle1"/>
+              <dgm:constr type="w" for="ch" forName="space"/>
+              <dgm:constr type="h" for="ch" forName="space" refType="h" refFor="ch" refForName="circle1"/>
+              <dgm:constr type="b" for="ch" forName="space" refType="b" refFor="ch" refForName="circle1"/>
+              <dgm:constr type="l" for="ch" forName="rect1" refType="r" refFor="ch" refForName="space"/>
+              <dgm:constr type="r" for="ch" forName="rect1" refType="w"/>
+              <dgm:constr type="h" for="ch" forName="rect1" refType="h" refFor="ch" refForName="circle1"/>
+              <dgm:constr type="b" for="ch" forName="rect1" refType="b" refFor="ch" refForName="circle1"/>
+              <dgm:constr type="l" for="ch" forName="rect1ParTx" refType="r" refFor="ch" refForName="space"/>
+              <dgm:constr type="w" for="ch" forName="rect1ParTx" refType="w" refFor="ch" refForName="rect1" fact="0.5"/>
+              <dgm:constr type="t" for="ch" forName="rect1ParTx" refType="t" refFor="ch" refForName="rect1"/>
+              <dgm:constr type="b" for="ch" forName="rect1ParTx" refType="b" refFor="ch" refForName="rect1"/>
+              <dgm:constr type="l" for="ch" forName="rect1ChTx" refType="r" refFor="ch" refForName="rect1ParTx"/>
+              <dgm:constr type="w" for="ch" forName="rect1ChTx" refType="w" refFor="ch" refForName="rect1ParTx"/>
+              <dgm:constr type="t" for="ch" forName="rect1ChTx" refType="t" refFor="ch" refForName="rect1ParTx"/>
+              <dgm:constr type="b" for="ch" forName="rect1ChTx" refType="b" refFor="ch" refForName="rect1ParTx"/>
+              <dgm:constr type="l" for="ch" forName="rect1ParTxNoCh" refType="r" refFor="ch" refForName="space"/>
+              <dgm:constr type="w" for="ch" forName="rect1ParTxNoCh" refType="w" refFor="ch" refForName="rect1"/>
+              <dgm:constr type="t" for="ch" forName="rect1ParTxNoCh" refType="t" refFor="ch" refForName="rect1"/>
+              <dgm:constr type="b" for="ch" forName="rect1ParTxNoCh" refType="b" refFor="ch" refForName="rect1"/>
+              <dgm:constr type="primFontSz" for="ch" op="equ" val="65"/>
+              <dgm:constr type="secFontSz" for="ch" op="equ" val="65"/>
+            </dgm:constrLst>
+          </dgm:if>
+          <dgm:if name="Name5" axis="ch" ptType="node" func="cnt" op="equ" val="2">
+            <dgm:constrLst>
+              <dgm:constr type="userA" refType="w" fact="0.3"/>
+              <dgm:constr type="w" for="ch" forName="circle1" refType="userA" fact="2"/>
+              <dgm:constr type="h" for="ch" forName="circle1" refType="w" refFor="ch" refForName="circle1" op="equ"/>
+              <dgm:constr type="l" for="ch" forName="circle1"/>
+              <dgm:constr type="ctrY" for="ch" forName="circle1" refType="h" fact="0.5"/>
+              <dgm:constr type="l" for="ch" forName="space" refType="ctrX" refFor="ch" refForName="circle1"/>
+              <dgm:constr type="w" for="ch" forName="space"/>
+              <dgm:constr type="h" for="ch" forName="space" refType="h" refFor="ch" refForName="circle1"/>
+              <dgm:constr type="b" for="ch" forName="space" refType="b" refFor="ch" refForName="circle1"/>
+              <dgm:constr type="l" for="ch" forName="rect1" refType="r" refFor="ch" refForName="space"/>
+              <dgm:constr type="r" for="ch" forName="rect1" refType="w"/>
+              <dgm:constr type="h" for="ch" forName="rect1" refType="h" refFor="ch" refForName="circle1"/>
+              <dgm:constr type="b" for="ch" forName="rect1" refType="b" refFor="ch" refForName="circle1"/>
+              <dgm:constr type="l" for="ch" forName="vertSpace2"/>
+              <dgm:constr type="w" for="ch" forName="vertSpace2" refType="w"/>
+              <dgm:constr type="h" for="ch" forName="vertSpace2" refType="h" refFor="ch" refForName="circle1" fact="0.05"/>
+              <dgm:constr type="b" for="ch" forName="vertSpace2" refType="b" refFor="ch" refForName="circle1"/>
+              <dgm:constr type="ctrX" for="ch" forName="circle2" refType="l" refFor="ch" refForName="space"/>
+              <dgm:constr type="h" for="ch" forName="circle2" refType="h" refFor="ch" refForName="circle1" fact="0.5"/>
+              <dgm:constr type="hOff" for="ch" forName="circle2" refType="h" refFor="ch" refForName="vertSpace2" fact="-0.5"/>
+              <dgm:constr type="w" for="ch" forName="circle2" refType="h" refFor="ch" refForName="circle2" op="equ"/>
+              <dgm:constr type="wOff" for="ch" forName="circle2" refType="hOff" refFor="ch" refForName="circle2" op="equ"/>
+              <dgm:constr type="b" for="ch" forName="circle2" refType="t" refFor="ch" refForName="vertSpace2"/>
+              <dgm:constr type="l" for="ch" forName="rect2" refType="r" refFor="ch" refForName="space"/>
+              <dgm:constr type="r" for="ch" forName="rect2" refType="w"/>
+              <dgm:constr type="h" for="ch" forName="rect2" refType="h" refFor="ch" refForName="circle2"/>
+              <dgm:constr type="hOff" for="ch" forName="rect2" refType="hOff" refFor="ch" refForName="circle2"/>
+              <dgm:constr type="b" for="ch" forName="rect2" refType="b" refFor="ch" refForName="circle2"/>
+              <dgm:constr type="l" for="ch" forName="rect2ParTx" refType="r" refFor="ch" refForName="space"/>
+              <dgm:constr type="w" for="ch" forName="rect2ParTx" refType="w" refFor="ch" refForName="rect2" fact="0.5"/>
+              <dgm:constr type="t" for="ch" forName="rect2ParTx" refType="t" refFor="ch" refForName="rect2"/>
+              <dgm:constr type="b" for="ch" forName="rect2ParTx" refType="b" refFor="ch" refForName="rect2"/>
+              <dgm:constr type="l" for="ch" forName="rect2ChTx" refType="r" refFor="ch" refForName="rect2ParTx"/>
+              <dgm:constr type="w" for="ch" forName="rect2ChTx" refType="w" refFor="ch" refForName="rect2ParTx"/>
+              <dgm:constr type="t" for="ch" forName="rect2ChTx" refType="t" refFor="ch" refForName="rect2ParTx"/>
+              <dgm:constr type="b" for="ch" forName="rect2ChTx" refType="b" refFor="ch" refForName="rect2ParTx"/>
+              <dgm:constr type="l" for="ch" forName="rect2ParTxNoCh" refType="r" refFor="ch" refForName="space"/>
+              <dgm:constr type="w" for="ch" forName="rect2ParTxNoCh" refType="w" refFor="ch" refForName="rect2"/>
+              <dgm:constr type="t" for="ch" forName="rect2ParTxNoCh" refType="t" refFor="ch" refForName="rect2"/>
+              <dgm:constr type="b" for="ch" forName="rect2ParTxNoCh" refType="b" refFor="ch" refForName="rect2"/>
+              <dgm:constr type="l" for="ch" forName="rect1ParTx" refType="r" refFor="ch" refForName="space"/>
+              <dgm:constr type="w" for="ch" forName="rect1ParTx" refType="w" refFor="ch" refForName="rect1" fact="0.5"/>
+              <dgm:constr type="t" for="ch" forName="rect1ParTx" refType="t" refFor="ch" refForName="rect1"/>
+              <dgm:constr type="b" for="ch" forName="rect1ParTx" refType="t" refFor="ch" refForName="rect2"/>
+              <dgm:constr type="l" for="ch" forName="rect1ChTx" refType="r" refFor="ch" refForName="rect1ParTx"/>
+              <dgm:constr type="w" for="ch" forName="rect1ChTx" refType="w" refFor="ch" refForName="rect1ParTx"/>
+              <dgm:constr type="t" for="ch" forName="rect1ChTx" refType="t" refFor="ch" refForName="rect1ParTx"/>
+              <dgm:constr type="b" for="ch" forName="rect1ChTx" refType="b" refFor="ch" refForName="rect1ParTx"/>
+              <dgm:constr type="l" for="ch" forName="rect1ParTxNoCh" refType="r" refFor="ch" refForName="space"/>
+              <dgm:constr type="w" for="ch" forName="rect1ParTxNoCh" refType="w" refFor="ch" refForName="rect1"/>
+              <dgm:constr type="t" for="ch" forName="rect1ParTxNoCh" refType="t" refFor="ch" refForName="rect1"/>
+              <dgm:constr type="b" for="ch" forName="rect1ParTxNoCh" refType="t" refFor="ch" refForName="rect2"/>
+              <dgm:constr type="primFontSz" for="ch" op="equ" val="65"/>
+              <dgm:constr type="secFontSz" for="ch" op="equ" val="65"/>
+            </dgm:constrLst>
+          </dgm:if>
+          <dgm:if name="Name6" axis="ch" ptType="node" func="cnt" op="equ" val="3">
+            <dgm:constrLst>
+              <dgm:constr type="userA" refType="w" fact="0.3"/>
+              <dgm:constr type="w" for="ch" forName="circle1" refType="userA" fact="2"/>
+              <dgm:constr type="h" for="ch" forName="circle1" refType="w" refFor="ch" refForName="circle1" op="equ"/>
+              <dgm:constr type="l" for="ch" forName="circle1"/>
+              <dgm:constr type="ctrY" for="ch" forName="circle1" refType="h" fact="0.5"/>
+              <dgm:constr type="l" for="ch" forName="space" refType="ctrX" refFor="ch" refForName="circle1"/>
+              <dgm:constr type="w" for="ch" forName="space"/>
+              <dgm:constr type="h" for="ch" forName="space" refType="h" refFor="ch" refForName="circle1"/>
+              <dgm:constr type="b" for="ch" forName="space" refType="b" refFor="ch" refForName="circle1"/>
+              <dgm:constr type="l" for="ch" forName="rect1" refType="r" refFor="ch" refForName="space"/>
+              <dgm:constr type="r" for="ch" forName="rect1" refType="w"/>
+              <dgm:constr type="h" for="ch" forName="rect1" refType="h" refFor="ch" refForName="circle1"/>
+              <dgm:constr type="b" for="ch" forName="rect1" refType="b" refFor="ch" refForName="circle1"/>
+              <dgm:constr type="l" for="ch" forName="vertSpace2"/>
+              <dgm:constr type="w" for="ch" forName="vertSpace2" refType="w"/>
+              <dgm:constr type="h" for="ch" forName="vertSpace2" refType="h" refFor="ch" refForName="circle1" fact="0.05"/>
+              <dgm:constr type="b" for="ch" forName="vertSpace2" refType="b" refFor="ch" refForName="circle1"/>
+              <dgm:constr type="ctrX" for="ch" forName="circle2" refType="l" refFor="ch" refForName="space"/>
+              <dgm:constr type="h" for="ch" forName="circle2" refType="h" refFor="ch" refForName="circle1" fact="0.66667"/>
+              <dgm:constr type="hOff" for="ch" forName="circle2" refType="h" refFor="ch" refForName="vertSpace2" fact="-0.33333"/>
+              <dgm:constr type="w" for="ch" forName="circle2" refType="h" refFor="ch" refForName="circle2" op="equ"/>
+              <dgm:constr type="wOff" for="ch" forName="circle2" refType="hOff" refFor="ch" refForName="circle2" op="equ"/>
+              <dgm:constr type="b" for="ch" forName="circle2" refType="t" refFor="ch" refForName="vertSpace2"/>
+              <dgm:constr type="l" for="ch" forName="rect2" refType="r" refFor="ch" refForName="space"/>
+              <dgm:constr type="r" for="ch" forName="rect2" refType="w"/>
+              <dgm:constr type="h" for="ch" forName="rect2" refType="h" refFor="ch" refForName="circle2"/>
+              <dgm:constr type="hOff" for="ch" forName="rect2" refType="hOff" refFor="ch" refForName="circle2"/>
+              <dgm:constr type="b" for="ch" forName="rect2" refType="b" refFor="ch" refForName="circle2"/>
+              <dgm:constr type="l" for="ch" forName="vertSpace3"/>
+              <dgm:constr type="w" for="ch" forName="vertSpace3" refType="w"/>
+              <dgm:constr type="h" for="ch" forName="vertSpace3" refType="h" refFor="ch" refForName="vertSpace2"/>
+              <dgm:constr type="b" for="ch" forName="vertSpace3" refType="t" refFor="ch" refForName="vertSpace2"/>
+              <dgm:constr type="ctrX" for="ch" forName="circle3" refType="l" refFor="ch" refForName="space"/>
+              <dgm:constr type="h" for="ch" forName="circle3" refType="h" refFor="ch" refForName="circle1" fact="0.33333"/>
+              <dgm:constr type="hOff" for="ch" forName="circle3" refType="h" refFor="ch" refForName="vertSpace2" fact="-0.66667"/>
+              <dgm:constr type="w" for="ch" forName="circle3" refType="h" refFor="ch" refForName="circle3" op="equ"/>
+              <dgm:constr type="wOff" for="ch" forName="circle3" refType="hOff" refFor="ch" refForName="circle3" op="equ"/>
+              <dgm:constr type="b" for="ch" forName="circle3" refType="t" refFor="ch" refForName="vertSpace3"/>
+              <dgm:constr type="l" for="ch" forName="rect3" refType="r" refFor="ch" refForName="space"/>
+              <dgm:constr type="r" for="ch" forName="rect3" refType="w"/>
+              <dgm:constr type="h" for="ch" forName="rect3" refType="h" refFor="ch" refForName="circle3"/>
+              <dgm:constr type="hOff" for="ch" forName="rect3" refType="hOff" refFor="ch" refForName="circle3"/>
+              <dgm:constr type="b" for="ch" forName="rect3" refType="b" refFor="ch" refForName="circle3"/>
+              <dgm:constr type="l" for="ch" forName="rect3ParTx" refType="r" refFor="ch" refForName="space"/>
+              <dgm:constr type="w" for="ch" forName="rect3ParTx" refType="w" refFor="ch" refForName="rect3" fact="0.5"/>
+              <dgm:constr type="t" for="ch" forName="rect3ParTx" refType="t" refFor="ch" refForName="rect3"/>
+              <dgm:constr type="b" for="ch" forName="rect3ParTx" refType="b" refFor="ch" refForName="rect3"/>
+              <dgm:constr type="l" for="ch" forName="rect3ChTx" refType="r" refFor="ch" refForName="rect3ParTx"/>
+              <dgm:constr type="w" for="ch" forName="rect3ChTx" refType="w" refFor="ch" refForName="rect3ParTx"/>
+              <dgm:constr type="t" for="ch" forName="rect3ChTx" refType="t" refFor="ch" refForName="rect3ParTx"/>
+              <dgm:constr type="b" for="ch" forName="rect3ChTx" refType="b" refFor="ch" refForName="rect3ParTx"/>
+              <dgm:constr type="l" for="ch" forName="rect3ParTxNoCh" refType="r" refFor="ch" refForName="space"/>
+              <dgm:constr type="w" for="ch" forName="rect3ParTxNoCh" refType="w" refFor="ch" refForName="rect3"/>
+              <dgm:constr type="t" for="ch" forName="rect3ParTxNoCh" refType="t" refFor="ch" refForName="rect3"/>
+              <dgm:constr type="b" for="ch" forName="rect3ParTxNoCh" refType="b" refFor="ch" refForName="rect3"/>
+              <dgm:constr type="l" for="ch" forName="rect1ParTx" refType="r" refFor="ch" refForName="space"/>
+              <dgm:constr type="w" for="ch" forName="rect1ParTx" refType="w" refFor="ch" refForName="rect1" fact="0.5"/>
+              <dgm:constr type="t" for="ch" forName="rect1ParTx" refType="t" refFor="ch" refForName="rect1"/>
+              <dgm:constr type="b" for="ch" forName="rect1ParTx" refType="t" refFor="ch" refForName="rect2"/>
+              <dgm:constr type="l" for="ch" forName="rect1ChTx" refType="r" refFor="ch" refForName="rect1ParTx"/>
+              <dgm:constr type="w" for="ch" forName="rect1ChTx" refType="w" refFor="ch" refForName="rect1ParTx"/>
+              <dgm:constr type="t" for="ch" forName="rect1ChTx" refType="t" refFor="ch" refForName="rect1ParTx"/>
+              <dgm:constr type="b" for="ch" forName="rect1ChTx" refType="b" refFor="ch" refForName="rect1ParTx"/>
+              <dgm:constr type="l" for="ch" forName="rect1ParTxNoCh" refType="r" refFor="ch" refForName="space"/>
+              <dgm:constr type="w" for="ch" forName="rect1ParTxNoCh" refType="w" refFor="ch" refForName="rect1"/>
+              <dgm:constr type="t" for="ch" forName="rect1ParTxNoCh" refType="t" refFor="ch" refForName="rect1"/>
+              <dgm:constr type="b" for="ch" forName="rect1ParTxNoCh" refType="t" refFor="ch" refForName="rect2"/>
+              <dgm:constr type="l" for="ch" forName="rect2ParTx" refType="r" refFor="ch" refForName="space"/>
+              <dgm:constr type="w" for="ch" forName="rect2ParTx" refType="w" refFor="ch" refForName="rect2" fact="0.5"/>
+              <dgm:constr type="t" for="ch" forName="rect2ParTx" refType="t" refFor="ch" refForName="rect2"/>
+              <dgm:constr type="b" for="ch" forName="rect2ParTx" refType="t" refFor="ch" refForName="rect3"/>
+              <dgm:constr type="l" for="ch" forName="rect2ChTx" refType="r" refFor="ch" refForName="rect2ParTx"/>
+              <dgm:constr type="w" for="ch" forName="rect2ChTx" refType="w" refFor="ch" refForName="rect2ParTx"/>
+              <dgm:constr type="t" for="ch" forName="rect2ChTx" refType="t" refFor="ch" refForName="rect2ParTx"/>
+              <dgm:constr type="b" for="ch" forName="rect2ChTx" refType="b" refFor="ch" refForName="rect2ParTx"/>
+              <dgm:constr type="l" for="ch" forName="rect2ParTxNoCh" refType="r" refFor="ch" refForName="space"/>
+              <dgm:constr type="w" for="ch" forName="rect2ParTxNoCh" refType="w" refFor="ch" refForName="rect2"/>
+              <dgm:constr type="t" for="ch" forName="rect2ParTxNoCh" refType="t" refFor="ch" refForName="rect2"/>
+              <dgm:constr type="b" for="ch" forName="rect2ParTxNoCh" refType="t" refFor="ch" refForName="rect3"/>
+              <dgm:constr type="primFontSz" for="ch" op="equ" val="65"/>
+              <dgm:constr type="secFontSz" for="ch" op="equ" val="65"/>
+            </dgm:constrLst>
+          </dgm:if>
+          <dgm:if name="Name7" axis="ch" ptType="node" func="cnt" op="equ" val="4">
+            <dgm:constrLst>
+              <dgm:constr type="userA" refType="w" fact="0.3"/>
+              <dgm:constr type="w" for="ch" forName="circle1" refType="userA" fact="2"/>
+              <dgm:constr type="h" for="ch" forName="circle1" refType="w" refFor="ch" refForName="circle1" op="equ"/>
+              <dgm:constr type="l" for="ch" forName="circle1"/>
+              <dgm:constr type="ctrY" for="ch" forName="circle1" refType="h" fact="0.5"/>
+              <dgm:constr type="l" for="ch" forName="space" refType="ctrX" refFor="ch" refForName="circle1"/>
+              <dgm:constr type="w" for="ch" forName="space"/>
+              <dgm:constr type="h" for="ch" forName="space" refType="h" refFor="ch" refForName="circle1"/>
+              <dgm:constr type="b" for="ch" forName="space" refType="b" refFor="ch" refForName="circle1"/>
+              <dgm:constr type="l" for="ch" forName="rect1" refType="r" refFor="ch" refForName="space"/>
+              <dgm:constr type="r" for="ch" forName="rect1" refType="w"/>
+              <dgm:constr type="h" for="ch" forName="rect1" refType="h" refFor="ch" refForName="circle1"/>
+              <dgm:constr type="b" for="ch" forName="rect1" refType="b" refFor="ch" refForName="circle1"/>
+              <dgm:constr type="l" for="ch" forName="vertSpace2"/>
+              <dgm:constr type="w" for="ch" forName="vertSpace2" refType="w"/>
+              <dgm:constr type="h" for="ch" forName="vertSpace2" refType="h" refFor="ch" refForName="circle1" fact="0.05"/>
+              <dgm:constr type="b" for="ch" forName="vertSpace2" refType="b" refFor="ch" refForName="circle1"/>
+              <dgm:constr type="ctrX" for="ch" forName="circle2" refType="l" refFor="ch" refForName="space"/>
+              <dgm:constr type="h" for="ch" forName="circle2" refType="h" refFor="ch" refForName="circle1" fact="0.75"/>
+              <dgm:constr type="hOff" for="ch" forName="circle2" refType="h" refFor="ch" refForName="vertSpace2" fact="-0.25"/>
+              <dgm:constr type="w" for="ch" forName="circle2" refType="h" refFor="ch" refForName="circle2" op="equ"/>
+              <dgm:constr type="wOff" for="ch" forName="circle2" refType="hOff" refFor="ch" refForName="circle2" op="equ"/>
+              <dgm:constr type="b" for="ch" forName="circle2" refType="t" refFor="ch" refForName="vertSpace2"/>
+              <dgm:constr type="l" for="ch" forName="rect2" refType="r" refFor="ch" refForName="space"/>
+              <dgm:constr type="r" for="ch" forName="rect2" refType="w"/>
+              <dgm:constr type="h" for="ch" forName="rect2" refType="h" refFor="ch" refForName="circle2"/>
+              <dgm:constr type="hOff" for="ch" forName="rect2" refType="hOff" refFor="ch" refForName="circle2"/>
+              <dgm:constr type="b" for="ch" forName="rect2" refType="b" refFor="ch" refForName="circle2"/>
+              <dgm:constr type="l" for="ch" forName="vertSpace3"/>
+              <dgm:constr type="w" for="ch" forName="vertSpace3" refType="w"/>
+              <dgm:constr type="h" for="ch" forName="vertSpace3" refType="h" refFor="ch" refForName="vertSpace2"/>
+              <dgm:constr type="b" for="ch" forName="vertSpace3" refType="t" refFor="ch" refForName="vertSpace2"/>
+              <dgm:constr type="ctrX" for="ch" forName="circle3" refType="l" refFor="ch" refForName="space"/>
+              <dgm:constr type="h" for="ch" forName="circle3" refType="h" refFor="ch" refForName="circle1" fact="0.5"/>
+              <dgm:constr type="hOff" for="ch" forName="circle3" refType="h" refFor="ch" refForName="vertSpace2" fact="-0.5"/>
+              <dgm:constr type="w" for="ch" forName="circle3" refType="h" refFor="ch" refForName="circle3" op="equ"/>
+              <dgm:constr type="wOff" for="ch" forName="circle3" refType="hOff" refFor="ch" refForName="circle3" op="equ"/>
+              <dgm:constr type="b" for="ch" forName="circle3" refType="t" refFor="ch" refForName="vertSpace3"/>
+              <dgm:constr type="l" for="ch" forName="rect3" refType="r" refFor="ch" refForName="space"/>
+              <dgm:constr type="r" for="ch" forName="rect3" refType="w"/>
+              <dgm:constr type="h" for="ch" forName="rect3" refType="h" refFor="ch" refForName="circle3"/>
+              <dgm:constr type="hOff" for="ch" forName="rect3" refType="hOff" refFor="ch" refForName="circle3"/>
+              <dgm:constr type="b" for="ch" forName="rect3" refType="b" refFor="ch" refForName="circle3"/>
+              <dgm:constr type="l" for="ch" forName="vertSpace4"/>
+              <dgm:constr type="w" for="ch" forName="vertSpace4" refType="w"/>
+              <dgm:constr type="h" for="ch" forName="vertSpace4" refType="h" refFor="ch" refForName="vertSpace3"/>
+              <dgm:constr type="b" for="ch" forName="vertSpace4" refType="t" refFor="ch" refForName="vertSpace3"/>
+              <dgm:constr type="ctrX" for="ch" forName="circle4" refType="l" refFor="ch" refForName="space"/>
+              <dgm:constr type="h" for="ch" forName="circle4" refType="h" refFor="ch" refForName="circle1" fact="0.25"/>
+              <dgm:constr type="hOff" for="ch" forName="circle4" refType="h" refFor="ch" refForName="vertSpace2" fact="-0.75"/>
+              <dgm:constr type="w" for="ch" forName="circle4" refType="h" refFor="ch" refForName="circle4" op="equ"/>
+              <dgm:constr type="wOff" for="ch" forName="circle4" refType="hOff" refFor="ch" refForName="circle4" op="equ"/>
+              <dgm:constr type="b" for="ch" forName="circle4" refType="t" refFor="ch" refForName="vertSpace4"/>
+              <dgm:constr type="l" for="ch" forName="rect4" refType="r" refFor="ch" refForName="space"/>
+              <dgm:constr type="r" for="ch" forName="rect4" refType="w"/>
+              <dgm:constr type="h" for="ch" forName="rect4" refType="h" refFor="ch" refForName="circle4"/>
+              <dgm:constr type="hOff" for="ch" forName="rect4" refType="hOff" refFor="ch" refForName="circle4"/>
+              <dgm:constr type="b" for="ch" forName="rect4" refType="b" refFor="ch" refForName="circle4"/>
+              <dgm:constr type="l" for="ch" forName="rect4ParTx" refType="r" refFor="ch" refForName="space"/>
+              <dgm:constr type="w" for="ch" forName="rect4ParTx" refType="w" refFor="ch" refForName="rect4" fact="0.5"/>
+              <dgm:constr type="t" for="ch" forName="rect4ParTx" refType="t" refFor="ch" refForName="rect4"/>
+              <dgm:constr type="b" for="ch" forName="rect4ParTx" refType="b" refFor="ch" refForName="rect4"/>
+              <dgm:constr type="l" for="ch" forName="rect4ChTx" refType="r" refFor="ch" refForName="rect4ParTx"/>
+              <dgm:constr type="w" for="ch" forName="rect4ChTx" refType="w" refFor="ch" refForName="rect4ParTx"/>
+              <dgm:constr type="t" for="ch" forName="rect4ChTx" refType="t" refFor="ch" refForName="rect4ParTx"/>
+              <dgm:constr type="b" for="ch" forName="rect4ChTx" refType="b" refFor="ch" refForName="rect4ParTx"/>
+              <dgm:constr type="l" for="ch" forName="rect4ParTxNoCh" refType="r" refFor="ch" refForName="space"/>
+              <dgm:constr type="w" for="ch" forName="rect4ParTxNoCh" refType="w" refFor="ch" refForName="rect4"/>
+              <dgm:constr type="t" for="ch" forName="rect4ParTxNoCh" refType="t" refFor="ch" refForName="rect4"/>
+              <dgm:constr type="b" for="ch" forName="rect4ParTxNoCh" refType="b" refFor="ch" refForName="rect4"/>
+              <dgm:constr type="l" for="ch" forName="rect1ParTx" refType="r" refFor="ch" refForName="space"/>
+              <dgm:constr type="w" for="ch" forName="rect1ParTx" refType="w" refFor="ch" refForName="rect1" fact="0.5"/>
+              <dgm:constr type="t" for="ch" forName="rect1ParTx" refType="t" refFor="ch" refForName="rect1"/>
+              <dgm:constr type="b" for="ch" forName="rect1ParTx" refType="t" refFor="ch" refForName="rect2"/>
+              <dgm:constr type="l" for="ch" forName="rect1ChTx" refType="r" refFor="ch" refForName="rect1ParTx"/>
+              <dgm:constr type="w" for="ch" forName="rect1ChTx" refType="w" refFor="ch" refForName="rect1ParTx"/>
+              <dgm:constr type="t" for="ch" forName="rect1ChTx" refType="t" refFor="ch" refForName="rect1ParTx"/>
+              <dgm:constr type="b" for="ch" forName="rect1ChTx" refType="b" refFor="ch" refForName="rect1ParTx"/>
+              <dgm:constr type="l" for="ch" forName="rect1ParTxNoCh" refType="r" refFor="ch" refForName="space"/>
+              <dgm:constr type="w" for="ch" forName="rect1ParTxNoCh" refType="w" refFor="ch" refForName="rect1"/>
+              <dgm:constr type="t" for="ch" forName="rect1ParTxNoCh" refType="t" refFor="ch" refForName="rect1"/>
+              <dgm:constr type="b" for="ch" forName="rect1ParTxNoCh" refType="t" refFor="ch" refForName="rect2"/>
+              <dgm:constr type="l" for="ch" forName="rect2ParTx" refType="r" refFor="ch" refForName="space"/>
+              <dgm:constr type="w" for="ch" forName="rect2ParTx" refType="w" refFor="ch" refForName="rect2" fact="0.5"/>
+              <dgm:constr type="t" for="ch" forName="rect2ParTx" refType="t" refFor="ch" refForName="rect2"/>
+              <dgm:constr type="b" for="ch" forName="rect2ParTx" refType="t" refFor="ch" refForName="rect3"/>
+              <dgm:constr type="l" for="ch" forName="rect2ChTx" refType="r" refFor="ch" refForName="rect2ParTx"/>
+              <dgm:constr type="w" for="ch" forName="rect2ChTx" refType="w" refFor="ch" refForName="rect2ParTx"/>
+              <dgm:constr type="t" for="ch" forName="rect2ChTx" refType="t" refFor="ch" refForName="rect2ParTx"/>
+              <dgm:constr type="b" for="ch" forName="rect2ChTx" refType="b" refFor="ch" refForName="rect2ParTx"/>
+              <dgm:constr type="l" for="ch" forName="rect2ParTxNoCh" refType="r" refFor="ch" refForName="space"/>
+              <dgm:constr type="w" for="ch" forName="rect2ParTxNoCh" refType="w" refFor="ch" refForName="rect2"/>
+              <dgm:constr type="t" for="ch" forName="rect2ParTxNoCh" refType="t" refFor="ch" refForName="rect2"/>
+              <dgm:constr type="b" for="ch" forName="rect2ParTxNoCh" refType="t" refFor="ch" refForName="rect3"/>
+              <dgm:constr type="l" for="ch" forName="rect3ParTx" refType="r" refFor="ch" refForName="space"/>
+              <dgm:constr type="w" for="ch" forName="rect3ParTx" refType="w" refFor="ch" refForName="rect3" fact="0.5"/>
+              <dgm:constr type="t" for="ch" forName="rect3ParTx" refType="t" refFor="ch" refForName="rect3"/>
+              <dgm:constr type="b" for="ch" forName="rect3ParTx" refType="t" refFor="ch" refForName="rect4"/>
+              <dgm:constr type="l" for="ch" forName="rect3ChTx" refType="r" refFor="ch" refForName="rect3ParTx"/>
+              <dgm:constr type="w" for="ch" forName="rect3ChTx" refType="w" refFor="ch" refForName="rect3ParTx"/>
+              <dgm:constr type="t" for="ch" forName="rect3ChTx" refType="t" refFor="ch" refForName="rect3ParTx"/>
+              <dgm:constr type="b" for="ch" forName="rect3ChTx" refType="b" refFor="ch" refForName="rect3ParTx"/>
+              <dgm:constr type="l" for="ch" forName="rect3ParTxNoCh" refType="r" refFor="ch" refForName="space"/>
+              <dgm:constr type="w" for="ch" forName="rect3ParTxNoCh" refType="w" refFor="ch" refForName="rect3"/>
+              <dgm:constr type="t" for="ch" forName="rect3ParTxNoCh" refType="t" refFor="ch" refForName="rect3"/>
+              <dgm:constr type="b" for="ch" forName="rect3ParTxNoCh" refType="t" refFor="ch" refForName="rect4"/>
+              <dgm:constr type="primFontSz" for="ch" op="equ" val="65"/>
+              <dgm:constr type="secFontSz" for="ch" op="equ" val="65"/>
+            </dgm:constrLst>
+          </dgm:if>
+          <dgm:if name="Name8" axis="ch" ptType="node" func="cnt" op="equ" val="5">
+            <dgm:constrLst>
+              <dgm:constr type="userA" refType="w" fact="0.3"/>
+              <dgm:constr type="w" for="ch" forName="circle1" refType="userA" fact="2"/>
+              <dgm:constr type="h" for="ch" forName="circle1" refType="w" refFor="ch" refForName="circle1" op="equ"/>
+              <dgm:constr type="l" for="ch" forName="circle1"/>
+              <dgm:constr type="ctrY" for="ch" forName="circle1" refType="h" fact="0.5"/>
+              <dgm:constr type="l" for="ch" forName="space" refType="ctrX" refFor="ch" refForName="circle1"/>
+              <dgm:constr type="w" for="ch" forName="space"/>
+              <dgm:constr type="h" for="ch" forName="space" refType="h" refFor="ch" refForName="circle1"/>
+              <dgm:constr type="b" for="ch" forName="space" refType="b" refFor="ch" refForName="circle1"/>
+              <dgm:constr type="l" for="ch" forName="rect1" refType="r" refFor="ch" refForName="space"/>
+              <dgm:constr type="r" for="ch" forName="rect1" refType="w"/>
+              <dgm:constr type="h" for="ch" forName="rect1" refType="h" refFor="ch" refForName="circle1"/>
+              <dgm:constr type="b" for="ch" forName="rect1" refType="b" refFor="ch" refForName="circle1"/>
+              <dgm:constr type="l" for="ch" forName="vertSpace2"/>
+              <dgm:constr type="w" for="ch" forName="vertSpace2" refType="w"/>
+              <dgm:constr type="h" for="ch" forName="vertSpace2" refType="h" refFor="ch" refForName="circle1" fact="0.05"/>
+              <dgm:constr type="b" for="ch" forName="vertSpace2" refType="b" refFor="ch" refForName="circle1"/>
+              <dgm:constr type="ctrX" for="ch" forName="circle2" refType="l" refFor="ch" refForName="space"/>
+              <dgm:constr type="h" for="ch" forName="circle2" refType="h" refFor="ch" refForName="circle1" fact="0.8"/>
+              <dgm:constr type="hOff" for="ch" forName="circle2" refType="h" refFor="ch" refForName="vertSpace2" fact="-0.2"/>
+              <dgm:constr type="w" for="ch" forName="circle2" refType="h" refFor="ch" refForName="circle2" op="equ"/>
+              <dgm:constr type="wOff" for="ch" forName="circle2" refType="hOff" refFor="ch" refForName="circle2" op="equ"/>
+              <dgm:constr type="b" for="ch" forName="circle2" refType="t" refFor="ch" refForName="vertSpace2"/>
+              <dgm:constr type="l" for="ch" forName="rect2" refType="r" refFor="ch" refForName="space"/>
+              <dgm:constr type="r" for="ch" forName="rect2" refType="w"/>
+              <dgm:constr type="h" for="ch" forName="rect2" refType="h" refFor="ch" refForName="circle2"/>
+              <dgm:constr type="hOff" for="ch" forName="rect2" refType="hOff" refFor="ch" refForName="circle2"/>
+              <dgm:constr type="b" for="ch" forName="rect2" refType="b" refFor="ch" refForName="circle2"/>
+              <dgm:constr type="l" for="ch" forName="vertSpace3"/>
+              <dgm:constr type="w" for="ch" forName="vertSpace3" refType="w"/>
+              <dgm:constr type="h" for="ch" forName="vertSpace3" refType="h" refFor="ch" refForName="vertSpace2"/>
+              <dgm:constr type="b" for="ch" forName="vertSpace3" refType="t" refFor="ch" refForName="vertSpace2"/>
+              <dgm:constr type="ctrX" for="ch" forName="circle3" refType="l" refFor="ch" refForName="space"/>
+              <dgm:constr type="h" for="ch" forName="circle3" refType="h" refFor="ch" refForName="circle1" fact="0.6"/>
+              <dgm:constr type="hOff" for="ch" forName="circle3" refType="h" refFor="ch" refForName="vertSpace2" fact="-0.4"/>
+              <dgm:constr type="w" for="ch" forName="circle3" refType="h" refFor="ch" refForName="circle3" op="equ"/>
+              <dgm:constr type="wOff" for="ch" forName="circle3" refType="hOff" refFor="ch" refForName="circle3" op="equ"/>
+              <dgm:constr type="b" for="ch" forName="circle3" refType="t" refFor="ch" refForName="vertSpace3"/>
+              <dgm:constr type="l" for="ch" forName="rect3" refType="r" refFor="ch" refForName="space"/>
+              <dgm:constr type="r" for="ch" forName="rect3" refType="w"/>
+              <dgm:constr type="h" for="ch" forName="rect3" refType="h" refFor="ch" refForName="circle3"/>
+              <dgm:constr type="hOff" for="ch" forName="rect3" refType="hOff" refFor="ch" refForName="circle3"/>
+              <dgm:constr type="b" for="ch" forName="rect3" refType="b" refFor="ch" refForName="circle3"/>
+              <dgm:constr type="l" for="ch" forName="vertSpace4"/>
+              <dgm:constr type="w" for="ch" forName="vertSpace4" refType="w"/>
+              <dgm:constr type="h" for="ch" forName="vertSpace4" refType="h" refFor="ch" refForName="vertSpace3"/>
+              <dgm:constr type="b" for="ch" forName="vertSpace4" refType="t" refFor="ch" refForName="vertSpace3"/>
+              <dgm:constr type="ctrX" for="ch" forName="circle4" refType="l" refFor="ch" refForName="space"/>
+              <dgm:constr type="h" for="ch" forName="circle4" refType="h" refFor="ch" refForName="circle1" fact="0.4"/>
+              <dgm:constr type="hOff" for="ch" forName="circle4" refType="h" refFor="ch" refForName="vertSpace2" fact="-0.6"/>
+              <dgm:constr type="w" for="ch" forName="circle4" refType="h" refFor="ch" refForName="circle4" op="equ"/>
+              <dgm:constr type="wOff" for="ch" forName="circle4" refType="hOff" refFor="ch" refForName="circle4" op="equ"/>
+              <dgm:constr type="b" for="ch" forName="circle4" refType="t" refFor="ch" refForName="vertSpace4"/>
+              <dgm:constr type="l" for="ch" forName="rect4" refType="r" refFor="ch" refForName="space"/>
+              <dgm:constr type="r" for="ch" forName="rect4" refType="w"/>
+              <dgm:constr type="h" for="ch" forName="rect4" refType="h" refFor="ch" refForName="circle4"/>
+              <dgm:constr type="hOff" for="ch" forName="rect4" refType="hOff" refFor="ch" refForName="circle4"/>
+              <dgm:constr type="b" for="ch" forName="rect4" refType="b" refFor="ch" refForName="circle4"/>
+              <dgm:constr type="l" for="ch" forName="vertSpace5"/>
+              <dgm:constr type="w" for="ch" forName="vertSpace5" refType="w"/>
+              <dgm:constr type="h" for="ch" forName="vertSpace5" refType="h" refFor="ch" refForName="vertSpace4"/>
+              <dgm:constr type="b" for="ch" forName="vertSpace5" refType="t" refFor="ch" refForName="vertSpace4"/>
+              <dgm:constr type="ctrX" for="ch" forName="circle5" refType="l" refFor="ch" refForName="space"/>
+              <dgm:constr type="h" for="ch" forName="circle5" refType="h" refFor="ch" refForName="circle1" fact="0.2"/>
+              <dgm:constr type="hOff" for="ch" forName="circle5" refType="h" refFor="ch" refForName="vertSpace2" fact="-0.8"/>
+              <dgm:constr type="w" for="ch" forName="circle5" refType="h" refFor="ch" refForName="circle5" op="equ"/>
+              <dgm:constr type="wOff" for="ch" forName="circle5" refType="hOff" refFor="ch" refForName="circle5" op="equ"/>
+              <dgm:constr type="b" for="ch" forName="circle5" refType="t" refFor="ch" refForName="vertSpace5"/>
+              <dgm:constr type="l" for="ch" forName="rect5" refType="r" refFor="ch" refForName="space"/>
+              <dgm:constr type="r" for="ch" forName="rect5" refType="w"/>
+              <dgm:constr type="h" for="ch" forName="rect5" refType="h" refFor="ch" refForName="circle5"/>
+              <dgm:constr type="hOff" for="ch" forName="rect5" refType="hOff" refFor="ch" refForName="circle5"/>
+              <dgm:constr type="b" for="ch" forName="rect5" refType="b" refFor="ch" refForName="circle5"/>
+              <dgm:constr type="l" for="ch" forName="rect5ParTx" refType="r" refFor="ch" refForName="space"/>
+              <dgm:constr type="w" for="ch" forName="rect5ParTx" refType="w" refFor="ch" refForName="rect5" fact="0.5"/>
+              <dgm:constr type="t" for="ch" forName="rect5ParTx" refType="t" refFor="ch" refForName="rect5"/>
+              <dgm:constr type="b" for="ch" forName="rect5ParTx" refType="b" refFor="ch" refForName="rect5"/>
+              <dgm:constr type="l" for="ch" forName="rect5ChTx" refType="r" refFor="ch" refForName="rect5ParTx"/>
+              <dgm:constr type="w" for="ch" forName="rect5ChTx" refType="w" refFor="ch" refForName="rect5ParTx"/>
+              <dgm:constr type="t" for="ch" forName="rect5ChTx" refType="t" refFor="ch" refForName="rect5ParTx"/>
+              <dgm:constr type="b" for="ch" forName="rect5ChTx" refType="b" refFor="ch" refForName="rect5ParTx"/>
+              <dgm:constr type="l" for="ch" forName="rect5ParTxNoCh" refType="r" refFor="ch" refForName="space"/>
+              <dgm:constr type="w" for="ch" forName="rect5ParTxNoCh" refType="w" refFor="ch" refForName="rect5"/>
+              <dgm:constr type="t" for="ch" forName="rect5ParTxNoCh" refType="t" refFor="ch" refForName="rect5"/>
+              <dgm:constr type="b" for="ch" forName="rect5ParTxNoCh" refType="b" refFor="ch" refForName="rect5"/>
+              <dgm:constr type="l" for="ch" forName="rect1ParTx" refType="r" refFor="ch" refForName="space"/>
+              <dgm:constr type="w" for="ch" forName="rect1ParTx" refType="w" refFor="ch" refForName="rect1" fact="0.5"/>
+              <dgm:constr type="t" for="ch" forName="rect1ParTx" refType="t" refFor="ch" refForName="rect1"/>
+              <dgm:constr type="b" for="ch" forName="rect1ParTx" refType="t" refFor="ch" refForName="rect2"/>
+              <dgm:constr type="l" for="ch" forName="rect1ChTx" refType="r" refFor="ch" refForName="rect1ParTx"/>
+              <dgm:constr type="w" for="ch" forName="rect1ChTx" refType="w" refFor="ch" refForName="rect1ParTx"/>
+              <dgm:constr type="t" for="ch" forName="rect1ChTx" refType="t" refFor="ch" refForName="rect1ParTx"/>
+              <dgm:constr type="b" for="ch" forName="rect1ChTx" refType="b" refFor="ch" refForName="rect1ParTx"/>
+              <dgm:constr type="l" for="ch" forName="rect1ParTxNoCh" refType="r" refFor="ch" refForName="space"/>
+              <dgm:constr type="w" for="ch" forName="rect1ParTxNoCh" refType="w" refFor="ch" refForName="rect1"/>
+              <dgm:constr type="t" for="ch" forName="rect1ParTxNoCh" refType="t" refFor="ch" refForName="rect1"/>
+              <dgm:constr type="b" for="ch" forName="rect1ParTxNoCh" refType="t" refFor="ch" refForName="rect2"/>
+              <dgm:constr type="l" for="ch" forName="rect2ParTx" refType="r" refFor="ch" refForName="space"/>
+              <dgm:constr type="w" for="ch" forName="rect2ParTx" refType="w" refFor="ch" refForName="rect2" fact="0.5"/>
+              <dgm:constr type="t" for="ch" forName="rect2ParTx" refType="t" refFor="ch" refForName="rect2"/>
+              <dgm:constr type="b" for="ch" forName="rect2ParTx" refType="t" refFor="ch" refForName="rect3"/>
+              <dgm:constr type="l" for="ch" forName="rect2ChTx" refType="r" refFor="ch" refForName="rect2ParTx"/>
+              <dgm:constr type="w" for="ch" forName="rect2ChTx" refType="w" refFor="ch" refForName="rect2ParTx"/>
+              <dgm:constr type="t" for="ch" forName="rect2ChTx" refType="t" refFor="ch" refForName="rect2ParTx"/>
+              <dgm:constr type="b" for="ch" forName="rect2ChTx" refType="b" refFor="ch" refForName="rect2ParTx"/>
+              <dgm:constr type="l" for="ch" forName="rect2ParTxNoCh" refType="r" refFor="ch" refForName="space"/>
+              <dgm:constr type="w" for="ch" forName="rect2ParTxNoCh" refType="w" refFor="ch" refForName="rect2"/>
+              <dgm:constr type="t" for="ch" forName="rect2ParTxNoCh" refType="t" refFor="ch" refForName="rect2"/>
+              <dgm:constr type="b" for="ch" forName="rect2ParTxNoCh" refType="t" refFor="ch" refForName="rect3"/>
+              <dgm:constr type="l" for="ch" forName="rect3ParTx" refType="r" refFor="ch" refForName="space"/>
+              <dgm:constr type="w" for="ch" forName="rect3ParTx" refType="w" refFor="ch" refForName="rect3" fact="0.5"/>
+              <dgm:constr type="t" for="ch" forName="rect3ParTx" refType="t" refFor="ch" refForName="rect3"/>
+              <dgm:constr type="b" for="ch" forName="rect3ParTx" refType="t" refFor="ch" refForName="rect4"/>
+              <dgm:constr type="l" for="ch" forName="rect3ChTx" refType="r" refFor="ch" refForName="rect3ParTx"/>
+              <dgm:constr type="w" for="ch" forName="rect3ChTx" refType="w" refFor="ch" refForName="rect3ParTx"/>
+              <dgm:constr type="t" for="ch" forName="rect3ChTx" refType="t" refFor="ch" refForName="rect3ParTx"/>
+              <dgm:constr type="b" for="ch" forName="rect3ChTx" refType="b" refFor="ch" refForName="rect3ParTx"/>
+              <dgm:constr type="l" for="ch" forName="rect3ParTxNoCh" refType="r" refFor="ch" refForName="space"/>
+              <dgm:constr type="w" for="ch" forName="rect3ParTxNoCh" refType="w" refFor="ch" refForName="rect3"/>
+              <dgm:constr type="t" for="ch" forName="rect3ParTxNoCh" refType="t" refFor="ch" refForName="rect3"/>
+              <dgm:constr type="b" for="ch" forName="rect3ParTxNoCh" refType="t" refFor="ch" refForName="rect4"/>
+              <dgm:constr type="l" for="ch" forName="rect4ParTx" refType="r" refFor="ch" refForName="space"/>
+              <dgm:constr type="w" for="ch" forName="rect4ParTx" refType="w" refFor="ch" refForName="rect4" fact="0.5"/>
+              <dgm:constr type="t" for="ch" forName="rect4ParTx" refType="t" refFor="ch" refForName="rect4"/>
+              <dgm:constr type="b" for="ch" forName="rect4ParTx" refType="t" refFor="ch" refForName="rect5"/>
+              <dgm:constr type="l" for="ch" forName="rect4ChTx" refType="r" refFor="ch" refForName="rect4ParTx"/>
+              <dgm:constr type="w" for="ch" forName="rect4ChTx" refType="w" refFor="ch" refForName="rect4ParTx"/>
+              <dgm:constr type="t" for="ch" forName="rect4ChTx" refType="t" refFor="ch" refForName="rect4ParTx"/>
+              <dgm:constr type="b" for="ch" forName="rect4ChTx" refType="b" refFor="ch" refForName="rect4ParTx"/>
+              <dgm:constr type="l" for="ch" forName="rect4ParTxNoCh" refType="r" refFor="ch" refForName="space"/>
+              <dgm:constr type="w" for="ch" forName="rect4ParTxNoCh" refType="w" refFor="ch" refForName="rect4"/>
+              <dgm:constr type="t" for="ch" forName="rect4ParTxNoCh" refType="t" refFor="ch" refForName="rect4"/>
+              <dgm:constr type="b" for="ch" forName="rect4ParTxNoCh" refType="t" refFor="ch" refForName="rect5"/>
+              <dgm:constr type="primFontSz" for="ch" op="equ" val="65"/>
+              <dgm:constr type="secFontSz" for="ch" op="equ" val="65"/>
+            </dgm:constrLst>
+          </dgm:if>
+          <dgm:if name="Name9" axis="ch" ptType="node" func="cnt" op="equ" val="6">
+            <dgm:constrLst>
+              <dgm:constr type="userA" refType="w" fact="0.3"/>
+              <dgm:constr type="w" for="ch" forName="circle1" refType="userA" fact="2"/>
+              <dgm:constr type="h" for="ch" forName="circle1" refType="w" refFor="ch" refForName="circle1" op="equ"/>
+              <dgm:constr type="l" for="ch" forName="circle1"/>
+              <dgm:constr type="ctrY" for="ch" forName="circle1" refType="h" fact="0.5"/>
+              <dgm:constr type="l" for="ch" forName="space" refType="ctrX" refFor="ch" refForName="circle1"/>
+              <dgm:constr type="w" for="ch" forName="space"/>
+              <dgm:constr type="h" for="ch" forName="space" refType="h" refFor="ch" refForName="circle1"/>
+              <dgm:constr type="b" for="ch" forName="space" refType="b" refFor="ch" refForName="circle1"/>
+              <dgm:constr type="l" for="ch" forName="rect1" refType="r" refFor="ch" refForName="space"/>
+              <dgm:constr type="r" for="ch" forName="rect1" refType="w"/>
+              <dgm:constr type="h" for="ch" forName="rect1" refType="h" refFor="ch" refForName="circle1"/>
+              <dgm:constr type="b" for="ch" forName="rect1" refType="b" refFor="ch" refForName="circle1"/>
+              <dgm:constr type="l" for="ch" forName="vertSpace2"/>
+              <dgm:constr type="w" for="ch" forName="vertSpace2" refType="w"/>
+              <dgm:constr type="h" for="ch" forName="vertSpace2" refType="h" refFor="ch" refForName="circle1" fact="0.05"/>
+              <dgm:constr type="b" for="ch" forName="vertSpace2" refType="b" refFor="ch" refForName="circle1"/>
+              <dgm:constr type="ctrX" for="ch" forName="circle2" refType="l" refFor="ch" refForName="space"/>
+              <dgm:constr type="h" for="ch" forName="circle2" refType="h" refFor="ch" refForName="circle1" fact="0.83333"/>
+              <dgm:constr type="hOff" for="ch" forName="circle2" refType="h" refFor="ch" refForName="vertSpace2" fact="-0.16667"/>
+              <dgm:constr type="w" for="ch" forName="circle2" refType="h" refFor="ch" refForName="circle2" op="equ"/>
+              <dgm:constr type="wOff" for="ch" forName="circle2" refType="hOff" refFor="ch" refForName="circle2" op="equ"/>
+              <dgm:constr type="b" for="ch" forName="circle2" refType="t" refFor="ch" refForName="vertSpace2"/>
+              <dgm:constr type="l" for="ch" forName="rect2" refType="r" refFor="ch" refForName="space"/>
+              <dgm:constr type="r" for="ch" forName="rect2" refType="w"/>
+              <dgm:constr type="h" for="ch" forName="rect2" refType="h" refFor="ch" refForName="circle2"/>
+              <dgm:constr type="hOff" for="ch" forName="rect2" refType="hOff" refFor="ch" refForName="circle2"/>
+              <dgm:constr type="b" for="ch" forName="rect2" refType="b" refFor="ch" refForName="circle2"/>
+              <dgm:constr type="l" for="ch" forName="vertSpace3"/>
+              <dgm:constr type="w" for="ch" forName="vertSpace3" refType="w"/>
+              <dgm:constr type="h" for="ch" forName="vertSpace3" refType="h" refFor="ch" refForName="vertSpace2"/>
+              <dgm:constr type="b" for="ch" forName="vertSpace3" refType="t" refFor="ch" refForName="vertSpace2"/>
+              <dgm:constr type="ctrX" for="ch" forName="circle3" refType="l" refFor="ch" refForName="space"/>
+              <dgm:constr type="h" for="ch" forName="circle3" refType="h" refFor="ch" refForName="circle1" fact="0.66667"/>
+              <dgm:constr type="hOff" for="ch" forName="circle3" refType="h" refFor="ch" refForName="vertSpace2" fact="-0.33333"/>
+              <dgm:constr type="w" for="ch" forName="circle3" refType="h" refFor="ch" refForName="circle3" op="equ"/>
+              <dgm:constr type="wOff" for="ch" forName="circle3" refType="hOff" refFor="ch" refForName="circle3" op="equ"/>
+              <dgm:constr type="b" for="ch" forName="circle3" refType="t" refFor="ch" refForName="vertSpace3"/>
+              <dgm:constr type="l" for="ch" forName="rect3" refType="r" refFor="ch" refForName="space"/>
+              <dgm:constr type="r" for="ch" forName="rect3" refType="w"/>
+              <dgm:constr type="h" for="ch" forName="rect3" refType="h" refFor="ch" refForName="circle3"/>
+              <dgm:constr type="hOff" for="ch" forName="rect3" refType="hOff" refFor="ch" refForName="circle3"/>
+              <dgm:constr type="b" for="ch" forName="rect3" refType="b" refFor="ch" refForName="circle3"/>
+              <dgm:constr type="l" for="ch" forName="vertSpace4"/>
+              <dgm:constr type="w" for="ch" forName="vertSpace4" refType="w"/>
+              <dgm:constr type="h" for="ch" forName="vertSpace4" refType="h" refFor="ch" refForName="vertSpace3"/>
+              <dgm:constr type="b" for="ch" forName="vertSpace4" refType="t" refFor="ch" refForName="vertSpace3"/>
+              <dgm:constr type="ctrX" for="ch" forName="circle4" refType="l" refFor="ch" refForName="space"/>
+              <dgm:constr type="h" for="ch" forName="circle4" refType="h" refFor="ch" refForName="circle1" fact="0.5"/>
+              <dgm:constr type="hOff" for="ch" forName="circle4" refType="h" refFor="ch" refForName="vertSpace2" fact="-0.5"/>
+              <dgm:constr type="w" for="ch" forName="circle4" refType="h" refFor="ch" refForName="circle4" op="equ"/>
+              <dgm:constr type="wOff" for="ch" forName="circle4" refType="hOff" refFor="ch" refForName="circle4" op="equ"/>
+              <dgm:constr type="b" for="ch" forName="circle4" refType="t" refFor="ch" refForName="vertSpace4"/>
+              <dgm:constr type="l" for="ch" forName="rect4" refType="r" refFor="ch" refForName="space"/>
+              <dgm:constr type="r" for="ch" forName="rect4" refType="w"/>
+              <dgm:constr type="h" for="ch" forName="rect4" refType="h" refFor="ch" refForName="circle4"/>
+              <dgm:constr type="hOff" for="ch" forName="rect4" refType="hOff" refFor="ch" refForName="circle4"/>
+              <dgm:constr type="b" for="ch" forName="rect4" refType="b" refFor="ch" refForName="circle4"/>
+              <dgm:constr type="l" for="ch" forName="vertSpace5"/>
+              <dgm:constr type="w" for="ch" forName="vertSpace5" refType="w"/>
+              <dgm:constr type="h" for="ch" forName="vertSpace5" refType="h" refFor="ch" refForName="vertSpace4"/>
+              <dgm:constr type="b" for="ch" forName="vertSpace5" refType="t" refFor="ch" refForName="vertSpace4"/>
+              <dgm:constr type="ctrX" for="ch" forName="circle5" refType="l" refFor="ch" refForName="space"/>
+              <dgm:constr type="h" for="ch" forName="circle5" refType="h" refFor="ch" refForName="circle1" fact="0.33333"/>
+              <dgm:constr type="hOff" for="ch" forName="circle5" refType="h" refFor="ch" refForName="vertSpace2" fact="-0.66667"/>
+              <dgm:constr type="w" for="ch" forName="circle5" refType="h" refFor="ch" refForName="circle5" op="equ"/>
+              <dgm:constr type="wOff" for="ch" forName="circle5" refType="hOff" refFor="ch" refForName="circle5" op="equ"/>
+              <dgm:constr type="b" for="ch" forName="circle5" refType="t" refFor="ch" refForName="vertSpace5"/>
+              <dgm:constr type="l" for="ch" forName="rect5" refType="r" refFor="ch" refForName="space"/>
+              <dgm:constr type="r" for="ch" forName="rect5" refType="w"/>
+              <dgm:constr type="h" for="ch" forName="rect5" refType="h" refFor="ch" refForName="circle5"/>
+              <dgm:constr type="hOff" for="ch" forName="rect5" refType="hOff" refFor="ch" refForName="circle5"/>
+              <dgm:constr type="b" for="ch" forName="rect5" refType="b" refFor="ch" refForName="circle5"/>
+              <dgm:constr type="l" for="ch" forName="vertSpace6"/>
+              <dgm:constr type="w" for="ch" forName="vertSpace6" refType="w"/>
+              <dgm:constr type="h" for="ch" forName="vertSpace6" refType="h" refFor="ch" refForName="vertSpace5"/>
+              <dgm:constr type="b" for="ch" forName="vertSpace6" refType="t" refFor="ch" refForName="vertSpace5"/>
+              <dgm:constr type="ctrX" for="ch" forName="circle6" refType="l" refFor="ch" refForName="space"/>
+              <dgm:constr type="h" for="ch" forName="circle6" refType="h" refFor="ch" refForName="circle1" fact="0.16667"/>
+              <dgm:constr type="hOff" for="ch" forName="circle6" refType="h" refFor="ch" refForName="vertSpace2" fact="-0.83333"/>
+              <dgm:constr type="w" for="ch" forName="circle6" refType="h" refFor="ch" refForName="circle6" op="equ"/>
+              <dgm:constr type="wOff" for="ch" forName="circle6" refType="hOff" refFor="ch" refForName="circle6" op="equ"/>
+              <dgm:constr type="b" for="ch" forName="circle6" refType="t" refFor="ch" refForName="vertSpace6"/>
+              <dgm:constr type="l" for="ch" forName="rect6" refType="r" refFor="ch" refForName="space"/>
+              <dgm:constr type="r" for="ch" forName="rect6" refType="w"/>
+              <dgm:constr type="h" for="ch" forName="rect6" refType="h" refFor="ch" refForName="circle6"/>
+              <dgm:constr type="hOff" for="ch" forName="rect6" refType="hOff" refFor="ch" refForName="circle6"/>
+              <dgm:constr type="b" for="ch" forName="rect6" refType="b" refFor="ch" refForName="circle6"/>
+              <dgm:constr type="l" for="ch" forName="rect6ParTx" refType="r" refFor="ch" refForName="space"/>
+              <dgm:constr type="w" for="ch" forName="rect6ParTx" refType="w" refFor="ch" refForName="rect6" fact="0.5"/>
+              <dgm:constr type="t" for="ch" forName="rect6ParTx" refType="t" refFor="ch" refForName="rect6"/>
+              <dgm:constr type="b" for="ch" forName="rect6ParTx" refType="b" refFor="ch" refForName="rect6"/>
+              <dgm:constr type="l" for="ch" forName="rect6ChTx" refType="r" refFor="ch" refForName="rect6ParTx"/>
+              <dgm:constr type="w" for="ch" forName="rect6ChTx" refType="w" refFor="ch" refForName="rect6ParTx"/>
+              <dgm:constr type="t" for="ch" forName="rect6ChTx" refType="t" refFor="ch" refForName="rect6ParTx"/>
+              <dgm:constr type="b" for="ch" forName="rect6ChTx" refType="b" refFor="ch" refForName="rect6ParTx"/>
+              <dgm:constr type="l" for="ch" forName="rect6ParTxNoCh" refType="r" refFor="ch" refForName="space"/>
+              <dgm:constr type="w" for="ch" forName="rect6ParTxNoCh" refType="w" refFor="ch" refForName="rect6"/>
+              <dgm:constr type="t" for="ch" forName="rect6ParTxNoCh" refType="t" refFor="ch" refForName="rect6"/>
+              <dgm:constr type="b" for="ch" forName="rect6ParTxNoCh" refType="b" refFor="ch" refForName="rect6"/>
+              <dgm:constr type="l" for="ch" forName="rect1ParTx" refType="r" refFor="ch" refForName="space"/>
+              <dgm:constr type="w" for="ch" forName="rect1ParTx" refType="w" refFor="ch" refForName="rect1" fact="0.5"/>
+              <dgm:constr type="t" for="ch" forName="rect1ParTx" refType="t" refFor="ch" refForName="rect1"/>
+              <dgm:constr type="b" for="ch" forName="rect1ParTx" refType="t" refFor="ch" refForName="rect2"/>
+              <dgm:constr type="l" for="ch" forName="rect1ChTx" refType="r" refFor="ch" refForName="rect1ParTx"/>
+              <dgm:constr type="w" for="ch" forName="rect1ChTx" refType="w" refFor="ch" refForName="rect1ParTx"/>
+              <dgm:constr type="t" for="ch" forName="rect1ChTx" refType="t" refFor="ch" refForName="rect1ParTx"/>
+              <dgm:constr type="b" for="ch" forName="rect1ChTx" refType="b" refFor="ch" refForName="rect1ParTx"/>
+              <dgm:constr type="l" for="ch" forName="rect1ParTxNoCh" refType="r" refFor="ch" refForName="space"/>
+              <dgm:constr type="w" for="ch" forName="rect1ParTxNoCh" refType="w" refFor="ch" refForName="rect1"/>
+              <dgm:constr type="t" for="ch" forName="rect1ParTxNoCh" refType="t" refFor="ch" refForName="rect1"/>
+              <dgm:constr type="b" for="ch" forName="rect1ParTxNoCh" refType="t" refFor="ch" refForName="rect2"/>
+              <dgm:constr type="l" for="ch" forName="rect2ParTx" refType="r" refFor="ch" refForName="space"/>
+              <dgm:constr type="w" for="ch" forName="rect2ParTx" refType="w" refFor="ch" refForName="rect2" fact="0.5"/>
+              <dgm:constr type="t" for="ch" forName="rect2ParTx" refType="t" refFor="ch" refForName="rect2"/>
+              <dgm:constr type="b" for="ch" forName="rect2ParTx" refType="t" refFor="ch" refForName="rect3"/>
+              <dgm:constr type="l" for="ch" forName="rect2ChTx" refType="r" refFor="ch" refForName="rect2ParTx"/>
+              <dgm:constr type="w" for="ch" forName="rect2ChTx" refType="w" refFor="ch" refForName="rect2ParTx"/>
+              <dgm:constr type="t" for="ch" forName="rect2ChTx" refType="t" refFor="ch" refForName="rect2ParTx"/>
+              <dgm:constr type="b" for="ch" forName="rect2ChTx" refType="b" refFor="ch" refForName="rect2ParTx"/>
+              <dgm:constr type="l" for="ch" forName="rect2ParTxNoCh" refType="r" refFor="ch" refForName="space"/>
+              <dgm:constr type="w" for="ch" forName="rect2ParTxNoCh" refType="w" refFor="ch" refForName="rect2"/>
+              <dgm:constr type="t" for="ch" forName="rect2ParTxNoCh" refType="t" refFor="ch" refForName="rect2"/>
+              <dgm:constr type="b" for="ch" forName="rect2ParTxNoCh" refType="t" refFor="ch" refForName="rect3"/>
+              <dgm:constr type="l" for="ch" forName="rect3ParTx" refType="r" refFor="ch" refForName="space"/>
+              <dgm:constr type="w" for="ch" forName="rect3ParTx" refType="w" refFor="ch" refForName="rect3" fact="0.5"/>
+              <dgm:constr type="t" for="ch" forName="rect3ParTx" refType="t" refFor="ch" refForName="rect3"/>
+              <dgm:constr type="b" for="ch" forName="rect3ParTx" refType="t" refFor="ch" refForName="rect4"/>
+              <dgm:constr type="l" for="ch" forName="rect3ChTx" refType="r" refFor="ch" refForName="rect3ParTx"/>
+              <dgm:constr type="w" for="ch" forName="rect3ChTx" refType="w" refFor="ch" refForName="rect3ParTx"/>
+              <dgm:constr type="t" for="ch" forName="rect3ChTx" refType="t" refFor="ch" refForName="rect3ParTx"/>
+              <dgm:constr type="b" for="ch" forName="rect3ChTx" refType="b" refFor="ch" refForName="rect3ParTx"/>
+              <dgm:constr type="l" for="ch" forName="rect3ParTxNoCh" refType="r" refFor="ch" refForName="space"/>
+              <dgm:constr type="w" for="ch" forName="rect3ParTxNoCh" refType="w" refFor="ch" refForName="rect3"/>
+              <dgm:constr type="t" for="ch" forName="rect3ParTxNoCh" refType="t" refFor="ch" refForName="rect3"/>
+              <dgm:constr type="b" for="ch" forName="rect3ParTxNoCh" refType="t" refFor="ch" refForName="rect4"/>
+              <dgm:constr type="l" for="ch" forName="rect4ParTx" refType="r" refFor="ch" refForName="space"/>
+              <dgm:constr type="w" for="ch" forName="rect4ParTx" refType="w" refFor="ch" refForName="rect4" fact="0.5"/>
+              <dgm:constr type="t" for="ch" forName="rect4ParTx" refType="t" refFor="ch" refForName="rect4"/>
+              <dgm:constr type="b" for="ch" forName="rect4ParTx" refType="t" refFor="ch" refForName="rect5"/>
+              <dgm:constr type="l" for="ch" forName="rect4ChTx" refType="r" refFor="ch" refForName="rect4ParTx"/>
+              <dgm:constr type="w" for="ch" forName="rect4ChTx" refType="w" refFor="ch" refForName="rect4ParTx"/>
+              <dgm:constr type="t" for="ch" forName="rect4ChTx" refType="t" refFor="ch" refForName="rect4ParTx"/>
+              <dgm:constr type="b" for="ch" forName="rect4ChTx" refType="b" refFor="ch" refForName="rect4ParTx"/>
+              <dgm:constr type="l" for="ch" forName="rect4ParTxNoCh" refType="r" refFor="ch" refForName="space"/>
+              <dgm:constr type="w" for="ch" forName="rect4ParTxNoCh" refType="w" refFor="ch" refForName="rect4"/>
+              <dgm:constr type="t" for="ch" forName="rect4ParTxNoCh" refType="t" refFor="ch" refForName="rect4"/>
+              <dgm:constr type="b" for="ch" forName="rect4ParTxNoCh" refType="t" refFor="ch" refForName="rect5"/>
+              <dgm:constr type="l" for="ch" forName="rect5ParTx" refType="r" refFor="ch" refForName="space"/>
+              <dgm:constr type="w" for="ch" forName="rect5ParTx" refType="w" refFor="ch" refForName="rect5" fact="0.5"/>
+              <dgm:constr type="t" for="ch" forName="rect5ParTx" refType="t" refFor="ch" refForName="rect5"/>
+              <dgm:constr type="b" for="ch" forName="rect5ParTx" refType="t" refFor="ch" refForName="rect6"/>
+              <dgm:constr type="l" for="ch" forName="rect5ChTx" refType="r" refFor="ch" refForName="rect5ParTx"/>
+              <dgm:constr type="w" for="ch" forName="rect5ChTx" refType="w" refFor="ch" refForName="rect5ParTx"/>
+              <dgm:constr type="t" for="ch" forName="rect5ChTx" refType="t" refFor="ch" refForName="rect5ParTx"/>
+              <dgm:constr type="b" for="ch" forName="rect5ChTx" refType="b" refFor="ch" refForName="rect5ParTx"/>
+              <dgm:constr type="l" for="ch" forName="rect5ParTxNoCh" refType="r" refFor="ch" refForName="space"/>
+              <dgm:constr type="w" for="ch" forName="rect5ParTxNoCh" refType="w" refFor="ch" refForName="rect5"/>
+              <dgm:constr type="t" for="ch" forName="rect5ParTxNoCh" refType="t" refFor="ch" refForName="rect5"/>
+              <dgm:constr type="b" for="ch" forName="rect5ParTxNoCh" refType="t" refFor="ch" refForName="rect6"/>
+              <dgm:constr type="primFontSz" for="ch" op="equ" val="65"/>
+              <dgm:constr type="secFontSz" for="ch" op="equ" val="65"/>
+            </dgm:constrLst>
+          </dgm:if>
+          <dgm:if name="Name10" axis="ch" ptType="node" func="cnt" op="gte" val="7">
+            <dgm:constrLst>
+              <dgm:constr type="userA" refType="w" fact="0.3"/>
+              <dgm:constr type="w" for="ch" forName="circle1" refType="userA" fact="2"/>
+              <dgm:constr type="h" for="ch" forName="circle1" refType="w" refFor="ch" refForName="circle1" op="equ"/>
+              <dgm:constr type="l" for="ch" forName="circle1"/>
+              <dgm:constr type="ctrY" for="ch" forName="circle1" refType="h" fact="0.5"/>
+              <dgm:constr type="l" for="ch" forName="space" refType="ctrX" refFor="ch" refForName="circle1"/>
+              <dgm:constr type="w" for="ch" forName="space"/>
+              <dgm:constr type="h" for="ch" forName="space" refType="h" refFor="ch" refForName="circle1"/>
+              <dgm:constr type="b" for="ch" forName="space" refType="b" refFor="ch" refForName="circle1"/>
+              <dgm:constr type="l" for="ch" forName="rect1" refType="r" refFor="ch" refForName="space"/>
+              <dgm:constr type="r" for="ch" forName="rect1" refType="w"/>
+              <dgm:constr type="h" for="ch" forName="rect1" refType="h" refFor="ch" refForName="circle1"/>
+              <dgm:constr type="b" for="ch" forName="rect1" refType="b" refFor="ch" refForName="circle1"/>
+              <dgm:constr type="l" for="ch" forName="vertSpace2"/>
+              <dgm:constr type="w" for="ch" forName="vertSpace2" refType="w"/>
+              <dgm:constr type="h" for="ch" forName="vertSpace2" refType="h" refFor="ch" refForName="circle1" fact="0.05"/>
+              <dgm:constr type="b" for="ch" forName="vertSpace2" refType="b" refFor="ch" refForName="circle1"/>
+              <dgm:constr type="ctrX" for="ch" forName="circle2" refType="l" refFor="ch" refForName="space"/>
+              <dgm:constr type="h" for="ch" forName="circle2" refType="h" refFor="ch" refForName="circle1" fact="0.85714"/>
+              <dgm:constr type="hOff" for="ch" forName="circle2" refType="h" refFor="ch" refForName="vertSpace2" fact="-0.14286"/>
+              <dgm:constr type="w" for="ch" forName="circle2" refType="h" refFor="ch" refForName="circle2" op="equ"/>
+              <dgm:constr type="wOff" for="ch" forName="circle2" refType="hOff" refFor="ch" refForName="circle2" op="equ"/>
+              <dgm:constr type="b" for="ch" forName="circle2" refType="t" refFor="ch" refForName="vertSpace2"/>
+              <dgm:constr type="l" for="ch" forName="rect2" refType="r" refFor="ch" refForName="space"/>
+              <dgm:constr type="r" for="ch" forName="rect2" refType="w"/>
+              <dgm:constr type="h" for="ch" forName="rect2" refType="h" refFor="ch" refForName="circle2"/>
+              <dgm:constr type="hOff" for="ch" forName="rect2" refType="hOff" refFor="ch" refForName="circle2"/>
+              <dgm:constr type="b" for="ch" forName="rect2" refType="b" refFor="ch" refForName="circle2"/>
+              <dgm:constr type="l" for="ch" forName="vertSpace3"/>
+              <dgm:constr type="w" for="ch" forName="vertSpace3" refType="w"/>
+              <dgm:constr type="h" for="ch" forName="vertSpace3" refType="h" refFor="ch" refForName="vertSpace2"/>
+              <dgm:constr type="b" for="ch" forName="vertSpace3" refType="t" refFor="ch" refForName="vertSpace2"/>
+              <dgm:constr type="ctrX" for="ch" forName="circle3" refType="l" refFor="ch" refForName="space"/>
+              <dgm:constr type="h" for="ch" forName="circle3" refType="h" refFor="ch" refForName="circle1" fact="0.71429"/>
+              <dgm:constr type="hOff" for="ch" forName="circle3" refType="h" refFor="ch" refForName="vertSpace2" fact="-0.28571"/>
+              <dgm:constr type="w" for="ch" forName="circle3" refType="h" refFor="ch" refForName="circle3" op="equ"/>
+              <dgm:constr type="wOff" for="ch" forName="circle3" refType="hOff" refFor="ch" refForName="circle3" op="equ"/>
+              <dgm:constr type="b" for="ch" forName="circle3" refType="t" refFor="ch" refForName="vertSpace3"/>
+              <dgm:constr type="l" for="ch" forName="rect3" refType="r" refFor="ch" refForName="space"/>
+              <dgm:constr type="r" for="ch" forName="rect3" refType="w"/>
+              <dgm:constr type="h" for="ch" forName="rect3" refType="h" refFor="ch" refForName="circle3"/>
+              <dgm:constr type="hOff" for="ch" forName="rect3" refType="hOff" refFor="ch" refForName="circle3"/>
+              <dgm:constr type="b" for="ch" forName="rect3" refType="b" refFor="ch" refForName="circle3"/>
+              <dgm:constr type="l" for="ch" forName="vertSpace4"/>
+              <dgm:constr type="w" for="ch" forName="vertSpace4" refType="w"/>
+              <dgm:constr type="h" for="ch" forName="vertSpace4" refType="h" refFor="ch" refForName="vertSpace3"/>
+              <dgm:constr type="b" for="ch" forName="vertSpace4" refType="t" refFor="ch" refForName="vertSpace3"/>
+              <dgm:constr type="ctrX" for="ch" forName="circle4" refType="l" refFor="ch" refForName="space"/>
+              <dgm:constr type="h" for="ch" forName="circle4" refType="h" refFor="ch" refForName="circle1" fact="0.57143"/>
+              <dgm:constr type="hOff" for="ch" forName="circle4" refType="h" refFor="ch" refForName="vertSpace2" fact="-0.42857"/>
+              <dgm:constr type="w" for="ch" forName="circle4" refType="h" refFor="ch" refForName="circle4" op="equ"/>
+              <dgm:constr type="wOff" for="ch" forName="circle4" refType="hOff" refFor="ch" refForName="circle4" op="equ"/>
+              <dgm:constr type="b" for="ch" forName="circle4" refType="t" refFor="ch" refForName="vertSpace4"/>
+              <dgm:constr type="l" for="ch" forName="rect4" refType="r" refFor="ch" refForName="space"/>
+              <dgm:constr type="r" for="ch" forName="rect4" refType="w"/>
+              <dgm:constr type="h" for="ch" forName="rect4" refType="h" refFor="ch" refForName="circle4"/>
+              <dgm:constr type="hOff" for="ch" forName="rect4" refType="hOff" refFor="ch" refForName="circle4"/>
+              <dgm:constr type="b" for="ch" forName="rect4" refType="b" refFor="ch" refForName="circle4"/>
+              <dgm:constr type="l" for="ch" forName="vertSpace5"/>
+              <dgm:constr type="w" for="ch" forName="vertSpace5" refType="w"/>
+              <dgm:constr type="h" for="ch" forName="vertSpace5" refType="h" refFor="ch" refForName="vertSpace4"/>
+              <dgm:constr type="b" for="ch" forName="vertSpace5" refType="t" refFor="ch" refForName="vertSpace4"/>
+              <dgm:constr type="ctrX" for="ch" forName="circle5" refType="l" refFor="ch" refForName="space"/>
+              <dgm:constr type="h" for="ch" forName="circle5" refType="h" refFor="ch" refForName="circle1" fact="0.42857"/>
+              <dgm:constr type="hOff" for="ch" forName="circle5" refType="h" refFor="ch" refForName="vertSpace2" fact="-0.57143"/>
+              <dgm:constr type="w" for="ch" forName="circle5" refType="h" refFor="ch" refForName="circle5" op="equ"/>
+              <dgm:constr type="wOff" for="ch" forName="circle5" refType="hOff" refFor="ch" refForName="circle5" op="equ"/>
+              <dgm:constr type="b" for="ch" forName="circle5" refType="t" refFor="ch" refForName="vertSpace5"/>
+              <dgm:constr type="l" for="ch" forName="rect5" refType="r" refFor="ch" refForName="space"/>
+              <dgm:constr type="r" for="ch" forName="rect5" refType="w"/>
+              <dgm:constr type="h" for="ch" forName="rect5" refType="h" refFor="ch" refForName="circle5"/>
+              <dgm:constr type="hOff" for="ch" forName="rect5" refType="hOff" refFor="ch" refForName="circle5"/>
+              <dgm:constr type="b" for="ch" forName="rect5" refType="b" refFor="ch" refForName="circle5"/>
+              <dgm:constr type="l" for="ch" forName="vertSpace6"/>
+              <dgm:constr type="w" for="ch" forName="vertSpace6" refType="w"/>
+              <dgm:constr type="h" for="ch" forName="vertSpace6" refType="h" refFor="ch" refForName="vertSpace5"/>
+              <dgm:constr type="b" for="ch" forName="vertSpace6" refType="t" refFor="ch" refForName="vertSpace5"/>
+              <dgm:constr type="ctrX" for="ch" forName="circle6" refType="l" refFor="ch" refForName="space"/>
+              <dgm:constr type="h" for="ch" forName="circle6" refType="h" refFor="ch" refForName="circle1" fact="0.28571"/>
+              <dgm:constr type="hOff" for="ch" forName="circle6" refType="h" refFor="ch" refForName="vertSpace2" fact="-0.71429"/>
+              <dgm:constr type="w" for="ch" forName="circle6" refType="h" refFor="ch" refForName="circle6" op="equ"/>
+              <dgm:constr type="wOff" for="ch" forName="circle6" refType="hOff" refFor="ch" refForName="circle6" op="equ"/>
+              <dgm:constr type="b" for="ch" forName="circle6" refType="t" refFor="ch" refForName="vertSpace6"/>
+              <dgm:constr type="l" for="ch" forName="rect6" refType="r" refFor="ch" refForName="space"/>
+              <dgm:constr type="r" for="ch" forName="rect6" refType="w"/>
+              <dgm:constr type="h" for="ch" forName="rect6" refType="h" refFor="ch" refForName="circle6"/>
+              <dgm:constr type="hOff" for="ch" forName="rect6" refType="hOff" refFor="ch" refForName="circle6"/>
+              <dgm:constr type="b" for="ch" forName="rect6" refType="b" refFor="ch" refForName="circle6"/>
+              <dgm:constr type="l" for="ch" forName="vertSpace7"/>
+              <dgm:constr type="w" for="ch" forName="vertSpace7" refType="w"/>
+              <dgm:constr type="h" for="ch" forName="vertSpace7" refType="h" refFor="ch" refForName="vertSpace6"/>
+              <dgm:constr type="b" for="ch" forName="vertSpace7" refType="t" refFor="ch" refForName="vertSpace6"/>
+              <dgm:constr type="ctrX" for="ch" forName="circle7" refType="l" refFor="ch" refForName="space"/>
+              <dgm:constr type="h" for="ch" forName="circle7" refType="h" refFor="ch" refForName="circle1" fact="0.14286"/>
+              <dgm:constr type="hOff" for="ch" forName="circle7" refType="h" refFor="ch" refForName="vertSpace2" fact="-0.85714"/>
+              <dgm:constr type="w" for="ch" forName="circle7" refType="h" refFor="ch" refForName="circle7" op="equ"/>
+              <dgm:constr type="wOff" for="ch" forName="circle7" refType="hOff" refFor="ch" refForName="circle7" op="equ"/>
+              <dgm:constr type="b" for="ch" forName="circle7" refType="t" refFor="ch" refForName="vertSpace7"/>
+              <dgm:constr type="l" for="ch" forName="rect7" refType="r" refFor="ch" refForName="space"/>
+              <dgm:constr type="r" for="ch" forName="rect7" refType="w"/>
+              <dgm:constr type="h" for="ch" forName="rect7" refType="h" refFor="ch" refForName="circle7"/>
+              <dgm:constr type="hOff" for="ch" forName="rect7" refType="hOff" refFor="ch" refForName="circle7"/>
+              <dgm:constr type="b" for="ch" forName="rect7" refType="b" refFor="ch" refForName="circle7"/>
+              <dgm:constr type="l" for="ch" forName="rect7ParTx" refType="r" refFor="ch" refForName="space"/>
+              <dgm:constr type="w" for="ch" forName="rect7ParTx" refType="w" refFor="ch" refForName="rect7" fact="0.5"/>
+              <dgm:constr type="t" for="ch" forName="rect7ParTx" refType="t" refFor="ch" refForName="rect7"/>
+              <dgm:constr type="b" for="ch" forName="rect7ParTx" refType="b" refFor="ch" refForName="rect7"/>
+              <dgm:constr type="l" for="ch" forName="rect7ChTx" refType="r" refFor="ch" refForName="rect7ParTx"/>
+              <dgm:constr type="w" for="ch" forName="rect7ChTx" refType="w" refFor="ch" refForName="rect7ParTx"/>
+              <dgm:constr type="t" for="ch" forName="rect7ChTx" refType="t" refFor="ch" refForName="rect7ParTx"/>
+              <dgm:constr type="b" for="ch" forName="rect7ChTx" refType="b" refFor="ch" refForName="rect7ParTx"/>
+              <dgm:constr type="l" for="ch" forName="rect7ParTxNoCh" refType="r" refFor="ch" refForName="space"/>
+              <dgm:constr type="w" for="ch" forName="rect7ParTxNoCh" refType="w" refFor="ch" refForName="rect7"/>
+              <dgm:constr type="t" for="ch" forName="rect7ParTxNoCh" refType="t" refFor="ch" refForName="rect7"/>
+              <dgm:constr type="b" for="ch" forName="rect7ParTxNoCh" refType="b" refFor="ch" refForName="rect7"/>
+              <dgm:constr type="l" for="ch" forName="rect1ParTx" refType="r" refFor="ch" refForName="space"/>
+              <dgm:constr type="w" for="ch" forName="rect1ParTx" refType="w" refFor="ch" refForName="rect1" fact="0.5"/>
+              <dgm:constr type="t" for="ch" forName="rect1ParTx" refType="t" refFor="ch" refForName="rect1"/>
+              <dgm:constr type="b" for="ch" forName="rect1ParTx" refType="t" refFor="ch" refForName="rect2"/>
+              <dgm:constr type="l" for="ch" forName="rect1ChTx" refType="r" refFor="ch" refForName="rect1ParTx"/>
+              <dgm:constr type="w" for="ch" forName="rect1ChTx" refType="w" refFor="ch" refForName="rect1ParTx"/>
+              <dgm:constr type="t" for="ch" forName="rect1ChTx" refType="t" refFor="ch" refForName="rect1ParTx"/>
+              <dgm:constr type="b" for="ch" forName="rect1ChTx" refType="b" refFor="ch" refForName="rect1ParTx"/>
+              <dgm:constr type="l" for="ch" forName="rect1ParTxNoCh" refType="r" refFor="ch" refForName="space"/>
+              <dgm:constr type="w" for="ch" forName="rect1ParTxNoCh" refType="w" refFor="ch" refForName="rect1"/>
+              <dgm:constr type="t" for="ch" forName="rect1ParTxNoCh" refType="t" refFor="ch" refForName="rect1"/>
+              <dgm:constr type="b" for="ch" forName="rect1ParTxNoCh" refType="t" refFor="ch" refForName="rect2"/>
+              <dgm:constr type="l" for="ch" forName="rect2ParTx" refType="r" refFor="ch" refForName="space"/>
+              <dgm:constr type="w" for="ch" forName="rect2ParTx" refType="w" refFor="ch" refForName="rect2" fact="0.5"/>
+              <dgm:constr type="t" for="ch" forName="rect2ParTx" refType="t" refFor="ch" refForName="rect2"/>
+              <dgm:constr type="b" for="ch" forName="rect2ParTx" refType="t" refFor="ch" refForName="rect3"/>
+              <dgm:constr type="l" for="ch" forName="rect2ChTx" refType="r" refFor="ch" refForName="rect2ParTx"/>
+              <dgm:constr type="w" for="ch" forName="rect2ChTx" refType="w" refFor="ch" refForName="rect2ParTx"/>
+              <dgm:constr type="t" for="ch" forName="rect2ChTx" refType="t" refFor="ch" refForName="rect2ParTx"/>
+              <dgm:constr type="b" for="ch" forName="rect2ChTx" refType="b" refFor="ch" refForName="rect2ParTx"/>
+              <dgm:constr type="l" for="ch" forName="rect2ParTxNoCh" refType="r" refFor="ch" refForName="space"/>
+              <dgm:constr type="w" for="ch" forName="rect2ParTxNoCh" refType="w" refFor="ch" refForName="rect2"/>
+              <dgm:constr type="t" for="ch" forName="rect2ParTxNoCh" refType="t" refFor="ch" refForName="rect2"/>
+              <dgm:constr type="b" for="ch" forName="rect2ParTxNoCh" refType="t" refFor="ch" refForName="rect3"/>
+              <dgm:constr type="l" for="ch" forName="rect3ParTx" refType="r" refFor="ch" refForName="space"/>
+              <dgm:constr type="w" for="ch" forName="rect3ParTx" refType="w" refFor="ch" refForName="rect3" fact="0.5"/>
+              <dgm:constr type="t" for="ch" forName="rect3ParTx" refType="t" refFor="ch" refForName="rect3"/>
+              <dgm:constr type="b" for="ch" forName="rect3ParTx" refType="t" refFor="ch" refForName="rect4"/>
+              <dgm:constr type="l" for="ch" forName="rect3ChTx" refType="r" refFor="ch" refForName="rect3ParTx"/>
+              <dgm:constr type="w" for="ch" forName="rect3ChTx" refType="w" refFor="ch" refForName="rect3ParTx"/>
+              <dgm:constr type="t" for="ch" forName="rect3ChTx" refType="t" refFor="ch" refForName="rect3ParTx"/>
+              <dgm:constr type="b" for="ch" forName="rect3ChTx" refType="b" refFor="ch" refForName="rect3ParTx"/>
+              <dgm:constr type="l" for="ch" forName="rect3ParTxNoCh" refType="r" refFor="ch" refForName="space"/>
+              <dgm:constr type="w" for="ch" forName="rect3ParTxNoCh" refType="w" refFor="ch" refForName="rect3"/>
+              <dgm:constr type="t" for="ch" forName="rect3ParTxNoCh" refType="t" refFor="ch" refForName="rect3"/>
+              <dgm:constr type="b" for="ch" forName="rect3ParTxNoCh" refType="t" refFor="ch" refForName="rect4"/>
+              <dgm:constr type="l" for="ch" forName="rect4ParTx" refType="r" refFor="ch" refForName="space"/>
+              <dgm:constr type="w" for="ch" forName="rect4ParTx" refType="w" refFor="ch" refForName="rect4" fact="0.5"/>
+              <dgm:constr type="t" for="ch" forName="rect4ParTx" refType="t" refFor="ch" refForName="rect4"/>
+              <dgm:constr type="b" for="ch" forName="rect4ParTx" refType="t" refFor="ch" refForName="rect5"/>
+              <dgm:constr type="l" for="ch" forName="rect4ChTx" refType="r" refFor="ch" refForName="rect4ParTx"/>
+              <dgm:constr type="w" for="ch" forName="rect4ChTx" refType="w" refFor="ch" refForName="rect4ParTx"/>
+              <dgm:constr type="t" for="ch" forName="rect4ChTx" refType="t" refFor="ch" refForName="rect4ParTx"/>
+              <dgm:constr type="b" for="ch" forName="rect4ChTx" refType="b" refFor="ch" refForName="rect4ParTx"/>
+              <dgm:constr type="l" for="ch" forName="rect4ParTxNoCh" refType="r" refFor="ch" refForName="space"/>
+              <dgm:constr type="w" for="ch" forName="rect4ParTxNoCh" refType="w" refFor="ch" refForName="rect4"/>
+              <dgm:constr type="t" for="ch" forName="rect4ParTxNoCh" refType="t" refFor="ch" refForName="rect4"/>
+              <dgm:constr type="b" for="ch" forName="rect4ParTxNoCh" refType="t" refFor="ch" refForName="rect5"/>
+              <dgm:constr type="l" for="ch" forName="rect5ParTx" refType="r" refFor="ch" refForName="space"/>
+              <dgm:constr type="w" for="ch" forName="rect5ParTx" refType="w" refFor="ch" refForName="rect5" fact="0.5"/>
+              <dgm:constr type="t" for="ch" forName="rect5ParTx" refType="t" refFor="ch" refForName="rect5"/>
+              <dgm:constr type="b" for="ch" forName="rect5ParTx" refType="t" refFor="ch" refForName="rect6"/>
+              <dgm:constr type="l" for="ch" forName="rect5ChTx" refType="r" refFor="ch" refForName="rect5ParTx"/>
+              <dgm:constr type="w" for="ch" forName="rect5ChTx" refType="w" refFor="ch" refForName="rect5ParTx"/>
+              <dgm:constr type="t" for="ch" forName="rect5ChTx" refType="t" refFor="ch" refForName="rect5ParTx"/>
+              <dgm:constr type="b" for="ch" forName="rect5ChTx" refType="b" refFor="ch" refForName="rect5ParTx"/>
+              <dgm:constr type="l" for="ch" forName="rect5ParTxNoCh" refType="r" refFor="ch" refForName="space"/>
+              <dgm:constr type="w" for="ch" forName="rect5ParTxNoCh" refType="w" refFor="ch" refForName="rect5"/>
+              <dgm:constr type="t" for="ch" forName="rect5ParTxNoCh" refType="t" refFor="ch" refForName="rect5"/>
+              <dgm:constr type="b" for="ch" forName="rect5ParTxNoCh" refType="t" refFor="ch" refForName="rect6"/>
+              <dgm:constr type="l" for="ch" forName="rect6ParTx" refType="r" refFor="ch" refForName="space"/>
+              <dgm:constr type="w" for="ch" forName="rect6ParTx" refType="w" refFor="ch" refForName="rect6" fact="0.5"/>
+              <dgm:constr type="t" for="ch" forName="rect6ParTx" refType="t" refFor="ch" refForName="rect6"/>
+              <dgm:constr type="b" for="ch" forName="rect6ParTx" refType="t" refFor="ch" refForName="rect7"/>
+              <dgm:constr type="l" for="ch" forName="rect6ChTx" refType="r" refFor="ch" refForName="rect6ParTx"/>
+              <dgm:constr type="w" for="ch" forName="rect6ChTx" refType="w" refFor="ch" refForName="rect6ParTx"/>
+              <dgm:constr type="t" for="ch" forName="rect6ChTx" refType="t" refFor="ch" refForName="rect6ParTx"/>
+              <dgm:constr type="b" for="ch" forName="rect6ChTx" refType="b" refFor="ch" refForName="rect6ParTx"/>
+              <dgm:constr type="l" for="ch" forName="rect6ParTxNoCh" refType="r" refFor="ch" refForName="space"/>
+              <dgm:constr type="w" for="ch" forName="rect6ParTxNoCh" refType="w" refFor="ch" refForName="rect6"/>
+              <dgm:constr type="t" for="ch" forName="rect6ParTxNoCh" refType="t" refFor="ch" refForName="rect6"/>
+              <dgm:constr type="b" for="ch" forName="rect6ParTxNoCh" refType="t" refFor="ch" refForName="rect7"/>
+              <dgm:constr type="primFontSz" for="ch" op="equ" val="65"/>
+              <dgm:constr type="secFontSz" for="ch" op="equ" val="65"/>
+            </dgm:constrLst>
+          </dgm:if>
+          <dgm:else name="Name11">
+            <dgm:constrLst/>
+          </dgm:else>
+        </dgm:choose>
+      </dgm:if>
+      <dgm:else name="Name12">
+        <dgm:choose name="Name13">
+          <dgm:if name="Name14" axis="ch" ptType="node" func="cnt" op="equ" val="1">
+            <dgm:constrLst>
+              <dgm:constr type="userA" refType="w" fact="0.3"/>
+              <dgm:constr type="w" for="ch" forName="circle1" refType="userA" fact="2"/>
+              <dgm:constr type="h" for="ch" forName="circle1" refType="w" refFor="ch" refForName="circle1" op="equ"/>
+              <dgm:constr type="r" for="ch" forName="circle1" refType="w"/>
+              <dgm:constr type="ctrY" for="ch" forName="circle1" refType="h" fact="0.5"/>
+              <dgm:constr type="r" for="ch" forName="space" refType="ctrX" refFor="ch" refForName="circle1"/>
+              <dgm:constr type="w" for="ch" forName="space"/>
+              <dgm:constr type="h" for="ch" forName="space" refType="h" refFor="ch" refForName="circle1"/>
+              <dgm:constr type="b" for="ch" forName="space" refType="b" refFor="ch" refForName="circle1"/>
+              <dgm:constr type="r" for="ch" forName="rect1" refType="l" refFor="ch" refForName="space"/>
+              <dgm:constr type="l" for="ch" forName="rect1"/>
+              <dgm:constr type="h" for="ch" forName="rect1" refType="h" refFor="ch" refForName="circle1"/>
+              <dgm:constr type="b" for="ch" forName="rect1" refType="b" refFor="ch" refForName="circle1"/>
+              <dgm:constr type="r" for="ch" forName="rect1ParTx" refType="l" refFor="ch" refForName="space"/>
+              <dgm:constr type="w" for="ch" forName="rect1ParTx" refType="w" refFor="ch" refForName="rect1" fact="0.5"/>
+              <dgm:constr type="t" for="ch" forName="rect1ParTx" refType="t" refFor="ch" refForName="rect1"/>
+              <dgm:constr type="b" for="ch" forName="rect1ParTx" refType="b" refFor="ch" refForName="rect1"/>
+              <dgm:constr type="r" for="ch" forName="rect1ChTx" refType="l" refFor="ch" refForName="rect1ParTx"/>
+              <dgm:constr type="w" for="ch" forName="rect1ChTx" refType="w" refFor="ch" refForName="rect1ParTx"/>
+              <dgm:constr type="t" for="ch" forName="rect1ChTx" refType="t" refFor="ch" refForName="rect1ParTx"/>
+              <dgm:constr type="b" for="ch" forName="rect1ChTx" refType="b" refFor="ch" refForName="rect1ParTx"/>
+              <dgm:constr type="r" for="ch" forName="rect1ParTxNoCh" refType="l" refFor="ch" refForName="space"/>
+              <dgm:constr type="w" for="ch" forName="rect1ParTxNoCh" refType="w" refFor="ch" refForName="rect1"/>
+              <dgm:constr type="t" for="ch" forName="rect1ParTxNoCh" refType="t" refFor="ch" refForName="rect1"/>
+              <dgm:constr type="b" for="ch" forName="rect1ParTxNoCh" refType="b" refFor="ch" refForName="rect1"/>
+              <dgm:constr type="primFontSz" for="ch" op="equ" val="65"/>
+              <dgm:constr type="secFontSz" for="ch" op="equ" val="65"/>
+            </dgm:constrLst>
+          </dgm:if>
+          <dgm:if name="Name15" axis="ch" ptType="node" func="cnt" op="equ" val="2">
+            <dgm:constrLst>
+              <dgm:constr type="userA" refType="w" fact="0.3"/>
+              <dgm:constr type="w" for="ch" forName="circle1" refType="userA" fact="2"/>
+              <dgm:constr type="h" for="ch" forName="circle1" refType="w" refFor="ch" refForName="circle1" op="equ"/>
+              <dgm:constr type="r" for="ch" forName="circle1" refType="w"/>
+              <dgm:constr type="ctrY" for="ch" forName="circle1" refType="h" fact="0.5"/>
+              <dgm:constr type="r" for="ch" forName="space" refType="ctrX" refFor="ch" refForName="circle1"/>
+              <dgm:constr type="w" for="ch" forName="space"/>
+              <dgm:constr type="h" for="ch" forName="space" refType="h" refFor="ch" refForName="circle1"/>
+              <dgm:constr type="b" for="ch" forName="space" refType="b" refFor="ch" refForName="circle1"/>
+              <dgm:constr type="r" for="ch" forName="rect1" refType="l" refFor="ch" refForName="space"/>
+              <dgm:constr type="l" for="ch" forName="rect1"/>
+              <dgm:constr type="h" for="ch" forName="rect1" refType="h" refFor="ch" refForName="circle1"/>
+              <dgm:constr type="b" for="ch" forName="rect1" refType="b" refFor="ch" refForName="circle1"/>
+              <dgm:constr type="l" for="ch" forName="vertSpace2"/>
+              <dgm:constr type="w" for="ch" forName="vertSpace2" refType="w"/>
+              <dgm:constr type="h" for="ch" forName="vertSpace2" refType="h" refFor="ch" refForName="circle1" fact="0.05"/>
+              <dgm:constr type="b" for="ch" forName="vertSpace2" refType="b" refFor="ch" refForName="circle1"/>
+              <dgm:constr type="ctrX" for="ch" forName="circle2" refType="r" refFor="ch" refForName="space"/>
+              <dgm:constr type="h" for="ch" forName="circle2" refType="h" refFor="ch" refForName="circle1" fact="0.5"/>
+              <dgm:constr type="hOff" for="ch" forName="circle2" refType="h" refFor="ch" refForName="vertSpace2" fact="-0.5"/>
+              <dgm:constr type="w" for="ch" forName="circle2" refType="h" refFor="ch" refForName="circle2" op="equ"/>
+              <dgm:constr type="wOff" for="ch" forName="circle2" refType="hOff" refFor="ch" refForName="circle2" op="equ"/>
+              <dgm:constr type="b" for="ch" forName="circle2" refType="t" refFor="ch" refForName="vertSpace2"/>
+              <dgm:constr type="r" for="ch" forName="rect2" refType="l" refFor="ch" refForName="space"/>
+              <dgm:constr type="l" for="ch" forName="rect2"/>
+              <dgm:constr type="h" for="ch" forName="rect2" refType="h" refFor="ch" refForName="circle2"/>
+              <dgm:constr type="hOff" for="ch" forName="rect2" refType="hOff" refFor="ch" refForName="circle2"/>
+              <dgm:constr type="b" for="ch" forName="rect2" refType="b" refFor="ch" refForName="circle2"/>
+              <dgm:constr type="r" for="ch" forName="rect2ParTx" refType="l" refFor="ch" refForName="space"/>
+              <dgm:constr type="w" for="ch" forName="rect2ParTx" refType="w" refFor="ch" refForName="rect2" fact="0.5"/>
+              <dgm:constr type="t" for="ch" forName="rect2ParTx" refType="t" refFor="ch" refForName="rect2"/>
+              <dgm:constr type="b" for="ch" forName="rect2ParTx" refType="b" refFor="ch" refForName="rect2"/>
+              <dgm:constr type="r" for="ch" forName="rect2ChTx" refType="l" refFor="ch" refForName="rect2ParTx"/>
+              <dgm:constr type="w" for="ch" forName="rect2ChTx" refType="w" refFor="ch" refForName="rect2ParTx"/>
+              <dgm:constr type="t" for="ch" forName="rect2ChTx" refType="t" refFor="ch" refForName="rect2ParTx"/>
+              <dgm:constr type="b" for="ch" forName="rect2ChTx" refType="b" refFor="ch" refForName="rect2ParTx"/>
+              <dgm:constr type="r" for="ch" forName="rect2ParTxNoCh" refType="l" refFor="ch" refForName="space"/>
+              <dgm:constr type="w" for="ch" forName="rect2ParTxNoCh" refType="w" refFor="ch" refForName="rect2"/>
+              <dgm:constr type="t" for="ch" forName="rect2ParTxNoCh" refType="t" refFor="ch" refForName="rect2"/>
+              <dgm:constr type="b" for="ch" forName="rect2ParTxNoCh" refType="b" refFor="ch" refForName="rect2"/>
+              <dgm:constr type="r" for="ch" forName="rect1ParTx" refType="l" refFor="ch" refForName="space"/>
+              <dgm:constr type="w" for="ch" forName="rect1ParTx" refType="w" refFor="ch" refForName="rect1" fact="0.5"/>
+              <dgm:constr type="t" for="ch" forName="rect1ParTx" refType="t" refFor="ch" refForName="rect1"/>
+              <dgm:constr type="b" for="ch" forName="rect1ParTx" refType="t" refFor="ch" refForName="rect2"/>
+              <dgm:constr type="r" for="ch" forName="rect1ChTx" refType="l" refFor="ch" refForName="rect1ParTx"/>
+              <dgm:constr type="w" for="ch" forName="rect1ChTx" refType="w" refFor="ch" refForName="rect1ParTx"/>
+              <dgm:constr type="t" for="ch" forName="rect1ChTx" refType="t" refFor="ch" refForName="rect1ParTx"/>
+              <dgm:constr type="b" for="ch" forName="rect1ChTx" refType="b" refFor="ch" refForName="rect1ParTx"/>
+              <dgm:constr type="r" for="ch" forName="rect1ParTxNoCh" refType="l" refFor="ch" refForName="space"/>
+              <dgm:constr type="w" for="ch" forName="rect1ParTxNoCh" refType="w" refFor="ch" refForName="rect1"/>
+              <dgm:constr type="t" for="ch" forName="rect1ParTxNoCh" refType="t" refFor="ch" refForName="rect1"/>
+              <dgm:constr type="b" for="ch" forName="rect1ParTxNoCh" refType="t" refFor="ch" refForName="rect2"/>
+              <dgm:constr type="primFontSz" for="ch" op="equ" val="65"/>
+              <dgm:constr type="secFontSz" for="ch" op="equ" val="65"/>
+            </dgm:constrLst>
+          </dgm:if>
+          <dgm:if name="Name16" axis="ch" ptType="node" func="cnt" op="equ" val="3">
+            <dgm:constrLst>
+              <dgm:constr type="userA" refType="w" fact="0.3"/>
+              <dgm:constr type="w" for="ch" forName="circle1" refType="userA" fact="2"/>
+              <dgm:constr type="h" for="ch" forName="circle1" refType="w" refFor="ch" refForName="circle1" op="equ"/>
+              <dgm:constr type="r" for="ch" forName="circle1" refType="w"/>
+              <dgm:constr type="ctrY" for="ch" forName="circle1" refType="h" fact="0.5"/>
+              <dgm:constr type="r" for="ch" forName="space" refType="ctrX" refFor="ch" refForName="circle1"/>
+              <dgm:constr type="w" for="ch" forName="space"/>
+              <dgm:constr type="h" for="ch" forName="space" refType="h" refFor="ch" refForName="circle1"/>
+              <dgm:constr type="b" for="ch" forName="space" refType="b" refFor="ch" refForName="circle1"/>
+              <dgm:constr type="r" for="ch" forName="rect1" refType="l" refFor="ch" refForName="space"/>
+              <dgm:constr type="l" for="ch" forName="rect1"/>
+              <dgm:constr type="h" for="ch" forName="rect1" refType="h" refFor="ch" refForName="circle1"/>
+              <dgm:constr type="b" for="ch" forName="rect1" refType="b" refFor="ch" refForName="circle1"/>
+              <dgm:constr type="l" for="ch" forName="vertSpace2"/>
+              <dgm:constr type="w" for="ch" forName="vertSpace2" refType="w"/>
+              <dgm:constr type="h" for="ch" forName="vertSpace2" refType="h" refFor="ch" refForName="circle1" fact="0.05"/>
+              <dgm:constr type="b" for="ch" forName="vertSpace2" refType="b" refFor="ch" refForName="circle1"/>
+              <dgm:constr type="ctrX" for="ch" forName="circle2" refType="r" refFor="ch" refForName="space"/>
+              <dgm:constr type="h" for="ch" forName="circle2" refType="h" refFor="ch" refForName="circle1" fact="0.66667"/>
+              <dgm:constr type="hOff" for="ch" forName="circle2" refType="h" refFor="ch" refForName="vertSpace2" fact="-0.33333"/>
+              <dgm:constr type="w" for="ch" forName="circle2" refType="h" refFor="ch" refForName="circle2" op="equ"/>
+              <dgm:constr type="wOff" for="ch" forName="circle2" refType="hOff" refFor="ch" refForName="circle2" op="equ"/>
+              <dgm:constr type="b" for="ch" forName="circle2" refType="t" refFor="ch" refForName="vertSpace2"/>
+              <dgm:constr type="r" for="ch" forName="rect2" refType="l" refFor="ch" refForName="space"/>
+              <dgm:constr type="l" for="ch" forName="rect2"/>
+              <dgm:constr type="h" for="ch" forName="rect2" refType="h" refFor="ch" refForName="circle2"/>
+              <dgm:constr type="hOff" for="ch" forName="rect2" refType="hOff" refFor="ch" refForName="circle2"/>
+              <dgm:constr type="b" for="ch" forName="rect2" refType="b" refFor="ch" refForName="circle2"/>
+              <dgm:constr type="l" for="ch" forName="vertSpace3"/>
+              <dgm:constr type="w" for="ch" forName="vertSpace3" refType="w"/>
+              <dgm:constr type="h" for="ch" forName="vertSpace3" refType="h" refFor="ch" refForName="vertSpace2"/>
+              <dgm:constr type="b" for="ch" forName="vertSpace3" refType="t" refFor="ch" refForName="vertSpace2"/>
+              <dgm:constr type="ctrX" for="ch" forName="circle3" refType="r" refFor="ch" refForName="space"/>
+              <dgm:constr type="h" for="ch" forName="circle3" refType="h" refFor="ch" refForName="circle1" fact="0.33333"/>
+              <dgm:constr type="hOff" for="ch" forName="circle3" refType="h" refFor="ch" refForName="vertSpace2" fact="-0.66667"/>
+              <dgm:constr type="w" for="ch" forName="circle3" refType="h" refFor="ch" refForName="circle3" op="equ"/>
+              <dgm:constr type="wOff" for="ch" forName="circle3" refType="hOff" refFor="ch" refForName="circle3" op="equ"/>
+              <dgm:constr type="b" for="ch" forName="circle3" refType="t" refFor="ch" refForName="vertSpace3"/>
+              <dgm:constr type="r" for="ch" forName="rect3" refType="l" refFor="ch" refForName="space"/>
+              <dgm:constr type="l" for="ch" forName="rect3"/>
+              <dgm:constr type="h" for="ch" forName="rect3" refType="h" refFor="ch" refForName="circle3"/>
+              <dgm:constr type="hOff" for="ch" forName="rect3" refType="hOff" refFor="ch" refForName="circle3"/>
+              <dgm:constr type="b" for="ch" forName="rect3" refType="b" refFor="ch" refForName="circle3"/>
+              <dgm:constr type="r" for="ch" forName="rect3ParTx" refType="l" refFor="ch" refForName="space"/>
+              <dgm:constr type="w" for="ch" forName="rect3ParTx" refType="w" refFor="ch" refForName="rect3" fact="0.5"/>
+              <dgm:constr type="t" for="ch" forName="rect3ParTx" refType="t" refFor="ch" refForName="rect3"/>
+              <dgm:constr type="b" for="ch" forName="rect3ParTx" refType="b" refFor="ch" refForName="rect3"/>
+              <dgm:constr type="r" for="ch" forName="rect3ChTx" refType="l" refFor="ch" refForName="rect3ParTx"/>
+              <dgm:constr type="w" for="ch" forName="rect3ChTx" refType="w" refFor="ch" refForName="rect3ParTx"/>
+              <dgm:constr type="t" for="ch" forName="rect3ChTx" refType="t" refFor="ch" refForName="rect3ParTx"/>
+              <dgm:constr type="b" for="ch" forName="rect3ChTx" refType="b" refFor="ch" refForName="rect3ParTx"/>
+              <dgm:constr type="r" for="ch" forName="rect3ParTxNoCh" refType="l" refFor="ch" refForName="space"/>
+              <dgm:constr type="w" for="ch" forName="rect3ParTxNoCh" refType="w" refFor="ch" refForName="rect3"/>
+              <dgm:constr type="t" for="ch" forName="rect3ParTxNoCh" refType="t" refFor="ch" refForName="rect3"/>
+              <dgm:constr type="b" for="ch" forName="rect3ParTxNoCh" refType="b" refFor="ch" refForName="rect3"/>
+              <dgm:constr type="r" for="ch" forName="rect1ParTx" refType="l" refFor="ch" refForName="space"/>
+              <dgm:constr type="w" for="ch" forName="rect1ParTx" refType="w" refFor="ch" refForName="rect1" fact="0.5"/>
+              <dgm:constr type="t" for="ch" forName="rect1ParTx" refType="t" refFor="ch" refForName="rect1"/>
+              <dgm:constr type="b" for="ch" forName="rect1ParTx" refType="t" refFor="ch" refForName="rect2"/>
+              <dgm:constr type="r" for="ch" forName="rect1ChTx" refType="l" refFor="ch" refForName="rect1ParTx"/>
+              <dgm:constr type="w" for="ch" forName="rect1ChTx" refType="w" refFor="ch" refForName="rect1ParTx"/>
+              <dgm:constr type="t" for="ch" forName="rect1ChTx" refType="t" refFor="ch" refForName="rect1ParTx"/>
+              <dgm:constr type="b" for="ch" forName="rect1ChTx" refType="b" refFor="ch" refForName="rect1ParTx"/>
+              <dgm:constr type="r" for="ch" forName="rect1ParTxNoCh" refType="l" refFor="ch" refForName="space"/>
+              <dgm:constr type="w" for="ch" forName="rect1ParTxNoCh" refType="w" refFor="ch" refForName="rect1"/>
+              <dgm:constr type="t" for="ch" forName="rect1ParTxNoCh" refType="t" refFor="ch" refForName="rect1"/>
+              <dgm:constr type="b" for="ch" forName="rect1ParTxNoCh" refType="t" refFor="ch" refForName="rect2"/>
+              <dgm:constr type="r" for="ch" forName="rect2ParTx" refType="l" refFor="ch" refForName="space"/>
+              <dgm:constr type="w" for="ch" forName="rect2ParTx" refType="w" refFor="ch" refForName="rect2" fact="0.5"/>
+              <dgm:constr type="t" for="ch" forName="rect2ParTx" refType="t" refFor="ch" refForName="rect2"/>
+              <dgm:constr type="b" for="ch" forName="rect2ParTx" refType="t" refFor="ch" refForName="rect3"/>
+              <dgm:constr type="r" for="ch" forName="rect2ChTx" refType="l" refFor="ch" refForName="rect2ParTx"/>
+              <dgm:constr type="w" for="ch" forName="rect2ChTx" refType="w" refFor="ch" refForName="rect2ParTx"/>
+              <dgm:constr type="t" for="ch" forName="rect2ChTx" refType="t" refFor="ch" refForName="rect2ParTx"/>
+              <dgm:constr type="b" for="ch" forName="rect2ChTx" refType="b" refFor="ch" refForName="rect2ParTx"/>
+              <dgm:constr type="r" for="ch" forName="rect2ParTxNoCh" refType="l" refFor="ch" refForName="space"/>
+              <dgm:constr type="w" for="ch" forName="rect2ParTxNoCh" refType="w" refFor="ch" refForName="rect2"/>
+              <dgm:constr type="t" for="ch" forName="rect2ParTxNoCh" refType="t" refFor="ch" refForName="rect2"/>
+              <dgm:constr type="b" for="ch" forName="rect2ParTxNoCh" refType="t" refFor="ch" refForName="rect3"/>
+              <dgm:constr type="primFontSz" for="ch" op="equ" val="65"/>
+              <dgm:constr type="secFontSz" for="ch" op="equ" val="65"/>
+            </dgm:constrLst>
+          </dgm:if>
+          <dgm:if name="Name17" axis="ch" ptType="node" func="cnt" op="equ" val="4">
+            <dgm:constrLst>
+              <dgm:constr type="userA" refType="w" fact="0.3"/>
+              <dgm:constr type="w" for="ch" forName="circle1" refType="userA" fact="2"/>
+              <dgm:constr type="h" for="ch" forName="circle1" refType="w" refFor="ch" refForName="circle1" op="equ"/>
+              <dgm:constr type="r" for="ch" forName="circle1" refType="w"/>
+              <dgm:constr type="ctrY" for="ch" forName="circle1" refType="h" fact="0.5"/>
+              <dgm:constr type="r" for="ch" forName="space" refType="ctrX" refFor="ch" refForName="circle1"/>
+              <dgm:constr type="w" for="ch" forName="space"/>
+              <dgm:constr type="h" for="ch" forName="space" refType="h" refFor="ch" refForName="circle1"/>
+              <dgm:constr type="b" for="ch" forName="space" refType="b" refFor="ch" refForName="circle1"/>
+              <dgm:constr type="r" for="ch" forName="rect1" refType="l" refFor="ch" refForName="space"/>
+              <dgm:constr type="l" for="ch" forName="rect1"/>
+              <dgm:constr type="h" for="ch" forName="rect1" refType="h" refFor="ch" refForName="circle1"/>
+              <dgm:constr type="b" for="ch" forName="rect1" refType="b" refFor="ch" refForName="circle1"/>
+              <dgm:constr type="l" for="ch" forName="vertSpace2"/>
+              <dgm:constr type="w" for="ch" forName="vertSpace2" refType="w"/>
+              <dgm:constr type="h" for="ch" forName="vertSpace2" refType="h" refFor="ch" refForName="circle1" fact="0.05"/>
+              <dgm:constr type="b" for="ch" forName="vertSpace2" refType="b" refFor="ch" refForName="circle1"/>
+              <dgm:constr type="ctrX" for="ch" forName="circle2" refType="r" refFor="ch" refForName="space"/>
+              <dgm:constr type="h" for="ch" forName="circle2" refType="h" refFor="ch" refForName="circle1" fact="0.75"/>
+              <dgm:constr type="hOff" for="ch" forName="circle2" refType="h" refFor="ch" refForName="vertSpace2" fact="-0.25"/>
+              <dgm:constr type="w" for="ch" forName="circle2" refType="h" refFor="ch" refForName="circle2" op="equ"/>
+              <dgm:constr type="wOff" for="ch" forName="circle2" refType="hOff" refFor="ch" refForName="circle2" op="equ"/>
+              <dgm:constr type="b" for="ch" forName="circle2" refType="t" refFor="ch" refForName="vertSpace2"/>
+              <dgm:constr type="r" for="ch" forName="rect2" refType="l" refFor="ch" refForName="space"/>
+              <dgm:constr type="l" for="ch" forName="rect2"/>
+              <dgm:constr type="h" for="ch" forName="rect2" refType="h" refFor="ch" refForName="circle2"/>
+              <dgm:constr type="hOff" for="ch" forName="rect2" refType="hOff" refFor="ch" refForName="circle2"/>
+              <dgm:constr type="b" for="ch" forName="rect2" refType="b" refFor="ch" refForName="circle2"/>
+              <dgm:constr type="l" for="ch" forName="vertSpace3"/>
+              <dgm:constr type="w" for="ch" forName="vertSpace3" refType="w"/>
+              <dgm:constr type="h" for="ch" forName="vertSpace3" refType="h" refFor="ch" refForName="vertSpace2"/>
+              <dgm:constr type="b" for="ch" forName="vertSpace3" refType="t" refFor="ch" refForName="vertSpace2"/>
+              <dgm:constr type="ctrX" for="ch" forName="circle3" refType="r" refFor="ch" refForName="space"/>
+              <dgm:constr type="h" for="ch" forName="circle3" refType="h" refFor="ch" refForName="circle1" fact="0.5"/>
+              <dgm:constr type="hOff" for="ch" forName="circle3" refType="h" refFor="ch" refForName="vertSpace2" fact="-0.5"/>
+              <dgm:constr type="w" for="ch" forName="circle3" refType="h" refFor="ch" refForName="circle3" op="equ"/>
+              <dgm:constr type="wOff" for="ch" forName="circle3" refType="hOff" refFor="ch" refForName="circle3" op="equ"/>
+              <dgm:constr type="b" for="ch" forName="circle3" refType="t" refFor="ch" refForName="vertSpace3"/>
+              <dgm:constr type="r" for="ch" forName="rect3" refType="l" refFor="ch" refForName="space"/>
+              <dgm:constr type="l" for="ch" forName="rect3"/>
+              <dgm:constr type="h" for="ch" forName="rect3" refType="h" refFor="ch" refForName="circle3"/>
+              <dgm:constr type="hOff" for="ch" forName="rect3" refType="hOff" refFor="ch" refForName="circle3"/>
+              <dgm:constr type="b" for="ch" forName="rect3" refType="b" refFor="ch" refForName="circle3"/>
+              <dgm:constr type="l" for="ch" forName="vertSpace4"/>
+              <dgm:constr type="w" for="ch" forName="vertSpace4" refType="w"/>
+              <dgm:constr type="h" for="ch" forName="vertSpace4" refType="h" refFor="ch" refForName="vertSpace3"/>
+              <dgm:constr type="b" for="ch" forName="vertSpace4" refType="t" refFor="ch" refForName="vertSpace3"/>
+              <dgm:constr type="ctrX" for="ch" forName="circle4" refType="r" refFor="ch" refForName="space"/>
+              <dgm:constr type="h" for="ch" forName="circle4" refType="h" refFor="ch" refForName="circle1" fact="0.25"/>
+              <dgm:constr type="hOff" for="ch" forName="circle4" refType="h" refFor="ch" refForName="vertSpace2" fact="-0.75"/>
+              <dgm:constr type="w" for="ch" forName="circle4" refType="h" refFor="ch" refForName="circle4" op="equ"/>
+              <dgm:constr type="wOff" for="ch" forName="circle4" refType="hOff" refFor="ch" refForName="circle4" op="equ"/>
+              <dgm:constr type="b" for="ch" forName="circle4" refType="t" refFor="ch" refForName="vertSpace4"/>
+              <dgm:constr type="r" for="ch" forName="rect4" refType="l" refFor="ch" refForName="space"/>
+              <dgm:constr type="l" for="ch" forName="rect4"/>
+              <dgm:constr type="h" for="ch" forName="rect4" refType="h" refFor="ch" refForName="circle4"/>
+              <dgm:constr type="hOff" for="ch" forName="rect4" refType="hOff" refFor="ch" refForName="circle4"/>
+              <dgm:constr type="b" for="ch" forName="rect4" refType="b" refFor="ch" refForName="circle4"/>
+              <dgm:constr type="r" for="ch" forName="rect4ParTx" refType="l" refFor="ch" refForName="space"/>
+              <dgm:constr type="w" for="ch" forName="rect4ParTx" refType="w" refFor="ch" refForName="rect4" fact="0.5"/>
+              <dgm:constr type="t" for="ch" forName="rect4ParTx" refType="t" refFor="ch" refForName="rect4"/>
+              <dgm:constr type="b" for="ch" forName="rect4ParTx" refType="b" refFor="ch" refForName="rect4"/>
+              <dgm:constr type="r" for="ch" forName="rect4ChTx" refType="l" refFor="ch" refForName="rect4ParTx"/>
+              <dgm:constr type="w" for="ch" forName="rect4ChTx" refType="w" refFor="ch" refForName="rect4ParTx"/>
+              <dgm:constr type="t" for="ch" forName="rect4ChTx" refType="t" refFor="ch" refForName="rect4ParTx"/>
+              <dgm:constr type="b" for="ch" forName="rect4ChTx" refType="b" refFor="ch" refForName="rect4ParTx"/>
+              <dgm:constr type="r" for="ch" forName="rect4ParTxNoCh" refType="l" refFor="ch" refForName="space"/>
+              <dgm:constr type="w" for="ch" forName="rect4ParTxNoCh" refType="w" refFor="ch" refForName="rect4"/>
+              <dgm:constr type="t" for="ch" forName="rect4ParTxNoCh" refType="t" refFor="ch" refForName="rect4"/>
+              <dgm:constr type="b" for="ch" forName="rect4ParTxNoCh" refType="b" refFor="ch" refForName="rect4"/>
+              <dgm:constr type="r" for="ch" forName="rect1ParTx" refType="l" refFor="ch" refForName="space"/>
+              <dgm:constr type="w" for="ch" forName="rect1ParTx" refType="w" refFor="ch" refForName="rect1" fact="0.5"/>
+              <dgm:constr type="t" for="ch" forName="rect1ParTx" refType="t" refFor="ch" refForName="rect1"/>
+              <dgm:constr type="b" for="ch" forName="rect1ParTx" refType="t" refFor="ch" refForName="rect2"/>
+              <dgm:constr type="r" for="ch" forName="rect1ChTx" refType="l" refFor="ch" refForName="rect1ParTx"/>
+              <dgm:constr type="w" for="ch" forName="rect1ChTx" refType="w" refFor="ch" refForName="rect1ParTx"/>
+              <dgm:constr type="t" for="ch" forName="rect1ChTx" refType="t" refFor="ch" refForName="rect1ParTx"/>
+              <dgm:constr type="b" for="ch" forName="rect1ChTx" refType="b" refFor="ch" refForName="rect1ParTx"/>
+              <dgm:constr type="r" for="ch" forName="rect1ParTxNoCh" refType="l" refFor="ch" refForName="space"/>
+              <dgm:constr type="w" for="ch" forName="rect1ParTxNoCh" refType="w" refFor="ch" refForName="rect1"/>
+              <dgm:constr type="t" for="ch" forName="rect1ParTxNoCh" refType="t" refFor="ch" refForName="rect1"/>
+              <dgm:constr type="b" for="ch" forName="rect1ParTxNoCh" refType="t" refFor="ch" refForName="rect2"/>
+              <dgm:constr type="r" for="ch" forName="rect2ParTx" refType="l" refFor="ch" refForName="space"/>
+              <dgm:constr type="w" for="ch" forName="rect2ParTx" refType="w" refFor="ch" refForName="rect2" fact="0.5"/>
+              <dgm:constr type="t" for="ch" forName="rect2ParTx" refType="t" refFor="ch" refForName="rect2"/>
+              <dgm:constr type="b" for="ch" forName="rect2ParTx" refType="t" refFor="ch" refForName="rect3"/>
+              <dgm:constr type="r" for="ch" forName="rect2ChTx" refType="l" refFor="ch" refForName="rect2ParTx"/>
+              <dgm:constr type="w" for="ch" forName="rect2ChTx" refType="w" refFor="ch" refForName="rect2ParTx"/>
+              <dgm:constr type="t" for="ch" forName="rect2ChTx" refType="t" refFor="ch" refForName="rect2ParTx"/>
+              <dgm:constr type="b" for="ch" forName="rect2ChTx" refType="b" refFor="ch" refForName="rect2ParTx"/>
+              <dgm:constr type="r" for="ch" forName="rect2ParTxNoCh" refType="l" refFor="ch" refForName="space"/>
+              <dgm:constr type="w" for="ch" forName="rect2ParTxNoCh" refType="w" refFor="ch" refForName="rect2"/>
+              <dgm:constr type="t" for="ch" forName="rect2ParTxNoCh" refType="t" refFor="ch" refForName="rect2"/>
+              <dgm:constr type="b" for="ch" forName="rect2ParTxNoCh" refType="t" refFor="ch" refForName="rect3"/>
+              <dgm:constr type="r" for="ch" forName="rect3ParTx" refType="l" refFor="ch" refForName="space"/>
+              <dgm:constr type="w" for="ch" forName="rect3ParTx" refType="w" refFor="ch" refForName="rect3" fact="0.5"/>
+              <dgm:constr type="t" for="ch" forName="rect3ParTx" refType="t" refFor="ch" refForName="rect3"/>
+              <dgm:constr type="b" for="ch" forName="rect3ParTx" refType="t" refFor="ch" refForName="rect4"/>
+              <dgm:constr type="r" for="ch" forName="rect3ChTx" refType="l" refFor="ch" refForName="rect3ParTx"/>
+              <dgm:constr type="w" for="ch" forName="rect3ChTx" refType="w" refFor="ch" refForName="rect3ParTx"/>
+              <dgm:constr type="t" for="ch" forName="rect3ChTx" refType="t" refFor="ch" refForName="rect3ParTx"/>
+              <dgm:constr type="b" for="ch" forName="rect3ChTx" refType="b" refFor="ch" refForName="rect3ParTx"/>
+              <dgm:constr type="r" for="ch" forName="rect3ParTxNoCh" refType="l" refFor="ch" refForName="space"/>
+              <dgm:constr type="w" for="ch" forName="rect3ParTxNoCh" refType="w" refFor="ch" refForName="rect3"/>
+              <dgm:constr type="t" for="ch" forName="rect3ParTxNoCh" refType="t" refFor="ch" refForName="rect3"/>
+              <dgm:constr type="b" for="ch" forName="rect3ParTxNoCh" refType="t" refFor="ch" refForName="rect4"/>
+              <dgm:constr type="primFontSz" for="ch" op="equ" val="65"/>
+              <dgm:constr type="secFontSz" for="ch" op="equ" val="65"/>
+            </dgm:constrLst>
+          </dgm:if>
+          <dgm:if name="Name18" axis="ch" ptType="node" func="cnt" op="equ" val="5">
+            <dgm:constrLst>
+              <dgm:constr type="userA" refType="w" fact="0.3"/>
+              <dgm:constr type="w" for="ch" forName="circle1" refType="userA" fact="2"/>
+              <dgm:constr type="h" for="ch" forName="circle1" refType="w" refFor="ch" refForName="circle1" op="equ"/>
+              <dgm:constr type="r" for="ch" forName="circle1" refType="w"/>
+              <dgm:constr type="ctrY" for="ch" forName="circle1" refType="h" fact="0.5"/>
+              <dgm:constr type="r" for="ch" forName="space" refType="ctrX" refFor="ch" refForName="circle1"/>
+              <dgm:constr type="w" for="ch" forName="space"/>
+              <dgm:constr type="h" for="ch" forName="space" refType="h" refFor="ch" refForName="circle1"/>
+              <dgm:constr type="b" for="ch" forName="space" refType="b" refFor="ch" refForName="circle1"/>
+              <dgm:constr type="r" for="ch" forName="rect1" refType="l" refFor="ch" refForName="space"/>
+              <dgm:constr type="l" for="ch" forName="rect1"/>
+              <dgm:constr type="h" for="ch" forName="rect1" refType="h" refFor="ch" refForName="circle1"/>
+              <dgm:constr type="b" for="ch" forName="rect1" refType="b" refFor="ch" refForName="circle1"/>
+              <dgm:constr type="l" for="ch" forName="vertSpace2"/>
+              <dgm:constr type="w" for="ch" forName="vertSpace2" refType="w"/>
+              <dgm:constr type="h" for="ch" forName="vertSpace2" refType="h" refFor="ch" refForName="circle1" fact="0.05"/>
+              <dgm:constr type="b" for="ch" forName="vertSpace2" refType="b" refFor="ch" refForName="circle1"/>
+              <dgm:constr type="ctrX" for="ch" forName="circle2" refType="r" refFor="ch" refForName="space"/>
+              <dgm:constr type="h" for="ch" forName="circle2" refType="h" refFor="ch" refForName="circle1" fact="0.8"/>
+              <dgm:constr type="hOff" for="ch" forName="circle2" refType="h" refFor="ch" refForName="vertSpace2" fact="-0.2"/>
+              <dgm:constr type="w" for="ch" forName="circle2" refType="h" refFor="ch" refForName="circle2" op="equ"/>
+              <dgm:constr type="wOff" for="ch" forName="circle2" refType="hOff" refFor="ch" refForName="circle2" op="equ"/>
+              <dgm:constr type="b" for="ch" forName="circle2" refType="t" refFor="ch" refForName="vertSpace2"/>
+              <dgm:constr type="r" for="ch" forName="rect2" refType="l" refFor="ch" refForName="space"/>
+              <dgm:constr type="l" for="ch" forName="rect2"/>
+              <dgm:constr type="h" for="ch" forName="rect2" refType="h" refFor="ch" refForName="circle2"/>
+              <dgm:constr type="hOff" for="ch" forName="rect2" refType="hOff" refFor="ch" refForName="circle2"/>
+              <dgm:constr type="b" for="ch" forName="rect2" refType="b" refFor="ch" refForName="circle2"/>
+              <dgm:constr type="l" for="ch" forName="vertSpace3"/>
+              <dgm:constr type="w" for="ch" forName="vertSpace3" refType="w"/>
+              <dgm:constr type="h" for="ch" forName="vertSpace3" refType="h" refFor="ch" refForName="vertSpace2"/>
+              <dgm:constr type="b" for="ch" forName="vertSpace3" refType="t" refFor="ch" refForName="vertSpace2"/>
+              <dgm:constr type="ctrX" for="ch" forName="circle3" refType="r" refFor="ch" refForName="space"/>
+              <dgm:constr type="h" for="ch" forName="circle3" refType="h" refFor="ch" refForName="circle1" fact="0.6"/>
+              <dgm:constr type="hOff" for="ch" forName="circle3" refType="h" refFor="ch" refForName="vertSpace2" fact="-0.4"/>
+              <dgm:constr type="w" for="ch" forName="circle3" refType="h" refFor="ch" refForName="circle3" op="equ"/>
+              <dgm:constr type="wOff" for="ch" forName="circle3" refType="hOff" refFor="ch" refForName="circle3" op="equ"/>
+              <dgm:constr type="b" for="ch" forName="circle3" refType="t" refFor="ch" refForName="vertSpace3"/>
+              <dgm:constr type="r" for="ch" forName="rect3" refType="l" refFor="ch" refForName="space"/>
+              <dgm:constr type="l" for="ch" forName="rect3"/>
+              <dgm:constr type="h" for="ch" forName="rect3" refType="h" refFor="ch" refForName="circle3"/>
+              <dgm:constr type="hOff" for="ch" forName="rect3" refType="hOff" refFor="ch" refForName="circle3"/>
+              <dgm:constr type="b" for="ch" forName="rect3" refType="b" refFor="ch" refForName="circle3"/>
+              <dgm:constr type="l" for="ch" forName="vertSpace4"/>
+              <dgm:constr type="w" for="ch" forName="vertSpace4" refType="w"/>
+              <dgm:constr type="h" for="ch" forName="vertSpace4" refType="h" refFor="ch" refForName="vertSpace3"/>
+              <dgm:constr type="b" for="ch" forName="vertSpace4" refType="t" refFor="ch" refForName="vertSpace3"/>
+              <dgm:constr type="ctrX" for="ch" forName="circle4" refType="r" refFor="ch" refForName="space"/>
+              <dgm:constr type="h" for="ch" forName="circle4" refType="h" refFor="ch" refForName="circle1" fact="0.4"/>
+              <dgm:constr type="hOff" for="ch" forName="circle4" refType="h" refFor="ch" refForName="vertSpace2" fact="-0.6"/>
+              <dgm:constr type="w" for="ch" forName="circle4" refType="h" refFor="ch" refForName="circle4" op="equ"/>
+              <dgm:constr type="wOff" for="ch" forName="circle4" refType="hOff" refFor="ch" refForName="circle4" op="equ"/>
+              <dgm:constr type="b" for="ch" forName="circle4" refType="t" refFor="ch" refForName="vertSpace4"/>
+              <dgm:constr type="r" for="ch" forName="rect4" refType="l" refFor="ch" refForName="space"/>
+              <dgm:constr type="l" for="ch" forName="rect4"/>
+              <dgm:constr type="h" for="ch" forName="rect4" refType="h" refFor="ch" refForName="circle4"/>
+              <dgm:constr type="hOff" for="ch" forName="rect4" refType="hOff" refFor="ch" refForName="circle4"/>
+              <dgm:constr type="b" for="ch" forName="rect4" refType="b" refFor="ch" refForName="circle4"/>
+              <dgm:constr type="l" for="ch" forName="vertSpace5"/>
+              <dgm:constr type="w" for="ch" forName="vertSpace5" refType="w"/>
+              <dgm:constr type="h" for="ch" forName="vertSpace5" refType="h" refFor="ch" refForName="vertSpace4"/>
+              <dgm:constr type="b" for="ch" forName="vertSpace5" refType="t" refFor="ch" refForName="vertSpace4"/>
+              <dgm:constr type="ctrX" for="ch" forName="circle5" refType="r" refFor="ch" refForName="space"/>
+              <dgm:constr type="h" for="ch" forName="circle5" refType="h" refFor="ch" refForName="circle1" fact="0.2"/>
+              <dgm:constr type="hOff" for="ch" forName="circle5" refType="h" refFor="ch" refForName="vertSpace2" fact="-0.8"/>
+              <dgm:constr type="w" for="ch" forName="circle5" refType="h" refFor="ch" refForName="circle5" op="equ"/>
+              <dgm:constr type="wOff" for="ch" forName="circle5" refType="hOff" refFor="ch" refForName="circle5" op="equ"/>
+              <dgm:constr type="b" for="ch" forName="circle5" refType="t" refFor="ch" refForName="vertSpace5"/>
+              <dgm:constr type="r" for="ch" forName="rect5" refType="l" refFor="ch" refForName="space"/>
+              <dgm:constr type="l" for="ch" forName="rect5"/>
+              <dgm:constr type="h" for="ch" forName="rect5" refType="h" refFor="ch" refForName="circle5"/>
+              <dgm:constr type="hOff" for="ch" forName="rect5" refType="hOff" refFor="ch" refForName="circle5"/>
+              <dgm:constr type="b" for="ch" forName="rect5" refType="b" refFor="ch" refForName="circle5"/>
+              <dgm:constr type="r" for="ch" forName="rect5ParTx" refType="l" refFor="ch" refForName="space"/>
+              <dgm:constr type="w" for="ch" forName="rect5ParTx" refType="w" refFor="ch" refForName="rect5" fact="0.5"/>
+              <dgm:constr type="t" for="ch" forName="rect5ParTx" refType="t" refFor="ch" refForName="rect5"/>
+              <dgm:constr type="b" for="ch" forName="rect5ParTx" refType="b" refFor="ch" refForName="rect5"/>
+              <dgm:constr type="r" for="ch" forName="rect5ChTx" refType="l" refFor="ch" refForName="rect5ParTx"/>
+              <dgm:constr type="w" for="ch" forName="rect5ChTx" refType="w" refFor="ch" refForName="rect5ParTx"/>
+              <dgm:constr type="t" for="ch" forName="rect5ChTx" refType="t" refFor="ch" refForName="rect5ParTx"/>
+              <dgm:constr type="b" for="ch" forName="rect5ChTx" refType="b" refFor="ch" refForName="rect5ParTx"/>
+              <dgm:constr type="r" for="ch" forName="rect5ParTxNoCh" refType="l" refFor="ch" refForName="space"/>
+              <dgm:constr type="w" for="ch" forName="rect5ParTxNoCh" refType="w" refFor="ch" refForName="rect5"/>
+              <dgm:constr type="t" for="ch" forName="rect5ParTxNoCh" refType="t" refFor="ch" refForName="rect5"/>
+              <dgm:constr type="b" for="ch" forName="rect5ParTxNoCh" refType="b" refFor="ch" refForName="rect5"/>
+              <dgm:constr type="r" for="ch" forName="rect1ParTx" refType="l" refFor="ch" refForName="space"/>
+              <dgm:constr type="w" for="ch" forName="rect1ParTx" refType="w" refFor="ch" refForName="rect1" fact="0.5"/>
+              <dgm:constr type="t" for="ch" forName="rect1ParTx" refType="t" refFor="ch" refForName="rect1"/>
+              <dgm:constr type="b" for="ch" forName="rect1ParTx" refType="t" refFor="ch" refForName="rect2"/>
+              <dgm:constr type="r" for="ch" forName="rect1ChTx" refType="l" refFor="ch" refForName="rect1ParTx"/>
+              <dgm:constr type="w" for="ch" forName="rect1ChTx" refType="w" refFor="ch" refForName="rect1ParTx"/>
+              <dgm:constr type="t" for="ch" forName="rect1ChTx" refType="t" refFor="ch" refForName="rect1ParTx"/>
+              <dgm:constr type="b" for="ch" forName="rect1ChTx" refType="b" refFor="ch" refForName="rect1ParTx"/>
+              <dgm:constr type="r" for="ch" forName="rect1ParTxNoCh" refType="l" refFor="ch" refForName="space"/>
+              <dgm:constr type="w" for="ch" forName="rect1ParTxNoCh" refType="w" refFor="ch" refForName="rect1"/>
+              <dgm:constr type="t" for="ch" forName="rect1ParTxNoCh" refType="t" refFor="ch" refForName="rect1"/>
+              <dgm:constr type="b" for="ch" forName="rect1ParTxNoCh" refType="t" refFor="ch" refForName="rect2"/>
+              <dgm:constr type="r" for="ch" forName="rect2ParTx" refType="l" refFor="ch" refForName="space"/>
+              <dgm:constr type="w" for="ch" forName="rect2ParTx" refType="w" refFor="ch" refForName="rect2" fact="0.5"/>
+              <dgm:constr type="t" for="ch" forName="rect2ParTx" refType="t" refFor="ch" refForName="rect2"/>
+              <dgm:constr type="b" for="ch" forName="rect2ParTx" refType="t" refFor="ch" refForName="rect3"/>
+              <dgm:constr type="r" for="ch" forName="rect2ChTx" refType="l" refFor="ch" refForName="rect2ParTx"/>
+              <dgm:constr type="w" for="ch" forName="rect2ChTx" refType="w" refFor="ch" refForName="rect2ParTx"/>
+              <dgm:constr type="t" for="ch" forName="rect2ChTx" refType="t" refFor="ch" refForName="rect2ParTx"/>
+              <dgm:constr type="b" for="ch" forName="rect2ChTx" refType="b" refFor="ch" refForName="rect2ParTx"/>
+              <dgm:constr type="r" for="ch" forName="rect2ParTxNoCh" refType="l" refFor="ch" refForName="space"/>
+              <dgm:constr type="w" for="ch" forName="rect2ParTxNoCh" refType="w" refFor="ch" refForName="rect2"/>
+              <dgm:constr type="t" for="ch" forName="rect2ParTxNoCh" refType="t" refFor="ch" refForName="rect2"/>
+              <dgm:constr type="b" for="ch" forName="rect2ParTxNoCh" refType="t" refFor="ch" refForName="rect3"/>
+              <dgm:constr type="r" for="ch" forName="rect3ParTx" refType="l" refFor="ch" refForName="space"/>
+              <dgm:constr type="w" for="ch" forName="rect3ParTx" refType="w" refFor="ch" refForName="rect3" fact="0.5"/>
+              <dgm:constr type="t" for="ch" forName="rect3ParTx" refType="t" refFor="ch" refForName="rect3"/>
+              <dgm:constr type="b" for="ch" forName="rect3ParTx" refType="t" refFor="ch" refForName="rect4"/>
+              <dgm:constr type="r" for="ch" forName="rect3ChTx" refType="l" refFor="ch" refForName="rect3ParTx"/>
+              <dgm:constr type="w" for="ch" forName="rect3ChTx" refType="w" refFor="ch" refForName="rect3ParTx"/>
+              <dgm:constr type="t" for="ch" forName="rect3ChTx" refType="t" refFor="ch" refForName="rect3ParTx"/>
+              <dgm:constr type="b" for="ch" forName="rect3ChTx" refType="b" refFor="ch" refForName="rect3ParTx"/>
+              <dgm:constr type="r" for="ch" forName="rect3ParTxNoCh" refType="l" refFor="ch" refForName="space"/>
+              <dgm:constr type="w" for="ch" forName="rect3ParTxNoCh" refType="w" refFor="ch" refForName="rect3"/>
+              <dgm:constr type="t" for="ch" forName="rect3ParTxNoCh" refType="t" refFor="ch" refForName="rect3"/>
+              <dgm:constr type="b" for="ch" forName="rect3ParTxNoCh" refType="t" refFor="ch" refForName="rect4"/>
+              <dgm:constr type="r" for="ch" forName="rect4ParTx" refType="l" refFor="ch" refForName="space"/>
+              <dgm:constr type="w" for="ch" forName="rect4ParTx" refType="w" refFor="ch" refForName="rect4" fact="0.5"/>
+              <dgm:constr type="t" for="ch" forName="rect4ParTx" refType="t" refFor="ch" refForName="rect4"/>
+              <dgm:constr type="b" for="ch" forName="rect4ParTx" refType="t" refFor="ch" refForName="rect5"/>
+              <dgm:constr type="r" for="ch" forName="rect4ChTx" refType="l" refFor="ch" refForName="rect4ParTx"/>
+              <dgm:constr type="w" for="ch" forName="rect4ChTx" refType="w" refFor="ch" refForName="rect4ParTx"/>
+              <dgm:constr type="t" for="ch" forName="rect4ChTx" refType="t" refFor="ch" refForName="rect4ParTx"/>
+              <dgm:constr type="b" for="ch" forName="rect4ChTx" refType="b" refFor="ch" refForName="rect4ParTx"/>
+              <dgm:constr type="r" for="ch" forName="rect4ParTxNoCh" refType="l" refFor="ch" refForName="space"/>
+              <dgm:constr type="w" for="ch" forName="rect4ParTxNoCh" refType="w" refFor="ch" refForName="rect4"/>
+              <dgm:constr type="t" for="ch" forName="rect4ParTxNoCh" refType="t" refFor="ch" refForName="rect4"/>
+              <dgm:constr type="b" for="ch" forName="rect4ParTxNoCh" refType="t" refFor="ch" refForName="rect5"/>
+              <dgm:constr type="primFontSz" for="ch" op="equ" val="65"/>
+              <dgm:constr type="secFontSz" for="ch" op="equ" val="65"/>
+            </dgm:constrLst>
+          </dgm:if>
+          <dgm:if name="Name19" axis="ch" ptType="node" func="cnt" op="equ" val="6">
+            <dgm:constrLst>
+              <dgm:constr type="userA" refType="w" fact="0.3"/>
+              <dgm:constr type="w" for="ch" forName="circle1" refType="userA" fact="2"/>
+              <dgm:constr type="h" for="ch" forName="circle1" refType="w" refFor="ch" refForName="circle1" op="equ"/>
+              <dgm:constr type="r" for="ch" forName="circle1" refType="w"/>
+              <dgm:constr type="ctrY" for="ch" forName="circle1" refType="h" fact="0.5"/>
+              <dgm:constr type="r" for="ch" forName="space" refType="ctrX" refFor="ch" refForName="circle1"/>
+              <dgm:constr type="w" for="ch" forName="space"/>
+              <dgm:constr type="h" for="ch" forName="space" refType="h" refFor="ch" refForName="circle1"/>
+              <dgm:constr type="b" for="ch" forName="space" refType="b" refFor="ch" refForName="circle1"/>
+              <dgm:constr type="r" for="ch" forName="rect1" refType="l" refFor="ch" refForName="space"/>
+              <dgm:constr type="l" for="ch" forName="rect1"/>
+              <dgm:constr type="h" for="ch" forName="rect1" refType="h" refFor="ch" refForName="circle1"/>
+              <dgm:constr type="b" for="ch" forName="rect1" refType="b" refFor="ch" refForName="circle1"/>
+              <dgm:constr type="l" for="ch" forName="vertSpace2"/>
+              <dgm:constr type="w" for="ch" forName="vertSpace2" refType="w"/>
+              <dgm:constr type="h" for="ch" forName="vertSpace2" refType="h" refFor="ch" refForName="circle1" fact="0.05"/>
+              <dgm:constr type="b" for="ch" forName="vertSpace2" refType="b" refFor="ch" refForName="circle1"/>
+              <dgm:constr type="ctrX" for="ch" forName="circle2" refType="r" refFor="ch" refForName="space"/>
+              <dgm:constr type="h" for="ch" forName="circle2" refType="h" refFor="ch" refForName="circle1" fact="0.83333"/>
+              <dgm:constr type="hOff" for="ch" forName="circle2" refType="h" refFor="ch" refForName="vertSpace2" fact="-0.16667"/>
+              <dgm:constr type="w" for="ch" forName="circle2" refType="h" refFor="ch" refForName="circle2" op="equ"/>
+              <dgm:constr type="wOff" for="ch" forName="circle2" refType="hOff" refFor="ch" refForName="circle2" op="equ"/>
+              <dgm:constr type="b" for="ch" forName="circle2" refType="t" refFor="ch" refForName="vertSpace2"/>
+              <dgm:constr type="r" for="ch" forName="rect2" refType="l" refFor="ch" refForName="space"/>
+              <dgm:constr type="l" for="ch" forName="rect2"/>
+              <dgm:constr type="h" for="ch" forName="rect2" refType="h" refFor="ch" refForName="circle2"/>
+              <dgm:constr type="hOff" for="ch" forName="rect2" refType="hOff" refFor="ch" refForName="circle2"/>
+              <dgm:constr type="b" for="ch" forName="rect2" refType="b" refFor="ch" refForName="circle2"/>
+              <dgm:constr type="l" for="ch" forName="vertSpace3"/>
+              <dgm:constr type="w" for="ch" forName="vertSpace3" refType="w"/>
+              <dgm:constr type="h" for="ch" forName="vertSpace3" refType="h" refFor="ch" refForName="vertSpace2"/>
+              <dgm:constr type="b" for="ch" forName="vertSpace3" refType="t" refFor="ch" refForName="vertSpace2"/>
+              <dgm:constr type="ctrX" for="ch" forName="circle3" refType="r" refFor="ch" refForName="space"/>
+              <dgm:constr type="h" for="ch" forName="circle3" refType="h" refFor="ch" refForName="circle1" fact="0.66667"/>
+              <dgm:constr type="hOff" for="ch" forName="circle3" refType="h" refFor="ch" refForName="vertSpace2" fact="-0.33333"/>
+              <dgm:constr type="w" for="ch" forName="circle3" refType="h" refFor="ch" refForName="circle3" op="equ"/>
+              <dgm:constr type="wOff" for="ch" forName="circle3" refType="hOff" refFor="ch" refForName="circle3" op="equ"/>
+              <dgm:constr type="b" for="ch" forName="circle3" refType="t" refFor="ch" refForName="vertSpace3"/>
+              <dgm:constr type="r" for="ch" forName="rect3" refType="l" refFor="ch" refForName="space"/>
+              <dgm:constr type="l" for="ch" forName="rect3"/>
+              <dgm:constr type="h" for="ch" forName="rect3" refType="h" refFor="ch" refForName="circle3"/>
+              <dgm:constr type="hOff" for="ch" forName="rect3" refType="hOff" refFor="ch" refForName="circle3"/>
+              <dgm:constr type="b" for="ch" forName="rect3" refType="b" refFor="ch" refForName="circle3"/>
+              <dgm:constr type="l" for="ch" forName="vertSpace4"/>
+              <dgm:constr type="w" for="ch" forName="vertSpace4" refType="w"/>
+              <dgm:constr type="h" for="ch" forName="vertSpace4" refType="h" refFor="ch" refForName="vertSpace3"/>
+              <dgm:constr type="b" for="ch" forName="vertSpace4" refType="t" refFor="ch" refForName="vertSpace3"/>
+              <dgm:constr type="ctrX" for="ch" forName="circle4" refType="r" refFor="ch" refForName="space"/>
+              <dgm:constr type="h" for="ch" forName="circle4" refType="h" refFor="ch" refForName="circle1" fact="0.5"/>
+              <dgm:constr type="hOff" for="ch" forName="circle4" refType="h" refFor="ch" refForName="vertSpace2" fact="-0.5"/>
+              <dgm:constr type="w" for="ch" forName="circle4" refType="h" refFor="ch" refForName="circle4" op="equ"/>
+              <dgm:constr type="wOff" for="ch" forName="circle4" refType="hOff" refFor="ch" refForName="circle4" op="equ"/>
+              <dgm:constr type="b" for="ch" forName="circle4" refType="t" refFor="ch" refForName="vertSpace4"/>
+              <dgm:constr type="r" for="ch" forName="rect4" refType="l" refFor="ch" refForName="space"/>
+              <dgm:constr type="l" for="ch" forName="rect4"/>
+              <dgm:constr type="h" for="ch" forName="rect4" refType="h" refFor="ch" refForName="circle4"/>
+              <dgm:constr type="hOff" for="ch" forName="rect4" refType="hOff" refFor="ch" refForName="circle4"/>
+              <dgm:constr type="b" for="ch" forName="rect4" refType="b" refFor="ch" refForName="circle4"/>
+              <dgm:constr type="l" for="ch" forName="vertSpace5"/>
+              <dgm:constr type="w" for="ch" forName="vertSpace5" refType="w"/>
+              <dgm:constr type="h" for="ch" forName="vertSpace5" refType="h" refFor="ch" refForName="vertSpace4"/>
+              <dgm:constr type="b" for="ch" forName="vertSpace5" refType="t" refFor="ch" refForName="vertSpace4"/>
+              <dgm:constr type="ctrX" for="ch" forName="circle5" refType="r" refFor="ch" refForName="space"/>
+              <dgm:constr type="h" for="ch" forName="circle5" refType="h" refFor="ch" refForName="circle1" fact="0.33333"/>
+              <dgm:constr type="hOff" for="ch" forName="circle5" refType="h" refFor="ch" refForName="vertSpace2" fact="-0.66667"/>
+              <dgm:constr type="w" for="ch" forName="circle5" refType="h" refFor="ch" refForName="circle5" op="equ"/>
+              <dgm:constr type="wOff" for="ch" forName="circle5" refType="hOff" refFor="ch" refForName="circle5" op="equ"/>
+              <dgm:constr type="b" for="ch" forName="circle5" refType="t" refFor="ch" refForName="vertSpace5"/>
+              <dgm:constr type="r" for="ch" forName="rect5" refType="l" refFor="ch" refForName="space"/>
+              <dgm:constr type="l" for="ch" forName="rect5"/>
+              <dgm:constr type="h" for="ch" forName="rect5" refType="h" refFor="ch" refForName="circle5"/>
+              <dgm:constr type="hOff" for="ch" forName="rect5" refType="hOff" refFor="ch" refForName="circle5"/>
+              <dgm:constr type="b" for="ch" forName="rect5" refType="b" refFor="ch" refForName="circle5"/>
+              <dgm:constr type="l" for="ch" forName="vertSpace6"/>
+              <dgm:constr type="w" for="ch" forName="vertSpace6" refType="w"/>
+              <dgm:constr type="h" for="ch" forName="vertSpace6" refType="h" refFor="ch" refForName="vertSpace5"/>
+              <dgm:constr type="b" for="ch" forName="vertSpace6" refType="t" refFor="ch" refForName="vertSpace5"/>
+              <dgm:constr type="ctrX" for="ch" forName="circle6" refType="r" refFor="ch" refForName="space"/>
+              <dgm:constr type="h" for="ch" forName="circle6" refType="h" refFor="ch" refForName="circle1" fact="0.16667"/>
+              <dgm:constr type="hOff" for="ch" forName="circle6" refType="h" refFor="ch" refForName="vertSpace2" fact="-0.83333"/>
+              <dgm:constr type="w" for="ch" forName="circle6" refType="h" refFor="ch" refForName="circle6" op="equ"/>
+              <dgm:constr type="wOff" for="ch" forName="circle6" refType="hOff" refFor="ch" refForName="circle6" op="equ"/>
+              <dgm:constr type="b" for="ch" forName="circle6" refType="t" refFor="ch" refForName="vertSpace6"/>
+              <dgm:constr type="r" for="ch" forName="rect6" refType="l" refFor="ch" refForName="space"/>
+              <dgm:constr type="l" for="ch" forName="rect6"/>
+              <dgm:constr type="h" for="ch" forName="rect6" refType="h" refFor="ch" refForName="circle6"/>
+              <dgm:constr type="hOff" for="ch" forName="rect6" refType="hOff" refFor="ch" refForName="circle6"/>
+              <dgm:constr type="b" for="ch" forName="rect6" refType="b" refFor="ch" refForName="circle6"/>
+              <dgm:constr type="r" for="ch" forName="rect6ParTx" refType="l" refFor="ch" refForName="space"/>
+              <dgm:constr type="w" for="ch" forName="rect6ParTx" refType="w" refFor="ch" refForName="rect6" fact="0.5"/>
+              <dgm:constr type="t" for="ch" forName="rect6ParTx" refType="t" refFor="ch" refForName="rect6"/>
+              <dgm:constr type="b" for="ch" forName="rect6ParTx" refType="b" refFor="ch" refForName="rect6"/>
+              <dgm:constr type="r" for="ch" forName="rect6ChTx" refType="l" refFor="ch" refForName="rect6ParTx"/>
+              <dgm:constr type="w" for="ch" forName="rect6ChTx" refType="w" refFor="ch" refForName="rect6ParTx"/>
+              <dgm:constr type="t" for="ch" forName="rect6ChTx" refType="t" refFor="ch" refForName="rect6ParTx"/>
+              <dgm:constr type="b" for="ch" forName="rect6ChTx" refType="b" refFor="ch" refForName="rect6ParTx"/>
+              <dgm:constr type="r" for="ch" forName="rect6ParTxNoCh" refType="l" refFor="ch" refForName="space"/>
+              <dgm:constr type="w" for="ch" forName="rect6ParTxNoCh" refType="w" refFor="ch" refForName="rect6"/>
+              <dgm:constr type="t" for="ch" forName="rect6ParTxNoCh" refType="t" refFor="ch" refForName="rect6"/>
+              <dgm:constr type="b" for="ch" forName="rect6ParTxNoCh" refType="b" refFor="ch" refForName="rect6"/>
+              <dgm:constr type="r" for="ch" forName="rect1ParTx" refType="l" refFor="ch" refForName="space"/>
+              <dgm:constr type="w" for="ch" forName="rect1ParTx" refType="w" refFor="ch" refForName="rect1" fact="0.5"/>
+              <dgm:constr type="t" for="ch" forName="rect1ParTx" refType="t" refFor="ch" refForName="rect1"/>
+              <dgm:constr type="b" for="ch" forName="rect1ParTx" refType="t" refFor="ch" refForName="rect2"/>
+              <dgm:constr type="r" for="ch" forName="rect1ChTx" refType="l" refFor="ch" refForName="rect1ParTx"/>
+              <dgm:constr type="w" for="ch" forName="rect1ChTx" refType="w" refFor="ch" refForName="rect1ParTx"/>
+              <dgm:constr type="t" for="ch" forName="rect1ChTx" refType="t" refFor="ch" refForName="rect1ParTx"/>
+              <dgm:constr type="b" for="ch" forName="rect1ChTx" refType="b" refFor="ch" refForName="rect1ParTx"/>
+              <dgm:constr type="r" for="ch" forName="rect1ParTxNoCh" refType="l" refFor="ch" refForName="space"/>
+              <dgm:constr type="w" for="ch" forName="rect1ParTxNoCh" refType="w" refFor="ch" refForName="rect1"/>
+              <dgm:constr type="t" for="ch" forName="rect1ParTxNoCh" refType="t" refFor="ch" refForName="rect1"/>
+              <dgm:constr type="b" for="ch" forName="rect1ParTxNoCh" refType="t" refFor="ch" refForName="rect2"/>
+              <dgm:constr type="r" for="ch" forName="rect2ParTx" refType="l" refFor="ch" refForName="space"/>
+              <dgm:constr type="w" for="ch" forName="rect2ParTx" refType="w" refFor="ch" refForName="rect2" fact="0.5"/>
+              <dgm:constr type="t" for="ch" forName="rect2ParTx" refType="t" refFor="ch" refForName="rect2"/>
+              <dgm:constr type="b" for="ch" forName="rect2ParTx" refType="t" refFor="ch" refForName="rect3"/>
+              <dgm:constr type="r" for="ch" forName="rect2ChTx" refType="l" refFor="ch" refForName="rect2ParTx"/>
+              <dgm:constr type="w" for="ch" forName="rect2ChTx" refType="w" refFor="ch" refForName="rect2ParTx"/>
+              <dgm:constr type="t" for="ch" forName="rect2ChTx" refType="t" refFor="ch" refForName="rect2ParTx"/>
+              <dgm:constr type="b" for="ch" forName="rect2ChTx" refType="b" refFor="ch" refForName="rect2ParTx"/>
+              <dgm:constr type="r" for="ch" forName="rect2ParTxNoCh" refType="l" refFor="ch" refForName="space"/>
+              <dgm:constr type="w" for="ch" forName="rect2ParTxNoCh" refType="w" refFor="ch" refForName="rect2"/>
+              <dgm:constr type="t" for="ch" forName="rect2ParTxNoCh" refType="t" refFor="ch" refForName="rect2"/>
+              <dgm:constr type="b" for="ch" forName="rect2ParTxNoCh" refType="t" refFor="ch" refForName="rect3"/>
+              <dgm:constr type="r" for="ch" forName="rect3ParTx" refType="l" refFor="ch" refForName="space"/>
+              <dgm:constr type="w" for="ch" forName="rect3ParTx" refType="w" refFor="ch" refForName="rect3" fact="0.5"/>
+              <dgm:constr type="t" for="ch" forName="rect3ParTx" refType="t" refFor="ch" refForName="rect3"/>
+              <dgm:constr type="b" for="ch" forName="rect3ParTx" refType="t" refFor="ch" refForName="rect4"/>
+              <dgm:constr type="r" for="ch" forName="rect3ChTx" refType="l" refFor="ch" refForName="rect3ParTx"/>
+              <dgm:constr type="w" for="ch" forName="rect3ChTx" refType="w" refFor="ch" refForName="rect3ParTx"/>
+              <dgm:constr type="t" for="ch" forName="rect3ChTx" refType="t" refFor="ch" refForName="rect3ParTx"/>
+              <dgm:constr type="b" for="ch" forName="rect3ChTx" refType="b" refFor="ch" refForName="rect3ParTx"/>
+              <dgm:constr type="r" for="ch" forName="rect3ParTxNoCh" refType="l" refFor="ch" refForName="space"/>
+              <dgm:constr type="w" for="ch" forName="rect3ParTxNoCh" refType="w" refFor="ch" refForName="rect3"/>
+              <dgm:constr type="t" for="ch" forName="rect3ParTxNoCh" refType="t" refFor="ch" refForName="rect3"/>
+              <dgm:constr type="b" for="ch" forName="rect3ParTxNoCh" refType="t" refFor="ch" refForName="rect4"/>
+              <dgm:constr type="r" for="ch" forName="rect4ParTx" refType="l" refFor="ch" refForName="space"/>
+              <dgm:constr type="w" for="ch" forName="rect4ParTx" refType="w" refFor="ch" refForName="rect4" fact="0.5"/>
+              <dgm:constr type="t" for="ch" forName="rect4ParTx" refType="t" refFor="ch" refForName="rect4"/>
+              <dgm:constr type="b" for="ch" forName="rect4ParTx" refType="t" refFor="ch" refForName="rect5"/>
+              <dgm:constr type="r" for="ch" forName="rect4ChTx" refType="l" refFor="ch" refForName="rect4ParTx"/>
+              <dgm:constr type="w" for="ch" forName="rect4ChTx" refType="w" refFor="ch" refForName="rect4ParTx"/>
+              <dgm:constr type="t" for="ch" forName="rect4ChTx" refType="t" refFor="ch" refForName="rect4ParTx"/>
+              <dgm:constr type="b" for="ch" forName="rect4ChTx" refType="b" refFor="ch" refForName="rect4ParTx"/>
+              <dgm:constr type="r" for="ch" forName="rect4ParTxNoCh" refType="l" refFor="ch" refForName="space"/>
+              <dgm:constr type="w" for="ch" forName="rect4ParTxNoCh" refType="w" refFor="ch" refForName="rect4"/>
+              <dgm:constr type="t" for="ch" forName="rect4ParTxNoCh" refType="t" refFor="ch" refForName="rect4"/>
+              <dgm:constr type="b" for="ch" forName="rect4ParTxNoCh" refType="t" refFor="ch" refForName="rect5"/>
+              <dgm:constr type="r" for="ch" forName="rect5ParTx" refType="l" refFor="ch" refForName="space"/>
+              <dgm:constr type="w" for="ch" forName="rect5ParTx" refType="w" refFor="ch" refForName="rect5" fact="0.5"/>
+              <dgm:constr type="t" for="ch" forName="rect5ParTx" refType="t" refFor="ch" refForName="rect5"/>
+              <dgm:constr type="b" for="ch" forName="rect5ParTx" refType="t" refFor="ch" refForName="rect6"/>
+              <dgm:constr type="r" for="ch" forName="rect5ChTx" refType="l" refFor="ch" refForName="rect5ParTx"/>
+              <dgm:constr type="w" for="ch" forName="rect5ChTx" refType="w" refFor="ch" refForName="rect5ParTx"/>
+              <dgm:constr type="t" for="ch" forName="rect5ChTx" refType="t" refFor="ch" refForName="rect5ParTx"/>
+              <dgm:constr type="b" for="ch" forName="rect5ChTx" refType="b" refFor="ch" refForName="rect5ParTx"/>
+              <dgm:constr type="r" for="ch" forName="rect5ParTxNoCh" refType="l" refFor="ch" refForName="space"/>
+              <dgm:constr type="w" for="ch" forName="rect5ParTxNoCh" refType="w" refFor="ch" refForName="rect5"/>
+              <dgm:constr type="t" for="ch" forName="rect5ParTxNoCh" refType="t" refFor="ch" refForName="rect5"/>
+              <dgm:constr type="b" for="ch" forName="rect5ParTxNoCh" refType="t" refFor="ch" refForName="rect6"/>
+              <dgm:constr type="primFontSz" for="ch" op="equ" val="65"/>
+              <dgm:constr type="secFontSz" for="ch" op="equ" val="65"/>
+            </dgm:constrLst>
+          </dgm:if>
+          <dgm:if name="Name20" axis="ch" ptType="node" func="cnt" op="gte" val="7">
+            <dgm:constrLst>
+              <dgm:constr type="userA" refType="w" fact="0.3"/>
+              <dgm:constr type="w" for="ch" forName="circle1" refType="userA" fact="2"/>
+              <dgm:constr type="h" for="ch" forName="circle1" refType="w" refFor="ch" refForName="circle1" op="equ"/>
+              <dgm:constr type="r" for="ch" forName="circle1" refType="w"/>
+              <dgm:constr type="ctrY" for="ch" forName="circle1" refType="h" fact="0.5"/>
+              <dgm:constr type="r" for="ch" forName="space" refType="ctrX" refFor="ch" refForName="circle1"/>
+              <dgm:constr type="w" for="ch" forName="space"/>
+              <dgm:constr type="h" for="ch" forName="space" refType="h" refFor="ch" refForName="circle1"/>
+              <dgm:constr type="b" for="ch" forName="space" refType="b" refFor="ch" refForName="circle1"/>
+              <dgm:constr type="r" for="ch" forName="rect1" refType="l" refFor="ch" refForName="space"/>
+              <dgm:constr type="l" for="ch" forName="rect1"/>
+              <dgm:constr type="h" for="ch" forName="rect1" refType="h" refFor="ch" refForName="circle1"/>
+              <dgm:constr type="b" for="ch" forName="rect1" refType="b" refFor="ch" refForName="circle1"/>
+              <dgm:constr type="l" for="ch" forName="vertSpace2"/>
+              <dgm:constr type="w" for="ch" forName="vertSpace2" refType="w"/>
+              <dgm:constr type="h" for="ch" forName="vertSpace2" refType="h" refFor="ch" refForName="circle1" fact="0.05"/>
+              <dgm:constr type="b" for="ch" forName="vertSpace2" refType="b" refFor="ch" refForName="circle1"/>
+              <dgm:constr type="ctrX" for="ch" forName="circle2" refType="r" refFor="ch" refForName="space"/>
+              <dgm:constr type="h" for="ch" forName="circle2" refType="h" refFor="ch" refForName="circle1" fact="0.85714"/>
+              <dgm:constr type="hOff" for="ch" forName="circle2" refType="h" refFor="ch" refForName="vertSpace2" fact="-0.14286"/>
+              <dgm:constr type="w" for="ch" forName="circle2" refType="h" refFor="ch" refForName="circle2" op="equ"/>
+              <dgm:constr type="wOff" for="ch" forName="circle2" refType="hOff" refFor="ch" refForName="circle2" op="equ"/>
+              <dgm:constr type="b" for="ch" forName="circle2" refType="t" refFor="ch" refForName="vertSpace2"/>
+              <dgm:constr type="r" for="ch" forName="rect2" refType="l" refFor="ch" refForName="space"/>
+              <dgm:constr type="l" for="ch" forName="rect2"/>
+              <dgm:constr type="h" for="ch" forName="rect2" refType="h" refFor="ch" refForName="circle2"/>
+              <dgm:constr type="hOff" for="ch" forName="rect2" refType="hOff" refFor="ch" refForName="circle2"/>
+              <dgm:constr type="b" for="ch" forName="rect2" refType="b" refFor="ch" refForName="circle2"/>
+              <dgm:constr type="l" for="ch" forName="vertSpace3"/>
+              <dgm:constr type="w" for="ch" forName="vertSpace3" refType="w"/>
+              <dgm:constr type="h" for="ch" forName="vertSpace3" refType="h" refFor="ch" refForName="vertSpace2"/>
+              <dgm:constr type="b" for="ch" forName="vertSpace3" refType="t" refFor="ch" refForName="vertSpace2"/>
+              <dgm:constr type="ctrX" for="ch" forName="circle3" refType="r" refFor="ch" refForName="space"/>
+              <dgm:constr type="h" for="ch" forName="circle3" refType="h" refFor="ch" refForName="circle1" fact="0.71429"/>
+              <dgm:constr type="hOff" for="ch" forName="circle3" refType="h" refFor="ch" refForName="vertSpace2" fact="-0.28571"/>
+              <dgm:constr type="w" for="ch" forName="circle3" refType="h" refFor="ch" refForName="circle3" op="equ"/>
+              <dgm:constr type="wOff" for="ch" forName="circle3" refType="hOff" refFor="ch" refForName="circle3" op="equ"/>
+              <dgm:constr type="b" for="ch" forName="circle3" refType="t" refFor="ch" refForName="vertSpace3"/>
+              <dgm:constr type="r" for="ch" forName="rect3" refType="l" refFor="ch" refForName="space"/>
+              <dgm:constr type="l" for="ch" forName="rect3"/>
+              <dgm:constr type="h" for="ch" forName="rect3" refType="h" refFor="ch" refForName="circle3"/>
+              <dgm:constr type="hOff" for="ch" forName="rect3" refType="hOff" refFor="ch" refForName="circle3"/>
+              <dgm:constr type="b" for="ch" forName="rect3" refType="b" refFor="ch" refForName="circle3"/>
+              <dgm:constr type="l" for="ch" forName="vertSpace4"/>
+              <dgm:constr type="w" for="ch" forName="vertSpace4" refType="w"/>
+              <dgm:constr type="h" for="ch" forName="vertSpace4" refType="h" refFor="ch" refForName="vertSpace3"/>
+              <dgm:constr type="b" for="ch" forName="vertSpace4" refType="t" refFor="ch" refForName="vertSpace3"/>
+              <dgm:constr type="ctrX" for="ch" forName="circle4" refType="r" refFor="ch" refForName="space"/>
+              <dgm:constr type="h" for="ch" forName="circle4" refType="h" refFor="ch" refForName="circle1" fact="0.57143"/>
+              <dgm:constr type="hOff" for="ch" forName="circle4" refType="h" refFor="ch" refForName="vertSpace2" fact="-0.42857"/>
+              <dgm:constr type="w" for="ch" forName="circle4" refType="h" refFor="ch" refForName="circle4" op="equ"/>
+              <dgm:constr type="wOff" for="ch" forName="circle4" refType="hOff" refFor="ch" refForName="circle4" op="equ"/>
+              <dgm:constr type="b" for="ch" forName="circle4" refType="t" refFor="ch" refForName="vertSpace4"/>
+              <dgm:constr type="r" for="ch" forName="rect4" refType="l" refFor="ch" refForName="space"/>
+              <dgm:constr type="l" for="ch" forName="rect4"/>
+              <dgm:constr type="h" for="ch" forName="rect4" refType="h" refFor="ch" refForName="circle4"/>
+              <dgm:constr type="hOff" for="ch" forName="rect4" refType="hOff" refFor="ch" refForName="circle4"/>
+              <dgm:constr type="b" for="ch" forName="rect4" refType="b" refFor="ch" refForName="circle4"/>
+              <dgm:constr type="l" for="ch" forName="vertSpace5"/>
+              <dgm:constr type="w" for="ch" forName="vertSpace5" refType="w"/>
+              <dgm:constr type="h" for="ch" forName="vertSpace5" refType="h" refFor="ch" refForName="vertSpace4"/>
+              <dgm:constr type="b" for="ch" forName="vertSpace5" refType="t" refFor="ch" refForName="vertSpace4"/>
+              <dgm:constr type="ctrX" for="ch" forName="circle5" refType="r" refFor="ch" refForName="space"/>
+              <dgm:constr type="h" for="ch" forName="circle5" refType="h" refFor="ch" refForName="circle1" fact="0.42857"/>
+              <dgm:constr type="hOff" for="ch" forName="circle5" refType="h" refFor="ch" refForName="vertSpace2" fact="-0.57143"/>
+              <dgm:constr type="w" for="ch" forName="circle5" refType="h" refFor="ch" refForName="circle5" op="equ"/>
+              <dgm:constr type="wOff" for="ch" forName="circle5" refType="hOff" refFor="ch" refForName="circle5" op="equ"/>
+              <dgm:constr type="b" for="ch" forName="circle5" refType="t" refFor="ch" refForName="vertSpace5"/>
+              <dgm:constr type="r" for="ch" forName="rect5" refType="l" refFor="ch" refForName="space"/>
+              <dgm:constr type="l" for="ch" forName="rect5"/>
+              <dgm:constr type="h" for="ch" forName="rect5" refType="h" refFor="ch" refForName="circle5"/>
+              <dgm:constr type="hOff" for="ch" forName="rect5" refType="hOff" refFor="ch" refForName="circle5"/>
+              <dgm:constr type="b" for="ch" forName="rect5" refType="b" refFor="ch" refForName="circle5"/>
+              <dgm:constr type="l" for="ch" forName="vertSpace6"/>
+              <dgm:constr type="w" for="ch" forName="vertSpace6" refType="w"/>
+              <dgm:constr type="h" for="ch" forName="vertSpace6" refType="h" refFor="ch" refForName="vertSpace5"/>
+              <dgm:constr type="b" for="ch" forName="vertSpace6" refType="t" refFor="ch" refForName="vertSpace5"/>
+              <dgm:constr type="ctrX" for="ch" forName="circle6" refType="r" refFor="ch" refForName="space"/>
+              <dgm:constr type="h" for="ch" forName="circle6" refType="h" refFor="ch" refForName="circle1" fact="0.28571"/>
+              <dgm:constr type="hOff" for="ch" forName="circle6" refType="h" refFor="ch" refForName="vertSpace2" fact="-0.71429"/>
+              <dgm:constr type="w" for="ch" forName="circle6" refType="h" refFor="ch" refForName="circle6" op="equ"/>
+              <dgm:constr type="wOff" for="ch" forName="circle6" refType="hOff" refFor="ch" refForName="circle6" op="equ"/>
+              <dgm:constr type="b" for="ch" forName="circle6" refType="t" refFor="ch" refForName="vertSpace6"/>
+              <dgm:constr type="r" for="ch" forName="rect6" refType="l" refFor="ch" refForName="space"/>
+              <dgm:constr type="l" for="ch" forName="rect6"/>
+              <dgm:constr type="h" for="ch" forName="rect6" refType="h" refFor="ch" refForName="circle6"/>
+              <dgm:constr type="hOff" for="ch" forName="rect6" refType="hOff" refFor="ch" refForName="circle6"/>
+              <dgm:constr type="b" for="ch" forName="rect6" refType="b" refFor="ch" refForName="circle6"/>
+              <dgm:constr type="l" for="ch" forName="vertSpace7"/>
+              <dgm:constr type="w" for="ch" forName="vertSpace7" refType="w"/>
+              <dgm:constr type="h" for="ch" forName="vertSpace7" refType="h" refFor="ch" refForName="vertSpace6"/>
+              <dgm:constr type="b" for="ch" forName="vertSpace7" refType="t" refFor="ch" refForName="vertSpace6"/>
+              <dgm:constr type="ctrX" for="ch" forName="circle7" refType="r" refFor="ch" refForName="space"/>
+              <dgm:constr type="h" for="ch" forName="circle7" refType="h" refFor="ch" refForName="circle1" fact="0.14286"/>
+              <dgm:constr type="hOff" for="ch" forName="circle7" refType="h" refFor="ch" refForName="vertSpace2" fact="-0.85714"/>
+              <dgm:constr type="w" for="ch" forName="circle7" refType="h" refFor="ch" refForName="circle7" op="equ"/>
+              <dgm:constr type="wOff" for="ch" forName="circle7" refType="hOff" refFor="ch" refForName="circle7" op="equ"/>
+              <dgm:constr type="b" for="ch" forName="circle7" refType="t" refFor="ch" refForName="vertSpace7"/>
+              <dgm:constr type="r" for="ch" forName="rect7" refType="l" refFor="ch" refForName="space"/>
+              <dgm:constr type="l" for="ch" forName="rect7"/>
+              <dgm:constr type="h" for="ch" forName="rect7" refType="h" refFor="ch" refForName="circle7"/>
+              <dgm:constr type="hOff" for="ch" forName="rect7" refType="hOff" refFor="ch" refForName="circle7"/>
+              <dgm:constr type="b" for="ch" forName="rect7" refType="b" refFor="ch" refForName="circle7"/>
+              <dgm:constr type="r" for="ch" forName="rect7ParTx" refType="l" refFor="ch" refForName="space"/>
+              <dgm:constr type="w" for="ch" forName="rect7ParTx" refType="w" refFor="ch" refForName="rect7" fact="0.5"/>
+              <dgm:constr type="t" for="ch" forName="rect7ParTx" refType="t" refFor="ch" refForName="rect7"/>
+              <dgm:constr type="b" for="ch" forName="rect7ParTx" refType="b" refFor="ch" refForName="rect7"/>
+              <dgm:constr type="r" for="ch" forName="rect7ChTx" refType="l" refFor="ch" refForName="rect7ParTx"/>
+              <dgm:constr type="w" for="ch" forName="rect7ChTx" refType="w" refFor="ch" refForName="rect7ParTx"/>
+              <dgm:constr type="t" for="ch" forName="rect7ChTx" refType="t" refFor="ch" refForName="rect7ParTx"/>
+              <dgm:constr type="b" for="ch" forName="rect7ChTx" refType="b" refFor="ch" refForName="rect7ParTx"/>
+              <dgm:constr type="r" for="ch" forName="rect7ParTxNoCh" refType="l" refFor="ch" refForName="space"/>
+              <dgm:constr type="w" for="ch" forName="rect7ParTxNoCh" refType="w" refFor="ch" refForName="rect7"/>
+              <dgm:constr type="t" for="ch" forName="rect7ParTxNoCh" refType="t" refFor="ch" refForName="rect7"/>
+              <dgm:constr type="b" for="ch" forName="rect7ParTxNoCh" refType="b" refFor="ch" refForName="rect7"/>
+              <dgm:constr type="r" for="ch" forName="rect1ParTx" refType="l" refFor="ch" refForName="space"/>
+              <dgm:constr type="w" for="ch" forName="rect1ParTx" refType="w" refFor="ch" refForName="rect1" fact="0.5"/>
+              <dgm:constr type="t" for="ch" forName="rect1ParTx" refType="t" refFor="ch" refForName="rect1"/>
+              <dgm:constr type="b" for="ch" forName="rect1ParTx" refType="t" refFor="ch" refForName="rect2"/>
+              <dgm:constr type="r" for="ch" forName="rect1ChTx" refType="l" refFor="ch" refForName="rect1ParTx"/>
+              <dgm:constr type="w" for="ch" forName="rect1ChTx" refType="w" refFor="ch" refForName="rect1ParTx"/>
+              <dgm:constr type="t" for="ch" forName="rect1ChTx" refType="t" refFor="ch" refForName="rect1ParTx"/>
+              <dgm:constr type="b" for="ch" forName="rect1ChTx" refType="b" refFor="ch" refForName="rect1ParTx"/>
+              <dgm:constr type="r" for="ch" forName="rect1ParTxNoCh" refType="l" refFor="ch" refForName="space"/>
+              <dgm:constr type="w" for="ch" forName="rect1ParTxNoCh" refType="w" refFor="ch" refForName="rect1"/>
+              <dgm:constr type="t" for="ch" forName="rect1ParTxNoCh" refType="t" refFor="ch" refForName="rect1"/>
+              <dgm:constr type="b" for="ch" forName="rect1ParTxNoCh" refType="t" refFor="ch" refForName="rect2"/>
+              <dgm:constr type="r" for="ch" forName="rect2ParTx" refType="l" refFor="ch" refForName="space"/>
+              <dgm:constr type="w" for="ch" forName="rect2ParTx" refType="w" refFor="ch" refForName="rect2" fact="0.5"/>
+              <dgm:constr type="t" for="ch" forName="rect2ParTx" refType="t" refFor="ch" refForName="rect2"/>
+              <dgm:constr type="b" for="ch" forName="rect2ParTx" refType="t" refFor="ch" refForName="rect3"/>
+              <dgm:constr type="r" for="ch" forName="rect2ChTx" refType="l" refFor="ch" refForName="rect2ParTx"/>
+              <dgm:constr type="w" for="ch" forName="rect2ChTx" refType="w" refFor="ch" refForName="rect2ParTx"/>
+              <dgm:constr type="t" for="ch" forName="rect2ChTx" refType="t" refFor="ch" refForName="rect2ParTx"/>
+              <dgm:constr type="b" for="ch" forName="rect2ChTx" refType="b" refFor="ch" refForName="rect2ParTx"/>
+              <dgm:constr type="r" for="ch" forName="rect2ParTxNoCh" refType="l" refFor="ch" refForName="space"/>
+              <dgm:constr type="w" for="ch" forName="rect2ParTxNoCh" refType="w" refFor="ch" refForName="rect2"/>
+              <dgm:constr type="t" for="ch" forName="rect2ParTxNoCh" refType="t" refFor="ch" refForName="rect2"/>
+              <dgm:constr type="b" for="ch" forName="rect2ParTxNoCh" refType="t" refFor="ch" refForName="rect3"/>
+              <dgm:constr type="r" for="ch" forName="rect3ParTx" refType="l" refFor="ch" refForName="space"/>
+              <dgm:constr type="w" for="ch" forName="rect3ParTx" refType="w" refFor="ch" refForName="rect3" fact="0.5"/>
+              <dgm:constr type="t" for="ch" forName="rect3ParTx" refType="t" refFor="ch" refForName="rect3"/>
+              <dgm:constr type="b" for="ch" forName="rect3ParTx" refType="t" refFor="ch" refForName="rect4"/>
+              <dgm:constr type="r" for="ch" forName="rect3ChTx" refType="l" refFor="ch" refForName="rect3ParTx"/>
+              <dgm:constr type="w" for="ch" forName="rect3ChTx" refType="w" refFor="ch" refForName="rect3ParTx"/>
+              <dgm:constr type="t" for="ch" forName="rect3ChTx" refType="t" refFor="ch" refForName="rect3ParTx"/>
+              <dgm:constr type="b" for="ch" forName="rect3ChTx" refType="b" refFor="ch" refForName="rect3ParTx"/>
+              <dgm:constr type="r" for="ch" forName="rect3ParTxNoCh" refType="l" refFor="ch" refForName="space"/>
+              <dgm:constr type="w" for="ch" forName="rect3ParTxNoCh" refType="w" refFor="ch" refForName="rect3"/>
+              <dgm:constr type="t" for="ch" forName="rect3ParTxNoCh" refType="t" refFor="ch" refForName="rect3"/>
+              <dgm:constr type="b" for="ch" forName="rect3ParTxNoCh" refType="t" refFor="ch" refForName="rect4"/>
+              <dgm:constr type="r" for="ch" forName="rect4ParTx" refType="l" refFor="ch" refForName="space"/>
+              <dgm:constr type="w" for="ch" forName="rect4ParTx" refType="w" refFor="ch" refForName="rect4" fact="0.5"/>
+              <dgm:constr type="t" for="ch" forName="rect4ParTx" refType="t" refFor="ch" refForName="rect4"/>
+              <dgm:constr type="b" for="ch" forName="rect4ParTx" refType="t" refFor="ch" refForName="rect5"/>
+              <dgm:constr type="r" for="ch" forName="rect4ChTx" refType="l" refFor="ch" refForName="rect4ParTx"/>
+              <dgm:constr type="w" for="ch" forName="rect4ChTx" refType="w" refFor="ch" refForName="rect4ParTx"/>
+              <dgm:constr type="t" for="ch" forName="rect4ChTx" refType="t" refFor="ch" refForName="rect4ParTx"/>
+              <dgm:constr type="b" for="ch" forName="rect4ChTx" refType="b" refFor="ch" refForName="rect4ParTx"/>
+              <dgm:constr type="r" for="ch" forName="rect4ParTxNoCh" refType="l" refFor="ch" refForName="space"/>
+              <dgm:constr type="w" for="ch" forName="rect4ParTxNoCh" refType="w" refFor="ch" refForName="rect4"/>
+              <dgm:constr type="t" for="ch" forName="rect4ParTxNoCh" refType="t" refFor="ch" refForName="rect4"/>
+              <dgm:constr type="b" for="ch" forName="rect4ParTxNoCh" refType="t" refFor="ch" refForName="rect5"/>
+              <dgm:constr type="r" for="ch" forName="rect5ParTx" refType="l" refFor="ch" refForName="space"/>
+              <dgm:constr type="w" for="ch" forName="rect5ParTx" refType="w" refFor="ch" refForName="rect5" fact="0.5"/>
+              <dgm:constr type="t" for="ch" forName="rect5ParTx" refType="t" refFor="ch" refForName="rect5"/>
+              <dgm:constr type="b" for="ch" forName="rect5ParTx" refType="t" refFor="ch" refForName="rect6"/>
+              <dgm:constr type="r" for="ch" forName="rect5ChTx" refType="l" refFor="ch" refForName="rect5ParTx"/>
+              <dgm:constr type="w" for="ch" forName="rect5ChTx" refType="w" refFor="ch" refForName="rect5ParTx"/>
+              <dgm:constr type="t" for="ch" forName="rect5ChTx" refType="t" refFor="ch" refForName="rect5ParTx"/>
+              <dgm:constr type="b" for="ch" forName="rect5ChTx" refType="b" refFor="ch" refForName="rect5ParTx"/>
+              <dgm:constr type="r" for="ch" forName="rect5ParTxNoCh" refType="l" refFor="ch" refForName="space"/>
+              <dgm:constr type="w" for="ch" forName="rect5ParTxNoCh" refType="w" refFor="ch" refForName="rect5"/>
+              <dgm:constr type="t" for="ch" forName="rect5ParTxNoCh" refType="t" refFor="ch" refForName="rect5"/>
+              <dgm:constr type="b" for="ch" forName="rect5ParTxNoCh" refType="t" refFor="ch" refForName="rect6"/>
+              <dgm:constr type="r" for="ch" forName="rect6ParTx" refType="l" refFor="ch" refForName="space"/>
+              <dgm:constr type="w" for="ch" forName="rect6ParTx" refType="w" refFor="ch" refForName="rect6" fact="0.5"/>
+              <dgm:constr type="t" for="ch" forName="rect6ParTx" refType="t" refFor="ch" refForName="rect6"/>
+              <dgm:constr type="b" for="ch" forName="rect6ParTx" refType="t" refFor="ch" refForName="rect7"/>
+              <dgm:constr type="r" for="ch" forName="rect6ChTx" refType="l" refFor="ch" refForName="rect6ParTx"/>
+              <dgm:constr type="w" for="ch" forName="rect6ChTx" refType="w" refFor="ch" refForName="rect6ParTx"/>
+              <dgm:constr type="t" for="ch" forName="rect6ChTx" refType="t" refFor="ch" refForName="rect6ParTx"/>
+              <dgm:constr type="b" for="ch" forName="rect6ChTx" refType="b" refFor="ch" refForName="rect6ParTx"/>
+              <dgm:constr type="r" for="ch" forName="rect6ParTxNoCh" refType="l" refFor="ch" refForName="space"/>
+              <dgm:constr type="w" for="ch" forName="rect6ParTxNoCh" refType="w" refFor="ch" refForName="rect6"/>
+              <dgm:constr type="t" for="ch" forName="rect6ParTxNoCh" refType="t" refFor="ch" refForName="rect6"/>
+              <dgm:constr type="b" for="ch" forName="rect6ParTxNoCh" refType="t" refFor="ch" refForName="rect7"/>
+              <dgm:constr type="primFontSz" for="ch" op="equ" val="65"/>
+              <dgm:constr type="secFontSz" for="ch" op="equ" val="65"/>
+            </dgm:constrLst>
+          </dgm:if>
+          <dgm:else name="Name21">
+            <dgm:constrLst/>
+          </dgm:else>
+        </dgm:choose>
+      </dgm:else>
+    </dgm:choose>
+    <dgm:ruleLst/>
+    <dgm:forEach name="Name22" axis="ch" ptType="node" cnt="1">
+      <dgm:layoutNode name="circle1" styleLbl="node1">
+        <dgm:alg type="sp"/>
+        <dgm:choose name="Name23">
+          <dgm:if name="Name24" func="var" arg="dir" op="equ" val="norm">
+            <dgm:shape xmlns:r="http://schemas.openxmlformats.org/officeDocument/2006/relationships" type="pie" r:blip="">
+              <dgm:adjLst>
+                <dgm:adj idx="1" val="90"/>
+                <dgm:adj idx="2" val="270"/>
+              </dgm:adjLst>
+            </dgm:shape>
+          </dgm:if>
+          <dgm:else name="Name25">
+            <dgm:shape xmlns:r="http://schemas.openxmlformats.org/officeDocument/2006/relationships" type="pie" r:blip="">
+              <dgm:adjLst>
+                <dgm:adj idx="1" val="270"/>
+                <dgm:adj idx="2" val="90"/>
+              </dgm:adjLst>
+            </dgm:shape>
+          </dgm:else>
+        </dgm:choose>
+        <dgm:presOf/>
+        <dgm:constrLst/>
+        <dgm:ruleLst/>
+      </dgm:layoutNode>
+      <dgm:layoutNode name="space">
+        <dgm:alg type="sp"/>
+        <dgm:shape xmlns:r="http://schemas.openxmlformats.org/officeDocument/2006/relationships" r:blip="">
+          <dgm:adjLst/>
+        </dgm:shape>
+        <dgm:presOf/>
+        <dgm:constrLst/>
+        <dgm:ruleLst/>
+      </dgm:layoutNode>
+      <dgm:layoutNode name="rect1" styleLbl="alignAcc1">
+        <dgm:alg type="sp"/>
+        <dgm:shape xmlns:r="http://schemas.openxmlformats.org/officeDocument/2006/relationships" type="rect" r:blip="">
+          <dgm:adjLst/>
+        </dgm:shape>
+        <dgm:presOf axis="self"/>
+        <dgm:constrLst/>
+        <dgm:ruleLst/>
+      </dgm:layoutNode>
+    </dgm:forEach>
+    <dgm:forEach name="Name26" axis="ch" ptType="node" st="2" cnt="1">
+      <dgm:layoutNode name="vertSpace2">
+        <dgm:alg type="sp"/>
+        <dgm:shape xmlns:r="http://schemas.openxmlformats.org/officeDocument/2006/relationships" type="rect" r:blip="" hideGeom="1">
+          <dgm:adjLst/>
+        </dgm:shape>
+        <dgm:presOf/>
+        <dgm:constrLst/>
+        <dgm:ruleLst/>
+      </dgm:layoutNode>
+      <dgm:layoutNode name="circle2" styleLbl="node1">
+        <dgm:alg type="sp"/>
+        <dgm:choose name="Name27">
+          <dgm:if name="Name28" func="var" arg="dir" op="equ" val="norm">
+            <dgm:shape xmlns:r="http://schemas.openxmlformats.org/officeDocument/2006/relationships" type="pie" r:blip="">
+              <dgm:adjLst>
+                <dgm:adj idx="1" val="90"/>
+                <dgm:adj idx="2" val="270"/>
+              </dgm:adjLst>
+            </dgm:shape>
+          </dgm:if>
+          <dgm:else name="Name29">
+            <dgm:shape xmlns:r="http://schemas.openxmlformats.org/officeDocument/2006/relationships" type="pie" r:blip="">
+              <dgm:adjLst>
+                <dgm:adj idx="1" val="270"/>
+                <dgm:adj idx="2" val="90"/>
+              </dgm:adjLst>
+            </dgm:shape>
+          </dgm:else>
+        </dgm:choose>
+        <dgm:presOf/>
+        <dgm:constrLst/>
+        <dgm:ruleLst/>
+      </dgm:layoutNode>
+      <dgm:layoutNode name="rect2" styleLbl="alignAcc1">
+        <dgm:alg type="sp"/>
+        <dgm:shape xmlns:r="http://schemas.openxmlformats.org/officeDocument/2006/relationships" type="rect" r:blip="">
+          <dgm:adjLst/>
+        </dgm:shape>
+        <dgm:presOf axis="self"/>
+        <dgm:constrLst/>
+        <dgm:ruleLst/>
+      </dgm:layoutNode>
+    </dgm:forEach>
+    <dgm:forEach name="Name30" axis="ch" ptType="node" st="3" cnt="1">
+      <dgm:layoutNode name="vertSpace3">
+        <dgm:alg type="sp"/>
+        <dgm:shape xmlns:r="http://schemas.openxmlformats.org/officeDocument/2006/relationships" type="rect" r:blip="" hideGeom="1">
+          <dgm:adjLst/>
+        </dgm:shape>
+        <dgm:presOf/>
+        <dgm:constrLst/>
+        <dgm:ruleLst/>
+      </dgm:layoutNode>
+      <dgm:layoutNode name="circle3" styleLbl="node1">
+        <dgm:alg type="sp"/>
+        <dgm:choose name="Name31">
+          <dgm:if name="Name32" func="var" arg="dir" op="equ" val="norm">
+            <dgm:shape xmlns:r="http://schemas.openxmlformats.org/officeDocument/2006/relationships" type="pie" r:blip="">
+              <dgm:adjLst>
+                <dgm:adj idx="1" val="90"/>
+                <dgm:adj idx="2" val="270"/>
+              </dgm:adjLst>
+            </dgm:shape>
+          </dgm:if>
+          <dgm:else name="Name33">
+            <dgm:shape xmlns:r="http://schemas.openxmlformats.org/officeDocument/2006/relationships" type="pie" r:blip="">
+              <dgm:adjLst>
+                <dgm:adj idx="1" val="270"/>
+                <dgm:adj idx="2" val="90"/>
+              </dgm:adjLst>
+            </dgm:shape>
+          </dgm:else>
+        </dgm:choose>
+        <dgm:presOf/>
+        <dgm:constrLst/>
+        <dgm:ruleLst/>
+      </dgm:layoutNode>
+      <dgm:layoutNode name="rect3" styleLbl="alignAcc1">
+        <dgm:alg type="sp"/>
+        <dgm:shape xmlns:r="http://schemas.openxmlformats.org/officeDocument/2006/relationships" type="rect" r:blip="">
+          <dgm:adjLst/>
+        </dgm:shape>
+        <dgm:presOf axis="self"/>
+        <dgm:constrLst/>
+        <dgm:ruleLst/>
+      </dgm:layoutNode>
+    </dgm:forEach>
+    <dgm:forEach name="Name34" axis="ch" ptType="node" st="4" cnt="1">
+      <dgm:layoutNode name="vertSpace4">
+        <dgm:alg type="sp"/>
+        <dgm:shape xmlns:r="http://schemas.openxmlformats.org/officeDocument/2006/relationships" type="rect" r:blip="" hideGeom="1">
+          <dgm:adjLst/>
+        </dgm:shape>
+        <dgm:presOf/>
+        <dgm:constrLst/>
+        <dgm:ruleLst/>
+      </dgm:layoutNode>
+      <dgm:layoutNode name="circle4" styleLbl="node1">
+        <dgm:alg type="sp"/>
+        <dgm:choose name="Name35">
+          <dgm:if name="Name36" func="var" arg="dir" op="equ" val="norm">
+            <dgm:shape xmlns:r="http://schemas.openxmlformats.org/officeDocument/2006/relationships" type="pie" r:blip="">
+              <dgm:adjLst>
+                <dgm:adj idx="1" val="90"/>
+                <dgm:adj idx="2" val="270"/>
+              </dgm:adjLst>
+            </dgm:shape>
+          </dgm:if>
+          <dgm:else name="Name37">
+            <dgm:shape xmlns:r="http://schemas.openxmlformats.org/officeDocument/2006/relationships" type="pie" r:blip="">
+              <dgm:adjLst>
+                <dgm:adj idx="1" val="270"/>
+                <dgm:adj idx="2" val="90"/>
+              </dgm:adjLst>
+            </dgm:shape>
+          </dgm:else>
+        </dgm:choose>
+        <dgm:presOf/>
+        <dgm:constrLst/>
+        <dgm:ruleLst/>
+      </dgm:layoutNode>
+      <dgm:layoutNode name="rect4" styleLbl="alignAcc1">
+        <dgm:alg type="sp"/>
+        <dgm:shape xmlns:r="http://schemas.openxmlformats.org/officeDocument/2006/relationships" type="rect" r:blip="">
+          <dgm:adjLst/>
+        </dgm:shape>
+        <dgm:presOf axis="self"/>
+        <dgm:constrLst/>
+        <dgm:ruleLst/>
+      </dgm:layoutNode>
+    </dgm:forEach>
+    <dgm:forEach name="Name38" axis="ch" ptType="node" st="5" cnt="1">
+      <dgm:layoutNode name="vertSpace5">
+        <dgm:alg type="sp"/>
+        <dgm:shape xmlns:r="http://schemas.openxmlformats.org/officeDocument/2006/relationships" type="rect" r:blip="" hideGeom="1">
+          <dgm:adjLst/>
+        </dgm:shape>
+        <dgm:presOf/>
+        <dgm:constrLst/>
+        <dgm:ruleLst/>
+      </dgm:layoutNode>
+      <dgm:layoutNode name="circle5" styleLbl="node1">
+        <dgm:alg type="sp"/>
+        <dgm:choose name="Name39">
+          <dgm:if name="Name40" func="var" arg="dir" op="equ" val="norm">
+            <dgm:shape xmlns:r="http://schemas.openxmlformats.org/officeDocument/2006/relationships" type="pie" r:blip="">
+              <dgm:adjLst>
+                <dgm:adj idx="1" val="90"/>
+                <dgm:adj idx="2" val="270"/>
+              </dgm:adjLst>
+            </dgm:shape>
+          </dgm:if>
+          <dgm:else name="Name41">
+            <dgm:shape xmlns:r="http://schemas.openxmlformats.org/officeDocument/2006/relationships" type="pie" r:blip="">
+              <dgm:adjLst>
+                <dgm:adj idx="1" val="270"/>
+                <dgm:adj idx="2" val="90"/>
+              </dgm:adjLst>
+            </dgm:shape>
+          </dgm:else>
+        </dgm:choose>
+        <dgm:presOf/>
+        <dgm:constrLst/>
+        <dgm:ruleLst/>
+      </dgm:layoutNode>
+      <dgm:layoutNode name="rect5" styleLbl="alignAcc1">
+        <dgm:alg type="sp"/>
+        <dgm:shape xmlns:r="http://schemas.openxmlformats.org/officeDocument/2006/relationships" type="rect" r:blip="">
+          <dgm:adjLst/>
+        </dgm:shape>
+        <dgm:presOf axis="self"/>
+        <dgm:constrLst/>
+        <dgm:ruleLst/>
+      </dgm:layoutNode>
+    </dgm:forEach>
+    <dgm:forEach name="Name42" axis="ch" ptType="node" st="6" cnt="1">
+      <dgm:layoutNode name="vertSpace6">
+        <dgm:alg type="sp"/>
+        <dgm:shape xmlns:r="http://schemas.openxmlformats.org/officeDocument/2006/relationships" type="rect" r:blip="" hideGeom="1">
+          <dgm:adjLst/>
+        </dgm:shape>
+        <dgm:presOf/>
+        <dgm:constrLst/>
+        <dgm:ruleLst/>
+      </dgm:layoutNode>
+      <dgm:layoutNode name="circle6" styleLbl="node1">
+        <dgm:alg type="sp"/>
+        <dgm:choose name="Name43">
+          <dgm:if name="Name44" func="var" arg="dir" op="equ" val="norm">
+            <dgm:shape xmlns:r="http://schemas.openxmlformats.org/officeDocument/2006/relationships" type="pie" r:blip="">
+              <dgm:adjLst>
+                <dgm:adj idx="1" val="90"/>
+                <dgm:adj idx="2" val="270"/>
+              </dgm:adjLst>
+            </dgm:shape>
+          </dgm:if>
+          <dgm:else name="Name45">
+            <dgm:shape xmlns:r="http://schemas.openxmlformats.org/officeDocument/2006/relationships" type="pie" r:blip="">
+              <dgm:adjLst>
+                <dgm:adj idx="1" val="270"/>
+                <dgm:adj idx="2" val="90"/>
+              </dgm:adjLst>
+            </dgm:shape>
+          </dgm:else>
+        </dgm:choose>
+        <dgm:presOf/>
+        <dgm:constrLst/>
+        <dgm:ruleLst/>
+      </dgm:layoutNode>
+      <dgm:layoutNode name="rect6" styleLbl="alignAcc1">
+        <dgm:alg type="sp"/>
+        <dgm:shape xmlns:r="http://schemas.openxmlformats.org/officeDocument/2006/relationships" type="rect" r:blip="">
+          <dgm:adjLst/>
+        </dgm:shape>
+        <dgm:presOf axis="self"/>
+        <dgm:constrLst/>
+        <dgm:ruleLst/>
+      </dgm:layoutNode>
+    </dgm:forEach>
+    <dgm:forEach name="Name46" axis="ch" ptType="node" st="7" cnt="1">
+      <dgm:layoutNode name="vertSpace7">
+        <dgm:alg type="sp"/>
+        <dgm:shape xmlns:r="http://schemas.openxmlformats.org/officeDocument/2006/relationships" type="rect" r:blip="" hideGeom="1">
+          <dgm:adjLst/>
+        </dgm:shape>
+        <dgm:presOf/>
+        <dgm:constrLst/>
+        <dgm:ruleLst/>
+      </dgm:layoutNode>
+      <dgm:layoutNode name="circle7" styleLbl="node1">
+        <dgm:alg type="sp"/>
+        <dgm:choose name="Name47">
+          <dgm:if name="Name48" func="var" arg="dir" op="equ" val="norm">
+            <dgm:shape xmlns:r="http://schemas.openxmlformats.org/officeDocument/2006/relationships" type="pie" r:blip="">
+              <dgm:adjLst>
+                <dgm:adj idx="1" val="90"/>
+                <dgm:adj idx="2" val="270"/>
+              </dgm:adjLst>
+            </dgm:shape>
+          </dgm:if>
+          <dgm:else name="Name49">
+            <dgm:shape xmlns:r="http://schemas.openxmlformats.org/officeDocument/2006/relationships" type="pie" r:blip="">
+              <dgm:adjLst>
+                <dgm:adj idx="1" val="270"/>
+                <dgm:adj idx="2" val="90"/>
+              </dgm:adjLst>
+            </dgm:shape>
+          </dgm:else>
+        </dgm:choose>
+        <dgm:presOf/>
+        <dgm:constrLst/>
+        <dgm:ruleLst/>
+      </dgm:layoutNode>
+      <dgm:layoutNode name="rect7" styleLbl="alignAcc1">
+        <dgm:alg type="sp"/>
+        <dgm:shape xmlns:r="http://schemas.openxmlformats.org/officeDocument/2006/relationships" type="rect" r:blip="">
+          <dgm:adjLst/>
+        </dgm:shape>
+        <dgm:presOf axis="self"/>
+        <dgm:constrLst/>
+        <dgm:ruleLst/>
+      </dgm:layoutNode>
+    </dgm:forEach>
+    <dgm:forEach name="Name50" axis="ch" ptType="node" cnt="1">
+      <dgm:choose name="Name51">
+        <dgm:if name="Name52" axis="root des" ptType="all node" func="maxDepth" op="gte" val="2">
+          <dgm:layoutNode name="rect1ParTx" styleLbl="alignAcc1">
+            <dgm:varLst>
+              <dgm:chMax val="1"/>
+              <dgm:bulletEnabled val="1"/>
+            </dgm:varLst>
+            <dgm:alg type="tx"/>
+            <dgm:shape xmlns:r="http://schemas.openxmlformats.org/officeDocument/2006/relationships" type="rect" r:blip="" hideGeom="1">
+              <dgm:adjLst/>
+            </dgm:shape>
+            <dgm:presOf axis="self"/>
+            <dgm:constrLst>
+              <dgm:constr type="lMarg" refType="primFontSz" fact="0.3"/>
+              <dgm:constr type="rMarg" refType="primFontSz" fact="0.3"/>
+              <dgm:constr type="tMarg" refType="primFontSz" fact="0.3"/>
+              <dgm:constr type="bMarg" refType="primFontSz" fact="0.3"/>
+            </dgm:constrLst>
+            <dgm:ruleLst>
+              <dgm:rule type="primFontSz" val="5" fact="NaN" max="NaN"/>
+            </dgm:ruleLst>
+          </dgm:layoutNode>
+          <dgm:layoutNode name="rect1ChTx" styleLbl="alignAcc1">
+            <dgm:varLst>
+              <dgm:bulletEnabled val="1"/>
+            </dgm:varLst>
+            <dgm:alg type="tx">
+              <dgm:param type="stBulletLvl" val="1"/>
+              <dgm:param type="txAnchorVertCh" val="mid"/>
+            </dgm:alg>
+            <dgm:shape xmlns:r="http://schemas.openxmlformats.org/officeDocument/2006/relationships" type="rect" r:blip="" hideGeom="1">
+              <dgm:adjLst/>
+            </dgm:shape>
+            <dgm:presOf axis="des" ptType="node"/>
+            <dgm:constrLst>
+              <dgm:constr type="lMarg" refType="secFontSz" fact="0.3"/>
+              <dgm:constr type="rMarg" refType="secFontSz" fact="0.3"/>
+              <dgm:constr type="tMarg" refType="secFontSz" fact="0.3"/>
+              <dgm:constr type="bMarg" refType="secFontSz" fact="0.3"/>
+            </dgm:constrLst>
+            <dgm:ruleLst>
+              <dgm:rule type="secFontSz" val="5" fact="NaN" max="NaN"/>
+            </dgm:ruleLst>
+          </dgm:layoutNode>
+        </dgm:if>
+        <dgm:else name="Name53">
+          <dgm:layoutNode name="rect1ParTxNoCh" styleLbl="alignAcc1">
+            <dgm:varLst>
+              <dgm:chMax val="1"/>
+              <dgm:bulletEnabled val="1"/>
+            </dgm:varLst>
+            <dgm:alg type="tx"/>
+            <dgm:shape xmlns:r="http://schemas.openxmlformats.org/officeDocument/2006/relationships" type="rect" r:blip="" hideGeom="1">
+              <dgm:adjLst/>
+            </dgm:shape>
+            <dgm:presOf axis="self"/>
+            <dgm:constrLst>
+              <dgm:constr type="lMarg" refType="primFontSz" fact="0.3"/>
+              <dgm:constr type="rMarg" refType="primFontSz" fact="0.3"/>
+              <dgm:constr type="tMarg" refType="primFontSz" fact="0.3"/>
+              <dgm:constr type="bMarg" refType="primFontSz" fact="0.3"/>
+            </dgm:constrLst>
+            <dgm:ruleLst>
+              <dgm:rule type="primFontSz" val="5" fact="NaN" max="NaN"/>
+            </dgm:ruleLst>
+          </dgm:layoutNode>
+        </dgm:else>
+      </dgm:choose>
+    </dgm:forEach>
+    <dgm:forEach name="Name54" axis="ch" ptType="node" st="2" cnt="1">
+      <dgm:choose name="Name55">
+        <dgm:if name="Name56" axis="root des" ptType="all node" func="maxDepth" op="gte" val="2">
+          <dgm:layoutNode name="rect2ParTx" styleLbl="alignAcc1">
+            <dgm:varLst>
+              <dgm:chMax val="1"/>
+              <dgm:bulletEnabled val="1"/>
+            </dgm:varLst>
+            <dgm:alg type="tx"/>
+            <dgm:shape xmlns:r="http://schemas.openxmlformats.org/officeDocument/2006/relationships" type="rect" r:blip="" hideGeom="1">
+              <dgm:adjLst/>
+            </dgm:shape>
+            <dgm:presOf axis="self"/>
+            <dgm:constrLst>
+              <dgm:constr type="lMarg" refType="primFontSz" fact="0.3"/>
+              <dgm:constr type="rMarg" refType="primFontSz" fact="0.3"/>
+              <dgm:constr type="tMarg" refType="primFontSz" fact="0.3"/>
+              <dgm:constr type="bMarg" refType="primFontSz" fact="0.3"/>
+            </dgm:constrLst>
+            <dgm:ruleLst>
+              <dgm:rule type="primFontSz" val="5" fact="NaN" max="NaN"/>
+            </dgm:ruleLst>
+          </dgm:layoutNode>
+          <dgm:layoutNode name="rect2ChTx" styleLbl="alignAcc1">
+            <dgm:varLst>
+              <dgm:bulletEnabled val="1"/>
+            </dgm:varLst>
+            <dgm:alg type="tx">
+              <dgm:param type="stBulletLvl" val="1"/>
+              <dgm:param type="txAnchorVertCh" val="mid"/>
+            </dgm:alg>
+            <dgm:shape xmlns:r="http://schemas.openxmlformats.org/officeDocument/2006/relationships" type="rect" r:blip="" hideGeom="1">
+              <dgm:adjLst/>
+            </dgm:shape>
+            <dgm:presOf axis="des" ptType="node"/>
+            <dgm:constrLst>
+              <dgm:constr type="lMarg" refType="secFontSz" fact="0.3"/>
+              <dgm:constr type="rMarg" refType="secFontSz" fact="0.3"/>
+              <dgm:constr type="tMarg" refType="secFontSz" fact="0.3"/>
+              <dgm:constr type="bMarg" refType="secFontSz" fact="0.3"/>
+            </dgm:constrLst>
+            <dgm:ruleLst>
+              <dgm:rule type="secFontSz" val="5" fact="NaN" max="NaN"/>
+            </dgm:ruleLst>
+          </dgm:layoutNode>
+        </dgm:if>
+        <dgm:else name="Name57">
+          <dgm:layoutNode name="rect2ParTxNoCh" styleLbl="alignAcc1">
+            <dgm:varLst>
+              <dgm:chMax val="1"/>
+              <dgm:bulletEnabled val="1"/>
+            </dgm:varLst>
+            <dgm:alg type="tx"/>
+            <dgm:shape xmlns:r="http://schemas.openxmlformats.org/officeDocument/2006/relationships" type="rect" r:blip="" hideGeom="1">
+              <dgm:adjLst/>
+            </dgm:shape>
+            <dgm:presOf axis="self"/>
+            <dgm:constrLst>
+              <dgm:constr type="lMarg" refType="primFontSz" fact="0.3"/>
+              <dgm:constr type="rMarg" refType="primFontSz" fact="0.3"/>
+              <dgm:constr type="tMarg" refType="primFontSz" fact="0.3"/>
+              <dgm:constr type="bMarg" refType="primFontSz" fact="0.3"/>
+            </dgm:constrLst>
+            <dgm:ruleLst>
+              <dgm:rule type="primFontSz" val="5" fact="NaN" max="NaN"/>
+            </dgm:ruleLst>
+          </dgm:layoutNode>
+        </dgm:else>
+      </dgm:choose>
+    </dgm:forEach>
+    <dgm:forEach name="Name58" axis="ch" ptType="node" st="3" cnt="1">
+      <dgm:choose name="Name59">
+        <dgm:if name="Name60" axis="root des" ptType="all node" func="maxDepth" op="gte" val="2">
+          <dgm:layoutNode name="rect3ParTx" styleLbl="alignAcc1">
+            <dgm:varLst>
+              <dgm:chMax val="1"/>
+              <dgm:bulletEnabled val="1"/>
+            </dgm:varLst>
+            <dgm:alg type="tx"/>
+            <dgm:shape xmlns:r="http://schemas.openxmlformats.org/officeDocument/2006/relationships" type="rect" r:blip="" hideGeom="1">
+              <dgm:adjLst/>
+            </dgm:shape>
+            <dgm:presOf axis="self"/>
+            <dgm:constrLst>
+              <dgm:constr type="lMarg" refType="primFontSz" fact="0.3"/>
+              <dgm:constr type="rMarg" refType="primFontSz" fact="0.3"/>
+              <dgm:constr type="tMarg" refType="primFontSz" fact="0.3"/>
+              <dgm:constr type="bMarg" refType="primFontSz" fact="0.3"/>
+            </dgm:constrLst>
+            <dgm:ruleLst>
+              <dgm:rule type="primFontSz" val="5" fact="NaN" max="NaN"/>
+            </dgm:ruleLst>
+          </dgm:layoutNode>
+          <dgm:layoutNode name="rect3ChTx" styleLbl="alignAcc1">
+            <dgm:varLst>
+              <dgm:bulletEnabled val="1"/>
+            </dgm:varLst>
+            <dgm:alg type="tx">
+              <dgm:param type="stBulletLvl" val="1"/>
+              <dgm:param type="txAnchorVertCh" val="mid"/>
+            </dgm:alg>
+            <dgm:shape xmlns:r="http://schemas.openxmlformats.org/officeDocument/2006/relationships" type="rect" r:blip="" hideGeom="1">
+              <dgm:adjLst/>
+            </dgm:shape>
+            <dgm:presOf axis="des" ptType="node"/>
+            <dgm:constrLst>
+              <dgm:constr type="lMarg" refType="secFontSz" fact="0.3"/>
+              <dgm:constr type="rMarg" refType="secFontSz" fact="0.3"/>
+              <dgm:constr type="tMarg" refType="secFontSz" fact="0.3"/>
+              <dgm:constr type="bMarg" refType="secFontSz" fact="0.3"/>
+            </dgm:constrLst>
+            <dgm:ruleLst>
+              <dgm:rule type="secFontSz" val="5" fact="NaN" max="NaN"/>
+            </dgm:ruleLst>
+          </dgm:layoutNode>
+        </dgm:if>
+        <dgm:else name="Name61">
+          <dgm:layoutNode name="rect3ParTxNoCh" styleLbl="alignAcc1">
+            <dgm:varLst>
+              <dgm:chMax val="1"/>
+              <dgm:bulletEnabled val="1"/>
+            </dgm:varLst>
+            <dgm:alg type="tx"/>
+            <dgm:shape xmlns:r="http://schemas.openxmlformats.org/officeDocument/2006/relationships" type="rect" r:blip="" hideGeom="1">
+              <dgm:adjLst/>
+            </dgm:shape>
+            <dgm:presOf axis="self"/>
+            <dgm:constrLst>
+              <dgm:constr type="lMarg" refType="primFontSz" fact="0.3"/>
+              <dgm:constr type="rMarg" refType="primFontSz" fact="0.3"/>
+              <dgm:constr type="tMarg" refType="primFontSz" fact="0.3"/>
+              <dgm:constr type="bMarg" refType="primFontSz" fact="0.3"/>
+            </dgm:constrLst>
+            <dgm:ruleLst>
+              <dgm:rule type="primFontSz" val="5" fact="NaN" max="NaN"/>
+            </dgm:ruleLst>
+          </dgm:layoutNode>
+        </dgm:else>
+      </dgm:choose>
+    </dgm:forEach>
+    <dgm:forEach name="Name62" axis="ch" ptType="node" st="4" cnt="1">
+      <dgm:choose name="Name63">
+        <dgm:if name="Name64" axis="root des" ptType="all node" func="maxDepth" op="gte" val="2">
+          <dgm:layoutNode name="rect4ParTx" styleLbl="alignAcc1">
+            <dgm:varLst>
+              <dgm:chMax val="1"/>
+              <dgm:bulletEnabled val="1"/>
+            </dgm:varLst>
+            <dgm:alg type="tx"/>
+            <dgm:shape xmlns:r="http://schemas.openxmlformats.org/officeDocument/2006/relationships" type="rect" r:blip="" hideGeom="1">
+              <dgm:adjLst/>
+            </dgm:shape>
+            <dgm:presOf axis="self"/>
+            <dgm:constrLst>
+              <dgm:constr type="lMarg" refType="primFontSz" fact="0.3"/>
+              <dgm:constr type="rMarg" refType="primFontSz" fact="0.3"/>
+              <dgm:constr type="tMarg" refType="primFontSz" fact="0.3"/>
+              <dgm:constr type="bMarg" refType="primFontSz" fact="0.3"/>
+            </dgm:constrLst>
+            <dgm:ruleLst>
+              <dgm:rule type="primFontSz" val="5" fact="NaN" max="NaN"/>
+            </dgm:ruleLst>
+          </dgm:layoutNode>
+          <dgm:layoutNode name="rect4ChTx" styleLbl="alignAcc1">
+            <dgm:varLst>
+              <dgm:bulletEnabled val="1"/>
+            </dgm:varLst>
+            <dgm:alg type="tx">
+              <dgm:param type="stBulletLvl" val="1"/>
+              <dgm:param type="txAnchorVertCh" val="mid"/>
+            </dgm:alg>
+            <dgm:shape xmlns:r="http://schemas.openxmlformats.org/officeDocument/2006/relationships" type="rect" r:blip="" hideGeom="1">
+              <dgm:adjLst/>
+            </dgm:shape>
+            <dgm:presOf axis="des" ptType="node"/>
+            <dgm:constrLst>
+              <dgm:constr type="lMarg" refType="secFontSz" fact="0.3"/>
+              <dgm:constr type="rMarg" refType="secFontSz" fact="0.3"/>
+              <dgm:constr type="tMarg" refType="secFontSz" fact="0.3"/>
+              <dgm:constr type="bMarg" refType="secFontSz" fact="0.3"/>
+            </dgm:constrLst>
+            <dgm:ruleLst>
+              <dgm:rule type="secFontSz" val="5" fact="NaN" max="NaN"/>
+            </dgm:ruleLst>
+          </dgm:layoutNode>
+        </dgm:if>
+        <dgm:else name="Name65">
+          <dgm:layoutNode name="rect4ParTxNoCh" styleLbl="alignAcc1">
+            <dgm:varLst>
+              <dgm:chMax val="1"/>
+              <dgm:bulletEnabled val="1"/>
+            </dgm:varLst>
+            <dgm:alg type="tx"/>
+            <dgm:shape xmlns:r="http://schemas.openxmlformats.org/officeDocument/2006/relationships" type="rect" r:blip="" hideGeom="1">
+              <dgm:adjLst/>
+            </dgm:shape>
+            <dgm:presOf axis="self"/>
+            <dgm:constrLst>
+              <dgm:constr type="lMarg" refType="primFontSz" fact="0.3"/>
+              <dgm:constr type="rMarg" refType="primFontSz" fact="0.3"/>
+              <dgm:constr type="tMarg" refType="primFontSz" fact="0.3"/>
+              <dgm:constr type="bMarg" refType="primFontSz" fact="0.3"/>
+            </dgm:constrLst>
+            <dgm:ruleLst>
+              <dgm:rule type="primFontSz" val="5" fact="NaN" max="NaN"/>
+            </dgm:ruleLst>
+          </dgm:layoutNode>
+        </dgm:else>
+      </dgm:choose>
+    </dgm:forEach>
+    <dgm:forEach name="Name66" axis="ch" ptType="node" st="5" cnt="1">
+      <dgm:choose name="Name67">
+        <dgm:if name="Name68" axis="root des" ptType="all node" func="maxDepth" op="gte" val="2">
+          <dgm:layoutNode name="rect5ParTx" styleLbl="alignAcc1">
+            <dgm:varLst>
+              <dgm:chMax val="1"/>
+              <dgm:bulletEnabled val="1"/>
+            </dgm:varLst>
+            <dgm:alg type="tx"/>
+            <dgm:shape xmlns:r="http://schemas.openxmlformats.org/officeDocument/2006/relationships" type="rect" r:blip="" hideGeom="1">
+              <dgm:adjLst/>
+            </dgm:shape>
+            <dgm:presOf axis="self"/>
+            <dgm:constrLst>
+              <dgm:constr type="lMarg" refType="primFontSz" fact="0.3"/>
+              <dgm:constr type="rMarg" refType="primFontSz" fact="0.3"/>
+              <dgm:constr type="tMarg" refType="primFontSz" fact="0.3"/>
+              <dgm:constr type="bMarg" refType="primFontSz" fact="0.3"/>
+            </dgm:constrLst>
+            <dgm:ruleLst>
+              <dgm:rule type="primFontSz" val="5" fact="NaN" max="NaN"/>
+            </dgm:ruleLst>
+          </dgm:layoutNode>
+          <dgm:layoutNode name="rect5ChTx" styleLbl="alignAcc1">
+            <dgm:varLst>
+              <dgm:bulletEnabled val="1"/>
+            </dgm:varLst>
+            <dgm:alg type="tx">
+              <dgm:param type="stBulletLvl" val="1"/>
+              <dgm:param type="txAnchorVertCh" val="mid"/>
+            </dgm:alg>
+            <dgm:shape xmlns:r="http://schemas.openxmlformats.org/officeDocument/2006/relationships" type="rect" r:blip="" hideGeom="1">
+              <dgm:adjLst/>
+            </dgm:shape>
+            <dgm:presOf axis="des" ptType="node"/>
+            <dgm:constrLst>
+              <dgm:constr type="lMarg" refType="secFontSz" fact="0.3"/>
+              <dgm:constr type="rMarg" refType="secFontSz" fact="0.3"/>
+              <dgm:constr type="tMarg" refType="secFontSz" fact="0.3"/>
+              <dgm:constr type="bMarg" refType="secFontSz" fact="0.3"/>
+            </dgm:constrLst>
+            <dgm:ruleLst>
+              <dgm:rule type="secFontSz" val="5" fact="NaN" max="NaN"/>
+            </dgm:ruleLst>
+          </dgm:layoutNode>
+        </dgm:if>
+        <dgm:else name="Name69">
+          <dgm:layoutNode name="rect5ParTxNoCh" styleLbl="alignAcc1">
+            <dgm:varLst>
+              <dgm:chMax val="1"/>
+              <dgm:bulletEnabled val="1"/>
+            </dgm:varLst>
+            <dgm:alg type="tx"/>
+            <dgm:shape xmlns:r="http://schemas.openxmlformats.org/officeDocument/2006/relationships" type="rect" r:blip="" hideGeom="1">
+              <dgm:adjLst/>
+            </dgm:shape>
+            <dgm:presOf axis="self"/>
+            <dgm:constrLst>
+              <dgm:constr type="lMarg" refType="primFontSz" fact="0.3"/>
+              <dgm:constr type="rMarg" refType="primFontSz" fact="0.3"/>
+              <dgm:constr type="tMarg" refType="primFontSz" fact="0.3"/>
+              <dgm:constr type="bMarg" refType="primFontSz" fact="0.3"/>
+            </dgm:constrLst>
+            <dgm:ruleLst>
+              <dgm:rule type="primFontSz" val="5" fact="NaN" max="NaN"/>
+            </dgm:ruleLst>
+          </dgm:layoutNode>
+        </dgm:else>
+      </dgm:choose>
+    </dgm:forEach>
+    <dgm:forEach name="Name70" axis="ch" ptType="node" st="6" cnt="1">
+      <dgm:choose name="Name71">
+        <dgm:if name="Name72" axis="root des" ptType="all node" func="maxDepth" op="gte" val="2">
+          <dgm:layoutNode name="rect6ParTx" styleLbl="alignAcc1">
+            <dgm:varLst>
+              <dgm:chMax val="1"/>
+              <dgm:bulletEnabled val="1"/>
+            </dgm:varLst>
+            <dgm:alg type="tx"/>
+            <dgm:shape xmlns:r="http://schemas.openxmlformats.org/officeDocument/2006/relationships" type="rect" r:blip="" hideGeom="1">
+              <dgm:adjLst/>
+            </dgm:shape>
+            <dgm:presOf axis="self"/>
+            <dgm:constrLst>
+              <dgm:constr type="lMarg" refType="primFontSz" fact="0.3"/>
+              <dgm:constr type="rMarg" refType="primFontSz" fact="0.3"/>
+              <dgm:constr type="tMarg" refType="primFontSz" fact="0.3"/>
+              <dgm:constr type="bMarg" refType="primFontSz" fact="0.3"/>
+            </dgm:constrLst>
+            <dgm:ruleLst>
+              <dgm:rule type="primFontSz" val="5" fact="NaN" max="NaN"/>
+            </dgm:ruleLst>
+          </dgm:layoutNode>
+          <dgm:layoutNode name="rect6ChTx" styleLbl="alignAcc1">
+            <dgm:varLst>
+              <dgm:bulletEnabled val="1"/>
+            </dgm:varLst>
+            <dgm:alg type="tx">
+              <dgm:param type="stBulletLvl" val="1"/>
+              <dgm:param type="txAnchorVertCh" val="mid"/>
+            </dgm:alg>
+            <dgm:shape xmlns:r="http://schemas.openxmlformats.org/officeDocument/2006/relationships" type="rect" r:blip="" hideGeom="1">
+              <dgm:adjLst/>
+            </dgm:shape>
+            <dgm:presOf axis="des" ptType="node"/>
+            <dgm:constrLst>
+              <dgm:constr type="lMarg" refType="secFontSz" fact="0.3"/>
+              <dgm:constr type="rMarg" refType="secFontSz" fact="0.3"/>
+              <dgm:constr type="tMarg" refType="secFontSz" fact="0.3"/>
+              <dgm:constr type="bMarg" refType="secFontSz" fact="0.3"/>
+            </dgm:constrLst>
+            <dgm:ruleLst>
+              <dgm:rule type="secFontSz" val="5" fact="NaN" max="NaN"/>
+            </dgm:ruleLst>
+          </dgm:layoutNode>
+        </dgm:if>
+        <dgm:else name="Name73">
+          <dgm:layoutNode name="rect6ParTxNoCh" styleLbl="alignAcc1">
+            <dgm:varLst>
+              <dgm:chMax val="1"/>
+              <dgm:bulletEnabled val="1"/>
+            </dgm:varLst>
+            <dgm:alg type="tx"/>
+            <dgm:shape xmlns:r="http://schemas.openxmlformats.org/officeDocument/2006/relationships" type="rect" r:blip="" hideGeom="1">
+              <dgm:adjLst/>
+            </dgm:shape>
+            <dgm:presOf axis="self"/>
+            <dgm:constrLst>
+              <dgm:constr type="lMarg" refType="primFontSz" fact="0.3"/>
+              <dgm:constr type="rMarg" refType="primFontSz" fact="0.3"/>
+              <dgm:constr type="tMarg" refType="primFontSz" fact="0.3"/>
+              <dgm:constr type="bMarg" refType="primFontSz" fact="0.3"/>
+            </dgm:constrLst>
+            <dgm:ruleLst>
+              <dgm:rule type="primFontSz" val="5" fact="NaN" max="NaN"/>
+            </dgm:ruleLst>
+          </dgm:layoutNode>
+        </dgm:else>
+      </dgm:choose>
+    </dgm:forEach>
+    <dgm:forEach name="Name74" axis="ch" ptType="node" st="7" cnt="1">
+      <dgm:choose name="Name75">
+        <dgm:if name="Name76" axis="root des" ptType="all node" func="maxDepth" op="gte" val="2">
+          <dgm:layoutNode name="rect7ParTx" styleLbl="alignAcc1">
+            <dgm:varLst>
+              <dgm:chMax val="1"/>
+              <dgm:bulletEnabled val="1"/>
+            </dgm:varLst>
+            <dgm:alg type="tx"/>
+            <dgm:shape xmlns:r="http://schemas.openxmlformats.org/officeDocument/2006/relationships" type="rect" r:blip="" hideGeom="1">
+              <dgm:adjLst/>
+            </dgm:shape>
+            <dgm:presOf axis="self"/>
+            <dgm:constrLst>
+              <dgm:constr type="lMarg" refType="primFontSz" fact="0.3"/>
+              <dgm:constr type="rMarg" refType="primFontSz" fact="0.3"/>
+              <dgm:constr type="tMarg" refType="primFontSz" fact="0.3"/>
+              <dgm:constr type="bMarg" refType="primFontSz" fact="0.3"/>
+            </dgm:constrLst>
+            <dgm:ruleLst>
+              <dgm:rule type="primFontSz" val="5" fact="NaN" max="NaN"/>
+            </dgm:ruleLst>
+          </dgm:layoutNode>
+          <dgm:layoutNode name="rect7ChTx" styleLbl="alignAcc1">
+            <dgm:varLst>
+              <dgm:bulletEnabled val="1"/>
+            </dgm:varLst>
+            <dgm:alg type="tx">
+              <dgm:param type="stBulletLvl" val="1"/>
+              <dgm:param type="txAnchorVertCh" val="mid"/>
+            </dgm:alg>
+            <dgm:shape xmlns:r="http://schemas.openxmlformats.org/officeDocument/2006/relationships" type="rect" r:blip="" hideGeom="1">
+              <dgm:adjLst/>
+            </dgm:shape>
+            <dgm:presOf axis="des" ptType="node"/>
+            <dgm:constrLst>
+              <dgm:constr type="lMarg" refType="secFontSz" fact="0.3"/>
+              <dgm:constr type="rMarg" refType="secFontSz" fact="0.3"/>
+              <dgm:constr type="tMarg" refType="secFontSz" fact="0.3"/>
+              <dgm:constr type="bMarg" refType="secFontSz" fact="0.3"/>
+            </dgm:constrLst>
+            <dgm:ruleLst>
+              <dgm:rule type="secFontSz" val="5" fact="NaN" max="NaN"/>
+            </dgm:ruleLst>
+          </dgm:layoutNode>
+        </dgm:if>
+        <dgm:else name="Name77">
+          <dgm:layoutNode name="rect7ParTxNoCh" styleLbl="alignAcc1">
+            <dgm:varLst>
+              <dgm:chMax val="1"/>
+              <dgm:bulletEnabled val="1"/>
+            </dgm:varLst>
+            <dgm:alg type="tx"/>
+            <dgm:shape xmlns:r="http://schemas.openxmlformats.org/officeDocument/2006/relationships" type="rect" r:blip="" hideGeom="1">
+              <dgm:adjLst/>
+            </dgm:shape>
+            <dgm:presOf axis="self"/>
+            <dgm:constrLst>
+              <dgm:constr type="lMarg" refType="primFontSz" fact="0.3"/>
+              <dgm:constr type="rMarg" refType="primFontSz" fact="0.3"/>
+              <dgm:constr type="tMarg" refType="primFontSz" fact="0.3"/>
+              <dgm:constr type="bMarg" refType="primFontSz" fact="0.3"/>
+            </dgm:constrLst>
+            <dgm:ruleLst>
+              <dgm:rule type="primFontSz" val="5" fact="NaN" max="NaN"/>
+            </dgm:ruleLst>
+          </dgm:layoutNode>
+        </dgm:else>
+      </dgm:choose>
+    </dgm:forEach>
+  </dgm:layoutNode>
+</dgm:layoutDef>
+</file>
+
 <file path=ppt/diagrams/quickStyle1.xml><?xml version="1.0" encoding="utf-8"?>
 <dgm:styleDef xmlns:dgm="http://schemas.openxmlformats.org/drawingml/2006/diagram" xmlns:a="http://schemas.openxmlformats.org/drawingml/2006/main" uniqueId="urn:microsoft.com/office/officeart/2005/8/quickstyle/simple1">
   <dgm:title val=""/>
@@ -5834,6 +10743,1040 @@
         <a:scrgbClr r="0" g="0" b="0"/>
       </a:fillRef>
       <a:effectRef idx="0">
+        <a:scrgbClr r="0" g="0" b="0"/>
+      </a:effectRef>
+      <a:fontRef idx="minor"/>
+    </dgm:style>
+  </dgm:styleLbl>
+  <dgm:styleLbl name="revTx">
+    <dgm:scene3d>
+      <a:camera prst="orthographicFront"/>
+      <a:lightRig rig="threePt" dir="t"/>
+    </dgm:scene3d>
+    <dgm:sp3d/>
+    <dgm:txPr/>
+    <dgm:style>
+      <a:lnRef idx="0">
+        <a:scrgbClr r="0" g="0" b="0"/>
+      </a:lnRef>
+      <a:fillRef idx="0">
+        <a:scrgbClr r="0" g="0" b="0"/>
+      </a:fillRef>
+      <a:effectRef idx="0">
+        <a:scrgbClr r="0" g="0" b="0"/>
+      </a:effectRef>
+      <a:fontRef idx="minor"/>
+    </dgm:style>
+  </dgm:styleLbl>
+</dgm:styleDef>
+</file>
+
+<file path=ppt/diagrams/quickStyle3.xml><?xml version="1.0" encoding="utf-8"?>
+<dgm:styleDef xmlns:dgm="http://schemas.openxmlformats.org/drawingml/2006/diagram" xmlns:a="http://schemas.openxmlformats.org/drawingml/2006/main" uniqueId="urn:microsoft.com/office/officeart/2005/8/quickstyle/simple2">
+  <dgm:title val=""/>
+  <dgm:desc val=""/>
+  <dgm:catLst>
+    <dgm:cat type="simple" pri="10200"/>
+  </dgm:catLst>
+  <dgm:scene3d>
+    <a:camera prst="orthographicFront"/>
+    <a:lightRig rig="threePt" dir="t"/>
+  </dgm:scene3d>
+  <dgm:styleLbl name="node0">
+    <dgm:scene3d>
+      <a:camera prst="orthographicFront"/>
+      <a:lightRig rig="threePt" dir="t"/>
+    </dgm:scene3d>
+    <dgm:sp3d/>
+    <dgm:txPr/>
+    <dgm:style>
+      <a:lnRef idx="3">
+        <a:scrgbClr r="0" g="0" b="0"/>
+      </a:lnRef>
+      <a:fillRef idx="1">
+        <a:scrgbClr r="0" g="0" b="0"/>
+      </a:fillRef>
+      <a:effectRef idx="1">
+        <a:scrgbClr r="0" g="0" b="0"/>
+      </a:effectRef>
+      <a:fontRef idx="minor">
+        <a:schemeClr val="lt1"/>
+      </a:fontRef>
+    </dgm:style>
+  </dgm:styleLbl>
+  <dgm:styleLbl name="lnNode1">
+    <dgm:scene3d>
+      <a:camera prst="orthographicFront"/>
+      <a:lightRig rig="threePt" dir="t"/>
+    </dgm:scene3d>
+    <dgm:sp3d/>
+    <dgm:txPr/>
+    <dgm:style>
+      <a:lnRef idx="3">
+        <a:scrgbClr r="0" g="0" b="0"/>
+      </a:lnRef>
+      <a:fillRef idx="1">
+        <a:scrgbClr r="0" g="0" b="0"/>
+      </a:fillRef>
+      <a:effectRef idx="1">
+        <a:scrgbClr r="0" g="0" b="0"/>
+      </a:effectRef>
+      <a:fontRef idx="minor">
+        <a:schemeClr val="lt1"/>
+      </a:fontRef>
+    </dgm:style>
+  </dgm:styleLbl>
+  <dgm:styleLbl name="vennNode1">
+    <dgm:scene3d>
+      <a:camera prst="orthographicFront"/>
+      <a:lightRig rig="threePt" dir="t"/>
+    </dgm:scene3d>
+    <dgm:sp3d/>
+    <dgm:txPr/>
+    <dgm:style>
+      <a:lnRef idx="3">
+        <a:scrgbClr r="0" g="0" b="0"/>
+      </a:lnRef>
+      <a:fillRef idx="1">
+        <a:scrgbClr r="0" g="0" b="0"/>
+      </a:fillRef>
+      <a:effectRef idx="0">
+        <a:scrgbClr r="0" g="0" b="0"/>
+      </a:effectRef>
+      <a:fontRef idx="minor">
+        <a:schemeClr val="tx1"/>
+      </a:fontRef>
+    </dgm:style>
+  </dgm:styleLbl>
+  <dgm:styleLbl name="alignNode1">
+    <dgm:scene3d>
+      <a:camera prst="orthographicFront"/>
+      <a:lightRig rig="threePt" dir="t"/>
+    </dgm:scene3d>
+    <dgm:sp3d/>
+    <dgm:txPr/>
+    <dgm:style>
+      <a:lnRef idx="2">
+        <a:scrgbClr r="0" g="0" b="0"/>
+      </a:lnRef>
+      <a:fillRef idx="1">
+        <a:scrgbClr r="0" g="0" b="0"/>
+      </a:fillRef>
+      <a:effectRef idx="1">
+        <a:scrgbClr r="0" g="0" b="0"/>
+      </a:effectRef>
+      <a:fontRef idx="minor">
+        <a:schemeClr val="lt1"/>
+      </a:fontRef>
+    </dgm:style>
+  </dgm:styleLbl>
+  <dgm:styleLbl name="node1">
+    <dgm:scene3d>
+      <a:camera prst="orthographicFront"/>
+      <a:lightRig rig="threePt" dir="t"/>
+    </dgm:scene3d>
+    <dgm:sp3d/>
+    <dgm:txPr/>
+    <dgm:style>
+      <a:lnRef idx="3">
+        <a:scrgbClr r="0" g="0" b="0"/>
+      </a:lnRef>
+      <a:fillRef idx="1">
+        <a:scrgbClr r="0" g="0" b="0"/>
+      </a:fillRef>
+      <a:effectRef idx="1">
+        <a:scrgbClr r="0" g="0" b="0"/>
+      </a:effectRef>
+      <a:fontRef idx="minor">
+        <a:schemeClr val="lt1"/>
+      </a:fontRef>
+    </dgm:style>
+  </dgm:styleLbl>
+  <dgm:styleLbl name="node2">
+    <dgm:scene3d>
+      <a:camera prst="orthographicFront"/>
+      <a:lightRig rig="threePt" dir="t"/>
+    </dgm:scene3d>
+    <dgm:sp3d/>
+    <dgm:txPr/>
+    <dgm:style>
+      <a:lnRef idx="3">
+        <a:scrgbClr r="0" g="0" b="0"/>
+      </a:lnRef>
+      <a:fillRef idx="1">
+        <a:scrgbClr r="0" g="0" b="0"/>
+      </a:fillRef>
+      <a:effectRef idx="1">
+        <a:scrgbClr r="0" g="0" b="0"/>
+      </a:effectRef>
+      <a:fontRef idx="minor">
+        <a:schemeClr val="lt1"/>
+      </a:fontRef>
+    </dgm:style>
+  </dgm:styleLbl>
+  <dgm:styleLbl name="node3">
+    <dgm:scene3d>
+      <a:camera prst="orthographicFront"/>
+      <a:lightRig rig="threePt" dir="t"/>
+    </dgm:scene3d>
+    <dgm:sp3d/>
+    <dgm:txPr/>
+    <dgm:style>
+      <a:lnRef idx="3">
+        <a:scrgbClr r="0" g="0" b="0"/>
+      </a:lnRef>
+      <a:fillRef idx="1">
+        <a:scrgbClr r="0" g="0" b="0"/>
+      </a:fillRef>
+      <a:effectRef idx="1">
+        <a:scrgbClr r="0" g="0" b="0"/>
+      </a:effectRef>
+      <a:fontRef idx="minor">
+        <a:schemeClr val="lt1"/>
+      </a:fontRef>
+    </dgm:style>
+  </dgm:styleLbl>
+  <dgm:styleLbl name="node4">
+    <dgm:scene3d>
+      <a:camera prst="orthographicFront"/>
+      <a:lightRig rig="threePt" dir="t"/>
+    </dgm:scene3d>
+    <dgm:sp3d/>
+    <dgm:txPr/>
+    <dgm:style>
+      <a:lnRef idx="3">
+        <a:scrgbClr r="0" g="0" b="0"/>
+      </a:lnRef>
+      <a:fillRef idx="1">
+        <a:scrgbClr r="0" g="0" b="0"/>
+      </a:fillRef>
+      <a:effectRef idx="1">
+        <a:scrgbClr r="0" g="0" b="0"/>
+      </a:effectRef>
+      <a:fontRef idx="minor">
+        <a:schemeClr val="lt1"/>
+      </a:fontRef>
+    </dgm:style>
+  </dgm:styleLbl>
+  <dgm:styleLbl name="fgImgPlace1">
+    <dgm:scene3d>
+      <a:camera prst="orthographicFront"/>
+      <a:lightRig rig="threePt" dir="t"/>
+    </dgm:scene3d>
+    <dgm:sp3d/>
+    <dgm:txPr/>
+    <dgm:style>
+      <a:lnRef idx="3">
+        <a:scrgbClr r="0" g="0" b="0"/>
+      </a:lnRef>
+      <a:fillRef idx="1">
+        <a:scrgbClr r="0" g="0" b="0"/>
+      </a:fillRef>
+      <a:effectRef idx="1">
+        <a:scrgbClr r="0" g="0" b="0"/>
+      </a:effectRef>
+      <a:fontRef idx="minor"/>
+    </dgm:style>
+  </dgm:styleLbl>
+  <dgm:styleLbl name="alignImgPlace1">
+    <dgm:scene3d>
+      <a:camera prst="orthographicFront"/>
+      <a:lightRig rig="threePt" dir="t"/>
+    </dgm:scene3d>
+    <dgm:sp3d/>
+    <dgm:txPr/>
+    <dgm:style>
+      <a:lnRef idx="3">
+        <a:scrgbClr r="0" g="0" b="0"/>
+      </a:lnRef>
+      <a:fillRef idx="1">
+        <a:scrgbClr r="0" g="0" b="0"/>
+      </a:fillRef>
+      <a:effectRef idx="1">
+        <a:scrgbClr r="0" g="0" b="0"/>
+      </a:effectRef>
+      <a:fontRef idx="minor"/>
+    </dgm:style>
+  </dgm:styleLbl>
+  <dgm:styleLbl name="bgImgPlace1">
+    <dgm:scene3d>
+      <a:camera prst="orthographicFront"/>
+      <a:lightRig rig="threePt" dir="t"/>
+    </dgm:scene3d>
+    <dgm:sp3d/>
+    <dgm:txPr/>
+    <dgm:style>
+      <a:lnRef idx="3">
+        <a:scrgbClr r="0" g="0" b="0"/>
+      </a:lnRef>
+      <a:fillRef idx="1">
+        <a:scrgbClr r="0" g="0" b="0"/>
+      </a:fillRef>
+      <a:effectRef idx="1">
+        <a:scrgbClr r="0" g="0" b="0"/>
+      </a:effectRef>
+      <a:fontRef idx="minor"/>
+    </dgm:style>
+  </dgm:styleLbl>
+  <dgm:styleLbl name="sibTrans2D1">
+    <dgm:scene3d>
+      <a:camera prst="orthographicFront"/>
+      <a:lightRig rig="threePt" dir="t"/>
+    </dgm:scene3d>
+    <dgm:sp3d/>
+    <dgm:txPr/>
+    <dgm:style>
+      <a:lnRef idx="0">
+        <a:scrgbClr r="0" g="0" b="0"/>
+      </a:lnRef>
+      <a:fillRef idx="1">
+        <a:scrgbClr r="0" g="0" b="0"/>
+      </a:fillRef>
+      <a:effectRef idx="1">
+        <a:scrgbClr r="0" g="0" b="0"/>
+      </a:effectRef>
+      <a:fontRef idx="minor">
+        <a:schemeClr val="lt1"/>
+      </a:fontRef>
+    </dgm:style>
+  </dgm:styleLbl>
+  <dgm:styleLbl name="fgSibTrans2D1">
+    <dgm:scene3d>
+      <a:camera prst="orthographicFront"/>
+      <a:lightRig rig="threePt" dir="t"/>
+    </dgm:scene3d>
+    <dgm:sp3d/>
+    <dgm:txPr/>
+    <dgm:style>
+      <a:lnRef idx="0">
+        <a:scrgbClr r="0" g="0" b="0"/>
+      </a:lnRef>
+      <a:fillRef idx="1">
+        <a:scrgbClr r="0" g="0" b="0"/>
+      </a:fillRef>
+      <a:effectRef idx="1">
+        <a:scrgbClr r="0" g="0" b="0"/>
+      </a:effectRef>
+      <a:fontRef idx="minor">
+        <a:schemeClr val="lt1"/>
+      </a:fontRef>
+    </dgm:style>
+  </dgm:styleLbl>
+  <dgm:styleLbl name="bgSibTrans2D1">
+    <dgm:scene3d>
+      <a:camera prst="orthographicFront"/>
+      <a:lightRig rig="threePt" dir="t"/>
+    </dgm:scene3d>
+    <dgm:sp3d/>
+    <dgm:txPr/>
+    <dgm:style>
+      <a:lnRef idx="0">
+        <a:scrgbClr r="0" g="0" b="0"/>
+      </a:lnRef>
+      <a:fillRef idx="1">
+        <a:scrgbClr r="0" g="0" b="0"/>
+      </a:fillRef>
+      <a:effectRef idx="1">
+        <a:scrgbClr r="0" g="0" b="0"/>
+      </a:effectRef>
+      <a:fontRef idx="minor">
+        <a:schemeClr val="lt1"/>
+      </a:fontRef>
+    </dgm:style>
+  </dgm:styleLbl>
+  <dgm:styleLbl name="sibTrans1D1">
+    <dgm:scene3d>
+      <a:camera prst="orthographicFront"/>
+      <a:lightRig rig="threePt" dir="t"/>
+    </dgm:scene3d>
+    <dgm:sp3d/>
+    <dgm:txPr/>
+    <dgm:style>
+      <a:lnRef idx="1">
+        <a:scrgbClr r="0" g="0" b="0"/>
+      </a:lnRef>
+      <a:fillRef idx="0">
+        <a:scrgbClr r="0" g="0" b="0"/>
+      </a:fillRef>
+      <a:effectRef idx="0">
+        <a:scrgbClr r="0" g="0" b="0"/>
+      </a:effectRef>
+      <a:fontRef idx="minor"/>
+    </dgm:style>
+  </dgm:styleLbl>
+  <dgm:styleLbl name="callout">
+    <dgm:scene3d>
+      <a:camera prst="orthographicFront"/>
+      <a:lightRig rig="threePt" dir="t"/>
+    </dgm:scene3d>
+    <dgm:sp3d/>
+    <dgm:txPr/>
+    <dgm:style>
+      <a:lnRef idx="2">
+        <a:scrgbClr r="0" g="0" b="0"/>
+      </a:lnRef>
+      <a:fillRef idx="1">
+        <a:scrgbClr r="0" g="0" b="0"/>
+      </a:fillRef>
+      <a:effectRef idx="1">
+        <a:scrgbClr r="0" g="0" b="0"/>
+      </a:effectRef>
+      <a:fontRef idx="minor"/>
+    </dgm:style>
+  </dgm:styleLbl>
+  <dgm:styleLbl name="asst0">
+    <dgm:scene3d>
+      <a:camera prst="orthographicFront"/>
+      <a:lightRig rig="threePt" dir="t"/>
+    </dgm:scene3d>
+    <dgm:sp3d/>
+    <dgm:txPr/>
+    <dgm:style>
+      <a:lnRef idx="3">
+        <a:scrgbClr r="0" g="0" b="0"/>
+      </a:lnRef>
+      <a:fillRef idx="1">
+        <a:scrgbClr r="0" g="0" b="0"/>
+      </a:fillRef>
+      <a:effectRef idx="1">
+        <a:scrgbClr r="0" g="0" b="0"/>
+      </a:effectRef>
+      <a:fontRef idx="minor">
+        <a:schemeClr val="lt1"/>
+      </a:fontRef>
+    </dgm:style>
+  </dgm:styleLbl>
+  <dgm:styleLbl name="asst1">
+    <dgm:scene3d>
+      <a:camera prst="orthographicFront"/>
+      <a:lightRig rig="threePt" dir="t"/>
+    </dgm:scene3d>
+    <dgm:sp3d/>
+    <dgm:txPr/>
+    <dgm:style>
+      <a:lnRef idx="3">
+        <a:scrgbClr r="0" g="0" b="0"/>
+      </a:lnRef>
+      <a:fillRef idx="1">
+        <a:scrgbClr r="0" g="0" b="0"/>
+      </a:fillRef>
+      <a:effectRef idx="1">
+        <a:scrgbClr r="0" g="0" b="0"/>
+      </a:effectRef>
+      <a:fontRef idx="minor">
+        <a:schemeClr val="lt1"/>
+      </a:fontRef>
+    </dgm:style>
+  </dgm:styleLbl>
+  <dgm:styleLbl name="asst2">
+    <dgm:scene3d>
+      <a:camera prst="orthographicFront"/>
+      <a:lightRig rig="threePt" dir="t"/>
+    </dgm:scene3d>
+    <dgm:sp3d/>
+    <dgm:txPr/>
+    <dgm:style>
+      <a:lnRef idx="3">
+        <a:scrgbClr r="0" g="0" b="0"/>
+      </a:lnRef>
+      <a:fillRef idx="1">
+        <a:scrgbClr r="0" g="0" b="0"/>
+      </a:fillRef>
+      <a:effectRef idx="1">
+        <a:scrgbClr r="0" g="0" b="0"/>
+      </a:effectRef>
+      <a:fontRef idx="minor">
+        <a:schemeClr val="lt1"/>
+      </a:fontRef>
+    </dgm:style>
+  </dgm:styleLbl>
+  <dgm:styleLbl name="asst3">
+    <dgm:scene3d>
+      <a:camera prst="orthographicFront"/>
+      <a:lightRig rig="threePt" dir="t"/>
+    </dgm:scene3d>
+    <dgm:sp3d/>
+    <dgm:txPr/>
+    <dgm:style>
+      <a:lnRef idx="3">
+        <a:scrgbClr r="0" g="0" b="0"/>
+      </a:lnRef>
+      <a:fillRef idx="1">
+        <a:scrgbClr r="0" g="0" b="0"/>
+      </a:fillRef>
+      <a:effectRef idx="1">
+        <a:scrgbClr r="0" g="0" b="0"/>
+      </a:effectRef>
+      <a:fontRef idx="minor">
+        <a:schemeClr val="lt1"/>
+      </a:fontRef>
+    </dgm:style>
+  </dgm:styleLbl>
+  <dgm:styleLbl name="asst4">
+    <dgm:scene3d>
+      <a:camera prst="orthographicFront"/>
+      <a:lightRig rig="threePt" dir="t"/>
+    </dgm:scene3d>
+    <dgm:sp3d/>
+    <dgm:txPr/>
+    <dgm:style>
+      <a:lnRef idx="3">
+        <a:scrgbClr r="0" g="0" b="0"/>
+      </a:lnRef>
+      <a:fillRef idx="1">
+        <a:scrgbClr r="0" g="0" b="0"/>
+      </a:fillRef>
+      <a:effectRef idx="1">
+        <a:scrgbClr r="0" g="0" b="0"/>
+      </a:effectRef>
+      <a:fontRef idx="minor">
+        <a:schemeClr val="lt1"/>
+      </a:fontRef>
+    </dgm:style>
+  </dgm:styleLbl>
+  <dgm:styleLbl name="parChTrans2D1">
+    <dgm:scene3d>
+      <a:camera prst="orthographicFront"/>
+      <a:lightRig rig="threePt" dir="t"/>
+    </dgm:scene3d>
+    <dgm:sp3d/>
+    <dgm:txPr/>
+    <dgm:style>
+      <a:lnRef idx="3">
+        <a:scrgbClr r="0" g="0" b="0"/>
+      </a:lnRef>
+      <a:fillRef idx="1">
+        <a:scrgbClr r="0" g="0" b="0"/>
+      </a:fillRef>
+      <a:effectRef idx="1">
+        <a:scrgbClr r="0" g="0" b="0"/>
+      </a:effectRef>
+      <a:fontRef idx="minor">
+        <a:schemeClr val="lt1"/>
+      </a:fontRef>
+    </dgm:style>
+  </dgm:styleLbl>
+  <dgm:styleLbl name="parChTrans2D2">
+    <dgm:scene3d>
+      <a:camera prst="orthographicFront"/>
+      <a:lightRig rig="threePt" dir="t"/>
+    </dgm:scene3d>
+    <dgm:sp3d/>
+    <dgm:txPr/>
+    <dgm:style>
+      <a:lnRef idx="3">
+        <a:scrgbClr r="0" g="0" b="0"/>
+      </a:lnRef>
+      <a:fillRef idx="1">
+        <a:scrgbClr r="0" g="0" b="0"/>
+      </a:fillRef>
+      <a:effectRef idx="1">
+        <a:scrgbClr r="0" g="0" b="0"/>
+      </a:effectRef>
+      <a:fontRef idx="minor">
+        <a:schemeClr val="lt1"/>
+      </a:fontRef>
+    </dgm:style>
+  </dgm:styleLbl>
+  <dgm:styleLbl name="parChTrans2D3">
+    <dgm:scene3d>
+      <a:camera prst="orthographicFront"/>
+      <a:lightRig rig="threePt" dir="t"/>
+    </dgm:scene3d>
+    <dgm:sp3d/>
+    <dgm:txPr/>
+    <dgm:style>
+      <a:lnRef idx="3">
+        <a:scrgbClr r="0" g="0" b="0"/>
+      </a:lnRef>
+      <a:fillRef idx="1">
+        <a:scrgbClr r="0" g="0" b="0"/>
+      </a:fillRef>
+      <a:effectRef idx="1">
+        <a:scrgbClr r="0" g="0" b="0"/>
+      </a:effectRef>
+      <a:fontRef idx="minor">
+        <a:schemeClr val="lt1"/>
+      </a:fontRef>
+    </dgm:style>
+  </dgm:styleLbl>
+  <dgm:styleLbl name="parChTrans2D4">
+    <dgm:scene3d>
+      <a:camera prst="orthographicFront"/>
+      <a:lightRig rig="threePt" dir="t"/>
+    </dgm:scene3d>
+    <dgm:sp3d/>
+    <dgm:txPr/>
+    <dgm:style>
+      <a:lnRef idx="3">
+        <a:scrgbClr r="0" g="0" b="0"/>
+      </a:lnRef>
+      <a:fillRef idx="1">
+        <a:scrgbClr r="0" g="0" b="0"/>
+      </a:fillRef>
+      <a:effectRef idx="1">
+        <a:scrgbClr r="0" g="0" b="0"/>
+      </a:effectRef>
+      <a:fontRef idx="minor">
+        <a:schemeClr val="lt1"/>
+      </a:fontRef>
+    </dgm:style>
+  </dgm:styleLbl>
+  <dgm:styleLbl name="parChTrans1D1">
+    <dgm:scene3d>
+      <a:camera prst="orthographicFront"/>
+      <a:lightRig rig="threePt" dir="t"/>
+    </dgm:scene3d>
+    <dgm:sp3d/>
+    <dgm:txPr/>
+    <dgm:style>
+      <a:lnRef idx="2">
+        <a:scrgbClr r="0" g="0" b="0"/>
+      </a:lnRef>
+      <a:fillRef idx="0">
+        <a:scrgbClr r="0" g="0" b="0"/>
+      </a:fillRef>
+      <a:effectRef idx="0">
+        <a:scrgbClr r="0" g="0" b="0"/>
+      </a:effectRef>
+      <a:fontRef idx="minor"/>
+    </dgm:style>
+  </dgm:styleLbl>
+  <dgm:styleLbl name="parChTrans1D2">
+    <dgm:scene3d>
+      <a:camera prst="orthographicFront"/>
+      <a:lightRig rig="threePt" dir="t"/>
+    </dgm:scene3d>
+    <dgm:sp3d/>
+    <dgm:txPr/>
+    <dgm:style>
+      <a:lnRef idx="2">
+        <a:scrgbClr r="0" g="0" b="0"/>
+      </a:lnRef>
+      <a:fillRef idx="0">
+        <a:scrgbClr r="0" g="0" b="0"/>
+      </a:fillRef>
+      <a:effectRef idx="0">
+        <a:scrgbClr r="0" g="0" b="0"/>
+      </a:effectRef>
+      <a:fontRef idx="minor"/>
+    </dgm:style>
+  </dgm:styleLbl>
+  <dgm:styleLbl name="parChTrans1D3">
+    <dgm:scene3d>
+      <a:camera prst="orthographicFront"/>
+      <a:lightRig rig="threePt" dir="t"/>
+    </dgm:scene3d>
+    <dgm:sp3d/>
+    <dgm:txPr/>
+    <dgm:style>
+      <a:lnRef idx="2">
+        <a:scrgbClr r="0" g="0" b="0"/>
+      </a:lnRef>
+      <a:fillRef idx="0">
+        <a:scrgbClr r="0" g="0" b="0"/>
+      </a:fillRef>
+      <a:effectRef idx="0">
+        <a:scrgbClr r="0" g="0" b="0"/>
+      </a:effectRef>
+      <a:fontRef idx="minor"/>
+    </dgm:style>
+  </dgm:styleLbl>
+  <dgm:styleLbl name="parChTrans1D4">
+    <dgm:scene3d>
+      <a:camera prst="orthographicFront"/>
+      <a:lightRig rig="threePt" dir="t"/>
+    </dgm:scene3d>
+    <dgm:sp3d/>
+    <dgm:txPr/>
+    <dgm:style>
+      <a:lnRef idx="2">
+        <a:scrgbClr r="0" g="0" b="0"/>
+      </a:lnRef>
+      <a:fillRef idx="0">
+        <a:scrgbClr r="0" g="0" b="0"/>
+      </a:fillRef>
+      <a:effectRef idx="0">
+        <a:scrgbClr r="0" g="0" b="0"/>
+      </a:effectRef>
+      <a:fontRef idx="minor"/>
+    </dgm:style>
+  </dgm:styleLbl>
+  <dgm:styleLbl name="fgAcc1">
+    <dgm:scene3d>
+      <a:camera prst="orthographicFront"/>
+      <a:lightRig rig="threePt" dir="t"/>
+    </dgm:scene3d>
+    <dgm:sp3d/>
+    <dgm:txPr/>
+    <dgm:style>
+      <a:lnRef idx="2">
+        <a:scrgbClr r="0" g="0" b="0"/>
+      </a:lnRef>
+      <a:fillRef idx="1">
+        <a:scrgbClr r="0" g="0" b="0"/>
+      </a:fillRef>
+      <a:effectRef idx="0">
+        <a:scrgbClr r="0" g="0" b="0"/>
+      </a:effectRef>
+      <a:fontRef idx="minor"/>
+    </dgm:style>
+  </dgm:styleLbl>
+  <dgm:styleLbl name="conFgAcc1">
+    <dgm:scene3d>
+      <a:camera prst="orthographicFront"/>
+      <a:lightRig rig="threePt" dir="t"/>
+    </dgm:scene3d>
+    <dgm:sp3d/>
+    <dgm:txPr/>
+    <dgm:style>
+      <a:lnRef idx="2">
+        <a:scrgbClr r="0" g="0" b="0"/>
+      </a:lnRef>
+      <a:fillRef idx="1">
+        <a:scrgbClr r="0" g="0" b="0"/>
+      </a:fillRef>
+      <a:effectRef idx="0">
+        <a:scrgbClr r="0" g="0" b="0"/>
+      </a:effectRef>
+      <a:fontRef idx="minor"/>
+    </dgm:style>
+  </dgm:styleLbl>
+  <dgm:styleLbl name="alignAcc1">
+    <dgm:scene3d>
+      <a:camera prst="orthographicFront"/>
+      <a:lightRig rig="threePt" dir="t"/>
+    </dgm:scene3d>
+    <dgm:sp3d/>
+    <dgm:txPr/>
+    <dgm:style>
+      <a:lnRef idx="2">
+        <a:scrgbClr r="0" g="0" b="0"/>
+      </a:lnRef>
+      <a:fillRef idx="1">
+        <a:scrgbClr r="0" g="0" b="0"/>
+      </a:fillRef>
+      <a:effectRef idx="0">
+        <a:scrgbClr r="0" g="0" b="0"/>
+      </a:effectRef>
+      <a:fontRef idx="minor"/>
+    </dgm:style>
+  </dgm:styleLbl>
+  <dgm:styleLbl name="trAlignAcc1">
+    <dgm:scene3d>
+      <a:camera prst="orthographicFront"/>
+      <a:lightRig rig="threePt" dir="t"/>
+    </dgm:scene3d>
+    <dgm:sp3d/>
+    <dgm:txPr/>
+    <dgm:style>
+      <a:lnRef idx="1">
+        <a:scrgbClr r="0" g="0" b="0"/>
+      </a:lnRef>
+      <a:fillRef idx="1">
+        <a:scrgbClr r="0" g="0" b="0"/>
+      </a:fillRef>
+      <a:effectRef idx="0">
+        <a:scrgbClr r="0" g="0" b="0"/>
+      </a:effectRef>
+      <a:fontRef idx="minor"/>
+    </dgm:style>
+  </dgm:styleLbl>
+  <dgm:styleLbl name="bgAcc1">
+    <dgm:scene3d>
+      <a:camera prst="orthographicFront"/>
+      <a:lightRig rig="threePt" dir="t"/>
+    </dgm:scene3d>
+    <dgm:sp3d/>
+    <dgm:txPr/>
+    <dgm:style>
+      <a:lnRef idx="2">
+        <a:scrgbClr r="0" g="0" b="0"/>
+      </a:lnRef>
+      <a:fillRef idx="1">
+        <a:scrgbClr r="0" g="0" b="0"/>
+      </a:fillRef>
+      <a:effectRef idx="0">
+        <a:scrgbClr r="0" g="0" b="0"/>
+      </a:effectRef>
+      <a:fontRef idx="minor"/>
+    </dgm:style>
+  </dgm:styleLbl>
+  <dgm:styleLbl name="solidFgAcc1">
+    <dgm:scene3d>
+      <a:camera prst="orthographicFront"/>
+      <a:lightRig rig="threePt" dir="t"/>
+    </dgm:scene3d>
+    <dgm:sp3d/>
+    <dgm:txPr/>
+    <dgm:style>
+      <a:lnRef idx="2">
+        <a:scrgbClr r="0" g="0" b="0"/>
+      </a:lnRef>
+      <a:fillRef idx="1">
+        <a:scrgbClr r="0" g="0" b="0"/>
+      </a:fillRef>
+      <a:effectRef idx="0">
+        <a:scrgbClr r="0" g="0" b="0"/>
+      </a:effectRef>
+      <a:fontRef idx="minor"/>
+    </dgm:style>
+  </dgm:styleLbl>
+  <dgm:styleLbl name="solidAlignAcc1">
+    <dgm:scene3d>
+      <a:camera prst="orthographicFront"/>
+      <a:lightRig rig="threePt" dir="t"/>
+    </dgm:scene3d>
+    <dgm:sp3d/>
+    <dgm:txPr/>
+    <dgm:style>
+      <a:lnRef idx="2">
+        <a:scrgbClr r="0" g="0" b="0"/>
+      </a:lnRef>
+      <a:fillRef idx="1">
+        <a:scrgbClr r="0" g="0" b="0"/>
+      </a:fillRef>
+      <a:effectRef idx="0">
+        <a:scrgbClr r="0" g="0" b="0"/>
+      </a:effectRef>
+      <a:fontRef idx="minor"/>
+    </dgm:style>
+  </dgm:styleLbl>
+  <dgm:styleLbl name="solidBgAcc1">
+    <dgm:scene3d>
+      <a:camera prst="orthographicFront"/>
+      <a:lightRig rig="threePt" dir="t"/>
+    </dgm:scene3d>
+    <dgm:sp3d/>
+    <dgm:txPr/>
+    <dgm:style>
+      <a:lnRef idx="2">
+        <a:scrgbClr r="0" g="0" b="0"/>
+      </a:lnRef>
+      <a:fillRef idx="1">
+        <a:scrgbClr r="0" g="0" b="0"/>
+      </a:fillRef>
+      <a:effectRef idx="0">
+        <a:scrgbClr r="0" g="0" b="0"/>
+      </a:effectRef>
+      <a:fontRef idx="minor"/>
+    </dgm:style>
+  </dgm:styleLbl>
+  <dgm:styleLbl name="fgAccFollowNode1">
+    <dgm:scene3d>
+      <a:camera prst="orthographicFront"/>
+      <a:lightRig rig="threePt" dir="t"/>
+    </dgm:scene3d>
+    <dgm:sp3d/>
+    <dgm:txPr/>
+    <dgm:style>
+      <a:lnRef idx="2">
+        <a:scrgbClr r="0" g="0" b="0"/>
+      </a:lnRef>
+      <a:fillRef idx="1">
+        <a:scrgbClr r="0" g="0" b="0"/>
+      </a:fillRef>
+      <a:effectRef idx="0">
+        <a:scrgbClr r="0" g="0" b="0"/>
+      </a:effectRef>
+      <a:fontRef idx="minor"/>
+    </dgm:style>
+  </dgm:styleLbl>
+  <dgm:styleLbl name="alignAccFollowNode1">
+    <dgm:scene3d>
+      <a:camera prst="orthographicFront"/>
+      <a:lightRig rig="threePt" dir="t"/>
+    </dgm:scene3d>
+    <dgm:sp3d/>
+    <dgm:txPr/>
+    <dgm:style>
+      <a:lnRef idx="2">
+        <a:scrgbClr r="0" g="0" b="0"/>
+      </a:lnRef>
+      <a:fillRef idx="1">
+        <a:scrgbClr r="0" g="0" b="0"/>
+      </a:fillRef>
+      <a:effectRef idx="0">
+        <a:scrgbClr r="0" g="0" b="0"/>
+      </a:effectRef>
+      <a:fontRef idx="minor"/>
+    </dgm:style>
+  </dgm:styleLbl>
+  <dgm:styleLbl name="bgAccFollowNode1">
+    <dgm:scene3d>
+      <a:camera prst="orthographicFront"/>
+      <a:lightRig rig="threePt" dir="t"/>
+    </dgm:scene3d>
+    <dgm:sp3d/>
+    <dgm:txPr/>
+    <dgm:style>
+      <a:lnRef idx="2">
+        <a:scrgbClr r="0" g="0" b="0"/>
+      </a:lnRef>
+      <a:fillRef idx="1">
+        <a:scrgbClr r="0" g="0" b="0"/>
+      </a:fillRef>
+      <a:effectRef idx="0">
+        <a:scrgbClr r="0" g="0" b="0"/>
+      </a:effectRef>
+      <a:fontRef idx="minor"/>
+    </dgm:style>
+  </dgm:styleLbl>
+  <dgm:styleLbl name="fgAcc0">
+    <dgm:scene3d>
+      <a:camera prst="orthographicFront"/>
+      <a:lightRig rig="threePt" dir="t"/>
+    </dgm:scene3d>
+    <dgm:sp3d/>
+    <dgm:txPr/>
+    <dgm:style>
+      <a:lnRef idx="2">
+        <a:scrgbClr r="0" g="0" b="0"/>
+      </a:lnRef>
+      <a:fillRef idx="1">
+        <a:scrgbClr r="0" g="0" b="0"/>
+      </a:fillRef>
+      <a:effectRef idx="0">
+        <a:scrgbClr r="0" g="0" b="0"/>
+      </a:effectRef>
+      <a:fontRef idx="minor"/>
+    </dgm:style>
+  </dgm:styleLbl>
+  <dgm:styleLbl name="fgAcc2">
+    <dgm:scene3d>
+      <a:camera prst="orthographicFront"/>
+      <a:lightRig rig="threePt" dir="t"/>
+    </dgm:scene3d>
+    <dgm:sp3d/>
+    <dgm:txPr/>
+    <dgm:style>
+      <a:lnRef idx="2">
+        <a:scrgbClr r="0" g="0" b="0"/>
+      </a:lnRef>
+      <a:fillRef idx="1">
+        <a:scrgbClr r="0" g="0" b="0"/>
+      </a:fillRef>
+      <a:effectRef idx="0">
+        <a:scrgbClr r="0" g="0" b="0"/>
+      </a:effectRef>
+      <a:fontRef idx="minor"/>
+    </dgm:style>
+  </dgm:styleLbl>
+  <dgm:styleLbl name="fgAcc3">
+    <dgm:scene3d>
+      <a:camera prst="orthographicFront"/>
+      <a:lightRig rig="threePt" dir="t"/>
+    </dgm:scene3d>
+    <dgm:sp3d/>
+    <dgm:txPr/>
+    <dgm:style>
+      <a:lnRef idx="2">
+        <a:scrgbClr r="0" g="0" b="0"/>
+      </a:lnRef>
+      <a:fillRef idx="1">
+        <a:scrgbClr r="0" g="0" b="0"/>
+      </a:fillRef>
+      <a:effectRef idx="0">
+        <a:scrgbClr r="0" g="0" b="0"/>
+      </a:effectRef>
+      <a:fontRef idx="minor"/>
+    </dgm:style>
+  </dgm:styleLbl>
+  <dgm:styleLbl name="fgAcc4">
+    <dgm:scene3d>
+      <a:camera prst="orthographicFront"/>
+      <a:lightRig rig="threePt" dir="t"/>
+    </dgm:scene3d>
+    <dgm:sp3d/>
+    <dgm:txPr/>
+    <dgm:style>
+      <a:lnRef idx="2">
+        <a:scrgbClr r="0" g="0" b="0"/>
+      </a:lnRef>
+      <a:fillRef idx="1">
+        <a:scrgbClr r="0" g="0" b="0"/>
+      </a:fillRef>
+      <a:effectRef idx="0">
+        <a:scrgbClr r="0" g="0" b="0"/>
+      </a:effectRef>
+      <a:fontRef idx="minor"/>
+    </dgm:style>
+  </dgm:styleLbl>
+  <dgm:styleLbl name="bgShp">
+    <dgm:scene3d>
+      <a:camera prst="orthographicFront"/>
+      <a:lightRig rig="threePt" dir="t"/>
+    </dgm:scene3d>
+    <dgm:sp3d/>
+    <dgm:txPr/>
+    <dgm:style>
+      <a:lnRef idx="0">
+        <a:scrgbClr r="0" g="0" b="0"/>
+      </a:lnRef>
+      <a:fillRef idx="1">
+        <a:scrgbClr r="0" g="0" b="0"/>
+      </a:fillRef>
+      <a:effectRef idx="0">
+        <a:scrgbClr r="0" g="0" b="0"/>
+      </a:effectRef>
+      <a:fontRef idx="minor"/>
+    </dgm:style>
+  </dgm:styleLbl>
+  <dgm:styleLbl name="dkBgShp">
+    <dgm:scene3d>
+      <a:camera prst="orthographicFront"/>
+      <a:lightRig rig="threePt" dir="t"/>
+    </dgm:scene3d>
+    <dgm:sp3d/>
+    <dgm:txPr/>
+    <dgm:style>
+      <a:lnRef idx="0">
+        <a:scrgbClr r="0" g="0" b="0"/>
+      </a:lnRef>
+      <a:fillRef idx="1">
+        <a:scrgbClr r="0" g="0" b="0"/>
+      </a:fillRef>
+      <a:effectRef idx="0">
+        <a:scrgbClr r="0" g="0" b="0"/>
+      </a:effectRef>
+      <a:fontRef idx="minor"/>
+    </dgm:style>
+  </dgm:styleLbl>
+  <dgm:styleLbl name="trBgShp">
+    <dgm:scene3d>
+      <a:camera prst="orthographicFront"/>
+      <a:lightRig rig="threePt" dir="t"/>
+    </dgm:scene3d>
+    <dgm:sp3d/>
+    <dgm:txPr/>
+    <dgm:style>
+      <a:lnRef idx="0">
+        <a:scrgbClr r="0" g="0" b="0"/>
+      </a:lnRef>
+      <a:fillRef idx="1">
+        <a:scrgbClr r="0" g="0" b="0"/>
+      </a:fillRef>
+      <a:effectRef idx="0">
+        <a:scrgbClr r="0" g="0" b="0"/>
+      </a:effectRef>
+      <a:fontRef idx="minor"/>
+    </dgm:style>
+  </dgm:styleLbl>
+  <dgm:styleLbl name="fgShp">
+    <dgm:scene3d>
+      <a:camera prst="orthographicFront"/>
+      <a:lightRig rig="threePt" dir="t"/>
+    </dgm:scene3d>
+    <dgm:sp3d/>
+    <dgm:txPr/>
+    <dgm:style>
+      <a:lnRef idx="3">
+        <a:scrgbClr r="0" g="0" b="0"/>
+      </a:lnRef>
+      <a:fillRef idx="1">
+        <a:scrgbClr r="0" g="0" b="0"/>
+      </a:fillRef>
+      <a:effectRef idx="1">
         <a:scrgbClr r="0" g="0" b="0"/>
       </a:effectRef>
       <a:fontRef idx="minor"/>
@@ -6080,7 +12023,7 @@
             <a:fld id="{B61BEF0D-F0BB-DE4B-95CE-6DB70DBA9567}" type="datetimeFigureOut">
               <a:rPr lang="en-US" smtClean="0"/>
               <a:pPr/>
-              <a:t>5/11/21</a:t>
+              <a:t>5/18/21</a:t>
             </a:fld>
             <a:endParaRPr lang="en-US" dirty="0"/>
           </a:p>
@@ -6417,7 +12360,7 @@
             <a:fld id="{B61BEF0D-F0BB-DE4B-95CE-6DB70DBA9567}" type="datetimeFigureOut">
               <a:rPr lang="en-US" smtClean="0"/>
               <a:pPr/>
-              <a:t>5/11/21</a:t>
+              <a:t>5/18/21</a:t>
             </a:fld>
             <a:endParaRPr lang="en-US" dirty="0"/>
           </a:p>
@@ -6722,7 +12665,7 @@
             <a:fld id="{B61BEF0D-F0BB-DE4B-95CE-6DB70DBA9567}" type="datetimeFigureOut">
               <a:rPr lang="en-US" smtClean="0"/>
               <a:pPr/>
-              <a:t>5/11/21</a:t>
+              <a:t>5/18/21</a:t>
             </a:fld>
             <a:endParaRPr lang="en-US" dirty="0"/>
           </a:p>
@@ -6972,7 +12915,7 @@
             <a:fld id="{B61BEF0D-F0BB-DE4B-95CE-6DB70DBA9567}" type="datetimeFigureOut">
               <a:rPr lang="en-US" smtClean="0"/>
               <a:pPr/>
-              <a:t>5/11/21</a:t>
+              <a:t>5/18/21</a:t>
             </a:fld>
             <a:endParaRPr lang="en-US" dirty="0"/>
           </a:p>
@@ -7382,7 +13325,7 @@
             <a:fld id="{B61BEF0D-F0BB-DE4B-95CE-6DB70DBA9567}" type="datetimeFigureOut">
               <a:rPr lang="en-US" smtClean="0"/>
               <a:pPr/>
-              <a:t>5/11/21</a:t>
+              <a:t>5/18/21</a:t>
             </a:fld>
             <a:endParaRPr lang="en-US" dirty="0"/>
           </a:p>
@@ -7699,7 +13642,7 @@
             <a:fld id="{B61BEF0D-F0BB-DE4B-95CE-6DB70DBA9567}" type="datetimeFigureOut">
               <a:rPr lang="en-US" smtClean="0"/>
               <a:pPr/>
-              <a:t>5/11/21</a:t>
+              <a:t>5/18/21</a:t>
             </a:fld>
             <a:endParaRPr lang="en-US" dirty="0"/>
           </a:p>
@@ -8246,7 +14189,7 @@
             <a:fld id="{B61BEF0D-F0BB-DE4B-95CE-6DB70DBA9567}" type="datetimeFigureOut">
               <a:rPr lang="en-US" smtClean="0"/>
               <a:pPr/>
-              <a:t>5/11/21</a:t>
+              <a:t>5/18/21</a:t>
             </a:fld>
             <a:endParaRPr lang="en-US" dirty="0"/>
           </a:p>
@@ -8444,7 +14387,7 @@
             <a:fld id="{B61BEF0D-F0BB-DE4B-95CE-6DB70DBA9567}" type="datetimeFigureOut">
               <a:rPr lang="en-US" smtClean="0"/>
               <a:pPr/>
-              <a:t>5/11/21</a:t>
+              <a:t>5/18/21</a:t>
             </a:fld>
             <a:endParaRPr lang="en-US" dirty="0"/>
           </a:p>
@@ -8660,7 +14603,7 @@
             <a:fld id="{B61BEF0D-F0BB-DE4B-95CE-6DB70DBA9567}" type="datetimeFigureOut">
               <a:rPr lang="en-US" smtClean="0"/>
               <a:pPr/>
-              <a:t>5/11/21</a:t>
+              <a:t>5/18/21</a:t>
             </a:fld>
             <a:endParaRPr lang="en-US" dirty="0"/>
           </a:p>
@@ -9032,7 +14975,7 @@
             <a:fld id="{B61BEF0D-F0BB-DE4B-95CE-6DB70DBA9567}" type="datetimeFigureOut">
               <a:rPr lang="en-US" smtClean="0"/>
               <a:pPr/>
-              <a:t>5/11/21</a:t>
+              <a:t>5/18/21</a:t>
             </a:fld>
             <a:endParaRPr lang="en-US" dirty="0"/>
           </a:p>
@@ -9438,7 +15381,7 @@
             <a:fld id="{B61BEF0D-F0BB-DE4B-95CE-6DB70DBA9567}" type="datetimeFigureOut">
               <a:rPr lang="en-US" smtClean="0"/>
               <a:pPr/>
-              <a:t>5/11/21</a:t>
+              <a:t>5/18/21</a:t>
             </a:fld>
             <a:endParaRPr lang="en-US" dirty="0"/>
           </a:p>
@@ -9752,7 +15695,7 @@
             <a:fld id="{B61BEF0D-F0BB-DE4B-95CE-6DB70DBA9567}" type="datetimeFigureOut">
               <a:rPr lang="en-US" smtClean="0"/>
               <a:pPr/>
-              <a:t>5/11/21</a:t>
+              <a:t>5/18/21</a:t>
             </a:fld>
             <a:endParaRPr lang="en-US" dirty="0"/>
           </a:p>
@@ -10637,7 +16580,7 @@
         <p:spPr>
           <a:xfrm>
             <a:off x="1564511" y="1885285"/>
-            <a:ext cx="9062977" cy="2718501"/>
+            <a:ext cx="9062977" cy="3053400"/>
           </a:xfrm>
           <a:prstGeom prst="rect">
             <a:avLst/>
@@ -10811,7 +16754,21 @@
             </a:r>
             <a:r>
               <a:rPr kumimoji="1" lang="zh-CN" altLang="en-US" dirty="0"/>
-              <a:t>韦伯斯，创造了反向传播算法。</a:t>
+              <a:t>韦伯斯，创造了反向传播算法（自动微分的反向传播）。</a:t>
+            </a:r>
+            <a:endParaRPr kumimoji="1" lang="en-US" altLang="zh-CN" dirty="0"/>
+          </a:p>
+          <a:p>
+            <a:pPr marL="742950" lvl="1" indent="-285750">
+              <a:lnSpc>
+                <a:spcPct val="120000"/>
+              </a:lnSpc>
+              <a:buFontTx/>
+              <a:buChar char="-"/>
+            </a:pPr>
+            <a:r>
+              <a:rPr kumimoji="1" lang="zh-CN" altLang="en-US" dirty="0"/>
+              <a:t>注：在此之前人们使用标准的雅克比矩阵计算两层间传播的权重。</a:t>
             </a:r>
           </a:p>
         </p:txBody>
@@ -10830,8 +16787,8 @@
         </p:nvGrpSpPr>
         <p:grpSpPr>
           <a:xfrm>
-            <a:off x="7193778" y="4200613"/>
-            <a:ext cx="3376361" cy="2650015"/>
+            <a:off x="8172650" y="4936560"/>
+            <a:ext cx="2454838" cy="1921440"/>
             <a:chOff x="7193778" y="4200613"/>
             <a:chExt cx="3376361" cy="2650015"/>
           </a:xfrm>
@@ -13048,6 +19005,58 @@
           </a:p>
         </p:txBody>
       </p:sp>
+      <p:sp>
+        <p:nvSpPr>
+          <p:cNvPr id="11" name="圆角矩形 10">
+            <a:extLst>
+              <a:ext uri="{FF2B5EF4-FFF2-40B4-BE49-F238E27FC236}">
+                <a16:creationId xmlns:a16="http://schemas.microsoft.com/office/drawing/2014/main" id="{D12A798E-97B2-AC4D-8AE5-16524832899D}"/>
+              </a:ext>
+            </a:extLst>
+          </p:cNvPr>
+          <p:cNvSpPr/>
+          <p:nvPr/>
+        </p:nvSpPr>
+        <p:spPr>
+          <a:xfrm>
+            <a:off x="1932261" y="4514589"/>
+            <a:ext cx="5478319" cy="300299"/>
+          </a:xfrm>
+          <a:prstGeom prst="roundRect">
+            <a:avLst/>
+          </a:prstGeom>
+          <a:noFill/>
+          <a:ln w="28575">
+            <a:solidFill>
+              <a:schemeClr val="accent3"/>
+            </a:solidFill>
+          </a:ln>
+        </p:spPr>
+        <p:style>
+          <a:lnRef idx="2">
+            <a:schemeClr val="accent1">
+              <a:shade val="50000"/>
+            </a:schemeClr>
+          </a:lnRef>
+          <a:fillRef idx="1">
+            <a:schemeClr val="accent1"/>
+          </a:fillRef>
+          <a:effectRef idx="0">
+            <a:schemeClr val="accent1"/>
+          </a:effectRef>
+          <a:fontRef idx="minor">
+            <a:schemeClr val="lt1"/>
+          </a:fontRef>
+        </p:style>
+        <p:txBody>
+          <a:bodyPr rtlCol="0" anchor="ctr"/>
+          <a:lstStyle/>
+          <a:p>
+            <a:pPr algn="ctr"/>
+            <a:endParaRPr kumimoji="1" lang="zh-CN" altLang="en-US"/>
+          </a:p>
+        </p:txBody>
+      </p:sp>
     </p:spTree>
     <p:extLst>
       <p:ext uri="{BB962C8B-B14F-4D97-AF65-F5344CB8AC3E}">
@@ -14141,73 +20150,6 @@
       </p:sp>
       <p:sp>
         <p:nvSpPr>
-          <p:cNvPr id="18" name="椭圆 17">
-            <a:extLst>
-              <a:ext uri="{FF2B5EF4-FFF2-40B4-BE49-F238E27FC236}">
-                <a16:creationId xmlns:a16="http://schemas.microsoft.com/office/drawing/2014/main" id="{C36405BD-956B-174E-B1F7-7D6F06513D65}"/>
-              </a:ext>
-            </a:extLst>
-          </p:cNvPr>
-          <p:cNvSpPr/>
-          <p:nvPr/>
-        </p:nvSpPr>
-        <p:spPr>
-          <a:xfrm>
-            <a:off x="8667826" y="3272350"/>
-            <a:ext cx="1064872" cy="1077230"/>
-          </a:xfrm>
-          <a:prstGeom prst="ellipse">
-            <a:avLst/>
-          </a:prstGeom>
-          <a:solidFill>
-            <a:schemeClr val="accent1"/>
-          </a:solidFill>
-          <a:ln>
-            <a:solidFill>
-              <a:schemeClr val="accent1">
-                <a:lumMod val="75000"/>
-              </a:schemeClr>
-            </a:solidFill>
-          </a:ln>
-        </p:spPr>
-        <p:style>
-          <a:lnRef idx="2">
-            <a:schemeClr val="accent3">
-              <a:shade val="50000"/>
-            </a:schemeClr>
-          </a:lnRef>
-          <a:fillRef idx="1">
-            <a:schemeClr val="accent3"/>
-          </a:fillRef>
-          <a:effectRef idx="0">
-            <a:schemeClr val="accent3"/>
-          </a:effectRef>
-          <a:fontRef idx="minor">
-            <a:schemeClr val="lt1"/>
-          </a:fontRef>
-        </p:style>
-        <p:txBody>
-          <a:bodyPr rtlCol="0" anchor="ctr"/>
-          <a:lstStyle/>
-          <a:p>
-            <a:pPr algn="ctr"/>
-            <a:r>
-              <a:rPr kumimoji="1" lang="zh-CN" altLang="en-US" dirty="0"/>
-              <a:t>安全</a:t>
-            </a:r>
-            <a:endParaRPr kumimoji="1" lang="en-US" altLang="zh-CN" dirty="0"/>
-          </a:p>
-          <a:p>
-            <a:pPr algn="ctr"/>
-            <a:r>
-              <a:rPr kumimoji="1" lang="zh-CN" altLang="en-US" dirty="0"/>
-              <a:t>限制</a:t>
-            </a:r>
-          </a:p>
-        </p:txBody>
-      </p:sp>
-      <p:sp>
-        <p:nvSpPr>
           <p:cNvPr id="19" name="椭圆 18">
             <a:extLst>
               <a:ext uri="{FF2B5EF4-FFF2-40B4-BE49-F238E27FC236}">
@@ -14273,160 +20215,248 @@
           </a:p>
         </p:txBody>
       </p:sp>
-      <p:sp>
-        <p:nvSpPr>
-          <p:cNvPr id="20" name="文本框 19">
+      <p:grpSp>
+        <p:nvGrpSpPr>
+          <p:cNvPr id="3" name="组合 2">
             <a:extLst>
               <a:ext uri="{FF2B5EF4-FFF2-40B4-BE49-F238E27FC236}">
-                <a16:creationId xmlns:a16="http://schemas.microsoft.com/office/drawing/2014/main" id="{FF731761-FB3C-F846-BC0B-013BD0FF470E}"/>
+                <a16:creationId xmlns:a16="http://schemas.microsoft.com/office/drawing/2014/main" id="{0A9E907E-092A-DE44-BA21-DCECCA978D9B}"/>
               </a:ext>
             </a:extLst>
           </p:cNvPr>
-          <p:cNvSpPr txBox="1"/>
+          <p:cNvGrpSpPr/>
           <p:nvPr/>
-        </p:nvSpPr>
-        <p:spPr>
+        </p:nvGrpSpPr>
+        <p:grpSpPr>
           <a:xfrm>
-            <a:off x="9985855" y="3210801"/>
-            <a:ext cx="646331" cy="369332"/>
+            <a:off x="8667826" y="3210801"/>
+            <a:ext cx="1964360" cy="1200333"/>
+            <a:chOff x="8667826" y="3210801"/>
+            <a:chExt cx="1964360" cy="1200333"/>
           </a:xfrm>
-          <a:prstGeom prst="rect">
-            <a:avLst/>
-          </a:prstGeom>
-          <a:noFill/>
-        </p:spPr>
-        <p:txBody>
-          <a:bodyPr wrap="none" rtlCol="0">
-            <a:spAutoFit/>
-          </a:bodyPr>
-          <a:lstStyle/>
-          <a:p>
-            <a:r>
-              <a:rPr kumimoji="1" lang="zh-CN" altLang="en-US" dirty="0"/>
-              <a:t>伦理</a:t>
-            </a:r>
-          </a:p>
-        </p:txBody>
-      </p:sp>
-      <p:sp>
-        <p:nvSpPr>
-          <p:cNvPr id="21" name="文本框 20">
-            <a:extLst>
-              <a:ext uri="{FF2B5EF4-FFF2-40B4-BE49-F238E27FC236}">
-                <a16:creationId xmlns:a16="http://schemas.microsoft.com/office/drawing/2014/main" id="{A085A184-5A53-E244-83C5-6DDC7FCA2C4E}"/>
-              </a:ext>
-            </a:extLst>
-          </p:cNvPr>
-          <p:cNvSpPr txBox="1"/>
-          <p:nvPr/>
-        </p:nvSpPr>
-        <p:spPr>
-          <a:xfrm>
-            <a:off x="9966879" y="4041802"/>
-            <a:ext cx="646331" cy="369332"/>
-          </a:xfrm>
-          <a:prstGeom prst="rect">
-            <a:avLst/>
-          </a:prstGeom>
-          <a:noFill/>
-        </p:spPr>
-        <p:txBody>
-          <a:bodyPr wrap="none" rtlCol="0">
-            <a:spAutoFit/>
-          </a:bodyPr>
-          <a:lstStyle/>
-          <a:p>
-            <a:r>
-              <a:rPr kumimoji="1" lang="zh-CN" altLang="en-US" dirty="0"/>
-              <a:t>法律</a:t>
-            </a:r>
-          </a:p>
-        </p:txBody>
-      </p:sp>
-      <p:cxnSp>
-        <p:nvCxnSpPr>
-          <p:cNvPr id="25" name="直线箭头连接符 24">
-            <a:extLst>
-              <a:ext uri="{FF2B5EF4-FFF2-40B4-BE49-F238E27FC236}">
-                <a16:creationId xmlns:a16="http://schemas.microsoft.com/office/drawing/2014/main" id="{D086ECBD-937C-A047-8206-30C7C02AFD93}"/>
-              </a:ext>
-            </a:extLst>
-          </p:cNvPr>
-          <p:cNvCxnSpPr>
-            <a:stCxn id="18" idx="6"/>
-            <a:endCxn id="21" idx="1"/>
-          </p:cNvCxnSpPr>
-          <p:nvPr/>
-        </p:nvCxnSpPr>
-        <p:spPr>
-          <a:xfrm>
-            <a:off x="9732698" y="3810965"/>
-            <a:ext cx="234181" cy="415503"/>
-          </a:xfrm>
-          <a:prstGeom prst="straightConnector1">
-            <a:avLst/>
-          </a:prstGeom>
-          <a:ln>
-            <a:tailEnd type="triangle"/>
-          </a:ln>
-        </p:spPr>
-        <p:style>
-          <a:lnRef idx="1">
-            <a:schemeClr val="accent1"/>
-          </a:lnRef>
-          <a:fillRef idx="0">
-            <a:schemeClr val="accent1"/>
-          </a:fillRef>
-          <a:effectRef idx="0">
-            <a:schemeClr val="accent1"/>
-          </a:effectRef>
-          <a:fontRef idx="minor">
-            <a:schemeClr val="tx1"/>
-          </a:fontRef>
-        </p:style>
-      </p:cxnSp>
-      <p:cxnSp>
-        <p:nvCxnSpPr>
-          <p:cNvPr id="27" name="直线箭头连接符 26">
-            <a:extLst>
-              <a:ext uri="{FF2B5EF4-FFF2-40B4-BE49-F238E27FC236}">
-                <a16:creationId xmlns:a16="http://schemas.microsoft.com/office/drawing/2014/main" id="{165E6DD5-EDA4-094E-B045-3964AF7B58D8}"/>
-              </a:ext>
-            </a:extLst>
-          </p:cNvPr>
-          <p:cNvCxnSpPr>
-            <a:stCxn id="18" idx="6"/>
-            <a:endCxn id="20" idx="1"/>
-          </p:cNvCxnSpPr>
-          <p:nvPr/>
-        </p:nvCxnSpPr>
-        <p:spPr>
-          <a:xfrm flipV="1">
-            <a:off x="9732698" y="3395467"/>
-            <a:ext cx="253157" cy="415498"/>
-          </a:xfrm>
-          <a:prstGeom prst="straightConnector1">
-            <a:avLst/>
-          </a:prstGeom>
-          <a:ln>
-            <a:tailEnd type="triangle"/>
-          </a:ln>
-        </p:spPr>
-        <p:style>
-          <a:lnRef idx="1">
-            <a:schemeClr val="accent1"/>
-          </a:lnRef>
-          <a:fillRef idx="0">
-            <a:schemeClr val="accent1"/>
-          </a:fillRef>
-          <a:effectRef idx="0">
-            <a:schemeClr val="accent1"/>
-          </a:effectRef>
-          <a:fontRef idx="minor">
-            <a:schemeClr val="tx1"/>
-          </a:fontRef>
-        </p:style>
-      </p:cxnSp>
+        </p:grpSpPr>
+        <p:sp>
+          <p:nvSpPr>
+            <p:cNvPr id="18" name="椭圆 17">
+              <a:extLst>
+                <a:ext uri="{FF2B5EF4-FFF2-40B4-BE49-F238E27FC236}">
+                  <a16:creationId xmlns:a16="http://schemas.microsoft.com/office/drawing/2014/main" id="{C36405BD-956B-174E-B1F7-7D6F06513D65}"/>
+                </a:ext>
+              </a:extLst>
+            </p:cNvPr>
+            <p:cNvSpPr/>
+            <p:nvPr/>
+          </p:nvSpPr>
+          <p:spPr>
+            <a:xfrm>
+              <a:off x="8667826" y="3272350"/>
+              <a:ext cx="1064872" cy="1077230"/>
+            </a:xfrm>
+            <a:prstGeom prst="ellipse">
+              <a:avLst/>
+            </a:prstGeom>
+            <a:solidFill>
+              <a:schemeClr val="accent1"/>
+            </a:solidFill>
+            <a:ln>
+              <a:solidFill>
+                <a:schemeClr val="accent1">
+                  <a:lumMod val="75000"/>
+                </a:schemeClr>
+              </a:solidFill>
+            </a:ln>
+          </p:spPr>
+          <p:style>
+            <a:lnRef idx="2">
+              <a:schemeClr val="accent3">
+                <a:shade val="50000"/>
+              </a:schemeClr>
+            </a:lnRef>
+            <a:fillRef idx="1">
+              <a:schemeClr val="accent3"/>
+            </a:fillRef>
+            <a:effectRef idx="0">
+              <a:schemeClr val="accent3"/>
+            </a:effectRef>
+            <a:fontRef idx="minor">
+              <a:schemeClr val="lt1"/>
+            </a:fontRef>
+          </p:style>
+          <p:txBody>
+            <a:bodyPr rtlCol="0" anchor="ctr"/>
+            <a:lstStyle/>
+            <a:p>
+              <a:pPr algn="ctr"/>
+              <a:r>
+                <a:rPr kumimoji="1" lang="zh-CN" altLang="en-US" dirty="0"/>
+                <a:t>安全</a:t>
+              </a:r>
+              <a:endParaRPr kumimoji="1" lang="en-US" altLang="zh-CN" dirty="0"/>
+            </a:p>
+            <a:p>
+              <a:pPr algn="ctr"/>
+              <a:r>
+                <a:rPr kumimoji="1" lang="zh-CN" altLang="en-US" dirty="0"/>
+                <a:t>限制</a:t>
+              </a:r>
+            </a:p>
+          </p:txBody>
+        </p:sp>
+        <p:sp>
+          <p:nvSpPr>
+            <p:cNvPr id="20" name="文本框 19">
+              <a:extLst>
+                <a:ext uri="{FF2B5EF4-FFF2-40B4-BE49-F238E27FC236}">
+                  <a16:creationId xmlns:a16="http://schemas.microsoft.com/office/drawing/2014/main" id="{FF731761-FB3C-F846-BC0B-013BD0FF470E}"/>
+                </a:ext>
+              </a:extLst>
+            </p:cNvPr>
+            <p:cNvSpPr txBox="1"/>
+            <p:nvPr/>
+          </p:nvSpPr>
+          <p:spPr>
+            <a:xfrm>
+              <a:off x="9985855" y="3210801"/>
+              <a:ext cx="646331" cy="369332"/>
+            </a:xfrm>
+            <a:prstGeom prst="rect">
+              <a:avLst/>
+            </a:prstGeom>
+            <a:noFill/>
+          </p:spPr>
+          <p:txBody>
+            <a:bodyPr wrap="none" rtlCol="0">
+              <a:spAutoFit/>
+            </a:bodyPr>
+            <a:lstStyle/>
+            <a:p>
+              <a:r>
+                <a:rPr kumimoji="1" lang="zh-CN" altLang="en-US" dirty="0"/>
+                <a:t>伦理</a:t>
+              </a:r>
+            </a:p>
+          </p:txBody>
+        </p:sp>
+        <p:sp>
+          <p:nvSpPr>
+            <p:cNvPr id="21" name="文本框 20">
+              <a:extLst>
+                <a:ext uri="{FF2B5EF4-FFF2-40B4-BE49-F238E27FC236}">
+                  <a16:creationId xmlns:a16="http://schemas.microsoft.com/office/drawing/2014/main" id="{A085A184-5A53-E244-83C5-6DDC7FCA2C4E}"/>
+                </a:ext>
+              </a:extLst>
+            </p:cNvPr>
+            <p:cNvSpPr txBox="1"/>
+            <p:nvPr/>
+          </p:nvSpPr>
+          <p:spPr>
+            <a:xfrm>
+              <a:off x="9966879" y="4041802"/>
+              <a:ext cx="646331" cy="369332"/>
+            </a:xfrm>
+            <a:prstGeom prst="rect">
+              <a:avLst/>
+            </a:prstGeom>
+            <a:noFill/>
+          </p:spPr>
+          <p:txBody>
+            <a:bodyPr wrap="none" rtlCol="0">
+              <a:spAutoFit/>
+            </a:bodyPr>
+            <a:lstStyle/>
+            <a:p>
+              <a:r>
+                <a:rPr kumimoji="1" lang="zh-CN" altLang="en-US" dirty="0"/>
+                <a:t>法律</a:t>
+              </a:r>
+            </a:p>
+          </p:txBody>
+        </p:sp>
+        <p:cxnSp>
+          <p:nvCxnSpPr>
+            <p:cNvPr id="25" name="直线箭头连接符 24">
+              <a:extLst>
+                <a:ext uri="{FF2B5EF4-FFF2-40B4-BE49-F238E27FC236}">
+                  <a16:creationId xmlns:a16="http://schemas.microsoft.com/office/drawing/2014/main" id="{D086ECBD-937C-A047-8206-30C7C02AFD93}"/>
+                </a:ext>
+              </a:extLst>
+            </p:cNvPr>
+            <p:cNvCxnSpPr>
+              <a:stCxn id="18" idx="6"/>
+              <a:endCxn id="21" idx="1"/>
+            </p:cNvCxnSpPr>
+            <p:nvPr/>
+          </p:nvCxnSpPr>
+          <p:spPr>
+            <a:xfrm>
+              <a:off x="9732698" y="3810965"/>
+              <a:ext cx="234181" cy="415503"/>
+            </a:xfrm>
+            <a:prstGeom prst="straightConnector1">
+              <a:avLst/>
+            </a:prstGeom>
+            <a:ln>
+              <a:tailEnd type="triangle"/>
+            </a:ln>
+          </p:spPr>
+          <p:style>
+            <a:lnRef idx="1">
+              <a:schemeClr val="accent1"/>
+            </a:lnRef>
+            <a:fillRef idx="0">
+              <a:schemeClr val="accent1"/>
+            </a:fillRef>
+            <a:effectRef idx="0">
+              <a:schemeClr val="accent1"/>
+            </a:effectRef>
+            <a:fontRef idx="minor">
+              <a:schemeClr val="tx1"/>
+            </a:fontRef>
+          </p:style>
+        </p:cxnSp>
+        <p:cxnSp>
+          <p:nvCxnSpPr>
+            <p:cNvPr id="27" name="直线箭头连接符 26">
+              <a:extLst>
+                <a:ext uri="{FF2B5EF4-FFF2-40B4-BE49-F238E27FC236}">
+                  <a16:creationId xmlns:a16="http://schemas.microsoft.com/office/drawing/2014/main" id="{165E6DD5-EDA4-094E-B045-3964AF7B58D8}"/>
+                </a:ext>
+              </a:extLst>
+            </p:cNvPr>
+            <p:cNvCxnSpPr>
+              <a:stCxn id="18" idx="6"/>
+              <a:endCxn id="20" idx="1"/>
+            </p:cNvCxnSpPr>
+            <p:nvPr/>
+          </p:nvCxnSpPr>
+          <p:spPr>
+            <a:xfrm flipV="1">
+              <a:off x="9732698" y="3395467"/>
+              <a:ext cx="253157" cy="415498"/>
+            </a:xfrm>
+            <a:prstGeom prst="straightConnector1">
+              <a:avLst/>
+            </a:prstGeom>
+            <a:ln>
+              <a:tailEnd type="triangle"/>
+            </a:ln>
+          </p:spPr>
+          <p:style>
+            <a:lnRef idx="1">
+              <a:schemeClr val="accent1"/>
+            </a:lnRef>
+            <a:fillRef idx="0">
+              <a:schemeClr val="accent1"/>
+            </a:fillRef>
+            <a:effectRef idx="0">
+              <a:schemeClr val="accent1"/>
+            </a:effectRef>
+            <a:fontRef idx="minor">
+              <a:schemeClr val="tx1"/>
+            </a:fontRef>
+          </p:style>
+        </p:cxnSp>
+      </p:grpSp>
     </p:spTree>
     <p:extLst>
       <p:ext uri="{BB962C8B-B14F-4D97-AF65-F5344CB8AC3E}">
@@ -14458,7 +20488,7 @@
                             </p:stCondLst>
                             <p:childTnLst>
                               <p:par>
-                                <p:cTn id="5" presetID="10" presetClass="entr" presetSubtype="0" fill="hold" grpId="0" nodeType="clickEffect">
+                                <p:cTn id="5" presetID="22" presetClass="entr" presetSubtype="1" fill="hold" grpId="0" nodeType="clickEffect">
                                   <p:stCondLst>
                                     <p:cond delay="0"/>
                                   </p:stCondLst>
@@ -14481,7 +20511,7 @@
                                         <p:strVal val="visible"/>
                                       </p:to>
                                     </p:set>
-                                    <p:animEffect transition="in" filter="fade">
+                                    <p:animEffect transition="in" filter="wipe(up)">
                                       <p:cBhvr>
                                         <p:cTn id="7" dur="500"/>
                                         <p:tgtEl>
@@ -14493,7 +20523,7 @@
                                 </p:cTn>
                               </p:par>
                               <p:par>
-                                <p:cTn id="8" presetID="10" presetClass="entr" presetSubtype="0" fill="hold" grpId="0" nodeType="withEffect">
+                                <p:cTn id="8" presetID="22" presetClass="entr" presetSubtype="1" fill="hold" grpId="0" nodeType="withEffect">
                                   <p:stCondLst>
                                     <p:cond delay="0"/>
                                   </p:stCondLst>
@@ -14501,6 +20531,59 @@
                                     <p:set>
                                       <p:cBhvr>
                                         <p:cTn id="9" dur="1" fill="hold">
+                                          <p:stCondLst>
+                                            <p:cond delay="0"/>
+                                          </p:stCondLst>
+                                        </p:cTn>
+                                        <p:tgtEl>
+                                          <p:spTgt spid="17"/>
+                                        </p:tgtEl>
+                                        <p:attrNameLst>
+                                          <p:attrName>style.visibility</p:attrName>
+                                        </p:attrNameLst>
+                                      </p:cBhvr>
+                                      <p:to>
+                                        <p:strVal val="visible"/>
+                                      </p:to>
+                                    </p:set>
+                                    <p:animEffect transition="in" filter="wipe(up)">
+                                      <p:cBhvr>
+                                        <p:cTn id="10" dur="500"/>
+                                        <p:tgtEl>
+                                          <p:spTgt spid="17"/>
+                                        </p:tgtEl>
+                                      </p:cBhvr>
+                                    </p:animEffect>
+                                  </p:childTnLst>
+                                </p:cTn>
+                              </p:par>
+                            </p:childTnLst>
+                          </p:cTn>
+                        </p:par>
+                      </p:childTnLst>
+                    </p:cTn>
+                  </p:par>
+                  <p:par>
+                    <p:cTn id="11" fill="hold">
+                      <p:stCondLst>
+                        <p:cond delay="indefinite"/>
+                      </p:stCondLst>
+                      <p:childTnLst>
+                        <p:par>
+                          <p:cTn id="12" fill="hold">
+                            <p:stCondLst>
+                              <p:cond delay="0"/>
+                            </p:stCondLst>
+                            <p:childTnLst>
+                              <p:par>
+                                <p:cTn id="13" presetID="22" presetClass="entr" presetSubtype="1" fill="hold" grpId="0" nodeType="clickEffect">
+                                  <p:stCondLst>
+                                    <p:cond delay="0"/>
+                                  </p:stCondLst>
+                                  <p:childTnLst>
+                                    <p:set>
+                                      <p:cBhvr>
+                                        <p:cTn id="14" dur="1" fill="hold">
                                           <p:stCondLst>
                                             <p:cond delay="0"/>
                                           </p:stCondLst>
@@ -14516,9 +20599,9 @@
                                         <p:strVal val="visible"/>
                                       </p:to>
                                     </p:set>
-                                    <p:animEffect transition="in" filter="fade">
+                                    <p:animEffect transition="in" filter="wipe(up)">
                                       <p:cBhvr>
-                                        <p:cTn id="10" dur="500"/>
+                                        <p:cTn id="15" dur="500"/>
                                         <p:tgtEl>
                                           <p:spTgt spid="15"/>
                                         </p:tgtEl>
@@ -14528,14 +20611,67 @@
                                 </p:cTn>
                               </p:par>
                               <p:par>
-                                <p:cTn id="11" presetID="10" presetClass="entr" presetSubtype="0" fill="hold" grpId="0" nodeType="withEffect">
+                                <p:cTn id="16" presetID="22" presetClass="entr" presetSubtype="1" fill="hold" nodeType="withEffect">
                                   <p:stCondLst>
                                     <p:cond delay="0"/>
                                   </p:stCondLst>
                                   <p:childTnLst>
                                     <p:set>
                                       <p:cBhvr>
-                                        <p:cTn id="12" dur="1" fill="hold">
+                                        <p:cTn id="17" dur="1" fill="hold">
+                                          <p:stCondLst>
+                                            <p:cond delay="0"/>
+                                          </p:stCondLst>
+                                        </p:cTn>
+                                        <p:tgtEl>
+                                          <p:spTgt spid="3"/>
+                                        </p:tgtEl>
+                                        <p:attrNameLst>
+                                          <p:attrName>style.visibility</p:attrName>
+                                        </p:attrNameLst>
+                                      </p:cBhvr>
+                                      <p:to>
+                                        <p:strVal val="visible"/>
+                                      </p:to>
+                                    </p:set>
+                                    <p:animEffect transition="in" filter="wipe(up)">
+                                      <p:cBhvr>
+                                        <p:cTn id="18" dur="500"/>
+                                        <p:tgtEl>
+                                          <p:spTgt spid="3"/>
+                                        </p:tgtEl>
+                                      </p:cBhvr>
+                                    </p:animEffect>
+                                  </p:childTnLst>
+                                </p:cTn>
+                              </p:par>
+                            </p:childTnLst>
+                          </p:cTn>
+                        </p:par>
+                      </p:childTnLst>
+                    </p:cTn>
+                  </p:par>
+                  <p:par>
+                    <p:cTn id="19" fill="hold">
+                      <p:stCondLst>
+                        <p:cond delay="indefinite"/>
+                      </p:stCondLst>
+                      <p:childTnLst>
+                        <p:par>
+                          <p:cTn id="20" fill="hold">
+                            <p:stCondLst>
+                              <p:cond delay="0"/>
+                            </p:stCondLst>
+                            <p:childTnLst>
+                              <p:par>
+                                <p:cTn id="21" presetID="22" presetClass="entr" presetSubtype="1" fill="hold" grpId="0" nodeType="clickEffect">
+                                  <p:stCondLst>
+                                    <p:cond delay="0"/>
+                                  </p:stCondLst>
+                                  <p:childTnLst>
+                                    <p:set>
+                                      <p:cBhvr>
+                                        <p:cTn id="22" dur="1" fill="hold">
                                           <p:stCondLst>
                                             <p:cond delay="0"/>
                                           </p:stCondLst>
@@ -14551,9 +20687,9 @@
                                         <p:strVal val="visible"/>
                                       </p:to>
                                     </p:set>
-                                    <p:animEffect transition="in" filter="fade">
+                                    <p:animEffect transition="in" filter="wipe(up)">
                                       <p:cBhvr>
-                                        <p:cTn id="13" dur="500"/>
+                                        <p:cTn id="23" dur="500"/>
                                         <p:tgtEl>
                                           <p:spTgt spid="16"/>
                                         </p:tgtEl>
@@ -14562,103 +20698,15 @@
                                   </p:childTnLst>
                                 </p:cTn>
                               </p:par>
-                            </p:childTnLst>
-                          </p:cTn>
-                        </p:par>
-                      </p:childTnLst>
-                    </p:cTn>
-                  </p:par>
-                  <p:par>
-                    <p:cTn id="14" fill="hold">
-                      <p:stCondLst>
-                        <p:cond delay="indefinite"/>
-                      </p:stCondLst>
-                      <p:childTnLst>
-                        <p:par>
-                          <p:cTn id="15" fill="hold">
-                            <p:stCondLst>
-                              <p:cond delay="0"/>
-                            </p:stCondLst>
-                            <p:childTnLst>
                               <p:par>
-                                <p:cTn id="16" presetID="10" presetClass="entr" presetSubtype="0" fill="hold" grpId="0" nodeType="clickEffect">
+                                <p:cTn id="24" presetID="22" presetClass="entr" presetSubtype="1" fill="hold" grpId="0" nodeType="withEffect">
                                   <p:stCondLst>
                                     <p:cond delay="0"/>
                                   </p:stCondLst>
                                   <p:childTnLst>
                                     <p:set>
                                       <p:cBhvr>
-                                        <p:cTn id="17" dur="1" fill="hold">
-                                          <p:stCondLst>
-                                            <p:cond delay="0"/>
-                                          </p:stCondLst>
-                                        </p:cTn>
-                                        <p:tgtEl>
-                                          <p:spTgt spid="17"/>
-                                        </p:tgtEl>
-                                        <p:attrNameLst>
-                                          <p:attrName>style.visibility</p:attrName>
-                                        </p:attrNameLst>
-                                      </p:cBhvr>
-                                      <p:to>
-                                        <p:strVal val="visible"/>
-                                      </p:to>
-                                    </p:set>
-                                    <p:animEffect transition="in" filter="fade">
-                                      <p:cBhvr>
-                                        <p:cTn id="18" dur="500"/>
-                                        <p:tgtEl>
-                                          <p:spTgt spid="17"/>
-                                        </p:tgtEl>
-                                      </p:cBhvr>
-                                    </p:animEffect>
-                                  </p:childTnLst>
-                                </p:cTn>
-                              </p:par>
-                              <p:par>
-                                <p:cTn id="19" presetID="10" presetClass="entr" presetSubtype="0" fill="hold" grpId="0" nodeType="withEffect">
-                                  <p:stCondLst>
-                                    <p:cond delay="0"/>
-                                  </p:stCondLst>
-                                  <p:childTnLst>
-                                    <p:set>
-                                      <p:cBhvr>
-                                        <p:cTn id="20" dur="1" fill="hold">
-                                          <p:stCondLst>
-                                            <p:cond delay="0"/>
-                                          </p:stCondLst>
-                                        </p:cTn>
-                                        <p:tgtEl>
-                                          <p:spTgt spid="18"/>
-                                        </p:tgtEl>
-                                        <p:attrNameLst>
-                                          <p:attrName>style.visibility</p:attrName>
-                                        </p:attrNameLst>
-                                      </p:cBhvr>
-                                      <p:to>
-                                        <p:strVal val="visible"/>
-                                      </p:to>
-                                    </p:set>
-                                    <p:animEffect transition="in" filter="fade">
-                                      <p:cBhvr>
-                                        <p:cTn id="21" dur="500"/>
-                                        <p:tgtEl>
-                                          <p:spTgt spid="18"/>
-                                        </p:tgtEl>
-                                      </p:cBhvr>
-                                    </p:animEffect>
-                                  </p:childTnLst>
-                                </p:cTn>
-                              </p:par>
-                              <p:par>
-                                <p:cTn id="22" presetID="10" presetClass="entr" presetSubtype="0" fill="hold" grpId="0" nodeType="withEffect">
-                                  <p:stCondLst>
-                                    <p:cond delay="0"/>
-                                  </p:stCondLst>
-                                  <p:childTnLst>
-                                    <p:set>
-                                      <p:cBhvr>
-                                        <p:cTn id="23" dur="1" fill="hold">
+                                        <p:cTn id="25" dur="1" fill="hold">
                                           <p:stCondLst>
                                             <p:cond delay="0"/>
                                           </p:stCondLst>
@@ -14674,151 +20722,11 @@
                                         <p:strVal val="visible"/>
                                       </p:to>
                                     </p:set>
-                                    <p:animEffect transition="in" filter="fade">
+                                    <p:animEffect transition="in" filter="wipe(up)">
                                       <p:cBhvr>
-                                        <p:cTn id="24" dur="500"/>
+                                        <p:cTn id="26" dur="500"/>
                                         <p:tgtEl>
                                           <p:spTgt spid="19"/>
-                                        </p:tgtEl>
-                                      </p:cBhvr>
-                                    </p:animEffect>
-                                  </p:childTnLst>
-                                </p:cTn>
-                              </p:par>
-                              <p:par>
-                                <p:cTn id="25" presetID="10" presetClass="entr" presetSubtype="0" fill="hold" nodeType="withEffect">
-                                  <p:stCondLst>
-                                    <p:cond delay="0"/>
-                                  </p:stCondLst>
-                                  <p:childTnLst>
-                                    <p:set>
-                                      <p:cBhvr>
-                                        <p:cTn id="26" dur="1" fill="hold">
-                                          <p:stCondLst>
-                                            <p:cond delay="0"/>
-                                          </p:stCondLst>
-                                        </p:cTn>
-                                        <p:tgtEl>
-                                          <p:spTgt spid="27"/>
-                                        </p:tgtEl>
-                                        <p:attrNameLst>
-                                          <p:attrName>style.visibility</p:attrName>
-                                        </p:attrNameLst>
-                                      </p:cBhvr>
-                                      <p:to>
-                                        <p:strVal val="visible"/>
-                                      </p:to>
-                                    </p:set>
-                                    <p:animEffect transition="in" filter="fade">
-                                      <p:cBhvr>
-                                        <p:cTn id="27" dur="500"/>
-                                        <p:tgtEl>
-                                          <p:spTgt spid="27"/>
-                                        </p:tgtEl>
-                                      </p:cBhvr>
-                                    </p:animEffect>
-                                  </p:childTnLst>
-                                </p:cTn>
-                              </p:par>
-                              <p:par>
-                                <p:cTn id="28" presetID="10" presetClass="entr" presetSubtype="0" fill="hold" nodeType="withEffect">
-                                  <p:stCondLst>
-                                    <p:cond delay="0"/>
-                                  </p:stCondLst>
-                                  <p:childTnLst>
-                                    <p:set>
-                                      <p:cBhvr>
-                                        <p:cTn id="29" dur="1" fill="hold">
-                                          <p:stCondLst>
-                                            <p:cond delay="0"/>
-                                          </p:stCondLst>
-                                        </p:cTn>
-                                        <p:tgtEl>
-                                          <p:spTgt spid="25"/>
-                                        </p:tgtEl>
-                                        <p:attrNameLst>
-                                          <p:attrName>style.visibility</p:attrName>
-                                        </p:attrNameLst>
-                                      </p:cBhvr>
-                                      <p:to>
-                                        <p:strVal val="visible"/>
-                                      </p:to>
-                                    </p:set>
-                                    <p:animEffect transition="in" filter="fade">
-                                      <p:cBhvr>
-                                        <p:cTn id="30" dur="500"/>
-                                        <p:tgtEl>
-                                          <p:spTgt spid="25"/>
-                                        </p:tgtEl>
-                                      </p:cBhvr>
-                                    </p:animEffect>
-                                  </p:childTnLst>
-                                </p:cTn>
-                              </p:par>
-                              <p:par>
-                                <p:cTn id="31" presetID="10" presetClass="entr" presetSubtype="0" fill="hold" grpId="0" nodeType="withEffect">
-                                  <p:stCondLst>
-                                    <p:cond delay="0"/>
-                                  </p:stCondLst>
-                                  <p:childTnLst>
-                                    <p:set>
-                                      <p:cBhvr>
-                                        <p:cTn id="32" dur="1" fill="hold">
-                                          <p:stCondLst>
-                                            <p:cond delay="0"/>
-                                          </p:stCondLst>
-                                        </p:cTn>
-                                        <p:tgtEl>
-                                          <p:spTgt spid="21"/>
-                                        </p:tgtEl>
-                                        <p:attrNameLst>
-                                          <p:attrName>style.visibility</p:attrName>
-                                        </p:attrNameLst>
-                                      </p:cBhvr>
-                                      <p:to>
-                                        <p:strVal val="visible"/>
-                                      </p:to>
-                                    </p:set>
-                                    <p:animEffect transition="in" filter="fade">
-                                      <p:cBhvr>
-                                        <p:cTn id="33" dur="500"/>
-                                        <p:tgtEl>
-                                          <p:spTgt spid="21"/>
-                                        </p:tgtEl>
-                                      </p:cBhvr>
-                                    </p:animEffect>
-                                  </p:childTnLst>
-                                </p:cTn>
-                              </p:par>
-                              <p:par>
-                                <p:cTn id="34" presetID="10" presetClass="entr" presetSubtype="0" fill="hold" grpId="0" nodeType="withEffect">
-                                  <p:stCondLst>
-                                    <p:cond delay="0"/>
-                                  </p:stCondLst>
-                                  <p:childTnLst>
-                                    <p:set>
-                                      <p:cBhvr>
-                                        <p:cTn id="35" dur="1" fill="hold">
-                                          <p:stCondLst>
-                                            <p:cond delay="0"/>
-                                          </p:stCondLst>
-                                        </p:cTn>
-                                        <p:tgtEl>
-                                          <p:spTgt spid="20"/>
-                                        </p:tgtEl>
-                                        <p:attrNameLst>
-                                          <p:attrName>style.visibility</p:attrName>
-                                        </p:attrNameLst>
-                                      </p:cBhvr>
-                                      <p:to>
-                                        <p:strVal val="visible"/>
-                                      </p:to>
-                                    </p:set>
-                                    <p:animEffect transition="in" filter="fade">
-                                      <p:cBhvr>
-                                        <p:cTn id="36" dur="500"/>
-                                        <p:tgtEl>
-                                          <p:spTgt spid="20"/>
                                         </p:tgtEl>
                                       </p:cBhvr>
                                     </p:animEffect>
@@ -14857,10 +20765,7 @@
       <p:bldP spid="15" grpId="0" animBg="1"/>
       <p:bldP spid="16" grpId="0" animBg="1"/>
       <p:bldP spid="17" grpId="0" animBg="1"/>
-      <p:bldP spid="18" grpId="0" animBg="1"/>
       <p:bldP spid="19" grpId="0" animBg="1"/>
-      <p:bldP spid="20" grpId="0"/>
-      <p:bldP spid="21" grpId="0"/>
     </p:bldLst>
   </p:timing>
 </p:sld>
@@ -14997,97 +20902,34 @@
           </a:p>
         </p:txBody>
       </p:sp>
-      <p:sp>
-        <p:nvSpPr>
-          <p:cNvPr id="3" name="文本框 2">
+      <p:graphicFrame>
+        <p:nvGraphicFramePr>
+          <p:cNvPr id="4" name="图示 3">
             <a:extLst>
               <a:ext uri="{FF2B5EF4-FFF2-40B4-BE49-F238E27FC236}">
-                <a16:creationId xmlns:a16="http://schemas.microsoft.com/office/drawing/2014/main" id="{29F2492E-4A40-0E4D-8E49-7AD2AB406C9D}"/>
+                <a16:creationId xmlns:a16="http://schemas.microsoft.com/office/drawing/2014/main" id="{E2AF85A8-A7BF-7048-8AC3-09BBB16F7BE4}"/>
               </a:ext>
             </a:extLst>
           </p:cNvPr>
-          <p:cNvSpPr txBox="1"/>
-          <p:nvPr/>
-        </p:nvSpPr>
-        <p:spPr>
-          <a:xfrm>
-            <a:off x="3951824" y="1634406"/>
-            <a:ext cx="4288353" cy="3589188"/>
-          </a:xfrm>
-          <a:prstGeom prst="rect">
-            <a:avLst/>
-          </a:prstGeom>
-          <a:noFill/>
-        </p:spPr>
-        <p:txBody>
-          <a:bodyPr wrap="none" rtlCol="0" anchor="ctr">
-            <a:spAutoFit/>
-          </a:bodyPr>
-          <a:lstStyle/>
-          <a:p>
-            <a:pPr algn="ctr">
-              <a:lnSpc>
-                <a:spcPct val="200000"/>
-              </a:lnSpc>
-            </a:pPr>
-            <a:r>
-              <a:rPr kumimoji="1" lang="zh-CN" altLang="en-US" sz="4000" dirty="0"/>
-              <a:t>认清：        </a:t>
-            </a:r>
-            <a:r>
-              <a:rPr kumimoji="1" lang="en-US" altLang="zh-CN" sz="4000" dirty="0"/>
-              <a:t>0</a:t>
-            </a:r>
-            <a:r>
-              <a:rPr kumimoji="1" lang="zh-CN" altLang="en-US" sz="4000" dirty="0"/>
-              <a:t> </a:t>
-            </a:r>
-            <a:r>
-              <a:rPr kumimoji="1" lang="en-US" altLang="zh-CN" sz="4000" dirty="0"/>
-              <a:t>→</a:t>
-            </a:r>
-            <a:r>
-              <a:rPr kumimoji="1" lang="zh-CN" altLang="en-US" sz="4000" dirty="0"/>
-              <a:t> </a:t>
-            </a:r>
-            <a:r>
-              <a:rPr kumimoji="1" lang="en-US" altLang="zh-CN" sz="4000" dirty="0"/>
-              <a:t>1</a:t>
-            </a:r>
-          </a:p>
-          <a:p>
-            <a:pPr algn="ctr">
-              <a:lnSpc>
-                <a:spcPct val="200000"/>
-              </a:lnSpc>
-            </a:pPr>
-            <a:r>
-              <a:rPr kumimoji="1" lang="zh-CN" altLang="en-US" sz="4000" dirty="0"/>
-              <a:t>选择：研究 </a:t>
-            </a:r>
-            <a:r>
-              <a:rPr kumimoji="1" lang="en-US" altLang="zh-CN" sz="4000" dirty="0"/>
-              <a:t>/</a:t>
-            </a:r>
-            <a:r>
-              <a:rPr kumimoji="1" lang="zh-CN" altLang="en-US" sz="4000" dirty="0"/>
-              <a:t> 应用</a:t>
-            </a:r>
-            <a:endParaRPr kumimoji="1" lang="en-US" altLang="zh-CN" sz="4000" dirty="0"/>
-          </a:p>
-          <a:p>
-            <a:pPr algn="ctr">
-              <a:lnSpc>
-                <a:spcPct val="200000"/>
-              </a:lnSpc>
-            </a:pPr>
-            <a:r>
-              <a:rPr kumimoji="1" lang="zh-CN" altLang="en-US" sz="4000" dirty="0"/>
-              <a:t>信念：科技即未来</a:t>
-            </a:r>
-          </a:p>
-        </p:txBody>
-      </p:sp>
+          <p:cNvGraphicFramePr/>
+          <p:nvPr>
+            <p:extLst>
+              <p:ext uri="{D42A27DB-BD31-4B8C-83A1-F6EECF244321}">
+                <p14:modId xmlns:p14="http://schemas.microsoft.com/office/powerpoint/2010/main" val="2846058046"/>
+              </p:ext>
+            </p:extLst>
+          </p:nvPr>
+        </p:nvGraphicFramePr>
+        <p:xfrm>
+          <a:off x="2867949" y="1885285"/>
+          <a:ext cx="6456101" cy="4529452"/>
+        </p:xfrm>
+        <a:graphic>
+          <a:graphicData uri="http://schemas.openxmlformats.org/drawingml/2006/diagram">
+            <dgm:relIds xmlns:dgm="http://schemas.openxmlformats.org/drawingml/2006/diagram" xmlns:r="http://schemas.openxmlformats.org/officeDocument/2006/relationships" r:dm="rId2" r:lo="rId3" r:qs="rId4" r:cs="rId5"/>
+          </a:graphicData>
+        </a:graphic>
+      </p:graphicFrame>
     </p:spTree>
     <p:extLst>
       <p:ext uri="{BB962C8B-B14F-4D97-AF65-F5344CB8AC3E}">
@@ -18896,257 +24738,115 @@
           <a:lstStyle/>
           <a:p>
             <a:r>
-              <a:rPr lang="zh-CN" altLang="en-US" sz="3200" b="1" cap="none" spc="0" dirty="0">
-                <a:ln w="12700" cmpd="sng">
-                  <a:solidFill>
-                    <a:schemeClr val="accent3"/>
-                  </a:solidFill>
-                  <a:prstDash val="solid"/>
-                </a:ln>
-                <a:gradFill>
-                  <a:gsLst>
-                    <a:gs pos="0">
-                      <a:schemeClr val="accent4"/>
-                    </a:gs>
-                    <a:gs pos="4000">
-                      <a:schemeClr val="accent4">
-                        <a:lumMod val="60000"/>
-                        <a:lumOff val="40000"/>
-                      </a:schemeClr>
-                    </a:gs>
-                    <a:gs pos="87000">
-                      <a:schemeClr val="accent4">
-                        <a:lumMod val="20000"/>
-                        <a:lumOff val="80000"/>
-                      </a:schemeClr>
-                    </a:gs>
-                  </a:gsLst>
-                  <a:lin ang="5400000"/>
-                </a:gradFill>
-                <a:effectLst/>
-              </a:rPr>
-              <a:t>误区</a:t>
-            </a:r>
-            <a:r>
-              <a:rPr lang="en-US" altLang="zh-CN" sz="3200" b="1" cap="none" spc="0" dirty="0">
-                <a:ln w="12700" cmpd="sng">
-                  <a:solidFill>
-                    <a:schemeClr val="accent3"/>
-                  </a:solidFill>
-                  <a:prstDash val="solid"/>
-                </a:ln>
-                <a:gradFill>
-                  <a:gsLst>
-                    <a:gs pos="0">
-                      <a:schemeClr val="accent4"/>
-                    </a:gs>
-                    <a:gs pos="4000">
-                      <a:schemeClr val="accent4">
-                        <a:lumMod val="60000"/>
-                        <a:lumOff val="40000"/>
-                      </a:schemeClr>
-                    </a:gs>
-                    <a:gs pos="87000">
-                      <a:schemeClr val="accent4">
-                        <a:lumMod val="20000"/>
-                        <a:lumOff val="80000"/>
-                      </a:schemeClr>
-                    </a:gs>
-                  </a:gsLst>
-                  <a:lin ang="5400000"/>
-                </a:gradFill>
-                <a:effectLst/>
-              </a:rPr>
-              <a:t>1</a:t>
-            </a:r>
-            <a:r>
-              <a:rPr lang="zh-CN" altLang="en-US" sz="3200" b="1" cap="none" spc="0" dirty="0">
-                <a:ln w="12700" cmpd="sng">
-                  <a:solidFill>
-                    <a:schemeClr val="accent3"/>
-                  </a:solidFill>
-                  <a:prstDash val="solid"/>
-                </a:ln>
-                <a:gradFill>
-                  <a:gsLst>
-                    <a:gs pos="0">
-                      <a:schemeClr val="accent4"/>
-                    </a:gs>
-                    <a:gs pos="4000">
-                      <a:schemeClr val="accent4">
-                        <a:lumMod val="60000"/>
-                        <a:lumOff val="40000"/>
-                      </a:schemeClr>
-                    </a:gs>
-                    <a:gs pos="87000">
-                      <a:schemeClr val="accent4">
-                        <a:lumMod val="20000"/>
-                        <a:lumOff val="80000"/>
-                      </a:schemeClr>
-                    </a:gs>
-                  </a:gsLst>
-                  <a:lin ang="5400000"/>
-                </a:gradFill>
-                <a:effectLst/>
-              </a:rPr>
-              <a:t>：所有的问题无脑上深度学习就好了</a:t>
-            </a:r>
-            <a:r>
-              <a:rPr lang="zh-CN" altLang="en-US" sz="3200" b="1" dirty="0">
-                <a:ln w="12700" cmpd="sng">
-                  <a:solidFill>
-                    <a:schemeClr val="accent3"/>
-                  </a:solidFill>
-                  <a:prstDash val="solid"/>
-                </a:ln>
-                <a:gradFill>
-                  <a:gsLst>
-                    <a:gs pos="0">
-                      <a:schemeClr val="accent4"/>
-                    </a:gs>
-                    <a:gs pos="4000">
-                      <a:schemeClr val="accent4">
-                        <a:lumMod val="60000"/>
-                        <a:lumOff val="40000"/>
-                      </a:schemeClr>
-                    </a:gs>
-                    <a:gs pos="87000">
-                      <a:schemeClr val="accent4">
-                        <a:lumMod val="20000"/>
-                        <a:lumOff val="80000"/>
-                      </a:schemeClr>
-                    </a:gs>
-                  </a:gsLst>
-                  <a:lin ang="5400000"/>
-                </a:gradFill>
-              </a:rPr>
-              <a:t>。</a:t>
-            </a:r>
-            <a:endParaRPr lang="en-US" altLang="zh-CN" sz="3200" b="1" dirty="0">
-              <a:ln w="12700" cmpd="sng">
+              <a:rPr lang="zh-CN" altLang="en-US" sz="3200" dirty="0">
+                <a:ln w="0"/>
                 <a:solidFill>
                   <a:schemeClr val="accent3"/>
                 </a:solidFill>
-                <a:prstDash val="solid"/>
-              </a:ln>
-              <a:gradFill>
-                <a:gsLst>
-                  <a:gs pos="0">
-                    <a:schemeClr val="accent4"/>
-                  </a:gs>
-                  <a:gs pos="4000">
-                    <a:schemeClr val="accent4">
-                      <a:lumMod val="60000"/>
-                      <a:lumOff val="40000"/>
+                <a:effectLst>
+                  <a:outerShdw blurRad="38100" dist="19050" dir="2700000" algn="tl" rotWithShape="0">
+                    <a:schemeClr val="dk1">
+                      <a:alpha val="40000"/>
                     </a:schemeClr>
-                  </a:gs>
-                  <a:gs pos="87000">
-                    <a:schemeClr val="accent4">
-                      <a:lumMod val="20000"/>
-                      <a:lumOff val="80000"/>
+                  </a:outerShdw>
+                </a:effectLst>
+              </a:rPr>
+              <a:t>误区</a:t>
+            </a:r>
+            <a:r>
+              <a:rPr lang="en-US" altLang="zh-CN" sz="3200" dirty="0">
+                <a:ln w="0"/>
+                <a:solidFill>
+                  <a:schemeClr val="accent3"/>
+                </a:solidFill>
+                <a:effectLst>
+                  <a:outerShdw blurRad="38100" dist="19050" dir="2700000" algn="tl" rotWithShape="0">
+                    <a:schemeClr val="dk1">
+                      <a:alpha val="40000"/>
                     </a:schemeClr>
-                  </a:gs>
-                </a:gsLst>
-                <a:lin ang="5400000"/>
-              </a:gradFill>
+                  </a:outerShdw>
+                </a:effectLst>
+              </a:rPr>
+              <a:t>1</a:t>
+            </a:r>
+            <a:r>
+              <a:rPr lang="zh-CN" altLang="en-US" sz="3200" dirty="0">
+                <a:ln w="0"/>
+                <a:solidFill>
+                  <a:schemeClr val="accent3"/>
+                </a:solidFill>
+                <a:effectLst>
+                  <a:outerShdw blurRad="38100" dist="19050" dir="2700000" algn="tl" rotWithShape="0">
+                    <a:schemeClr val="dk1">
+                      <a:alpha val="40000"/>
+                    </a:schemeClr>
+                  </a:outerShdw>
+                </a:effectLst>
+              </a:rPr>
+              <a:t>：所有的问题无脑上深度学习就好了。</a:t>
+            </a:r>
+            <a:endParaRPr lang="en-US" altLang="zh-CN" sz="3200" dirty="0">
+              <a:ln w="0"/>
+              <a:solidFill>
+                <a:schemeClr val="accent3"/>
+              </a:solidFill>
+              <a:effectLst>
+                <a:outerShdw blurRad="38100" dist="19050" dir="2700000" algn="tl" rotWithShape="0">
+                  <a:schemeClr val="dk1">
+                    <a:alpha val="40000"/>
+                  </a:schemeClr>
+                </a:outerShdw>
+              </a:effectLst>
             </a:endParaRPr>
           </a:p>
           <a:p>
             <a:r>
-              <a:rPr lang="zh-CN" altLang="en-US" sz="3200" b="1" cap="none" spc="0" dirty="0">
-                <a:ln w="12700" cmpd="sng">
-                  <a:solidFill>
-                    <a:schemeClr val="accent3"/>
-                  </a:solidFill>
-                  <a:prstDash val="solid"/>
-                </a:ln>
-                <a:gradFill>
-                  <a:gsLst>
-                    <a:gs pos="0">
-                      <a:schemeClr val="accent4"/>
-                    </a:gs>
-                    <a:gs pos="4000">
-                      <a:schemeClr val="accent4">
-                        <a:lumMod val="60000"/>
-                        <a:lumOff val="40000"/>
-                      </a:schemeClr>
-                    </a:gs>
-                    <a:gs pos="87000">
-                      <a:schemeClr val="accent4">
-                        <a:lumMod val="20000"/>
-                        <a:lumOff val="80000"/>
-                      </a:schemeClr>
-                    </a:gs>
-                  </a:gsLst>
-                  <a:lin ang="5400000"/>
-                </a:gradFill>
-                <a:effectLst/>
+              <a:rPr lang="zh-CN" altLang="en-US" sz="3200" dirty="0">
+                <a:ln w="0"/>
+                <a:solidFill>
+                  <a:schemeClr val="accent3"/>
+                </a:solidFill>
+                <a:effectLst>
+                  <a:outerShdw blurRad="38100" dist="19050" dir="2700000" algn="tl" rotWithShape="0">
+                    <a:schemeClr val="dk1">
+                      <a:alpha val="40000"/>
+                    </a:schemeClr>
+                  </a:outerShdw>
+                </a:effectLst>
               </a:rPr>
               <a:t>误区</a:t>
             </a:r>
             <a:r>
-              <a:rPr lang="en-US" altLang="zh-CN" sz="3200" b="1" cap="none" spc="0" dirty="0">
-                <a:ln w="12700" cmpd="sng">
-                  <a:solidFill>
-                    <a:schemeClr val="accent3"/>
-                  </a:solidFill>
-                  <a:prstDash val="solid"/>
-                </a:ln>
-                <a:gradFill>
-                  <a:gsLst>
-                    <a:gs pos="0">
-                      <a:schemeClr val="accent4"/>
-                    </a:gs>
-                    <a:gs pos="4000">
-                      <a:schemeClr val="accent4">
-                        <a:lumMod val="60000"/>
-                        <a:lumOff val="40000"/>
-                      </a:schemeClr>
-                    </a:gs>
-                    <a:gs pos="87000">
-                      <a:schemeClr val="accent4">
-                        <a:lumMod val="20000"/>
-                        <a:lumOff val="80000"/>
-                      </a:schemeClr>
-                    </a:gs>
-                  </a:gsLst>
-                  <a:lin ang="5400000"/>
-                </a:gradFill>
-                <a:effectLst/>
+              <a:rPr lang="en-US" altLang="zh-CN" sz="3200" dirty="0">
+                <a:ln w="0"/>
+                <a:solidFill>
+                  <a:schemeClr val="accent3"/>
+                </a:solidFill>
+                <a:effectLst>
+                  <a:outerShdw blurRad="38100" dist="19050" dir="2700000" algn="tl" rotWithShape="0">
+                    <a:schemeClr val="dk1">
+                      <a:alpha val="40000"/>
+                    </a:schemeClr>
+                  </a:outerShdw>
+                </a:effectLst>
               </a:rPr>
               <a:t>2</a:t>
             </a:r>
             <a:r>
-              <a:rPr lang="zh-CN" altLang="en-US" sz="3200" b="1" cap="none" spc="0" dirty="0">
-                <a:ln w="12700" cmpd="sng">
-                  <a:solidFill>
-                    <a:schemeClr val="accent3"/>
-                  </a:solidFill>
-                  <a:prstDash val="solid"/>
-                </a:ln>
-                <a:gradFill>
-                  <a:gsLst>
-                    <a:gs pos="0">
-                      <a:schemeClr val="accent4"/>
-                    </a:gs>
-                    <a:gs pos="4000">
-                      <a:schemeClr val="accent4">
-                        <a:lumMod val="60000"/>
-                        <a:lumOff val="40000"/>
-                      </a:schemeClr>
-                    </a:gs>
-                    <a:gs pos="87000">
-                      <a:schemeClr val="accent4">
-                        <a:lumMod val="20000"/>
-                        <a:lumOff val="80000"/>
-                      </a:schemeClr>
-                    </a:gs>
-                  </a:gsLst>
-                  <a:lin ang="5400000"/>
-                </a:gradFill>
-                <a:effectLst/>
+              <a:rPr lang="zh-CN" altLang="en-US" sz="3200" dirty="0">
+                <a:ln w="0"/>
+                <a:solidFill>
+                  <a:schemeClr val="accent3"/>
+                </a:solidFill>
+                <a:effectLst>
+                  <a:outerShdw blurRad="38100" dist="19050" dir="2700000" algn="tl" rotWithShape="0">
+                    <a:schemeClr val="dk1">
+                      <a:alpha val="40000"/>
+                    </a:schemeClr>
+                  </a:outerShdw>
+                </a:effectLst>
               </a:rPr>
-              <a:t>：上更新的模型就能得到更好的效果。</a:t>
+              <a:t>：新的模型总能带来更好的效果。</a:t>
             </a:r>
           </a:p>
         </p:txBody>
